--- a/Manuscript/Figures/figures.pptx
+++ b/Manuscript/Figures/figures.pptx
@@ -5,16 +5,17 @@
     <p:sldMasterId id="2147483648" r:id="rId1"/>
   </p:sldMasterIdLst>
   <p:notesMasterIdLst>
-    <p:notesMasterId r:id="rId9"/>
+    <p:notesMasterId r:id="rId10"/>
   </p:notesMasterIdLst>
   <p:sldIdLst>
     <p:sldId id="257" r:id="rId2"/>
     <p:sldId id="256" r:id="rId3"/>
-    <p:sldId id="258" r:id="rId4"/>
-    <p:sldId id="259" r:id="rId5"/>
-    <p:sldId id="260" r:id="rId6"/>
-    <p:sldId id="261" r:id="rId7"/>
-    <p:sldId id="262" r:id="rId8"/>
+    <p:sldId id="263" r:id="rId4"/>
+    <p:sldId id="258" r:id="rId5"/>
+    <p:sldId id="259" r:id="rId6"/>
+    <p:sldId id="260" r:id="rId7"/>
+    <p:sldId id="261" r:id="rId8"/>
+    <p:sldId id="262" r:id="rId9"/>
   </p:sldIdLst>
   <p:sldSz cx="12192000" cy="6858000"/>
   <p:notesSz cx="6858000" cy="9144000"/>
@@ -113,6 +114,11 @@
       </a:defRPr>
     </a:lvl9pPr>
   </p:defaultTextStyle>
+  <p:extLst>
+    <p:ext uri="{EFAFB233-063F-42B5-8137-9DF3F51BA10A}">
+      <p15:sldGuideLst xmlns:p15="http://schemas.microsoft.com/office/powerpoint/2012/main"/>
+    </p:ext>
+  </p:extLst>
 </p:presentation>
 </file>
 
@@ -198,7 +204,7 @@
           <a:p>
             <a:fld id="{2CC8EC8B-7088-4960-A786-57503A27F1EB}" type="datetimeFigureOut">
               <a:rPr lang="en-US" smtClean="0"/>
-              <a:t>10/28/2018</a:t>
+              <a:t>11/1/2018</a:t>
             </a:fld>
             <a:endParaRPr lang="en-US"/>
           </a:p>
@@ -726,7 +732,7 @@
           <a:p>
             <a:r>
               <a:rPr lang="en-US" dirty="0"/>
-              <a:t>Ensemble Pipeline</a:t>
+              <a:t>Diagram of Predictor Types (edited)</a:t>
             </a:r>
           </a:p>
           <a:p>
@@ -735,8 +741,11 @@
           <a:p>
             <a:r>
               <a:rPr lang="en-US" dirty="0"/>
-              <a:t>Figure 3. A diagram of the ensemble pipeline. The process was the same for each combination of predictor type, variable reduction technique, and resampling method considered. The data was split into a 7:3 training set to testing set ratio. The variable reduction technique of choice was performed. The training set was then reduced and the classification algorithm of choice was performed. Lastly, the algorithm was validated on the testing set.</a:t>
+              <a:t>Figure 2. Diagram of the 3 predictor types considered when predicting which genomic elements were associated with the formation of TAD boundaries. (A) The overlap counts (OC) predictors were calculated by considering the total number of elemental regions that overlapped with each genomic bin. (B) The overlap percent (OP) predictors were calculated by dividing the sum of all feature widths within a bin and dividing by the total bin width (either 5 or 10kb depending on the cell line). For simplicity, an example for bin III is shown above. (C) The distance predictors were calculated by measuring the distance (in base pairs) from the center of each genomic bin the center of the nearest elemental region of interest. For simplicity, an example for bin II is shown above.</a:t>
             </a:r>
+          </a:p>
+          <a:p>
+            <a:endParaRPr lang="en-US" dirty="0"/>
           </a:p>
         </p:txBody>
       </p:sp>
@@ -766,7 +775,7 @@
     </p:spTree>
     <p:extLst>
       <p:ext uri="{BB962C8B-B14F-4D97-AF65-F5344CB8AC3E}">
-        <p14:creationId xmlns:p14="http://schemas.microsoft.com/office/powerpoint/2010/main" val="4238709179"/>
+        <p14:creationId xmlns:p14="http://schemas.microsoft.com/office/powerpoint/2010/main" val="2578532080"/>
       </p:ext>
     </p:extLst>
   </p:cSld>
@@ -822,7 +831,7 @@
           <a:p>
             <a:r>
               <a:rPr lang="en-US" dirty="0"/>
-              <a:t>Class Imbalance</a:t>
+              <a:t>Ensemble Pipeline</a:t>
             </a:r>
           </a:p>
           <a:p>
@@ -831,33 +840,7 @@
           <a:p>
             <a:r>
               <a:rPr lang="en-US" dirty="0"/>
-              <a:t>Figure 4. </a:t>
-            </a:r>
-            <a:r>
-              <a:rPr lang="en-US" dirty="0" err="1"/>
-              <a:t>Barplots</a:t>
-            </a:r>
-            <a:r>
-              <a:rPr lang="en-US" dirty="0"/>
-              <a:t> illustrating the issue of class imbalance. The majority class represents the number of genomic bins without TAD boundaries in them, while the minority class represents the number of genomic bins with TAD boundaries in them. Each sampling technique considered created perfectly balanced data.</a:t>
-            </a:r>
-          </a:p>
-          <a:p>
-            <a:endParaRPr lang="en-US" dirty="0"/>
-          </a:p>
-          <a:p>
-            <a:r>
-              <a:rPr lang="en-US" dirty="0"/>
-              <a:t>**put over-sampling technique</a:t>
-            </a:r>
-          </a:p>
-          <a:p>
-            <a:endParaRPr lang="en-US" dirty="0"/>
-          </a:p>
-          <a:p>
-            <a:r>
-              <a:rPr lang="en-US" dirty="0"/>
-              <a:t>**put other cell lines (supplementary)</a:t>
+              <a:t>Figure 3. A diagram of the ensemble pipeline. The process was the same for each combination of predictor type, variable reduction technique, and resampling method considered. The data was split into a 7:3 training set to testing set ratio. The variable reduction technique of choice was performed. The training set was then reduced and the classification algorithm of choice was performed. Lastly, the algorithm was validated on the testing set.</a:t>
             </a:r>
           </a:p>
         </p:txBody>
@@ -888,7 +871,7 @@
     </p:spTree>
     <p:extLst>
       <p:ext uri="{BB962C8B-B14F-4D97-AF65-F5344CB8AC3E}">
-        <p14:creationId xmlns:p14="http://schemas.microsoft.com/office/powerpoint/2010/main" val="3078931543"/>
+        <p14:creationId xmlns:p14="http://schemas.microsoft.com/office/powerpoint/2010/main" val="4238709179"/>
       </p:ext>
     </p:extLst>
   </p:cSld>
@@ -944,7 +927,7 @@
           <a:p>
             <a:r>
               <a:rPr lang="en-US" dirty="0"/>
-              <a:t>Impact of Variable Reduction</a:t>
+              <a:t>Class Imbalance</a:t>
             </a:r>
           </a:p>
           <a:p>
@@ -953,22 +936,24 @@
           <a:p>
             <a:r>
               <a:rPr lang="en-US" dirty="0"/>
-              <a:t>Figure 5. Comparisons of the different variable reduction techniques considered across each of the sampling techniques. Each plot includes the AUC measures for a random forest model with a particular predictor type and sampling technique, for each of the 3 variable reduction techniques (AIC, KS-test, LASSO). </a:t>
+              <a:t>Figure 4. </a:t>
             </a:r>
-          </a:p>
-          <a:p>
-            <a:endParaRPr lang="en-US" dirty="0"/>
-          </a:p>
-          <a:p>
+            <a:r>
+              <a:rPr lang="en-US" dirty="0" err="1"/>
+              <a:t>Barplots</a:t>
+            </a:r>
             <a:r>
               <a:rPr lang="en-US" dirty="0"/>
-              <a:t>**supplementary!</a:t>
+              <a:t> illustrating the issue of class imbalance. The majority class represents the number of genomic bins without TAD boundaries in them, while the minority class represents the number of genomic bins with TAD boundaries in them. Each sampling technique considered created perfectly balanced data.</a:t>
             </a:r>
+          </a:p>
+          <a:p>
+            <a:endParaRPr lang="en-US" dirty="0"/>
           </a:p>
           <a:p>
             <a:r>
               <a:rPr lang="en-US" dirty="0"/>
-              <a:t>**look at other metrics (MCC)</a:t>
+              <a:t>**put over-sampling technique</a:t>
             </a:r>
           </a:p>
           <a:p>
@@ -977,16 +962,7 @@
           <a:p>
             <a:r>
               <a:rPr lang="en-US" dirty="0"/>
-              <a:t>**label plots across columns by predictor type</a:t>
-            </a:r>
-          </a:p>
-          <a:p>
-            <a:endParaRPr lang="en-US" dirty="0"/>
-          </a:p>
-          <a:p>
-            <a:r>
-              <a:rPr lang="en-US" dirty="0"/>
-              <a:t>**include legend</a:t>
+              <a:t>**put other cell lines (supplementary)</a:t>
             </a:r>
           </a:p>
         </p:txBody>
@@ -1017,7 +993,7 @@
     </p:spTree>
     <p:extLst>
       <p:ext uri="{BB962C8B-B14F-4D97-AF65-F5344CB8AC3E}">
-        <p14:creationId xmlns:p14="http://schemas.microsoft.com/office/powerpoint/2010/main" val="1744980399"/>
+        <p14:creationId xmlns:p14="http://schemas.microsoft.com/office/powerpoint/2010/main" val="3078931543"/>
       </p:ext>
     </p:extLst>
   </p:cSld>
@@ -1073,7 +1049,7 @@
           <a:p>
             <a:r>
               <a:rPr lang="en-US" dirty="0"/>
-              <a:t>Model Performances</a:t>
+              <a:t>Impact of Variable Reduction</a:t>
             </a:r>
           </a:p>
           <a:p>
@@ -1082,7 +1058,7 @@
           <a:p>
             <a:r>
               <a:rPr lang="en-US" dirty="0"/>
-              <a:t>Figure 6. Performance metrics for a variety of random forest models using LASSO regularization, by predictor type and sampling technique.</a:t>
+              <a:t>Figure 5. Comparisons of the different variable reduction techniques considered across each of the sampling techniques. Each plot includes the AUC measures for a random forest model with a particular predictor type and sampling technique, for each of the 3 variable reduction techniques (AIC, KS-test, LASSO). </a:t>
             </a:r>
           </a:p>
           <a:p>
@@ -1091,16 +1067,31 @@
           <a:p>
             <a:r>
               <a:rPr lang="en-US" dirty="0"/>
-              <a:t>**remove SS gap</a:t>
+              <a:t>**supplementary!</a:t>
             </a:r>
-          </a:p>
-          <a:p>
-            <a:endParaRPr lang="en-US" dirty="0"/>
           </a:p>
           <a:p>
             <a:r>
               <a:rPr lang="en-US" dirty="0"/>
-              <a:t>**provide table</a:t>
+              <a:t>**look at other metrics (MCC)</a:t>
+            </a:r>
+          </a:p>
+          <a:p>
+            <a:endParaRPr lang="en-US" dirty="0"/>
+          </a:p>
+          <a:p>
+            <a:r>
+              <a:rPr lang="en-US" dirty="0"/>
+              <a:t>**label plots across columns by predictor type</a:t>
+            </a:r>
+          </a:p>
+          <a:p>
+            <a:endParaRPr lang="en-US" dirty="0"/>
+          </a:p>
+          <a:p>
+            <a:r>
+              <a:rPr lang="en-US" dirty="0"/>
+              <a:t>**include legend</a:t>
             </a:r>
           </a:p>
         </p:txBody>
@@ -1131,7 +1122,7 @@
     </p:spTree>
     <p:extLst>
       <p:ext uri="{BB962C8B-B14F-4D97-AF65-F5344CB8AC3E}">
-        <p14:creationId xmlns:p14="http://schemas.microsoft.com/office/powerpoint/2010/main" val="3871160884"/>
+        <p14:creationId xmlns:p14="http://schemas.microsoft.com/office/powerpoint/2010/main" val="1744980399"/>
       </p:ext>
     </p:extLst>
   </p:cSld>
@@ -1187,7 +1178,7 @@
           <a:p>
             <a:r>
               <a:rPr lang="en-US" dirty="0"/>
-              <a:t>Feature Importance</a:t>
+              <a:t>Model Performances</a:t>
             </a:r>
           </a:p>
           <a:p>
@@ -1196,30 +1187,17 @@
           <a:p>
             <a:r>
               <a:rPr lang="en-US" dirty="0"/>
-              <a:t>Figure 7. Comparisons between GM12878 and K562 cell lines. The top 10 most predictive features associated with the formation of TAD boundaries for GM12878 (A) and K562 (B). (C) A </a:t>
+              <a:t>Figure 6. Performance metrics for a variety of random forest models using LASSO regularization, by predictor type and sampling technique.</a:t>
             </a:r>
-            <a:r>
-              <a:rPr lang="en-US" dirty="0" err="1"/>
-              <a:t>venn</a:t>
-            </a:r>
+          </a:p>
+          <a:p>
+            <a:endParaRPr lang="en-US" dirty="0"/>
+          </a:p>
+          <a:p>
             <a:r>
               <a:rPr lang="en-US" dirty="0"/>
-              <a:t> diagram depicting the overlap of the most predictive functional genomic elements between GM12878 and K562.</a:t>
+              <a:t>**remove SS gap</a:t>
             </a:r>
-          </a:p>
-          <a:p>
-            <a:endParaRPr lang="en-US" dirty="0"/>
-          </a:p>
-          <a:p>
-            <a:r>
-              <a:rPr lang="en-US" dirty="0"/>
-              <a:t>**include table with ranked </a:t>
-            </a:r>
-            <a:r>
-              <a:rPr lang="en-US" dirty="0" err="1"/>
-              <a:t>importances</a:t>
-            </a:r>
-            <a:endParaRPr lang="en-US" dirty="0"/>
           </a:p>
           <a:p>
             <a:endParaRPr lang="en-US" dirty="0"/>
@@ -1250,6 +1228,133 @@
             <a:fld id="{D22E4D3D-98CF-4DAD-840B-0ABADD6DDC3C}" type="slidenum">
               <a:rPr lang="en-US" smtClean="0"/>
               <a:t>7</a:t>
+            </a:fld>
+            <a:endParaRPr lang="en-US"/>
+          </a:p>
+        </p:txBody>
+      </p:sp>
+    </p:spTree>
+    <p:extLst>
+      <p:ext uri="{BB962C8B-B14F-4D97-AF65-F5344CB8AC3E}">
+        <p14:creationId xmlns:p14="http://schemas.microsoft.com/office/powerpoint/2010/main" val="3871160884"/>
+      </p:ext>
+    </p:extLst>
+  </p:cSld>
+  <p:clrMapOvr>
+    <a:masterClrMapping/>
+  </p:clrMapOvr>
+</p:notes>
+</file>
+
+<file path=ppt/notesSlides/notesSlide8.xml><?xml version="1.0" encoding="utf-8"?>
+<p:notes xmlns:a="http://schemas.openxmlformats.org/drawingml/2006/main" xmlns:r="http://schemas.openxmlformats.org/officeDocument/2006/relationships" xmlns:p="http://schemas.openxmlformats.org/presentationml/2006/main">
+  <p:cSld>
+    <p:spTree>
+      <p:nvGrpSpPr>
+        <p:cNvPr id="1" name=""/>
+        <p:cNvGrpSpPr/>
+        <p:nvPr/>
+      </p:nvGrpSpPr>
+      <p:grpSpPr>
+        <a:xfrm>
+          <a:off x="0" y="0"/>
+          <a:ext cx="0" cy="0"/>
+          <a:chOff x="0" y="0"/>
+          <a:chExt cx="0" cy="0"/>
+        </a:xfrm>
+      </p:grpSpPr>
+      <p:sp>
+        <p:nvSpPr>
+          <p:cNvPr id="2" name="Slide Image Placeholder 1"/>
+          <p:cNvSpPr>
+            <a:spLocks noGrp="1" noRot="1" noChangeAspect="1"/>
+          </p:cNvSpPr>
+          <p:nvPr>
+            <p:ph type="sldImg"/>
+          </p:nvPr>
+        </p:nvSpPr>
+        <p:spPr/>
+      </p:sp>
+      <p:sp>
+        <p:nvSpPr>
+          <p:cNvPr id="3" name="Notes Placeholder 2"/>
+          <p:cNvSpPr>
+            <a:spLocks noGrp="1"/>
+          </p:cNvSpPr>
+          <p:nvPr>
+            <p:ph type="body" idx="1"/>
+          </p:nvPr>
+        </p:nvSpPr>
+        <p:spPr/>
+        <p:txBody>
+          <a:bodyPr/>
+          <a:lstStyle/>
+          <a:p>
+            <a:r>
+              <a:rPr lang="en-US" dirty="0"/>
+              <a:t>Feature Importance</a:t>
+            </a:r>
+          </a:p>
+          <a:p>
+            <a:endParaRPr lang="en-US" dirty="0"/>
+          </a:p>
+          <a:p>
+            <a:r>
+              <a:rPr lang="en-US" dirty="0"/>
+              <a:t>Figure 7. Comparisons between GM12878 and K562 cell lines. The top 10 most predictive features associated with the formation of TAD boundaries for GM12878 (A) and K562 (B). (C) A </a:t>
+            </a:r>
+            <a:r>
+              <a:rPr lang="en-US" dirty="0" err="1"/>
+              <a:t>venn</a:t>
+            </a:r>
+            <a:r>
+              <a:rPr lang="en-US" dirty="0"/>
+              <a:t> diagram depicting the overlap of the most predictive functional genomic elements between GM12878 and K562.</a:t>
+            </a:r>
+          </a:p>
+          <a:p>
+            <a:endParaRPr lang="en-US" dirty="0"/>
+          </a:p>
+          <a:p>
+            <a:r>
+              <a:rPr lang="en-US" dirty="0"/>
+              <a:t>**include table with ranked </a:t>
+            </a:r>
+            <a:r>
+              <a:rPr lang="en-US" dirty="0" err="1"/>
+              <a:t>importances</a:t>
+            </a:r>
+            <a:endParaRPr lang="en-US" dirty="0"/>
+          </a:p>
+          <a:p>
+            <a:endParaRPr lang="en-US" dirty="0"/>
+          </a:p>
+          <a:p>
+            <a:r>
+              <a:rPr lang="en-US" dirty="0"/>
+              <a:t>**provide table</a:t>
+            </a:r>
+          </a:p>
+        </p:txBody>
+      </p:sp>
+      <p:sp>
+        <p:nvSpPr>
+          <p:cNvPr id="4" name="Slide Number Placeholder 3"/>
+          <p:cNvSpPr>
+            <a:spLocks noGrp="1"/>
+          </p:cNvSpPr>
+          <p:nvPr>
+            <p:ph type="sldNum" sz="quarter" idx="5"/>
+          </p:nvPr>
+        </p:nvSpPr>
+        <p:spPr/>
+        <p:txBody>
+          <a:bodyPr/>
+          <a:lstStyle/>
+          <a:p>
+            <a:fld id="{D22E4D3D-98CF-4DAD-840B-0ABADD6DDC3C}" type="slidenum">
+              <a:rPr lang="en-US" smtClean="0"/>
+              <a:t>8</a:t>
             </a:fld>
             <a:endParaRPr lang="en-US"/>
           </a:p>
@@ -1415,7 +1520,7 @@
           <a:p>
             <a:fld id="{204470DF-392B-4FE1-A158-7202D240DCF3}" type="datetimeFigureOut">
               <a:rPr lang="en-US" smtClean="0"/>
-              <a:t>10/28/2018</a:t>
+              <a:t>11/1/2018</a:t>
             </a:fld>
             <a:endParaRPr lang="en-US"/>
           </a:p>
@@ -1613,7 +1718,7 @@
           <a:p>
             <a:fld id="{204470DF-392B-4FE1-A158-7202D240DCF3}" type="datetimeFigureOut">
               <a:rPr lang="en-US" smtClean="0"/>
-              <a:t>10/28/2018</a:t>
+              <a:t>11/1/2018</a:t>
             </a:fld>
             <a:endParaRPr lang="en-US"/>
           </a:p>
@@ -1821,7 +1926,7 @@
           <a:p>
             <a:fld id="{204470DF-392B-4FE1-A158-7202D240DCF3}" type="datetimeFigureOut">
               <a:rPr lang="en-US" smtClean="0"/>
-              <a:t>10/28/2018</a:t>
+              <a:t>11/1/2018</a:t>
             </a:fld>
             <a:endParaRPr lang="en-US"/>
           </a:p>
@@ -2019,7 +2124,7 @@
           <a:p>
             <a:fld id="{204470DF-392B-4FE1-A158-7202D240DCF3}" type="datetimeFigureOut">
               <a:rPr lang="en-US" smtClean="0"/>
-              <a:t>10/28/2018</a:t>
+              <a:t>11/1/2018</a:t>
             </a:fld>
             <a:endParaRPr lang="en-US"/>
           </a:p>
@@ -2294,7 +2399,7 @@
           <a:p>
             <a:fld id="{204470DF-392B-4FE1-A158-7202D240DCF3}" type="datetimeFigureOut">
               <a:rPr lang="en-US" smtClean="0"/>
-              <a:t>10/28/2018</a:t>
+              <a:t>11/1/2018</a:t>
             </a:fld>
             <a:endParaRPr lang="en-US"/>
           </a:p>
@@ -2559,7 +2664,7 @@
           <a:p>
             <a:fld id="{204470DF-392B-4FE1-A158-7202D240DCF3}" type="datetimeFigureOut">
               <a:rPr lang="en-US" smtClean="0"/>
-              <a:t>10/28/2018</a:t>
+              <a:t>11/1/2018</a:t>
             </a:fld>
             <a:endParaRPr lang="en-US"/>
           </a:p>
@@ -2971,7 +3076,7 @@
           <a:p>
             <a:fld id="{204470DF-392B-4FE1-A158-7202D240DCF3}" type="datetimeFigureOut">
               <a:rPr lang="en-US" smtClean="0"/>
-              <a:t>10/28/2018</a:t>
+              <a:t>11/1/2018</a:t>
             </a:fld>
             <a:endParaRPr lang="en-US"/>
           </a:p>
@@ -3112,7 +3217,7 @@
           <a:p>
             <a:fld id="{204470DF-392B-4FE1-A158-7202D240DCF3}" type="datetimeFigureOut">
               <a:rPr lang="en-US" smtClean="0"/>
-              <a:t>10/28/2018</a:t>
+              <a:t>11/1/2018</a:t>
             </a:fld>
             <a:endParaRPr lang="en-US"/>
           </a:p>
@@ -3225,7 +3330,7 @@
           <a:p>
             <a:fld id="{204470DF-392B-4FE1-A158-7202D240DCF3}" type="datetimeFigureOut">
               <a:rPr lang="en-US" smtClean="0"/>
-              <a:t>10/28/2018</a:t>
+              <a:t>11/1/2018</a:t>
             </a:fld>
             <a:endParaRPr lang="en-US"/>
           </a:p>
@@ -3536,7 +3641,7 @@
           <a:p>
             <a:fld id="{204470DF-392B-4FE1-A158-7202D240DCF3}" type="datetimeFigureOut">
               <a:rPr lang="en-US" smtClean="0"/>
-              <a:t>10/28/2018</a:t>
+              <a:t>11/1/2018</a:t>
             </a:fld>
             <a:endParaRPr lang="en-US"/>
           </a:p>
@@ -3824,7 +3929,7 @@
           <a:p>
             <a:fld id="{204470DF-392B-4FE1-A158-7202D240DCF3}" type="datetimeFigureOut">
               <a:rPr lang="en-US" smtClean="0"/>
-              <a:t>10/28/2018</a:t>
+              <a:t>11/1/2018</a:t>
             </a:fld>
             <a:endParaRPr lang="en-US"/>
           </a:p>
@@ -4065,7 +4170,7 @@
           <a:p>
             <a:fld id="{204470DF-392B-4FE1-A158-7202D240DCF3}" type="datetimeFigureOut">
               <a:rPr lang="en-US" smtClean="0"/>
-              <a:t>10/28/2018</a:t>
+              <a:t>11/1/2018</a:t>
             </a:fld>
             <a:endParaRPr lang="en-US"/>
           </a:p>
@@ -5589,8 +5694,8 @@
           </p:nvSpPr>
           <p:spPr>
             <a:xfrm flipV="1">
-              <a:off x="8867081" y="3870594"/>
-              <a:ext cx="345440" cy="60066"/>
+              <a:off x="8867082" y="3864641"/>
+              <a:ext cx="222911" cy="66018"/>
             </a:xfrm>
             <a:prstGeom prst="rect">
               <a:avLst/>
@@ -5638,8 +5743,8 @@
           </p:nvSpPr>
           <p:spPr>
             <a:xfrm flipV="1">
-              <a:off x="8343704" y="3705461"/>
-              <a:ext cx="213520" cy="50403"/>
+              <a:off x="8321906" y="3690575"/>
+              <a:ext cx="244009" cy="65289"/>
             </a:xfrm>
             <a:prstGeom prst="rect">
               <a:avLst/>
@@ -5687,8 +5792,8 @@
           </p:nvSpPr>
           <p:spPr>
             <a:xfrm flipV="1">
-              <a:off x="10008257" y="3707821"/>
-              <a:ext cx="421050" cy="42907"/>
+              <a:off x="10008257" y="3690575"/>
+              <a:ext cx="419671" cy="60153"/>
             </a:xfrm>
             <a:prstGeom prst="rect">
               <a:avLst/>
@@ -5736,8 +5841,8 @@
           </p:nvSpPr>
           <p:spPr>
             <a:xfrm>
-              <a:off x="10751070" y="3707821"/>
-              <a:ext cx="189484" cy="42907"/>
+              <a:off x="10749715" y="3690576"/>
+              <a:ext cx="205520" cy="60153"/>
             </a:xfrm>
             <a:prstGeom prst="rect">
               <a:avLst/>
@@ -5785,8 +5890,8 @@
           </p:nvSpPr>
           <p:spPr>
             <a:xfrm>
-              <a:off x="11030013" y="3782194"/>
-              <a:ext cx="139194" cy="42907"/>
+              <a:off x="11018797" y="3772299"/>
+              <a:ext cx="139194" cy="61876"/>
             </a:xfrm>
             <a:prstGeom prst="rect">
               <a:avLst/>
@@ -9830,6 +9935,2169 @@
           <a:chExt cx="0" cy="0"/>
         </a:xfrm>
       </p:grpSpPr>
+      <p:grpSp>
+        <p:nvGrpSpPr>
+          <p:cNvPr id="98" name="Group 97">
+            <a:extLst>
+              <a:ext uri="{FF2B5EF4-FFF2-40B4-BE49-F238E27FC236}">
+                <a16:creationId xmlns:a16="http://schemas.microsoft.com/office/drawing/2014/main" id="{FFAC8F91-D419-4EB9-8D35-2F4AB88B5C5D}"/>
+              </a:ext>
+            </a:extLst>
+          </p:cNvPr>
+          <p:cNvGrpSpPr/>
+          <p:nvPr/>
+        </p:nvGrpSpPr>
+        <p:grpSpPr>
+          <a:xfrm>
+            <a:off x="831039" y="178733"/>
+            <a:ext cx="11078795" cy="6703330"/>
+            <a:chOff x="686660" y="0"/>
+            <a:chExt cx="11078795" cy="6703330"/>
+          </a:xfrm>
+        </p:grpSpPr>
+        <p:grpSp>
+          <p:nvGrpSpPr>
+            <p:cNvPr id="74" name="Group 73">
+              <a:extLst>
+                <a:ext uri="{FF2B5EF4-FFF2-40B4-BE49-F238E27FC236}">
+                  <a16:creationId xmlns:a16="http://schemas.microsoft.com/office/drawing/2014/main" id="{39B0F8BF-8AA8-453E-86E7-ADB902C11220}"/>
+                </a:ext>
+              </a:extLst>
+            </p:cNvPr>
+            <p:cNvGrpSpPr/>
+            <p:nvPr/>
+          </p:nvGrpSpPr>
+          <p:grpSpPr>
+            <a:xfrm>
+              <a:off x="3900628" y="0"/>
+              <a:ext cx="3980056" cy="1783019"/>
+              <a:chOff x="3720155" y="0"/>
+              <a:chExt cx="4751690" cy="2134150"/>
+            </a:xfrm>
+          </p:grpSpPr>
+          <p:grpSp>
+            <p:nvGrpSpPr>
+              <p:cNvPr id="70" name="Group 69">
+                <a:extLst>
+                  <a:ext uri="{FF2B5EF4-FFF2-40B4-BE49-F238E27FC236}">
+                    <a16:creationId xmlns:a16="http://schemas.microsoft.com/office/drawing/2014/main" id="{095BC977-6BAE-4B46-A8C4-E4EC33F95169}"/>
+                  </a:ext>
+                </a:extLst>
+              </p:cNvPr>
+              <p:cNvGrpSpPr/>
+              <p:nvPr/>
+            </p:nvGrpSpPr>
+            <p:grpSpPr>
+              <a:xfrm>
+                <a:off x="3720155" y="0"/>
+                <a:ext cx="4751690" cy="2127501"/>
+                <a:chOff x="4023018" y="1791138"/>
+                <a:chExt cx="4751690" cy="2127501"/>
+              </a:xfrm>
+            </p:grpSpPr>
+            <p:grpSp>
+              <p:nvGrpSpPr>
+                <p:cNvPr id="6" name="Group 5">
+                  <a:extLst>
+                    <a:ext uri="{FF2B5EF4-FFF2-40B4-BE49-F238E27FC236}">
+                      <a16:creationId xmlns:a16="http://schemas.microsoft.com/office/drawing/2014/main" id="{97E32D5D-1387-4FE6-9C55-D2EBD4F2E139}"/>
+                    </a:ext>
+                  </a:extLst>
+                </p:cNvPr>
+                <p:cNvGrpSpPr/>
+                <p:nvPr/>
+              </p:nvGrpSpPr>
+              <p:grpSpPr>
+                <a:xfrm rot="19193867">
+                  <a:off x="4917484" y="1791138"/>
+                  <a:ext cx="2866551" cy="1533147"/>
+                  <a:chOff x="2669843" y="3819659"/>
+                  <a:chExt cx="2580354" cy="1327949"/>
+                </a:xfrm>
+              </p:grpSpPr>
+              <p:sp>
+                <p:nvSpPr>
+                  <p:cNvPr id="47" name="Isosceles Triangle 46">
+                    <a:extLst>
+                      <a:ext uri="{FF2B5EF4-FFF2-40B4-BE49-F238E27FC236}">
+                        <a16:creationId xmlns:a16="http://schemas.microsoft.com/office/drawing/2014/main" id="{FAE3D185-EA93-44D3-AD42-B5AFB2A1C6C4}"/>
+                      </a:ext>
+                    </a:extLst>
+                  </p:cNvPr>
+                  <p:cNvSpPr/>
+                  <p:nvPr/>
+                </p:nvSpPr>
+                <p:spPr>
+                  <a:xfrm rot="2406133">
+                    <a:off x="3358690" y="4240452"/>
+                    <a:ext cx="1891507" cy="907156"/>
+                  </a:xfrm>
+                  <a:prstGeom prst="triangle">
+                    <a:avLst>
+                      <a:gd name="adj" fmla="val 47491"/>
+                    </a:avLst>
+                  </a:prstGeom>
+                  <a:solidFill>
+                    <a:srgbClr val="FF0000"/>
+                  </a:solidFill>
+                  <a:ln w="38100">
+                    <a:solidFill>
+                      <a:schemeClr val="tx1"/>
+                    </a:solidFill>
+                  </a:ln>
+                </p:spPr>
+                <p:style>
+                  <a:lnRef idx="2">
+                    <a:schemeClr val="accent1">
+                      <a:shade val="50000"/>
+                    </a:schemeClr>
+                  </a:lnRef>
+                  <a:fillRef idx="1">
+                    <a:schemeClr val="accent1"/>
+                  </a:fillRef>
+                  <a:effectRef idx="0">
+                    <a:schemeClr val="accent1"/>
+                  </a:effectRef>
+                  <a:fontRef idx="minor">
+                    <a:schemeClr val="lt1"/>
+                  </a:fontRef>
+                </p:style>
+                <p:txBody>
+                  <a:bodyPr rtlCol="0" anchor="ctr"/>
+                  <a:lstStyle/>
+                  <a:p>
+                    <a:pPr algn="ctr"/>
+                    <a:endParaRPr lang="en-US"/>
+                  </a:p>
+                </p:txBody>
+              </p:sp>
+              <p:sp>
+                <p:nvSpPr>
+                  <p:cNvPr id="48" name="Isosceles Triangle 47">
+                    <a:extLst>
+                      <a:ext uri="{FF2B5EF4-FFF2-40B4-BE49-F238E27FC236}">
+                        <a16:creationId xmlns:a16="http://schemas.microsoft.com/office/drawing/2014/main" id="{7FCA5B9D-2708-4BF8-B90F-4ABDA99462A7}"/>
+                      </a:ext>
+                    </a:extLst>
+                  </p:cNvPr>
+                  <p:cNvSpPr/>
+                  <p:nvPr/>
+                </p:nvSpPr>
+                <p:spPr>
+                  <a:xfrm rot="2384622">
+                    <a:off x="2669843" y="3819659"/>
+                    <a:ext cx="840079" cy="402438"/>
+                  </a:xfrm>
+                  <a:prstGeom prst="triangle">
+                    <a:avLst>
+                      <a:gd name="adj" fmla="val 51095"/>
+                    </a:avLst>
+                  </a:prstGeom>
+                  <a:solidFill>
+                    <a:srgbClr val="FF0000"/>
+                  </a:solidFill>
+                  <a:ln w="38100">
+                    <a:solidFill>
+                      <a:schemeClr val="tx1"/>
+                    </a:solidFill>
+                  </a:ln>
+                </p:spPr>
+                <p:style>
+                  <a:lnRef idx="2">
+                    <a:schemeClr val="accent1">
+                      <a:shade val="50000"/>
+                    </a:schemeClr>
+                  </a:lnRef>
+                  <a:fillRef idx="1">
+                    <a:schemeClr val="accent1"/>
+                  </a:fillRef>
+                  <a:effectRef idx="0">
+                    <a:schemeClr val="accent1"/>
+                  </a:effectRef>
+                  <a:fontRef idx="minor">
+                    <a:schemeClr val="lt1"/>
+                  </a:fontRef>
+                </p:style>
+                <p:txBody>
+                  <a:bodyPr rtlCol="0" anchor="ctr"/>
+                  <a:lstStyle/>
+                  <a:p>
+                    <a:pPr algn="ctr"/>
+                    <a:endParaRPr lang="en-US"/>
+                  </a:p>
+                </p:txBody>
+              </p:sp>
+            </p:grpSp>
+            <p:cxnSp>
+              <p:nvCxnSpPr>
+                <p:cNvPr id="7" name="Straight Connector 6">
+                  <a:extLst>
+                    <a:ext uri="{FF2B5EF4-FFF2-40B4-BE49-F238E27FC236}">
+                      <a16:creationId xmlns:a16="http://schemas.microsoft.com/office/drawing/2014/main" id="{3E873B09-D358-421C-A14C-0705A7EF88A8}"/>
+                    </a:ext>
+                  </a:extLst>
+                </p:cNvPr>
+                <p:cNvCxnSpPr>
+                  <a:cxnSpLocks/>
+                </p:cNvCxnSpPr>
+                <p:nvPr/>
+              </p:nvCxnSpPr>
+              <p:spPr>
+                <a:xfrm flipV="1">
+                  <a:off x="4294573" y="3013117"/>
+                  <a:ext cx="4178369" cy="13103"/>
+                </a:xfrm>
+                <a:prstGeom prst="line">
+                  <a:avLst/>
+                </a:prstGeom>
+                <a:ln w="38100">
+                  <a:solidFill>
+                    <a:schemeClr val="tx1"/>
+                  </a:solidFill>
+                </a:ln>
+              </p:spPr>
+              <p:style>
+                <a:lnRef idx="3">
+                  <a:schemeClr val="dk1"/>
+                </a:lnRef>
+                <a:fillRef idx="0">
+                  <a:schemeClr val="dk1"/>
+                </a:fillRef>
+                <a:effectRef idx="2">
+                  <a:schemeClr val="dk1"/>
+                </a:effectRef>
+                <a:fontRef idx="minor">
+                  <a:schemeClr val="tx1"/>
+                </a:fontRef>
+              </p:style>
+            </p:cxnSp>
+            <p:sp>
+              <p:nvSpPr>
+                <p:cNvPr id="8" name="Flowchart: Connector 7">
+                  <a:extLst>
+                    <a:ext uri="{FF2B5EF4-FFF2-40B4-BE49-F238E27FC236}">
+                      <a16:creationId xmlns:a16="http://schemas.microsoft.com/office/drawing/2014/main" id="{F7F74A2C-76DC-4027-AA78-C8EA0CA57D07}"/>
+                    </a:ext>
+                  </a:extLst>
+                </p:cNvPr>
+                <p:cNvSpPr/>
+                <p:nvPr/>
+              </p:nvSpPr>
+              <p:spPr>
+                <a:xfrm>
+                  <a:off x="5681797" y="2951872"/>
+                  <a:ext cx="125714" cy="122488"/>
+                </a:xfrm>
+                <a:prstGeom prst="flowChartConnector">
+                  <a:avLst/>
+                </a:prstGeom>
+                <a:solidFill>
+                  <a:schemeClr val="accent1"/>
+                </a:solidFill>
+              </p:spPr>
+              <p:style>
+                <a:lnRef idx="2">
+                  <a:schemeClr val="accent1">
+                    <a:shade val="50000"/>
+                  </a:schemeClr>
+                </a:lnRef>
+                <a:fillRef idx="1">
+                  <a:schemeClr val="accent1"/>
+                </a:fillRef>
+                <a:effectRef idx="0">
+                  <a:schemeClr val="accent1"/>
+                </a:effectRef>
+                <a:fontRef idx="minor">
+                  <a:schemeClr val="lt1"/>
+                </a:fontRef>
+              </p:style>
+              <p:txBody>
+                <a:bodyPr rtlCol="0" anchor="ctr"/>
+                <a:lstStyle/>
+                <a:p>
+                  <a:pPr algn="ctr"/>
+                  <a:endParaRPr lang="en-US"/>
+                </a:p>
+              </p:txBody>
+            </p:sp>
+            <p:sp>
+              <p:nvSpPr>
+                <p:cNvPr id="9" name="Flowchart: Connector 8">
+                  <a:extLst>
+                    <a:ext uri="{FF2B5EF4-FFF2-40B4-BE49-F238E27FC236}">
+                      <a16:creationId xmlns:a16="http://schemas.microsoft.com/office/drawing/2014/main" id="{24C71EFF-501C-4573-BC4B-4ED1FCCFBF8D}"/>
+                    </a:ext>
+                  </a:extLst>
+                </p:cNvPr>
+                <p:cNvSpPr/>
+                <p:nvPr/>
+              </p:nvSpPr>
+              <p:spPr>
+                <a:xfrm>
+                  <a:off x="7782933" y="2951871"/>
+                  <a:ext cx="125714" cy="122488"/>
+                </a:xfrm>
+                <a:prstGeom prst="flowChartConnector">
+                  <a:avLst/>
+                </a:prstGeom>
+                <a:solidFill>
+                  <a:schemeClr val="accent1"/>
+                </a:solidFill>
+              </p:spPr>
+              <p:style>
+                <a:lnRef idx="2">
+                  <a:schemeClr val="accent1">
+                    <a:shade val="50000"/>
+                  </a:schemeClr>
+                </a:lnRef>
+                <a:fillRef idx="1">
+                  <a:schemeClr val="accent1"/>
+                </a:fillRef>
+                <a:effectRef idx="0">
+                  <a:schemeClr val="accent1"/>
+                </a:effectRef>
+                <a:fontRef idx="minor">
+                  <a:schemeClr val="lt1"/>
+                </a:fontRef>
+              </p:style>
+              <p:txBody>
+                <a:bodyPr rtlCol="0" anchor="ctr"/>
+                <a:lstStyle/>
+                <a:p>
+                  <a:pPr algn="ctr"/>
+                  <a:endParaRPr lang="en-US"/>
+                </a:p>
+              </p:txBody>
+            </p:sp>
+            <p:sp>
+              <p:nvSpPr>
+                <p:cNvPr id="10" name="Flowchart: Connector 9">
+                  <a:extLst>
+                    <a:ext uri="{FF2B5EF4-FFF2-40B4-BE49-F238E27FC236}">
+                      <a16:creationId xmlns:a16="http://schemas.microsoft.com/office/drawing/2014/main" id="{583D71CB-9A6A-45D7-9E8A-39139C1F47C4}"/>
+                    </a:ext>
+                  </a:extLst>
+                </p:cNvPr>
+                <p:cNvSpPr/>
+                <p:nvPr/>
+              </p:nvSpPr>
+              <p:spPr>
+                <a:xfrm>
+                  <a:off x="4747509" y="2958424"/>
+                  <a:ext cx="125714" cy="122488"/>
+                </a:xfrm>
+                <a:prstGeom prst="flowChartConnector">
+                  <a:avLst/>
+                </a:prstGeom>
+                <a:solidFill>
+                  <a:schemeClr val="accent1"/>
+                </a:solidFill>
+              </p:spPr>
+              <p:style>
+                <a:lnRef idx="2">
+                  <a:schemeClr val="accent1">
+                    <a:shade val="50000"/>
+                  </a:schemeClr>
+                </a:lnRef>
+                <a:fillRef idx="1">
+                  <a:schemeClr val="accent1"/>
+                </a:fillRef>
+                <a:effectRef idx="0">
+                  <a:schemeClr val="accent1"/>
+                </a:effectRef>
+                <a:fontRef idx="minor">
+                  <a:schemeClr val="lt1"/>
+                </a:fontRef>
+              </p:style>
+              <p:txBody>
+                <a:bodyPr rtlCol="0" anchor="ctr"/>
+                <a:lstStyle/>
+                <a:p>
+                  <a:pPr algn="ctr"/>
+                  <a:endParaRPr lang="en-US"/>
+                </a:p>
+              </p:txBody>
+            </p:sp>
+            <p:cxnSp>
+              <p:nvCxnSpPr>
+                <p:cNvPr id="16" name="Straight Connector 15">
+                  <a:extLst>
+                    <a:ext uri="{FF2B5EF4-FFF2-40B4-BE49-F238E27FC236}">
+                      <a16:creationId xmlns:a16="http://schemas.microsoft.com/office/drawing/2014/main" id="{15A53D3A-88BF-4814-8389-4393511FBB12}"/>
+                    </a:ext>
+                  </a:extLst>
+                </p:cNvPr>
+                <p:cNvCxnSpPr>
+                  <a:cxnSpLocks/>
+                </p:cNvCxnSpPr>
+                <p:nvPr/>
+              </p:nvCxnSpPr>
+              <p:spPr>
+                <a:xfrm>
+                  <a:off x="4613513" y="2756048"/>
+                  <a:ext cx="0" cy="1162591"/>
+                </a:xfrm>
+                <a:prstGeom prst="line">
+                  <a:avLst/>
+                </a:prstGeom>
+                <a:ln w="28575">
+                  <a:prstDash val="sysDash"/>
+                </a:ln>
+              </p:spPr>
+              <p:style>
+                <a:lnRef idx="1">
+                  <a:schemeClr val="accent1"/>
+                </a:lnRef>
+                <a:fillRef idx="0">
+                  <a:schemeClr val="accent1"/>
+                </a:fillRef>
+                <a:effectRef idx="0">
+                  <a:schemeClr val="accent1"/>
+                </a:effectRef>
+                <a:fontRef idx="minor">
+                  <a:schemeClr val="tx1"/>
+                </a:fontRef>
+              </p:style>
+            </p:cxnSp>
+            <p:cxnSp>
+              <p:nvCxnSpPr>
+                <p:cNvPr id="20" name="Straight Connector 19">
+                  <a:extLst>
+                    <a:ext uri="{FF2B5EF4-FFF2-40B4-BE49-F238E27FC236}">
+                      <a16:creationId xmlns:a16="http://schemas.microsoft.com/office/drawing/2014/main" id="{52380164-9D23-4A39-9380-526294B6AC74}"/>
+                    </a:ext>
+                  </a:extLst>
+                </p:cNvPr>
+                <p:cNvCxnSpPr>
+                  <a:cxnSpLocks/>
+                </p:cNvCxnSpPr>
+                <p:nvPr/>
+              </p:nvCxnSpPr>
+              <p:spPr>
+                <a:xfrm>
+                  <a:off x="8030460" y="2756048"/>
+                  <a:ext cx="0" cy="1162591"/>
+                </a:xfrm>
+                <a:prstGeom prst="line">
+                  <a:avLst/>
+                </a:prstGeom>
+                <a:ln w="28575">
+                  <a:prstDash val="sysDash"/>
+                </a:ln>
+              </p:spPr>
+              <p:style>
+                <a:lnRef idx="1">
+                  <a:schemeClr val="accent1"/>
+                </a:lnRef>
+                <a:fillRef idx="0">
+                  <a:schemeClr val="accent1"/>
+                </a:fillRef>
+                <a:effectRef idx="0">
+                  <a:schemeClr val="accent1"/>
+                </a:effectRef>
+                <a:fontRef idx="minor">
+                  <a:schemeClr val="tx1"/>
+                </a:fontRef>
+              </p:style>
+            </p:cxnSp>
+            <p:grpSp>
+              <p:nvGrpSpPr>
+                <p:cNvPr id="67" name="Group 66">
+                  <a:extLst>
+                    <a:ext uri="{FF2B5EF4-FFF2-40B4-BE49-F238E27FC236}">
+                      <a16:creationId xmlns:a16="http://schemas.microsoft.com/office/drawing/2014/main" id="{BA01EF4F-B1F4-4477-B04C-68ECB0870A9C}"/>
+                    </a:ext>
+                  </a:extLst>
+                </p:cNvPr>
+                <p:cNvGrpSpPr/>
+                <p:nvPr/>
+              </p:nvGrpSpPr>
+              <p:grpSpPr>
+                <a:xfrm>
+                  <a:off x="5091447" y="2756048"/>
+                  <a:ext cx="2523901" cy="1162591"/>
+                  <a:chOff x="5091446" y="2756048"/>
+                  <a:chExt cx="2454794" cy="2009598"/>
+                </a:xfrm>
+              </p:grpSpPr>
+              <p:cxnSp>
+                <p:nvCxnSpPr>
+                  <p:cNvPr id="17" name="Straight Connector 16">
+                    <a:extLst>
+                      <a:ext uri="{FF2B5EF4-FFF2-40B4-BE49-F238E27FC236}">
+                        <a16:creationId xmlns:a16="http://schemas.microsoft.com/office/drawing/2014/main" id="{252B65CE-F9B0-4434-BADE-EDEC8E8F9CF4}"/>
+                      </a:ext>
+                    </a:extLst>
+                  </p:cNvPr>
+                  <p:cNvCxnSpPr>
+                    <a:cxnSpLocks/>
+                  </p:cNvCxnSpPr>
+                  <p:nvPr/>
+                </p:nvCxnSpPr>
+                <p:spPr>
+                  <a:xfrm flipH="1">
+                    <a:off x="6798558" y="2756048"/>
+                    <a:ext cx="8932" cy="2009598"/>
+                  </a:xfrm>
+                  <a:prstGeom prst="line">
+                    <a:avLst/>
+                  </a:prstGeom>
+                  <a:ln w="28575">
+                    <a:prstDash val="sysDash"/>
+                  </a:ln>
+                </p:spPr>
+                <p:style>
+                  <a:lnRef idx="1">
+                    <a:schemeClr val="accent1"/>
+                  </a:lnRef>
+                  <a:fillRef idx="0">
+                    <a:schemeClr val="accent1"/>
+                  </a:fillRef>
+                  <a:effectRef idx="0">
+                    <a:schemeClr val="accent1"/>
+                  </a:effectRef>
+                  <a:fontRef idx="minor">
+                    <a:schemeClr val="tx1"/>
+                  </a:fontRef>
+                </p:style>
+              </p:cxnSp>
+              <p:cxnSp>
+                <p:nvCxnSpPr>
+                  <p:cNvPr id="18" name="Straight Connector 17">
+                    <a:extLst>
+                      <a:ext uri="{FF2B5EF4-FFF2-40B4-BE49-F238E27FC236}">
+                        <a16:creationId xmlns:a16="http://schemas.microsoft.com/office/drawing/2014/main" id="{DB3924DD-FF9B-4742-9973-DA0D18CB7923}"/>
+                      </a:ext>
+                    </a:extLst>
+                  </p:cNvPr>
+                  <p:cNvCxnSpPr>
+                    <a:cxnSpLocks/>
+                  </p:cNvCxnSpPr>
+                  <p:nvPr/>
+                </p:nvCxnSpPr>
+                <p:spPr>
+                  <a:xfrm>
+                    <a:off x="7171845" y="2756048"/>
+                    <a:ext cx="0" cy="2009598"/>
+                  </a:xfrm>
+                  <a:prstGeom prst="line">
+                    <a:avLst/>
+                  </a:prstGeom>
+                  <a:ln w="28575">
+                    <a:prstDash val="sysDash"/>
+                  </a:ln>
+                </p:spPr>
+                <p:style>
+                  <a:lnRef idx="1">
+                    <a:schemeClr val="accent1"/>
+                  </a:lnRef>
+                  <a:fillRef idx="0">
+                    <a:schemeClr val="accent1"/>
+                  </a:fillRef>
+                  <a:effectRef idx="0">
+                    <a:schemeClr val="accent1"/>
+                  </a:effectRef>
+                  <a:fontRef idx="minor">
+                    <a:schemeClr val="tx1"/>
+                  </a:fontRef>
+                </p:style>
+              </p:cxnSp>
+              <p:cxnSp>
+                <p:nvCxnSpPr>
+                  <p:cNvPr id="19" name="Straight Connector 18">
+                    <a:extLst>
+                      <a:ext uri="{FF2B5EF4-FFF2-40B4-BE49-F238E27FC236}">
+                        <a16:creationId xmlns:a16="http://schemas.microsoft.com/office/drawing/2014/main" id="{EBEFD168-A3A9-4732-A759-8AFA1E5CD8BC}"/>
+                      </a:ext>
+                    </a:extLst>
+                  </p:cNvPr>
+                  <p:cNvCxnSpPr>
+                    <a:cxnSpLocks/>
+                  </p:cNvCxnSpPr>
+                  <p:nvPr/>
+                </p:nvCxnSpPr>
+                <p:spPr>
+                  <a:xfrm>
+                    <a:off x="7546240" y="2756048"/>
+                    <a:ext cx="0" cy="2009598"/>
+                  </a:xfrm>
+                  <a:prstGeom prst="line">
+                    <a:avLst/>
+                  </a:prstGeom>
+                  <a:ln w="28575">
+                    <a:prstDash val="sysDash"/>
+                  </a:ln>
+                </p:spPr>
+                <p:style>
+                  <a:lnRef idx="1">
+                    <a:schemeClr val="accent1"/>
+                  </a:lnRef>
+                  <a:fillRef idx="0">
+                    <a:schemeClr val="accent1"/>
+                  </a:fillRef>
+                  <a:effectRef idx="0">
+                    <a:schemeClr val="accent1"/>
+                  </a:effectRef>
+                  <a:fontRef idx="minor">
+                    <a:schemeClr val="tx1"/>
+                  </a:fontRef>
+                </p:style>
+              </p:cxnSp>
+              <p:cxnSp>
+                <p:nvCxnSpPr>
+                  <p:cNvPr id="21" name="Straight Connector 20">
+                    <a:extLst>
+                      <a:ext uri="{FF2B5EF4-FFF2-40B4-BE49-F238E27FC236}">
+                        <a16:creationId xmlns:a16="http://schemas.microsoft.com/office/drawing/2014/main" id="{0E9D979C-26AB-4260-9AE5-2237764B2DE4}"/>
+                      </a:ext>
+                    </a:extLst>
+                  </p:cNvPr>
+                  <p:cNvCxnSpPr>
+                    <a:cxnSpLocks/>
+                  </p:cNvCxnSpPr>
+                  <p:nvPr/>
+                </p:nvCxnSpPr>
+                <p:spPr>
+                  <a:xfrm>
+                    <a:off x="5091446" y="2756048"/>
+                    <a:ext cx="0" cy="2009598"/>
+                  </a:xfrm>
+                  <a:prstGeom prst="line">
+                    <a:avLst/>
+                  </a:prstGeom>
+                  <a:ln w="28575">
+                    <a:prstDash val="sysDash"/>
+                  </a:ln>
+                </p:spPr>
+                <p:style>
+                  <a:lnRef idx="1">
+                    <a:schemeClr val="accent1"/>
+                  </a:lnRef>
+                  <a:fillRef idx="0">
+                    <a:schemeClr val="accent1"/>
+                  </a:fillRef>
+                  <a:effectRef idx="0">
+                    <a:schemeClr val="accent1"/>
+                  </a:effectRef>
+                  <a:fontRef idx="minor">
+                    <a:schemeClr val="tx1"/>
+                  </a:fontRef>
+                </p:style>
+              </p:cxnSp>
+              <p:cxnSp>
+                <p:nvCxnSpPr>
+                  <p:cNvPr id="22" name="Straight Connector 21">
+                    <a:extLst>
+                      <a:ext uri="{FF2B5EF4-FFF2-40B4-BE49-F238E27FC236}">
+                        <a16:creationId xmlns:a16="http://schemas.microsoft.com/office/drawing/2014/main" id="{C55396D0-AC65-4EEE-8F4B-F6711BFC2EC0}"/>
+                      </a:ext>
+                    </a:extLst>
+                  </p:cNvPr>
+                  <p:cNvCxnSpPr>
+                    <a:cxnSpLocks/>
+                  </p:cNvCxnSpPr>
+                  <p:nvPr/>
+                </p:nvCxnSpPr>
+                <p:spPr>
+                  <a:xfrm>
+                    <a:off x="5497132" y="2756048"/>
+                    <a:ext cx="0" cy="2009598"/>
+                  </a:xfrm>
+                  <a:prstGeom prst="line">
+                    <a:avLst/>
+                  </a:prstGeom>
+                  <a:ln w="28575">
+                    <a:prstDash val="sysDash"/>
+                  </a:ln>
+                </p:spPr>
+                <p:style>
+                  <a:lnRef idx="1">
+                    <a:schemeClr val="accent1"/>
+                  </a:lnRef>
+                  <a:fillRef idx="0">
+                    <a:schemeClr val="accent1"/>
+                  </a:fillRef>
+                  <a:effectRef idx="0">
+                    <a:schemeClr val="accent1"/>
+                  </a:effectRef>
+                  <a:fontRef idx="minor">
+                    <a:schemeClr val="tx1"/>
+                  </a:fontRef>
+                </p:style>
+              </p:cxnSp>
+              <p:cxnSp>
+                <p:nvCxnSpPr>
+                  <p:cNvPr id="23" name="Straight Connector 22">
+                    <a:extLst>
+                      <a:ext uri="{FF2B5EF4-FFF2-40B4-BE49-F238E27FC236}">
+                        <a16:creationId xmlns:a16="http://schemas.microsoft.com/office/drawing/2014/main" id="{16EE4B63-7FD0-4B77-919B-5FE40E711E90}"/>
+                      </a:ext>
+                    </a:extLst>
+                  </p:cNvPr>
+                  <p:cNvCxnSpPr>
+                    <a:cxnSpLocks/>
+                  </p:cNvCxnSpPr>
+                  <p:nvPr/>
+                </p:nvCxnSpPr>
+                <p:spPr>
+                  <a:xfrm>
+                    <a:off x="5996271" y="2756048"/>
+                    <a:ext cx="0" cy="2009598"/>
+                  </a:xfrm>
+                  <a:prstGeom prst="line">
+                    <a:avLst/>
+                  </a:prstGeom>
+                  <a:ln w="28575">
+                    <a:prstDash val="sysDash"/>
+                  </a:ln>
+                </p:spPr>
+                <p:style>
+                  <a:lnRef idx="1">
+                    <a:schemeClr val="accent1"/>
+                  </a:lnRef>
+                  <a:fillRef idx="0">
+                    <a:schemeClr val="accent1"/>
+                  </a:fillRef>
+                  <a:effectRef idx="0">
+                    <a:schemeClr val="accent1"/>
+                  </a:effectRef>
+                  <a:fontRef idx="minor">
+                    <a:schemeClr val="tx1"/>
+                  </a:fontRef>
+                </p:style>
+              </p:cxnSp>
+              <p:cxnSp>
+                <p:nvCxnSpPr>
+                  <p:cNvPr id="24" name="Straight Connector 23">
+                    <a:extLst>
+                      <a:ext uri="{FF2B5EF4-FFF2-40B4-BE49-F238E27FC236}">
+                        <a16:creationId xmlns:a16="http://schemas.microsoft.com/office/drawing/2014/main" id="{FE662D0B-D256-40AE-B53C-F5DF8CA44FF9}"/>
+                      </a:ext>
+                    </a:extLst>
+                  </p:cNvPr>
+                  <p:cNvCxnSpPr>
+                    <a:cxnSpLocks/>
+                  </p:cNvCxnSpPr>
+                  <p:nvPr/>
+                </p:nvCxnSpPr>
+                <p:spPr>
+                  <a:xfrm flipH="1">
+                    <a:off x="6383758" y="2756048"/>
+                    <a:ext cx="5832" cy="2009598"/>
+                  </a:xfrm>
+                  <a:prstGeom prst="line">
+                    <a:avLst/>
+                  </a:prstGeom>
+                  <a:ln w="28575">
+                    <a:prstDash val="sysDash"/>
+                  </a:ln>
+                </p:spPr>
+                <p:style>
+                  <a:lnRef idx="1">
+                    <a:schemeClr val="accent1"/>
+                  </a:lnRef>
+                  <a:fillRef idx="0">
+                    <a:schemeClr val="accent1"/>
+                  </a:fillRef>
+                  <a:effectRef idx="0">
+                    <a:schemeClr val="accent1"/>
+                  </a:effectRef>
+                  <a:fontRef idx="minor">
+                    <a:schemeClr val="tx1"/>
+                  </a:fontRef>
+                </p:style>
+              </p:cxnSp>
+            </p:grpSp>
+            <p:cxnSp>
+              <p:nvCxnSpPr>
+                <p:cNvPr id="25" name="Straight Connector 24">
+                  <a:extLst>
+                    <a:ext uri="{FF2B5EF4-FFF2-40B4-BE49-F238E27FC236}">
+                      <a16:creationId xmlns:a16="http://schemas.microsoft.com/office/drawing/2014/main" id="{275F50C6-8CBD-47CC-BE1E-414094F2DA6E}"/>
+                    </a:ext>
+                  </a:extLst>
+                </p:cNvPr>
+                <p:cNvCxnSpPr>
+                  <a:cxnSpLocks/>
+                </p:cNvCxnSpPr>
+                <p:nvPr/>
+              </p:nvCxnSpPr>
+              <p:spPr>
+                <a:xfrm flipH="1">
+                  <a:off x="4023018" y="3036583"/>
+                  <a:ext cx="418532" cy="0"/>
+                </a:xfrm>
+                <a:prstGeom prst="line">
+                  <a:avLst/>
+                </a:prstGeom>
+                <a:ln w="38100">
+                  <a:solidFill>
+                    <a:schemeClr val="tx1"/>
+                  </a:solidFill>
+                  <a:prstDash val="sysDot"/>
+                </a:ln>
+              </p:spPr>
+              <p:style>
+                <a:lnRef idx="1">
+                  <a:schemeClr val="accent1"/>
+                </a:lnRef>
+                <a:fillRef idx="0">
+                  <a:schemeClr val="accent1"/>
+                </a:fillRef>
+                <a:effectRef idx="0">
+                  <a:schemeClr val="accent1"/>
+                </a:effectRef>
+                <a:fontRef idx="minor">
+                  <a:schemeClr val="tx1"/>
+                </a:fontRef>
+              </p:style>
+            </p:cxnSp>
+            <p:cxnSp>
+              <p:nvCxnSpPr>
+                <p:cNvPr id="26" name="Straight Connector 25">
+                  <a:extLst>
+                    <a:ext uri="{FF2B5EF4-FFF2-40B4-BE49-F238E27FC236}">
+                      <a16:creationId xmlns:a16="http://schemas.microsoft.com/office/drawing/2014/main" id="{BE8F85BD-3F5B-4BF2-B586-56F10832070E}"/>
+                    </a:ext>
+                  </a:extLst>
+                </p:cNvPr>
+                <p:cNvCxnSpPr>
+                  <a:cxnSpLocks/>
+                </p:cNvCxnSpPr>
+                <p:nvPr/>
+              </p:nvCxnSpPr>
+              <p:spPr>
+                <a:xfrm flipH="1">
+                  <a:off x="8356176" y="3013116"/>
+                  <a:ext cx="418532" cy="0"/>
+                </a:xfrm>
+                <a:prstGeom prst="line">
+                  <a:avLst/>
+                </a:prstGeom>
+                <a:ln w="38100">
+                  <a:solidFill>
+                    <a:schemeClr val="tx1"/>
+                  </a:solidFill>
+                  <a:prstDash val="sysDot"/>
+                </a:ln>
+              </p:spPr>
+              <p:style>
+                <a:lnRef idx="1">
+                  <a:schemeClr val="accent1"/>
+                </a:lnRef>
+                <a:fillRef idx="0">
+                  <a:schemeClr val="accent1"/>
+                </a:fillRef>
+                <a:effectRef idx="0">
+                  <a:schemeClr val="accent1"/>
+                </a:effectRef>
+                <a:fontRef idx="minor">
+                  <a:schemeClr val="tx1"/>
+                </a:fontRef>
+              </p:style>
+            </p:cxnSp>
+            <p:sp>
+              <p:nvSpPr>
+                <p:cNvPr id="27" name="Rectangle 26">
+                  <a:extLst>
+                    <a:ext uri="{FF2B5EF4-FFF2-40B4-BE49-F238E27FC236}">
+                      <a16:creationId xmlns:a16="http://schemas.microsoft.com/office/drawing/2014/main" id="{9C438F6A-05C8-4D9D-9F4C-C5758AF84F03}"/>
+                    </a:ext>
+                  </a:extLst>
+                </p:cNvPr>
+                <p:cNvSpPr/>
+                <p:nvPr/>
+              </p:nvSpPr>
+              <p:spPr>
+                <a:xfrm>
+                  <a:off x="5681719" y="3391401"/>
+                  <a:ext cx="202893" cy="55504"/>
+                </a:xfrm>
+                <a:prstGeom prst="rect">
+                  <a:avLst/>
+                </a:prstGeom>
+                <a:solidFill>
+                  <a:schemeClr val="accent6"/>
+                </a:solidFill>
+              </p:spPr>
+              <p:style>
+                <a:lnRef idx="2">
+                  <a:schemeClr val="accent1">
+                    <a:shade val="50000"/>
+                  </a:schemeClr>
+                </a:lnRef>
+                <a:fillRef idx="1">
+                  <a:schemeClr val="accent1"/>
+                </a:fillRef>
+                <a:effectRef idx="0">
+                  <a:schemeClr val="accent1"/>
+                </a:effectRef>
+                <a:fontRef idx="minor">
+                  <a:schemeClr val="lt1"/>
+                </a:fontRef>
+              </p:style>
+              <p:txBody>
+                <a:bodyPr rtlCol="0" anchor="ctr"/>
+                <a:lstStyle/>
+                <a:p>
+                  <a:pPr algn="ctr"/>
+                  <a:endParaRPr lang="en-US"/>
+                </a:p>
+              </p:txBody>
+            </p:sp>
+            <p:sp>
+              <p:nvSpPr>
+                <p:cNvPr id="28" name="Rectangle 27">
+                  <a:extLst>
+                    <a:ext uri="{FF2B5EF4-FFF2-40B4-BE49-F238E27FC236}">
+                      <a16:creationId xmlns:a16="http://schemas.microsoft.com/office/drawing/2014/main" id="{B80535F3-7F79-4792-A5A5-EE492071A823}"/>
+                    </a:ext>
+                  </a:extLst>
+                </p:cNvPr>
+                <p:cNvSpPr/>
+                <p:nvPr/>
+              </p:nvSpPr>
+              <p:spPr>
+                <a:xfrm flipV="1">
+                  <a:off x="5915033" y="3477289"/>
+                  <a:ext cx="201324" cy="61405"/>
+                </a:xfrm>
+                <a:prstGeom prst="rect">
+                  <a:avLst/>
+                </a:prstGeom>
+                <a:solidFill>
+                  <a:schemeClr val="accent6"/>
+                </a:solidFill>
+              </p:spPr>
+              <p:style>
+                <a:lnRef idx="2">
+                  <a:schemeClr val="accent1">
+                    <a:shade val="50000"/>
+                  </a:schemeClr>
+                </a:lnRef>
+                <a:fillRef idx="1">
+                  <a:schemeClr val="accent1"/>
+                </a:fillRef>
+                <a:effectRef idx="0">
+                  <a:schemeClr val="accent1"/>
+                </a:effectRef>
+                <a:fontRef idx="minor">
+                  <a:schemeClr val="lt1"/>
+                </a:fontRef>
+              </p:style>
+              <p:txBody>
+                <a:bodyPr rtlCol="0" anchor="ctr"/>
+                <a:lstStyle/>
+                <a:p>
+                  <a:pPr algn="ctr"/>
+                  <a:endParaRPr lang="en-US" dirty="0"/>
+                </a:p>
+              </p:txBody>
+            </p:sp>
+            <p:sp>
+              <p:nvSpPr>
+                <p:cNvPr id="29" name="Rectangle 28">
+                  <a:extLst>
+                    <a:ext uri="{FF2B5EF4-FFF2-40B4-BE49-F238E27FC236}">
+                      <a16:creationId xmlns:a16="http://schemas.microsoft.com/office/drawing/2014/main" id="{5B5CBA7A-E310-430B-AE7E-F2C8F403CADD}"/>
+                    </a:ext>
+                  </a:extLst>
+                </p:cNvPr>
+                <p:cNvSpPr/>
+                <p:nvPr/>
+              </p:nvSpPr>
+              <p:spPr>
+                <a:xfrm flipV="1">
+                  <a:off x="5422653" y="3315386"/>
+                  <a:ext cx="220379" cy="60727"/>
+                </a:xfrm>
+                <a:prstGeom prst="rect">
+                  <a:avLst/>
+                </a:prstGeom>
+                <a:solidFill>
+                  <a:schemeClr val="accent6"/>
+                </a:solidFill>
+              </p:spPr>
+              <p:style>
+                <a:lnRef idx="2">
+                  <a:schemeClr val="accent1">
+                    <a:shade val="50000"/>
+                  </a:schemeClr>
+                </a:lnRef>
+                <a:fillRef idx="1">
+                  <a:schemeClr val="accent1"/>
+                </a:fillRef>
+                <a:effectRef idx="0">
+                  <a:schemeClr val="accent1"/>
+                </a:effectRef>
+                <a:fontRef idx="minor">
+                  <a:schemeClr val="lt1"/>
+                </a:fontRef>
+              </p:style>
+              <p:txBody>
+                <a:bodyPr rtlCol="0" anchor="ctr"/>
+                <a:lstStyle/>
+                <a:p>
+                  <a:pPr algn="ctr"/>
+                  <a:endParaRPr lang="en-US" dirty="0"/>
+                </a:p>
+              </p:txBody>
+            </p:sp>
+            <p:sp>
+              <p:nvSpPr>
+                <p:cNvPr id="30" name="Rectangle 29">
+                  <a:extLst>
+                    <a:ext uri="{FF2B5EF4-FFF2-40B4-BE49-F238E27FC236}">
+                      <a16:creationId xmlns:a16="http://schemas.microsoft.com/office/drawing/2014/main" id="{E891DE40-C2A9-48B0-8BA5-999FA4374704}"/>
+                    </a:ext>
+                  </a:extLst>
+                </p:cNvPr>
+                <p:cNvSpPr/>
+                <p:nvPr/>
+              </p:nvSpPr>
+              <p:spPr>
+                <a:xfrm flipV="1">
+                  <a:off x="6945694" y="3315386"/>
+                  <a:ext cx="379029" cy="55950"/>
+                </a:xfrm>
+                <a:prstGeom prst="rect">
+                  <a:avLst/>
+                </a:prstGeom>
+                <a:solidFill>
+                  <a:schemeClr val="accent6"/>
+                </a:solidFill>
+              </p:spPr>
+              <p:style>
+                <a:lnRef idx="2">
+                  <a:schemeClr val="accent1">
+                    <a:shade val="50000"/>
+                  </a:schemeClr>
+                </a:lnRef>
+                <a:fillRef idx="1">
+                  <a:schemeClr val="accent1"/>
+                </a:fillRef>
+                <a:effectRef idx="0">
+                  <a:schemeClr val="accent1"/>
+                </a:effectRef>
+                <a:fontRef idx="minor">
+                  <a:schemeClr val="lt1"/>
+                </a:fontRef>
+              </p:style>
+              <p:txBody>
+                <a:bodyPr rtlCol="0" anchor="ctr"/>
+                <a:lstStyle/>
+                <a:p>
+                  <a:pPr algn="ctr"/>
+                  <a:endParaRPr lang="en-US" dirty="0"/>
+                </a:p>
+              </p:txBody>
+            </p:sp>
+            <p:sp>
+              <p:nvSpPr>
+                <p:cNvPr id="31" name="Rectangle 30">
+                  <a:extLst>
+                    <a:ext uri="{FF2B5EF4-FFF2-40B4-BE49-F238E27FC236}">
+                      <a16:creationId xmlns:a16="http://schemas.microsoft.com/office/drawing/2014/main" id="{4E177251-707C-4636-A1D6-3A0BF969A7E3}"/>
+                    </a:ext>
+                  </a:extLst>
+                </p:cNvPr>
+                <p:cNvSpPr/>
+                <p:nvPr/>
+              </p:nvSpPr>
+              <p:spPr>
+                <a:xfrm>
+                  <a:off x="7615347" y="3315387"/>
+                  <a:ext cx="185617" cy="55950"/>
+                </a:xfrm>
+                <a:prstGeom prst="rect">
+                  <a:avLst/>
+                </a:prstGeom>
+                <a:solidFill>
+                  <a:schemeClr val="accent6"/>
+                </a:solidFill>
+              </p:spPr>
+              <p:style>
+                <a:lnRef idx="2">
+                  <a:schemeClr val="accent1">
+                    <a:shade val="50000"/>
+                  </a:schemeClr>
+                </a:lnRef>
+                <a:fillRef idx="1">
+                  <a:schemeClr val="accent1"/>
+                </a:fillRef>
+                <a:effectRef idx="0">
+                  <a:schemeClr val="accent1"/>
+                </a:effectRef>
+                <a:fontRef idx="minor">
+                  <a:schemeClr val="lt1"/>
+                </a:fontRef>
+              </p:style>
+              <p:txBody>
+                <a:bodyPr rtlCol="0" anchor="ctr"/>
+                <a:lstStyle/>
+                <a:p>
+                  <a:pPr algn="ctr"/>
+                  <a:endParaRPr lang="en-US"/>
+                </a:p>
+              </p:txBody>
+            </p:sp>
+            <p:sp>
+              <p:nvSpPr>
+                <p:cNvPr id="32" name="Rectangle 31">
+                  <a:extLst>
+                    <a:ext uri="{FF2B5EF4-FFF2-40B4-BE49-F238E27FC236}">
+                      <a16:creationId xmlns:a16="http://schemas.microsoft.com/office/drawing/2014/main" id="{52E1E5BB-CDBB-4263-BDAD-0C686901CD48}"/>
+                    </a:ext>
+                  </a:extLst>
+                </p:cNvPr>
+                <p:cNvSpPr/>
+                <p:nvPr/>
+              </p:nvSpPr>
+              <p:spPr>
+                <a:xfrm>
+                  <a:off x="7858371" y="3391400"/>
+                  <a:ext cx="125714" cy="57553"/>
+                </a:xfrm>
+                <a:prstGeom prst="rect">
+                  <a:avLst/>
+                </a:prstGeom>
+                <a:solidFill>
+                  <a:schemeClr val="accent6"/>
+                </a:solidFill>
+              </p:spPr>
+              <p:style>
+                <a:lnRef idx="2">
+                  <a:schemeClr val="accent1">
+                    <a:shade val="50000"/>
+                  </a:schemeClr>
+                </a:lnRef>
+                <a:fillRef idx="1">
+                  <a:schemeClr val="accent1"/>
+                </a:fillRef>
+                <a:effectRef idx="0">
+                  <a:schemeClr val="accent1"/>
+                </a:effectRef>
+                <a:fontRef idx="minor">
+                  <a:schemeClr val="lt1"/>
+                </a:fontRef>
+              </p:style>
+              <p:txBody>
+                <a:bodyPr rtlCol="0" anchor="ctr"/>
+                <a:lstStyle/>
+                <a:p>
+                  <a:pPr algn="ctr"/>
+                  <a:endParaRPr lang="en-US"/>
+                </a:p>
+              </p:txBody>
+            </p:sp>
+            <p:cxnSp>
+              <p:nvCxnSpPr>
+                <p:cNvPr id="33" name="Straight Connector 32">
+                  <a:extLst>
+                    <a:ext uri="{FF2B5EF4-FFF2-40B4-BE49-F238E27FC236}">
+                      <a16:creationId xmlns:a16="http://schemas.microsoft.com/office/drawing/2014/main" id="{450A7A70-E1FF-4199-8E2C-0B1C777EF763}"/>
+                    </a:ext>
+                  </a:extLst>
+                </p:cNvPr>
+                <p:cNvCxnSpPr>
+                  <a:cxnSpLocks/>
+                </p:cNvCxnSpPr>
+                <p:nvPr/>
+              </p:nvCxnSpPr>
+              <p:spPr>
+                <a:xfrm flipV="1">
+                  <a:off x="4294573" y="3905536"/>
+                  <a:ext cx="4178369" cy="13103"/>
+                </a:xfrm>
+                <a:prstGeom prst="line">
+                  <a:avLst/>
+                </a:prstGeom>
+                <a:ln w="38100">
+                  <a:solidFill>
+                    <a:schemeClr val="tx1"/>
+                  </a:solidFill>
+                </a:ln>
+              </p:spPr>
+              <p:style>
+                <a:lnRef idx="3">
+                  <a:schemeClr val="dk1"/>
+                </a:lnRef>
+                <a:fillRef idx="0">
+                  <a:schemeClr val="dk1"/>
+                </a:fillRef>
+                <a:effectRef idx="2">
+                  <a:schemeClr val="dk1"/>
+                </a:effectRef>
+                <a:fontRef idx="minor">
+                  <a:schemeClr val="tx1"/>
+                </a:fontRef>
+              </p:style>
+            </p:cxnSp>
+          </p:grpSp>
+          <p:sp>
+            <p:nvSpPr>
+              <p:cNvPr id="71" name="Rectangle 70">
+                <a:extLst>
+                  <a:ext uri="{FF2B5EF4-FFF2-40B4-BE49-F238E27FC236}">
+                    <a16:creationId xmlns:a16="http://schemas.microsoft.com/office/drawing/2014/main" id="{E395EC7B-FB15-4CA2-9563-71DB065F78A0}"/>
+                  </a:ext>
+                </a:extLst>
+              </p:cNvPr>
+              <p:cNvSpPr/>
+              <p:nvPr/>
+            </p:nvSpPr>
+            <p:spPr>
+              <a:xfrm>
+                <a:off x="5684560" y="971560"/>
+                <a:ext cx="1256176" cy="1162590"/>
+              </a:xfrm>
+              <a:prstGeom prst="rect">
+                <a:avLst/>
+              </a:prstGeom>
+              <a:noFill/>
+              <a:ln w="38100">
+                <a:solidFill>
+                  <a:srgbClr val="FFFF00"/>
+                </a:solidFill>
+                <a:prstDash val="sysDash"/>
+              </a:ln>
+            </p:spPr>
+            <p:style>
+              <a:lnRef idx="2">
+                <a:schemeClr val="accent1">
+                  <a:shade val="50000"/>
+                </a:schemeClr>
+              </a:lnRef>
+              <a:fillRef idx="1">
+                <a:schemeClr val="accent1"/>
+              </a:fillRef>
+              <a:effectRef idx="0">
+                <a:schemeClr val="accent1"/>
+              </a:effectRef>
+              <a:fontRef idx="minor">
+                <a:schemeClr val="lt1"/>
+              </a:fontRef>
+            </p:style>
+            <p:txBody>
+              <a:bodyPr rtlCol="0" anchor="ctr"/>
+              <a:lstStyle/>
+              <a:p>
+                <a:pPr algn="ctr"/>
+                <a:endParaRPr lang="en-US"/>
+              </a:p>
+            </p:txBody>
+          </p:sp>
+        </p:grpSp>
+        <p:sp>
+          <p:nvSpPr>
+            <p:cNvPr id="72" name="Arrow: Left-Right-Up 71">
+              <a:extLst>
+                <a:ext uri="{FF2B5EF4-FFF2-40B4-BE49-F238E27FC236}">
+                  <a16:creationId xmlns:a16="http://schemas.microsoft.com/office/drawing/2014/main" id="{54008041-20A6-430B-A0DB-E10C2D86F5A3}"/>
+                </a:ext>
+              </a:extLst>
+            </p:cNvPr>
+            <p:cNvSpPr/>
+            <p:nvPr/>
+          </p:nvSpPr>
+          <p:spPr>
+            <a:xfrm rot="10800000">
+              <a:off x="3164905" y="1792174"/>
+              <a:ext cx="5426195" cy="748035"/>
+            </a:xfrm>
+            <a:prstGeom prst="leftRightUpArrow">
+              <a:avLst>
+                <a:gd name="adj1" fmla="val 13256"/>
+                <a:gd name="adj2" fmla="val 19128"/>
+                <a:gd name="adj3" fmla="val 26068"/>
+              </a:avLst>
+            </a:prstGeom>
+          </p:spPr>
+          <p:style>
+            <a:lnRef idx="2">
+              <a:schemeClr val="accent1">
+                <a:shade val="50000"/>
+              </a:schemeClr>
+            </a:lnRef>
+            <a:fillRef idx="1">
+              <a:schemeClr val="accent1"/>
+            </a:fillRef>
+            <a:effectRef idx="0">
+              <a:schemeClr val="accent1"/>
+            </a:effectRef>
+            <a:fontRef idx="minor">
+              <a:schemeClr val="lt1"/>
+            </a:fontRef>
+          </p:style>
+          <p:txBody>
+            <a:bodyPr rtlCol="0" anchor="ctr"/>
+            <a:lstStyle/>
+            <a:p>
+              <a:pPr algn="ctr"/>
+              <a:endParaRPr lang="en-US"/>
+            </a:p>
+          </p:txBody>
+        </p:sp>
+        <p:pic>
+          <p:nvPicPr>
+            <p:cNvPr id="73" name="Picture 72">
+              <a:extLst>
+                <a:ext uri="{FF2B5EF4-FFF2-40B4-BE49-F238E27FC236}">
+                  <a16:creationId xmlns:a16="http://schemas.microsoft.com/office/drawing/2014/main" id="{9AE65DB4-00E5-4807-B04C-7446151FE9CC}"/>
+                </a:ext>
+              </a:extLst>
+            </p:cNvPr>
+            <p:cNvPicPr>
+              <a:picLocks noChangeAspect="1"/>
+            </p:cNvPicPr>
+            <p:nvPr/>
+          </p:nvPicPr>
+          <p:blipFill>
+            <a:blip r:embed="rId3"/>
+            <a:stretch>
+              <a:fillRect/>
+            </a:stretch>
+          </p:blipFill>
+          <p:spPr>
+            <a:xfrm>
+              <a:off x="4678628" y="3057904"/>
+              <a:ext cx="2371337" cy="2179067"/>
+            </a:xfrm>
+            <a:prstGeom prst="rect">
+              <a:avLst/>
+            </a:prstGeom>
+          </p:spPr>
+        </p:pic>
+        <p:pic>
+          <p:nvPicPr>
+            <p:cNvPr id="75" name="Picture 74">
+              <a:extLst>
+                <a:ext uri="{FF2B5EF4-FFF2-40B4-BE49-F238E27FC236}">
+                  <a16:creationId xmlns:a16="http://schemas.microsoft.com/office/drawing/2014/main" id="{A65AB9C8-7143-438D-A88B-035A904028FD}"/>
+                </a:ext>
+              </a:extLst>
+            </p:cNvPr>
+            <p:cNvPicPr>
+              <a:picLocks noChangeAspect="1"/>
+            </p:cNvPicPr>
+            <p:nvPr/>
+          </p:nvPicPr>
+          <p:blipFill>
+            <a:blip r:embed="rId3"/>
+            <a:stretch>
+              <a:fillRect/>
+            </a:stretch>
+          </p:blipFill>
+          <p:spPr>
+            <a:xfrm>
+              <a:off x="686660" y="870834"/>
+              <a:ext cx="2371337" cy="2179067"/>
+            </a:xfrm>
+            <a:prstGeom prst="rect">
+              <a:avLst/>
+            </a:prstGeom>
+          </p:spPr>
+        </p:pic>
+        <p:pic>
+          <p:nvPicPr>
+            <p:cNvPr id="76" name="Picture 75">
+              <a:extLst>
+                <a:ext uri="{FF2B5EF4-FFF2-40B4-BE49-F238E27FC236}">
+                  <a16:creationId xmlns:a16="http://schemas.microsoft.com/office/drawing/2014/main" id="{2EF20AAC-3772-49E0-9D29-C3F36225BB3C}"/>
+                </a:ext>
+              </a:extLst>
+            </p:cNvPr>
+            <p:cNvPicPr>
+              <a:picLocks noChangeAspect="1"/>
+            </p:cNvPicPr>
+            <p:nvPr/>
+          </p:nvPicPr>
+          <p:blipFill>
+            <a:blip r:embed="rId3"/>
+            <a:stretch>
+              <a:fillRect/>
+            </a:stretch>
+          </p:blipFill>
+          <p:spPr>
+            <a:xfrm>
+              <a:off x="8763152" y="870834"/>
+              <a:ext cx="2371338" cy="2179067"/>
+            </a:xfrm>
+            <a:prstGeom prst="rect">
+              <a:avLst/>
+            </a:prstGeom>
+          </p:spPr>
+        </p:pic>
+        <p:grpSp>
+          <p:nvGrpSpPr>
+            <p:cNvPr id="77" name="Group 76">
+              <a:extLst>
+                <a:ext uri="{FF2B5EF4-FFF2-40B4-BE49-F238E27FC236}">
+                  <a16:creationId xmlns:a16="http://schemas.microsoft.com/office/drawing/2014/main" id="{A93696AD-93EE-4C94-BEF7-663DA6D1DBD4}"/>
+                </a:ext>
+              </a:extLst>
+            </p:cNvPr>
+            <p:cNvGrpSpPr/>
+            <p:nvPr/>
+          </p:nvGrpSpPr>
+          <p:grpSpPr>
+            <a:xfrm>
+              <a:off x="8591100" y="3049900"/>
+              <a:ext cx="3174355" cy="1394406"/>
+              <a:chOff x="6391213" y="4181536"/>
+              <a:chExt cx="5698162" cy="1510161"/>
+            </a:xfrm>
+          </p:grpSpPr>
+          <p:sp>
+            <p:nvSpPr>
+              <p:cNvPr id="78" name="Left Bracket 77">
+                <a:extLst>
+                  <a:ext uri="{FF2B5EF4-FFF2-40B4-BE49-F238E27FC236}">
+                    <a16:creationId xmlns:a16="http://schemas.microsoft.com/office/drawing/2014/main" id="{2D489B81-63FD-470A-BC3A-F1E4442CAA9A}"/>
+                  </a:ext>
+                </a:extLst>
+              </p:cNvPr>
+              <p:cNvSpPr/>
+              <p:nvPr/>
+            </p:nvSpPr>
+            <p:spPr>
+              <a:xfrm rot="16200000">
+                <a:off x="10055980" y="3723430"/>
+                <a:ext cx="136081" cy="1321508"/>
+              </a:xfrm>
+              <a:prstGeom prst="leftBracket">
+                <a:avLst/>
+              </a:prstGeom>
+            </p:spPr>
+            <p:style>
+              <a:lnRef idx="1">
+                <a:schemeClr val="accent1"/>
+              </a:lnRef>
+              <a:fillRef idx="0">
+                <a:schemeClr val="accent1"/>
+              </a:fillRef>
+              <a:effectRef idx="0">
+                <a:schemeClr val="accent1"/>
+              </a:effectRef>
+              <a:fontRef idx="minor">
+                <a:schemeClr val="tx1"/>
+              </a:fontRef>
+            </p:style>
+            <p:txBody>
+              <a:bodyPr rtlCol="0" anchor="ctr"/>
+              <a:lstStyle/>
+              <a:p>
+                <a:pPr algn="ctr"/>
+                <a:endParaRPr lang="en-US"/>
+              </a:p>
+            </p:txBody>
+          </p:sp>
+          <p:sp>
+            <p:nvSpPr>
+              <p:cNvPr id="79" name="TextBox 78">
+                <a:extLst>
+                  <a:ext uri="{FF2B5EF4-FFF2-40B4-BE49-F238E27FC236}">
+                    <a16:creationId xmlns:a16="http://schemas.microsoft.com/office/drawing/2014/main" id="{018D5DEF-3015-4478-99C7-01BA75AA8BA0}"/>
+                  </a:ext>
+                </a:extLst>
+              </p:cNvPr>
+              <p:cNvSpPr txBox="1"/>
+              <p:nvPr/>
+            </p:nvSpPr>
+            <p:spPr>
+              <a:xfrm>
+                <a:off x="6700058" y="4181536"/>
+                <a:ext cx="2591228" cy="433324"/>
+              </a:xfrm>
+              <a:prstGeom prst="rect">
+                <a:avLst/>
+              </a:prstGeom>
+              <a:noFill/>
+            </p:spPr>
+            <p:txBody>
+              <a:bodyPr wrap="square" rtlCol="0">
+                <a:spAutoFit/>
+              </a:bodyPr>
+              <a:lstStyle/>
+              <a:p>
+                <a:r>
+                  <a:rPr lang="en-US" sz="2000" dirty="0"/>
+                  <a:t>Total Width</a:t>
+                </a:r>
+              </a:p>
+            </p:txBody>
+          </p:sp>
+          <p:sp>
+            <p:nvSpPr>
+              <p:cNvPr id="80" name="TextBox 79">
+                <a:extLst>
+                  <a:ext uri="{FF2B5EF4-FFF2-40B4-BE49-F238E27FC236}">
+                    <a16:creationId xmlns:a16="http://schemas.microsoft.com/office/drawing/2014/main" id="{8C2E9B67-D74E-4B86-AEE6-7FD63DAC67D1}"/>
+                  </a:ext>
+                </a:extLst>
+              </p:cNvPr>
+              <p:cNvSpPr txBox="1"/>
+              <p:nvPr/>
+            </p:nvSpPr>
+            <p:spPr>
+              <a:xfrm>
+                <a:off x="6588132" y="4719524"/>
+                <a:ext cx="3064557" cy="433326"/>
+              </a:xfrm>
+              <a:prstGeom prst="rect">
+                <a:avLst/>
+              </a:prstGeom>
+              <a:noFill/>
+            </p:spPr>
+            <p:txBody>
+              <a:bodyPr wrap="square" rtlCol="0">
+                <a:spAutoFit/>
+              </a:bodyPr>
+              <a:lstStyle/>
+              <a:p>
+                <a:r>
+                  <a:rPr lang="en-US" sz="2000" dirty="0"/>
+                  <a:t>Feature Width</a:t>
+                </a:r>
+              </a:p>
+            </p:txBody>
+          </p:sp>
+          <p:sp>
+            <p:nvSpPr>
+              <p:cNvPr id="81" name="TextBox 80">
+                <a:extLst>
+                  <a:ext uri="{FF2B5EF4-FFF2-40B4-BE49-F238E27FC236}">
+                    <a16:creationId xmlns:a16="http://schemas.microsoft.com/office/drawing/2014/main" id="{7D35540A-00E9-4C16-A3F3-1372A2D4B1A8}"/>
+                  </a:ext>
+                </a:extLst>
+              </p:cNvPr>
+              <p:cNvSpPr txBox="1"/>
+              <p:nvPr/>
+            </p:nvSpPr>
+            <p:spPr>
+              <a:xfrm>
+                <a:off x="6391213" y="5258373"/>
+                <a:ext cx="5698162" cy="433324"/>
+              </a:xfrm>
+              <a:prstGeom prst="rect">
+                <a:avLst/>
+              </a:prstGeom>
+              <a:noFill/>
+            </p:spPr>
+            <p:txBody>
+              <a:bodyPr wrap="square" rtlCol="0">
+                <a:spAutoFit/>
+              </a:bodyPr>
+              <a:lstStyle/>
+              <a:p>
+                <a:r>
+                  <a:rPr lang="en-US" sz="2000" dirty="0"/>
+                  <a:t>Feature Width / Total Width  </a:t>
+                </a:r>
+              </a:p>
+            </p:txBody>
+          </p:sp>
+        </p:grpSp>
+        <p:sp>
+          <p:nvSpPr>
+            <p:cNvPr id="86" name="Left Bracket 85">
+              <a:extLst>
+                <a:ext uri="{FF2B5EF4-FFF2-40B4-BE49-F238E27FC236}">
+                  <a16:creationId xmlns:a16="http://schemas.microsoft.com/office/drawing/2014/main" id="{7D57778B-F19D-4CD3-8356-D2F884B8293D}"/>
+                </a:ext>
+              </a:extLst>
+            </p:cNvPr>
+            <p:cNvSpPr/>
+            <p:nvPr/>
+          </p:nvSpPr>
+          <p:spPr>
+            <a:xfrm rot="16200000">
+              <a:off x="10661405" y="3431373"/>
+              <a:ext cx="123889" cy="630667"/>
+            </a:xfrm>
+            <a:prstGeom prst="leftBracket">
+              <a:avLst/>
+            </a:prstGeom>
+          </p:spPr>
+          <p:style>
+            <a:lnRef idx="1">
+              <a:schemeClr val="accent1"/>
+            </a:lnRef>
+            <a:fillRef idx="0">
+              <a:schemeClr val="accent1"/>
+            </a:fillRef>
+            <a:effectRef idx="0">
+              <a:schemeClr val="accent1"/>
+            </a:effectRef>
+            <a:fontRef idx="minor">
+              <a:schemeClr val="tx1"/>
+            </a:fontRef>
+          </p:style>
+          <p:txBody>
+            <a:bodyPr rtlCol="0" anchor="ctr"/>
+            <a:lstStyle/>
+            <a:p>
+              <a:pPr algn="ctr"/>
+              <a:endParaRPr lang="en-US"/>
+            </a:p>
+          </p:txBody>
+        </p:sp>
+        <p:grpSp>
+          <p:nvGrpSpPr>
+            <p:cNvPr id="94" name="Group 93">
+              <a:extLst>
+                <a:ext uri="{FF2B5EF4-FFF2-40B4-BE49-F238E27FC236}">
+                  <a16:creationId xmlns:a16="http://schemas.microsoft.com/office/drawing/2014/main" id="{7ED68C55-8A48-4E6E-927F-D84C718949C9}"/>
+                </a:ext>
+              </a:extLst>
+            </p:cNvPr>
+            <p:cNvGrpSpPr/>
+            <p:nvPr/>
+          </p:nvGrpSpPr>
+          <p:grpSpPr>
+            <a:xfrm>
+              <a:off x="5662132" y="5330183"/>
+              <a:ext cx="1373107" cy="1373147"/>
+              <a:chOff x="5661357" y="4961371"/>
+              <a:chExt cx="1373107" cy="1373147"/>
+            </a:xfrm>
+          </p:grpSpPr>
+          <p:cxnSp>
+            <p:nvCxnSpPr>
+              <p:cNvPr id="87" name="Straight Connector 86">
+                <a:extLst>
+                  <a:ext uri="{FF2B5EF4-FFF2-40B4-BE49-F238E27FC236}">
+                    <a16:creationId xmlns:a16="http://schemas.microsoft.com/office/drawing/2014/main" id="{3B6DFA56-FCFF-473F-B456-E7CFEF05AE23}"/>
+                  </a:ext>
+                </a:extLst>
+              </p:cNvPr>
+              <p:cNvCxnSpPr>
+                <a:cxnSpLocks/>
+              </p:cNvCxnSpPr>
+              <p:nvPr/>
+            </p:nvCxnSpPr>
+            <p:spPr>
+              <a:xfrm>
+                <a:off x="5908478" y="4973961"/>
+                <a:ext cx="0" cy="285331"/>
+              </a:xfrm>
+              <a:prstGeom prst="line">
+                <a:avLst/>
+              </a:prstGeom>
+              <a:ln w="28575">
+                <a:solidFill>
+                  <a:schemeClr val="accent5"/>
+                </a:solidFill>
+              </a:ln>
+            </p:spPr>
+            <p:style>
+              <a:lnRef idx="1">
+                <a:schemeClr val="accent1"/>
+              </a:lnRef>
+              <a:fillRef idx="0">
+                <a:schemeClr val="accent1"/>
+              </a:fillRef>
+              <a:effectRef idx="0">
+                <a:schemeClr val="accent1"/>
+              </a:effectRef>
+              <a:fontRef idx="minor">
+                <a:schemeClr val="tx1"/>
+              </a:fontRef>
+            </p:style>
+          </p:cxnSp>
+          <p:cxnSp>
+            <p:nvCxnSpPr>
+              <p:cNvPr id="88" name="Straight Connector 87">
+                <a:extLst>
+                  <a:ext uri="{FF2B5EF4-FFF2-40B4-BE49-F238E27FC236}">
+                    <a16:creationId xmlns:a16="http://schemas.microsoft.com/office/drawing/2014/main" id="{116DA453-A3B8-4573-8877-ECA344E3BFFD}"/>
+                  </a:ext>
+                </a:extLst>
+              </p:cNvPr>
+              <p:cNvCxnSpPr>
+                <a:cxnSpLocks/>
+              </p:cNvCxnSpPr>
+              <p:nvPr/>
+            </p:nvCxnSpPr>
+            <p:spPr>
+              <a:xfrm>
+                <a:off x="6787344" y="4961371"/>
+                <a:ext cx="0" cy="285331"/>
+              </a:xfrm>
+              <a:prstGeom prst="line">
+                <a:avLst/>
+              </a:prstGeom>
+              <a:ln w="28575">
+                <a:solidFill>
+                  <a:schemeClr val="accent5"/>
+                </a:solidFill>
+              </a:ln>
+            </p:spPr>
+            <p:style>
+              <a:lnRef idx="1">
+                <a:schemeClr val="accent1"/>
+              </a:lnRef>
+              <a:fillRef idx="0">
+                <a:schemeClr val="accent1"/>
+              </a:fillRef>
+              <a:effectRef idx="0">
+                <a:schemeClr val="accent1"/>
+              </a:effectRef>
+              <a:fontRef idx="minor">
+                <a:schemeClr val="tx1"/>
+              </a:fontRef>
+            </p:style>
+          </p:cxnSp>
+          <p:sp>
+            <p:nvSpPr>
+              <p:cNvPr id="89" name="Right Brace 88">
+                <a:extLst>
+                  <a:ext uri="{FF2B5EF4-FFF2-40B4-BE49-F238E27FC236}">
+                    <a16:creationId xmlns:a16="http://schemas.microsoft.com/office/drawing/2014/main" id="{E6232B12-300B-44C9-BA48-B1FE76EE6A97}"/>
+                  </a:ext>
+                </a:extLst>
+              </p:cNvPr>
+              <p:cNvSpPr/>
+              <p:nvPr/>
+            </p:nvSpPr>
+            <p:spPr>
+              <a:xfrm rot="5400000">
+                <a:off x="6246814" y="5044006"/>
+                <a:ext cx="202194" cy="878866"/>
+              </a:xfrm>
+              <a:prstGeom prst="rightBrace">
+                <a:avLst/>
+              </a:prstGeom>
+            </p:spPr>
+            <p:style>
+              <a:lnRef idx="1">
+                <a:schemeClr val="accent1"/>
+              </a:lnRef>
+              <a:fillRef idx="0">
+                <a:schemeClr val="accent1"/>
+              </a:fillRef>
+              <a:effectRef idx="0">
+                <a:schemeClr val="accent1"/>
+              </a:effectRef>
+              <a:fontRef idx="minor">
+                <a:schemeClr val="tx1"/>
+              </a:fontRef>
+            </p:style>
+            <p:txBody>
+              <a:bodyPr rtlCol="0" anchor="ctr"/>
+              <a:lstStyle/>
+              <a:p>
+                <a:pPr algn="ctr"/>
+                <a:endParaRPr lang="en-US" dirty="0"/>
+              </a:p>
+            </p:txBody>
+          </p:sp>
+          <p:sp>
+            <p:nvSpPr>
+              <p:cNvPr id="90" name="TextBox 89">
+                <a:extLst>
+                  <a:ext uri="{FF2B5EF4-FFF2-40B4-BE49-F238E27FC236}">
+                    <a16:creationId xmlns:a16="http://schemas.microsoft.com/office/drawing/2014/main" id="{5BAC6772-C540-40A8-A25B-4EB9E169DD1C}"/>
+                  </a:ext>
+                </a:extLst>
+              </p:cNvPr>
+              <p:cNvSpPr txBox="1"/>
+              <p:nvPr/>
+            </p:nvSpPr>
+            <p:spPr>
+              <a:xfrm>
+                <a:off x="5661357" y="5626632"/>
+                <a:ext cx="1373107" cy="707886"/>
+              </a:xfrm>
+              <a:prstGeom prst="rect">
+                <a:avLst/>
+              </a:prstGeom>
+              <a:noFill/>
+            </p:spPr>
+            <p:txBody>
+              <a:bodyPr wrap="square" rtlCol="0">
+                <a:spAutoFit/>
+              </a:bodyPr>
+              <a:lstStyle/>
+              <a:p>
+                <a:pPr algn="ctr"/>
+                <a:r>
+                  <a:rPr lang="en-US" sz="2000" dirty="0"/>
+                  <a:t>X </a:t>
+                </a:r>
+              </a:p>
+              <a:p>
+                <a:pPr algn="ctr"/>
+                <a:r>
+                  <a:rPr lang="en-US" sz="2000" dirty="0"/>
+                  <a:t>base pairs</a:t>
+                </a:r>
+              </a:p>
+            </p:txBody>
+          </p:sp>
+        </p:grpSp>
+        <p:sp>
+          <p:nvSpPr>
+            <p:cNvPr id="91" name="Right Brace 90">
+              <a:extLst>
+                <a:ext uri="{FF2B5EF4-FFF2-40B4-BE49-F238E27FC236}">
+                  <a16:creationId xmlns:a16="http://schemas.microsoft.com/office/drawing/2014/main" id="{18074E52-54B9-4430-8F26-71AE5FF2EC3D}"/>
+                </a:ext>
+              </a:extLst>
+            </p:cNvPr>
+            <p:cNvSpPr/>
+            <p:nvPr/>
+          </p:nvSpPr>
+          <p:spPr>
+            <a:xfrm rot="5400000">
+              <a:off x="1024416" y="2890182"/>
+              <a:ext cx="231171" cy="703828"/>
+            </a:xfrm>
+            <a:prstGeom prst="rightBrace">
+              <a:avLst/>
+            </a:prstGeom>
+          </p:spPr>
+          <p:style>
+            <a:lnRef idx="1">
+              <a:schemeClr val="accent1"/>
+            </a:lnRef>
+            <a:fillRef idx="0">
+              <a:schemeClr val="accent1"/>
+            </a:fillRef>
+            <a:effectRef idx="0">
+              <a:schemeClr val="accent1"/>
+            </a:effectRef>
+            <a:fontRef idx="minor">
+              <a:schemeClr val="tx1"/>
+            </a:fontRef>
+          </p:style>
+          <p:txBody>
+            <a:bodyPr rtlCol="0" anchor="ctr"/>
+            <a:lstStyle/>
+            <a:p>
+              <a:pPr algn="ctr"/>
+              <a:endParaRPr lang="en-US"/>
+            </a:p>
+          </p:txBody>
+        </p:sp>
+        <p:sp>
+          <p:nvSpPr>
+            <p:cNvPr id="92" name="TextBox 91">
+              <a:extLst>
+                <a:ext uri="{FF2B5EF4-FFF2-40B4-BE49-F238E27FC236}">
+                  <a16:creationId xmlns:a16="http://schemas.microsoft.com/office/drawing/2014/main" id="{D9B77F90-0E81-4148-9F1D-45E3CD6F3CEE}"/>
+                </a:ext>
+              </a:extLst>
+            </p:cNvPr>
+            <p:cNvSpPr txBox="1"/>
+            <p:nvPr/>
+          </p:nvSpPr>
+          <p:spPr>
+            <a:xfrm>
+              <a:off x="897851" y="1902011"/>
+              <a:ext cx="319318" cy="307777"/>
+            </a:xfrm>
+            <a:prstGeom prst="rect">
+              <a:avLst/>
+            </a:prstGeom>
+            <a:noFill/>
+          </p:spPr>
+          <p:txBody>
+            <a:bodyPr wrap="square" rtlCol="0">
+              <a:spAutoFit/>
+            </a:bodyPr>
+            <a:lstStyle/>
+            <a:p>
+              <a:r>
+                <a:rPr lang="en-US" sz="1400" dirty="0"/>
+                <a:t>1</a:t>
+              </a:r>
+            </a:p>
+          </p:txBody>
+        </p:sp>
+        <p:sp>
+          <p:nvSpPr>
+            <p:cNvPr id="93" name="TextBox 92">
+              <a:extLst>
+                <a:ext uri="{FF2B5EF4-FFF2-40B4-BE49-F238E27FC236}">
+                  <a16:creationId xmlns:a16="http://schemas.microsoft.com/office/drawing/2014/main" id="{DBE964B2-760C-4354-9E01-92C870E5C596}"/>
+                </a:ext>
+              </a:extLst>
+            </p:cNvPr>
+            <p:cNvSpPr txBox="1"/>
+            <p:nvPr/>
+          </p:nvSpPr>
+          <p:spPr>
+            <a:xfrm>
+              <a:off x="993659" y="3428420"/>
+              <a:ext cx="319318" cy="400110"/>
+            </a:xfrm>
+            <a:prstGeom prst="rect">
+              <a:avLst/>
+            </a:prstGeom>
+            <a:noFill/>
+          </p:spPr>
+          <p:txBody>
+            <a:bodyPr wrap="square" rtlCol="0">
+              <a:spAutoFit/>
+            </a:bodyPr>
+            <a:lstStyle/>
+            <a:p>
+              <a:r>
+                <a:rPr lang="en-US" sz="2000" dirty="0"/>
+                <a:t>1</a:t>
+              </a:r>
+              <a:endParaRPr lang="en-US" sz="1400" dirty="0"/>
+            </a:p>
+          </p:txBody>
+        </p:sp>
+        <p:sp>
+          <p:nvSpPr>
+            <p:cNvPr id="95" name="TextBox 94">
+              <a:extLst>
+                <a:ext uri="{FF2B5EF4-FFF2-40B4-BE49-F238E27FC236}">
+                  <a16:creationId xmlns:a16="http://schemas.microsoft.com/office/drawing/2014/main" id="{77F5E1F6-7801-4D61-9217-34B64B705089}"/>
+                </a:ext>
+              </a:extLst>
+            </p:cNvPr>
+            <p:cNvSpPr txBox="1"/>
+            <p:nvPr/>
+          </p:nvSpPr>
+          <p:spPr>
+            <a:xfrm>
+              <a:off x="962959" y="439946"/>
+              <a:ext cx="319318" cy="461665"/>
+            </a:xfrm>
+            <a:prstGeom prst="rect">
+              <a:avLst/>
+            </a:prstGeom>
+            <a:noFill/>
+          </p:spPr>
+          <p:txBody>
+            <a:bodyPr wrap="square" rtlCol="0">
+              <a:spAutoFit/>
+            </a:bodyPr>
+            <a:lstStyle/>
+            <a:p>
+              <a:r>
+                <a:rPr lang="en-US" sz="2400" b="1" dirty="0"/>
+                <a:t>I</a:t>
+              </a:r>
+              <a:endParaRPr lang="en-US" sz="1400" b="1" dirty="0"/>
+            </a:p>
+          </p:txBody>
+        </p:sp>
+        <p:sp>
+          <p:nvSpPr>
+            <p:cNvPr id="96" name="TextBox 95">
+              <a:extLst>
+                <a:ext uri="{FF2B5EF4-FFF2-40B4-BE49-F238E27FC236}">
+                  <a16:creationId xmlns:a16="http://schemas.microsoft.com/office/drawing/2014/main" id="{B0BD1DE3-2528-417C-B94B-B0A92CB410FE}"/>
+                </a:ext>
+              </a:extLst>
+            </p:cNvPr>
+            <p:cNvSpPr txBox="1"/>
+            <p:nvPr/>
+          </p:nvSpPr>
+          <p:spPr>
+            <a:xfrm>
+              <a:off x="5704637" y="2602911"/>
+              <a:ext cx="568754" cy="461665"/>
+            </a:xfrm>
+            <a:prstGeom prst="rect">
+              <a:avLst/>
+            </a:prstGeom>
+            <a:noFill/>
+          </p:spPr>
+          <p:txBody>
+            <a:bodyPr wrap="square" rtlCol="0">
+              <a:spAutoFit/>
+            </a:bodyPr>
+            <a:lstStyle/>
+            <a:p>
+              <a:r>
+                <a:rPr lang="en-US" sz="2400" b="1" dirty="0"/>
+                <a:t>II</a:t>
+              </a:r>
+              <a:endParaRPr lang="en-US" sz="1600" b="1" dirty="0"/>
+            </a:p>
+          </p:txBody>
+        </p:sp>
+        <p:sp>
+          <p:nvSpPr>
+            <p:cNvPr id="97" name="TextBox 96">
+              <a:extLst>
+                <a:ext uri="{FF2B5EF4-FFF2-40B4-BE49-F238E27FC236}">
+                  <a16:creationId xmlns:a16="http://schemas.microsoft.com/office/drawing/2014/main" id="{DDD7E8E3-4E74-4430-9AEA-3AC49E8CC720}"/>
+                </a:ext>
+              </a:extLst>
+            </p:cNvPr>
+            <p:cNvSpPr txBox="1"/>
+            <p:nvPr/>
+          </p:nvSpPr>
+          <p:spPr>
+            <a:xfrm>
+              <a:off x="10498967" y="439945"/>
+              <a:ext cx="539716" cy="461665"/>
+            </a:xfrm>
+            <a:prstGeom prst="rect">
+              <a:avLst/>
+            </a:prstGeom>
+            <a:noFill/>
+          </p:spPr>
+          <p:txBody>
+            <a:bodyPr wrap="square" rtlCol="0">
+              <a:spAutoFit/>
+            </a:bodyPr>
+            <a:lstStyle/>
+            <a:p>
+              <a:r>
+                <a:rPr lang="en-US" sz="2400" b="1" dirty="0"/>
+                <a:t>III</a:t>
+              </a:r>
+              <a:endParaRPr lang="en-US" sz="1400" b="1" dirty="0"/>
+            </a:p>
+          </p:txBody>
+        </p:sp>
+      </p:grpSp>
+      <p:sp>
+        <p:nvSpPr>
+          <p:cNvPr id="99" name="TextBox 98">
+            <a:extLst>
+              <a:ext uri="{FF2B5EF4-FFF2-40B4-BE49-F238E27FC236}">
+                <a16:creationId xmlns:a16="http://schemas.microsoft.com/office/drawing/2014/main" id="{77BCA748-E5EF-4DD1-AAD3-705B43E0DD87}"/>
+              </a:ext>
+            </a:extLst>
+          </p:cNvPr>
+          <p:cNvSpPr txBox="1"/>
+          <p:nvPr/>
+        </p:nvSpPr>
+        <p:spPr>
+          <a:xfrm>
+            <a:off x="171957" y="1849911"/>
+            <a:ext cx="591132" cy="461665"/>
+          </a:xfrm>
+          <a:prstGeom prst="rect">
+            <a:avLst/>
+          </a:prstGeom>
+          <a:noFill/>
+        </p:spPr>
+        <p:txBody>
+          <a:bodyPr wrap="square" rtlCol="0">
+            <a:spAutoFit/>
+          </a:bodyPr>
+          <a:lstStyle/>
+          <a:p>
+            <a:r>
+              <a:rPr lang="en-US" sz="2400" b="1" dirty="0"/>
+              <a:t>(A)</a:t>
+            </a:r>
+            <a:endParaRPr lang="en-US" sz="1400" b="1" dirty="0"/>
+          </a:p>
+        </p:txBody>
+      </p:sp>
+      <p:sp>
+        <p:nvSpPr>
+          <p:cNvPr id="100" name="TextBox 99">
+            <a:extLst>
+              <a:ext uri="{FF2B5EF4-FFF2-40B4-BE49-F238E27FC236}">
+                <a16:creationId xmlns:a16="http://schemas.microsoft.com/office/drawing/2014/main" id="{19496914-E127-4E63-8076-82BBF44A1EBC}"/>
+              </a:ext>
+            </a:extLst>
+          </p:cNvPr>
+          <p:cNvSpPr txBox="1"/>
+          <p:nvPr/>
+        </p:nvSpPr>
+        <p:spPr>
+          <a:xfrm>
+            <a:off x="4113364" y="4095337"/>
+            <a:ext cx="591132" cy="461665"/>
+          </a:xfrm>
+          <a:prstGeom prst="rect">
+            <a:avLst/>
+          </a:prstGeom>
+          <a:noFill/>
+        </p:spPr>
+        <p:txBody>
+          <a:bodyPr wrap="square" rtlCol="0">
+            <a:spAutoFit/>
+          </a:bodyPr>
+          <a:lstStyle/>
+          <a:p>
+            <a:r>
+              <a:rPr lang="en-US" sz="2400" b="1" dirty="0"/>
+              <a:t>(C)</a:t>
+            </a:r>
+            <a:endParaRPr lang="en-US" sz="1400" b="1" dirty="0"/>
+          </a:p>
+        </p:txBody>
+      </p:sp>
+      <p:sp>
+        <p:nvSpPr>
+          <p:cNvPr id="101" name="TextBox 100">
+            <a:extLst>
+              <a:ext uri="{FF2B5EF4-FFF2-40B4-BE49-F238E27FC236}">
+                <a16:creationId xmlns:a16="http://schemas.microsoft.com/office/drawing/2014/main" id="{1EDC992A-EBD1-4255-8A3B-2E8DBE49CC80}"/>
+              </a:ext>
+            </a:extLst>
+          </p:cNvPr>
+          <p:cNvSpPr txBox="1"/>
+          <p:nvPr/>
+        </p:nvSpPr>
+        <p:spPr>
+          <a:xfrm>
+            <a:off x="11428911" y="1853145"/>
+            <a:ext cx="591132" cy="461665"/>
+          </a:xfrm>
+          <a:prstGeom prst="rect">
+            <a:avLst/>
+          </a:prstGeom>
+          <a:noFill/>
+        </p:spPr>
+        <p:txBody>
+          <a:bodyPr wrap="square" rtlCol="0">
+            <a:spAutoFit/>
+          </a:bodyPr>
+          <a:lstStyle/>
+          <a:p>
+            <a:r>
+              <a:rPr lang="en-US" sz="2400" b="1" dirty="0"/>
+              <a:t>(B)</a:t>
+            </a:r>
+            <a:endParaRPr lang="en-US" sz="1400" b="1" dirty="0"/>
+          </a:p>
+        </p:txBody>
+      </p:sp>
+    </p:spTree>
+    <p:extLst>
+      <p:ext uri="{BB962C8B-B14F-4D97-AF65-F5344CB8AC3E}">
+        <p14:creationId xmlns:p14="http://schemas.microsoft.com/office/powerpoint/2010/main" val="3302630088"/>
+      </p:ext>
+    </p:extLst>
+  </p:cSld>
+  <p:clrMapOvr>
+    <a:masterClrMapping/>
+  </p:clrMapOvr>
+</p:sld>
+</file>
+
+<file path=ppt/slides/slide4.xml><?xml version="1.0" encoding="utf-8"?>
+<p:sld xmlns:a="http://schemas.openxmlformats.org/drawingml/2006/main" xmlns:r="http://schemas.openxmlformats.org/officeDocument/2006/relationships" xmlns:p="http://schemas.openxmlformats.org/presentationml/2006/main">
+  <p:cSld>
+    <p:spTree>
+      <p:nvGrpSpPr>
+        <p:cNvPr id="1" name=""/>
+        <p:cNvGrpSpPr/>
+        <p:nvPr/>
+      </p:nvGrpSpPr>
+      <p:grpSpPr>
+        <a:xfrm>
+          <a:off x="0" y="0"/>
+          <a:ext cx="0" cy="0"/>
+          <a:chOff x="0" y="0"/>
+          <a:chExt cx="0" cy="0"/>
+        </a:xfrm>
+      </p:grpSpPr>
       <p:pic>
         <p:nvPicPr>
           <p:cNvPr id="4" name="Picture 3">
@@ -9879,7 +12147,7 @@
 </p:sld>
 </file>
 
-<file path=ppt/slides/slide4.xml><?xml version="1.0" encoding="utf-8"?>
+<file path=ppt/slides/slide5.xml><?xml version="1.0" encoding="utf-8"?>
 <p:sld xmlns:a="http://schemas.openxmlformats.org/drawingml/2006/main" xmlns:r="http://schemas.openxmlformats.org/officeDocument/2006/relationships" xmlns:p="http://schemas.openxmlformats.org/presentationml/2006/main">
   <p:cSld>
     <p:spTree>
@@ -9939,7 +12207,7 @@
 </p:sld>
 </file>
 
-<file path=ppt/slides/slide5.xml><?xml version="1.0" encoding="utf-8"?>
+<file path=ppt/slides/slide6.xml><?xml version="1.0" encoding="utf-8"?>
 <p:sld xmlns:a="http://schemas.openxmlformats.org/drawingml/2006/main" xmlns:r="http://schemas.openxmlformats.org/officeDocument/2006/relationships" xmlns:p="http://schemas.openxmlformats.org/presentationml/2006/main">
   <p:cSld>
     <p:spTree>
@@ -10329,7 +12597,7 @@
 </p:sld>
 </file>
 
-<file path=ppt/slides/slide6.xml><?xml version="1.0" encoding="utf-8"?>
+<file path=ppt/slides/slide7.xml><?xml version="1.0" encoding="utf-8"?>
 <p:sld xmlns:a="http://schemas.openxmlformats.org/drawingml/2006/main" xmlns:r="http://schemas.openxmlformats.org/officeDocument/2006/relationships" xmlns:p="http://schemas.openxmlformats.org/presentationml/2006/main">
   <p:cSld>
     <p:spTree>
@@ -10719,7 +12987,7 @@
 </p:sld>
 </file>
 
-<file path=ppt/slides/slide7.xml><?xml version="1.0" encoding="utf-8"?>
+<file path=ppt/slides/slide8.xml><?xml version="1.0" encoding="utf-8"?>
 <p:sld xmlns:a="http://schemas.openxmlformats.org/drawingml/2006/main" xmlns:r="http://schemas.openxmlformats.org/officeDocument/2006/relationships" xmlns:p="http://schemas.openxmlformats.org/presentationml/2006/main">
   <p:cSld>
     <p:spTree>

--- a/Manuscript/Figures/figures.pptx
+++ b/Manuscript/Figures/figures.pptx
@@ -5,7 +5,7 @@
     <p:sldMasterId id="2147483648" r:id="rId1"/>
   </p:sldMasterIdLst>
   <p:notesMasterIdLst>
-    <p:notesMasterId r:id="rId10"/>
+    <p:notesMasterId r:id="rId12"/>
   </p:notesMasterIdLst>
   <p:sldIdLst>
     <p:sldId id="257" r:id="rId2"/>
@@ -13,9 +13,11 @@
     <p:sldId id="263" r:id="rId4"/>
     <p:sldId id="258" r:id="rId5"/>
     <p:sldId id="259" r:id="rId6"/>
-    <p:sldId id="260" r:id="rId7"/>
-    <p:sldId id="261" r:id="rId8"/>
-    <p:sldId id="262" r:id="rId9"/>
+    <p:sldId id="265" r:id="rId7"/>
+    <p:sldId id="260" r:id="rId8"/>
+    <p:sldId id="264" r:id="rId9"/>
+    <p:sldId id="261" r:id="rId10"/>
+    <p:sldId id="262" r:id="rId11"/>
   </p:sldIdLst>
   <p:sldSz cx="12192000" cy="6858000"/>
   <p:notesSz cx="6858000" cy="9144000"/>
@@ -575,6 +577,133 @@
 </p:notes>
 </file>
 
+<file path=ppt/notesSlides/notesSlide10.xml><?xml version="1.0" encoding="utf-8"?>
+<p:notes xmlns:a="http://schemas.openxmlformats.org/drawingml/2006/main" xmlns:r="http://schemas.openxmlformats.org/officeDocument/2006/relationships" xmlns:p="http://schemas.openxmlformats.org/presentationml/2006/main">
+  <p:cSld>
+    <p:spTree>
+      <p:nvGrpSpPr>
+        <p:cNvPr id="1" name=""/>
+        <p:cNvGrpSpPr/>
+        <p:nvPr/>
+      </p:nvGrpSpPr>
+      <p:grpSpPr>
+        <a:xfrm>
+          <a:off x="0" y="0"/>
+          <a:ext cx="0" cy="0"/>
+          <a:chOff x="0" y="0"/>
+          <a:chExt cx="0" cy="0"/>
+        </a:xfrm>
+      </p:grpSpPr>
+      <p:sp>
+        <p:nvSpPr>
+          <p:cNvPr id="2" name="Slide Image Placeholder 1"/>
+          <p:cNvSpPr>
+            <a:spLocks noGrp="1" noRot="1" noChangeAspect="1"/>
+          </p:cNvSpPr>
+          <p:nvPr>
+            <p:ph type="sldImg"/>
+          </p:nvPr>
+        </p:nvSpPr>
+        <p:spPr/>
+      </p:sp>
+      <p:sp>
+        <p:nvSpPr>
+          <p:cNvPr id="3" name="Notes Placeholder 2"/>
+          <p:cNvSpPr>
+            <a:spLocks noGrp="1"/>
+          </p:cNvSpPr>
+          <p:nvPr>
+            <p:ph type="body" idx="1"/>
+          </p:nvPr>
+        </p:nvSpPr>
+        <p:spPr/>
+        <p:txBody>
+          <a:bodyPr/>
+          <a:lstStyle/>
+          <a:p>
+            <a:r>
+              <a:rPr lang="en-US" dirty="0"/>
+              <a:t>Feature Importance</a:t>
+            </a:r>
+          </a:p>
+          <a:p>
+            <a:endParaRPr lang="en-US" dirty="0"/>
+          </a:p>
+          <a:p>
+            <a:r>
+              <a:rPr lang="en-US" dirty="0"/>
+              <a:t>Figure 7. Comparisons between GM12878 and K562 cell lines. The top 10 most predictive features associated with the formation of TAD boundaries for GM12878 (A) and K562 (B). (C) A </a:t>
+            </a:r>
+            <a:r>
+              <a:rPr lang="en-US" dirty="0" err="1"/>
+              <a:t>venn</a:t>
+            </a:r>
+            <a:r>
+              <a:rPr lang="en-US" dirty="0"/>
+              <a:t> diagram depicting the overlap of the most predictive functional genomic elements between GM12878 and K562.</a:t>
+            </a:r>
+          </a:p>
+          <a:p>
+            <a:endParaRPr lang="en-US" dirty="0"/>
+          </a:p>
+          <a:p>
+            <a:r>
+              <a:rPr lang="en-US" dirty="0"/>
+              <a:t>**include table with ranked </a:t>
+            </a:r>
+            <a:r>
+              <a:rPr lang="en-US" dirty="0" err="1"/>
+              <a:t>importances</a:t>
+            </a:r>
+            <a:endParaRPr lang="en-US" dirty="0"/>
+          </a:p>
+          <a:p>
+            <a:endParaRPr lang="en-US" dirty="0"/>
+          </a:p>
+          <a:p>
+            <a:r>
+              <a:rPr lang="en-US" dirty="0"/>
+              <a:t>**provide table</a:t>
+            </a:r>
+          </a:p>
+        </p:txBody>
+      </p:sp>
+      <p:sp>
+        <p:nvSpPr>
+          <p:cNvPr id="4" name="Slide Number Placeholder 3"/>
+          <p:cNvSpPr>
+            <a:spLocks noGrp="1"/>
+          </p:cNvSpPr>
+          <p:nvPr>
+            <p:ph type="sldNum" sz="quarter" idx="5"/>
+          </p:nvPr>
+        </p:nvSpPr>
+        <p:spPr/>
+        <p:txBody>
+          <a:bodyPr/>
+          <a:lstStyle/>
+          <a:p>
+            <a:fld id="{D22E4D3D-98CF-4DAD-840B-0ABADD6DDC3C}" type="slidenum">
+              <a:rPr lang="en-US" smtClean="0"/>
+              <a:t>10</a:t>
+            </a:fld>
+            <a:endParaRPr lang="en-US"/>
+          </a:p>
+        </p:txBody>
+      </p:sp>
+    </p:spTree>
+    <p:extLst>
+      <p:ext uri="{BB962C8B-B14F-4D97-AF65-F5344CB8AC3E}">
+        <p14:creationId xmlns:p14="http://schemas.microsoft.com/office/powerpoint/2010/main" val="1841226832"/>
+      </p:ext>
+    </p:extLst>
+  </p:cSld>
+  <p:clrMapOvr>
+    <a:masterClrMapping/>
+  </p:clrMapOvr>
+</p:notes>
+</file>
+
 <file path=ppt/notesSlides/notesSlide2.xml><?xml version="1.0" encoding="utf-8"?>
 <p:notes xmlns:a="http://schemas.openxmlformats.org/drawingml/2006/main" xmlns:r="http://schemas.openxmlformats.org/officeDocument/2006/relationships" xmlns:p="http://schemas.openxmlformats.org/presentationml/2006/main">
   <p:cSld>
@@ -732,7 +861,7 @@
           <a:p>
             <a:r>
               <a:rPr lang="en-US" dirty="0"/>
-              <a:t>Diagram of Predictor Types (edited)</a:t>
+              <a:t>Diagram of Predictor Types (edited; changed format, changed legend)</a:t>
             </a:r>
           </a:p>
           <a:p>
@@ -741,7 +870,15 @@
           <a:p>
             <a:r>
               <a:rPr lang="en-US" dirty="0"/>
-              <a:t>Figure 2. Diagram of the 3 predictor types considered when predicting which genomic elements were associated with the formation of TAD boundaries. (A) The overlap counts (OC) predictors were calculated by considering the total number of elemental regions that overlapped with each genomic bin. (B) The overlap percent (OP) predictors were calculated by dividing the sum of all feature widths within a bin and dividing by the total bin width (either 5 or 10kb depending on the cell line). For simplicity, an example for bin III is shown above. (C) The distance predictors were calculated by measuring the distance (in base pairs) from the center of each genomic bin the center of the nearest elemental region of interest. For simplicity, an example for bin II is shown above.</a:t>
+              <a:t>Figure 2. Diagram of the 3 predictor types considered when assessing the relationship between TAD boundaries and functional genomic elements. Each predictor type was used as the feature space in downstream analyses for predicting which genomic elements were associated with the formation of TAD boundaries. (A) The overlap count (OC) predictors were calculated by considering the total number of elemental regions that overlapped with each genomic bin. For bin (I), there is only one overlapped region with that bin. Therefore, the </a:t>
+            </a:r>
+            <a:r>
+              <a:rPr lang="en-US" dirty="0" err="1"/>
+              <a:t>ith</a:t>
+            </a:r>
+            <a:r>
+              <a:rPr lang="en-US" dirty="0"/>
+              <a:t> position in the feature vector would be 1. (B) The overlap percent (OP) predictors were calculated by dividing the sum of all feature widths within a bin and dividing by the total bin width (either 5 or 10kb depending on the cell line ). An example for bin (III) is provided. (C) The distance predictors were calculated by measuring the distance (in base pairs) from the center of each genomic bin to the center of the nearest elemental region of interest. An example for bin (II) is provided.</a:t>
             </a:r>
           </a:p>
           <a:p>
@@ -1047,52 +1184,30 @@
           <a:bodyPr/>
           <a:lstStyle/>
           <a:p>
+            <a:pPr marL="0" marR="0" lvl="0" indent="0" algn="l" defTabSz="914400" rtl="0" eaLnBrk="1" fontAlgn="auto" latinLnBrk="0" hangingPunct="1">
+              <a:lnSpc>
+                <a:spcPct val="100000"/>
+              </a:lnSpc>
+              <a:spcBef>
+                <a:spcPts val="0"/>
+              </a:spcBef>
+              <a:spcAft>
+                <a:spcPts val="0"/>
+              </a:spcAft>
+              <a:buClrTx/>
+              <a:buSzTx/>
+              <a:buFontTx/>
+              <a:buNone/>
+              <a:tabLst/>
+              <a:defRPr/>
+            </a:pPr>
             <a:r>
               <a:rPr lang="en-US" dirty="0"/>
-              <a:t>Impact of Variable Reduction</a:t>
+              <a:t>Class Imbalance (edited; added oversampling)</a:t>
             </a:r>
           </a:p>
           <a:p>
             <a:endParaRPr lang="en-US" dirty="0"/>
-          </a:p>
-          <a:p>
-            <a:r>
-              <a:rPr lang="en-US" dirty="0"/>
-              <a:t>Figure 5. Comparisons of the different variable reduction techniques considered across each of the sampling techniques. Each plot includes the AUC measures for a random forest model with a particular predictor type and sampling technique, for each of the 3 variable reduction techniques (AIC, KS-test, LASSO). </a:t>
-            </a:r>
-          </a:p>
-          <a:p>
-            <a:endParaRPr lang="en-US" dirty="0"/>
-          </a:p>
-          <a:p>
-            <a:r>
-              <a:rPr lang="en-US" dirty="0"/>
-              <a:t>**supplementary!</a:t>
-            </a:r>
-          </a:p>
-          <a:p>
-            <a:r>
-              <a:rPr lang="en-US" dirty="0"/>
-              <a:t>**look at other metrics (MCC)</a:t>
-            </a:r>
-          </a:p>
-          <a:p>
-            <a:endParaRPr lang="en-US" dirty="0"/>
-          </a:p>
-          <a:p>
-            <a:r>
-              <a:rPr lang="en-US" dirty="0"/>
-              <a:t>**label plots across columns by predictor type</a:t>
-            </a:r>
-          </a:p>
-          <a:p>
-            <a:endParaRPr lang="en-US" dirty="0"/>
-          </a:p>
-          <a:p>
-            <a:r>
-              <a:rPr lang="en-US" dirty="0"/>
-              <a:t>**include legend</a:t>
-            </a:r>
           </a:p>
         </p:txBody>
       </p:sp>
@@ -1122,7 +1237,7 @@
     </p:spTree>
     <p:extLst>
       <p:ext uri="{BB962C8B-B14F-4D97-AF65-F5344CB8AC3E}">
-        <p14:creationId xmlns:p14="http://schemas.microsoft.com/office/powerpoint/2010/main" val="1744980399"/>
+        <p14:creationId xmlns:p14="http://schemas.microsoft.com/office/powerpoint/2010/main" val="2759034915"/>
       </p:ext>
     </p:extLst>
   </p:cSld>
@@ -1178,7 +1293,7 @@
           <a:p>
             <a:r>
               <a:rPr lang="en-US" dirty="0"/>
-              <a:t>Model Performances</a:t>
+              <a:t>Impact of Variable Reduction</a:t>
             </a:r>
           </a:p>
           <a:p>
@@ -1187,7 +1302,7 @@
           <a:p>
             <a:r>
               <a:rPr lang="en-US" dirty="0"/>
-              <a:t>Figure 6. Performance metrics for a variety of random forest models using LASSO regularization, by predictor type and sampling technique.</a:t>
+              <a:t>Figure 5. Comparisons of the different variable reduction techniques considered across each of the sampling techniques. Each plot includes the AUC measures for a random forest model with a particular predictor type and sampling technique, for each of the 3 variable reduction techniques (AIC, KS-test, LASSO). </a:t>
             </a:r>
           </a:p>
           <a:p>
@@ -1196,16 +1311,31 @@
           <a:p>
             <a:r>
               <a:rPr lang="en-US" dirty="0"/>
-              <a:t>**remove SS gap</a:t>
+              <a:t>**supplementary!</a:t>
             </a:r>
-          </a:p>
-          <a:p>
-            <a:endParaRPr lang="en-US" dirty="0"/>
           </a:p>
           <a:p>
             <a:r>
               <a:rPr lang="en-US" dirty="0"/>
-              <a:t>**provide table</a:t>
+              <a:t>**look at other metrics (MCC)</a:t>
+            </a:r>
+          </a:p>
+          <a:p>
+            <a:endParaRPr lang="en-US" dirty="0"/>
+          </a:p>
+          <a:p>
+            <a:r>
+              <a:rPr lang="en-US" dirty="0"/>
+              <a:t>**label plots across columns by predictor type</a:t>
+            </a:r>
+          </a:p>
+          <a:p>
+            <a:endParaRPr lang="en-US" dirty="0"/>
+          </a:p>
+          <a:p>
+            <a:r>
+              <a:rPr lang="en-US" dirty="0"/>
+              <a:t>**include legend</a:t>
             </a:r>
           </a:p>
         </p:txBody>
@@ -1236,7 +1366,7 @@
     </p:spTree>
     <p:extLst>
       <p:ext uri="{BB962C8B-B14F-4D97-AF65-F5344CB8AC3E}">
-        <p14:creationId xmlns:p14="http://schemas.microsoft.com/office/powerpoint/2010/main" val="3871160884"/>
+        <p14:creationId xmlns:p14="http://schemas.microsoft.com/office/powerpoint/2010/main" val="1744980399"/>
       </p:ext>
     </p:extLst>
   </p:cSld>
@@ -1290,50 +1420,70 @@
           <a:bodyPr/>
           <a:lstStyle/>
           <a:p>
+            <a:pPr marL="0" marR="0" lvl="0" indent="0" algn="l" defTabSz="914400" rtl="0" eaLnBrk="1" fontAlgn="auto" latinLnBrk="0" hangingPunct="1">
+              <a:lnSpc>
+                <a:spcPct val="100000"/>
+              </a:lnSpc>
+              <a:spcBef>
+                <a:spcPts val="0"/>
+              </a:spcBef>
+              <a:spcAft>
+                <a:spcPts val="0"/>
+              </a:spcAft>
+              <a:buClrTx/>
+              <a:buSzTx/>
+              <a:buFontTx/>
+              <a:buNone/>
+              <a:tabLst/>
+              <a:defRPr/>
+            </a:pPr>
             <a:r>
               <a:rPr lang="en-US" dirty="0"/>
-              <a:t>Feature Importance</a:t>
+              <a:t>Impact of Variable Reduction (edited; added F1 score)</a:t>
             </a:r>
           </a:p>
           <a:p>
+            <a:pPr marL="0" marR="0" lvl="0" indent="0" algn="l" defTabSz="914400" rtl="0" eaLnBrk="1" fontAlgn="auto" latinLnBrk="0" hangingPunct="1">
+              <a:lnSpc>
+                <a:spcPct val="100000"/>
+              </a:lnSpc>
+              <a:spcBef>
+                <a:spcPts val="0"/>
+              </a:spcBef>
+              <a:spcAft>
+                <a:spcPts val="0"/>
+              </a:spcAft>
+              <a:buClrTx/>
+              <a:buSzTx/>
+              <a:buFontTx/>
+              <a:buNone/>
+              <a:tabLst/>
+              <a:defRPr/>
+            </a:pPr>
             <a:endParaRPr lang="en-US" dirty="0"/>
           </a:p>
           <a:p>
-            <a:r>
-              <a:rPr lang="en-US" dirty="0"/>
-              <a:t>Figure 7. Comparisons between GM12878 and K562 cell lines. The top 10 most predictive features associated with the formation of TAD boundaries for GM12878 (A) and K562 (B). (C) A </a:t>
-            </a:r>
-            <a:r>
-              <a:rPr lang="en-US" dirty="0" err="1"/>
-              <a:t>venn</a:t>
-            </a:r>
-            <a:r>
-              <a:rPr lang="en-US" dirty="0"/>
-              <a:t> diagram depicting the overlap of the most predictive functional genomic elements between GM12878 and K562.</a:t>
-            </a:r>
-          </a:p>
-          <a:p>
+            <a:pPr marL="0" marR="0" lvl="0" indent="0" algn="l" defTabSz="914400" rtl="0" eaLnBrk="1" fontAlgn="auto" latinLnBrk="0" hangingPunct="1">
+              <a:lnSpc>
+                <a:spcPct val="100000"/>
+              </a:lnSpc>
+              <a:spcBef>
+                <a:spcPts val="0"/>
+              </a:spcBef>
+              <a:spcAft>
+                <a:spcPts val="0"/>
+              </a:spcAft>
+              <a:buClrTx/>
+              <a:buSzTx/>
+              <a:buFontTx/>
+              <a:buNone/>
+              <a:tabLst/>
+              <a:defRPr/>
+            </a:pPr>
             <a:endParaRPr lang="en-US" dirty="0"/>
           </a:p>
           <a:p>
-            <a:r>
-              <a:rPr lang="en-US" dirty="0"/>
-              <a:t>**include table with ranked </a:t>
-            </a:r>
-            <a:r>
-              <a:rPr lang="en-US" dirty="0" err="1"/>
-              <a:t>importances</a:t>
-            </a:r>
             <a:endParaRPr lang="en-US" dirty="0"/>
-          </a:p>
-          <a:p>
-            <a:endParaRPr lang="en-US" dirty="0"/>
-          </a:p>
-          <a:p>
-            <a:r>
-              <a:rPr lang="en-US" dirty="0"/>
-              <a:t>**provide table</a:t>
-            </a:r>
           </a:p>
         </p:txBody>
       </p:sp>
@@ -1363,7 +1513,121 @@
     </p:spTree>
     <p:extLst>
       <p:ext uri="{BB962C8B-B14F-4D97-AF65-F5344CB8AC3E}">
-        <p14:creationId xmlns:p14="http://schemas.microsoft.com/office/powerpoint/2010/main" val="1841226832"/>
+        <p14:creationId xmlns:p14="http://schemas.microsoft.com/office/powerpoint/2010/main" val="3512097270"/>
+      </p:ext>
+    </p:extLst>
+  </p:cSld>
+  <p:clrMapOvr>
+    <a:masterClrMapping/>
+  </p:clrMapOvr>
+</p:notes>
+</file>
+
+<file path=ppt/notesSlides/notesSlide9.xml><?xml version="1.0" encoding="utf-8"?>
+<p:notes xmlns:a="http://schemas.openxmlformats.org/drawingml/2006/main" xmlns:r="http://schemas.openxmlformats.org/officeDocument/2006/relationships" xmlns:p="http://schemas.openxmlformats.org/presentationml/2006/main">
+  <p:cSld>
+    <p:spTree>
+      <p:nvGrpSpPr>
+        <p:cNvPr id="1" name=""/>
+        <p:cNvGrpSpPr/>
+        <p:nvPr/>
+      </p:nvGrpSpPr>
+      <p:grpSpPr>
+        <a:xfrm>
+          <a:off x="0" y="0"/>
+          <a:ext cx="0" cy="0"/>
+          <a:chOff x="0" y="0"/>
+          <a:chExt cx="0" cy="0"/>
+        </a:xfrm>
+      </p:grpSpPr>
+      <p:sp>
+        <p:nvSpPr>
+          <p:cNvPr id="2" name="Slide Image Placeholder 1"/>
+          <p:cNvSpPr>
+            <a:spLocks noGrp="1" noRot="1" noChangeAspect="1"/>
+          </p:cNvSpPr>
+          <p:nvPr>
+            <p:ph type="sldImg"/>
+          </p:nvPr>
+        </p:nvSpPr>
+        <p:spPr/>
+      </p:sp>
+      <p:sp>
+        <p:nvSpPr>
+          <p:cNvPr id="3" name="Notes Placeholder 2"/>
+          <p:cNvSpPr>
+            <a:spLocks noGrp="1"/>
+          </p:cNvSpPr>
+          <p:nvPr>
+            <p:ph type="body" idx="1"/>
+          </p:nvPr>
+        </p:nvSpPr>
+        <p:spPr/>
+        <p:txBody>
+          <a:bodyPr/>
+          <a:lstStyle/>
+          <a:p>
+            <a:r>
+              <a:rPr lang="en-US" dirty="0"/>
+              <a:t>Model Performances</a:t>
+            </a:r>
+          </a:p>
+          <a:p>
+            <a:endParaRPr lang="en-US" dirty="0"/>
+          </a:p>
+          <a:p>
+            <a:r>
+              <a:rPr lang="en-US" dirty="0"/>
+              <a:t>Figure 6. Performance metrics for a variety of random forest models using LASSO regularization, by predictor type and sampling technique.</a:t>
+            </a:r>
+          </a:p>
+          <a:p>
+            <a:endParaRPr lang="en-US" dirty="0"/>
+          </a:p>
+          <a:p>
+            <a:r>
+              <a:rPr lang="en-US" dirty="0"/>
+              <a:t>**remove SS gap</a:t>
+            </a:r>
+          </a:p>
+          <a:p>
+            <a:endParaRPr lang="en-US" dirty="0"/>
+          </a:p>
+          <a:p>
+            <a:r>
+              <a:rPr lang="en-US" dirty="0"/>
+              <a:t>**provide table</a:t>
+            </a:r>
+          </a:p>
+        </p:txBody>
+      </p:sp>
+      <p:sp>
+        <p:nvSpPr>
+          <p:cNvPr id="4" name="Slide Number Placeholder 3"/>
+          <p:cNvSpPr>
+            <a:spLocks noGrp="1"/>
+          </p:cNvSpPr>
+          <p:nvPr>
+            <p:ph type="sldNum" sz="quarter" idx="5"/>
+          </p:nvPr>
+        </p:nvSpPr>
+        <p:spPr/>
+        <p:txBody>
+          <a:bodyPr/>
+          <a:lstStyle/>
+          <a:p>
+            <a:fld id="{D22E4D3D-98CF-4DAD-840B-0ABADD6DDC3C}" type="slidenum">
+              <a:rPr lang="en-US" smtClean="0"/>
+              <a:t>9</a:t>
+            </a:fld>
+            <a:endParaRPr lang="en-US"/>
+          </a:p>
+        </p:txBody>
+      </p:sp>
+    </p:spTree>
+    <p:extLst>
+      <p:ext uri="{BB962C8B-B14F-4D97-AF65-F5344CB8AC3E}">
+        <p14:creationId xmlns:p14="http://schemas.microsoft.com/office/powerpoint/2010/main" val="3871160884"/>
       </p:ext>
     </p:extLst>
   </p:cSld>
@@ -6445,6 +6709,234 @@
     <p:extLst>
       <p:ext uri="{BB962C8B-B14F-4D97-AF65-F5344CB8AC3E}">
         <p14:creationId xmlns:p14="http://schemas.microsoft.com/office/powerpoint/2010/main" val="1954562164"/>
+      </p:ext>
+    </p:extLst>
+  </p:cSld>
+  <p:clrMapOvr>
+    <a:masterClrMapping/>
+  </p:clrMapOvr>
+</p:sld>
+</file>
+
+<file path=ppt/slides/slide10.xml><?xml version="1.0" encoding="utf-8"?>
+<p:sld xmlns:a="http://schemas.openxmlformats.org/drawingml/2006/main" xmlns:r="http://schemas.openxmlformats.org/officeDocument/2006/relationships" xmlns:p="http://schemas.openxmlformats.org/presentationml/2006/main">
+  <p:cSld>
+    <p:spTree>
+      <p:nvGrpSpPr>
+        <p:cNvPr id="1" name=""/>
+        <p:cNvGrpSpPr/>
+        <p:nvPr/>
+      </p:nvGrpSpPr>
+      <p:grpSpPr>
+        <a:xfrm>
+          <a:off x="0" y="0"/>
+          <a:ext cx="0" cy="0"/>
+          <a:chOff x="0" y="0"/>
+          <a:chExt cx="0" cy="0"/>
+        </a:xfrm>
+      </p:grpSpPr>
+      <p:pic>
+        <p:nvPicPr>
+          <p:cNvPr id="5" name="Picture 4">
+            <a:extLst>
+              <a:ext uri="{FF2B5EF4-FFF2-40B4-BE49-F238E27FC236}">
+                <a16:creationId xmlns:a16="http://schemas.microsoft.com/office/drawing/2014/main" id="{59EE9074-B873-470A-BBF0-45C231A9A85F}"/>
+              </a:ext>
+            </a:extLst>
+          </p:cNvPr>
+          <p:cNvPicPr>
+            <a:picLocks noChangeAspect="1"/>
+          </p:cNvPicPr>
+          <p:nvPr/>
+        </p:nvPicPr>
+        <p:blipFill>
+          <a:blip r:embed="rId3"/>
+          <a:stretch>
+            <a:fillRect/>
+          </a:stretch>
+        </p:blipFill>
+        <p:spPr>
+          <a:xfrm rot="16200000">
+            <a:off x="1407029" y="3075364"/>
+            <a:ext cx="3291840" cy="3956248"/>
+          </a:xfrm>
+          <a:prstGeom prst="rect">
+            <a:avLst/>
+          </a:prstGeom>
+        </p:spPr>
+      </p:pic>
+      <p:pic>
+        <p:nvPicPr>
+          <p:cNvPr id="6" name="Picture 5">
+            <a:extLst>
+              <a:ext uri="{FF2B5EF4-FFF2-40B4-BE49-F238E27FC236}">
+                <a16:creationId xmlns:a16="http://schemas.microsoft.com/office/drawing/2014/main" id="{EC585168-F085-4A86-A456-662A04130F25}"/>
+              </a:ext>
+            </a:extLst>
+          </p:cNvPr>
+          <p:cNvPicPr>
+            <a:picLocks noChangeAspect="1"/>
+          </p:cNvPicPr>
+          <p:nvPr/>
+        </p:nvPicPr>
+        <p:blipFill>
+          <a:blip r:embed="rId4"/>
+          <a:stretch>
+            <a:fillRect/>
+          </a:stretch>
+        </p:blipFill>
+        <p:spPr>
+          <a:xfrm rot="16200000">
+            <a:off x="1405740" y="-215187"/>
+            <a:ext cx="3291840" cy="3953669"/>
+          </a:xfrm>
+          <a:prstGeom prst="rect">
+            <a:avLst/>
+          </a:prstGeom>
+        </p:spPr>
+      </p:pic>
+      <p:sp>
+        <p:nvSpPr>
+          <p:cNvPr id="7" name="TextBox 6">
+            <a:extLst>
+              <a:ext uri="{FF2B5EF4-FFF2-40B4-BE49-F238E27FC236}">
+                <a16:creationId xmlns:a16="http://schemas.microsoft.com/office/drawing/2014/main" id="{648AAA91-2747-4497-A4F1-CB8D39BBD58D}"/>
+              </a:ext>
+            </a:extLst>
+          </p:cNvPr>
+          <p:cNvSpPr txBox="1"/>
+          <p:nvPr/>
+        </p:nvSpPr>
+        <p:spPr>
+          <a:xfrm rot="16200000">
+            <a:off x="4970781" y="4868821"/>
+            <a:ext cx="850231" cy="369332"/>
+          </a:xfrm>
+          <a:prstGeom prst="rect">
+            <a:avLst/>
+          </a:prstGeom>
+          <a:noFill/>
+        </p:spPr>
+        <p:txBody>
+          <a:bodyPr wrap="square" rtlCol="0">
+            <a:spAutoFit/>
+          </a:bodyPr>
+          <a:lstStyle/>
+          <a:p>
+            <a:pPr algn="ctr"/>
+            <a:r>
+              <a:rPr lang="en-US" dirty="0"/>
+              <a:t>(A)</a:t>
+            </a:r>
+          </a:p>
+        </p:txBody>
+      </p:sp>
+      <p:sp>
+        <p:nvSpPr>
+          <p:cNvPr id="8" name="TextBox 7">
+            <a:extLst>
+              <a:ext uri="{FF2B5EF4-FFF2-40B4-BE49-F238E27FC236}">
+                <a16:creationId xmlns:a16="http://schemas.microsoft.com/office/drawing/2014/main" id="{61EB1C9C-3D8F-4D45-B7E7-3088C8B24DE3}"/>
+              </a:ext>
+            </a:extLst>
+          </p:cNvPr>
+          <p:cNvSpPr txBox="1"/>
+          <p:nvPr/>
+        </p:nvSpPr>
+        <p:spPr>
+          <a:xfrm rot="16200000">
+            <a:off x="9028027" y="3244332"/>
+            <a:ext cx="850231" cy="369332"/>
+          </a:xfrm>
+          <a:prstGeom prst="rect">
+            <a:avLst/>
+          </a:prstGeom>
+          <a:noFill/>
+        </p:spPr>
+        <p:txBody>
+          <a:bodyPr wrap="square" rtlCol="0">
+            <a:spAutoFit/>
+          </a:bodyPr>
+          <a:lstStyle/>
+          <a:p>
+            <a:pPr algn="ctr"/>
+            <a:r>
+              <a:rPr lang="en-US" dirty="0"/>
+              <a:t>(C)</a:t>
+            </a:r>
+          </a:p>
+        </p:txBody>
+      </p:sp>
+      <p:sp>
+        <p:nvSpPr>
+          <p:cNvPr id="9" name="TextBox 8">
+            <a:extLst>
+              <a:ext uri="{FF2B5EF4-FFF2-40B4-BE49-F238E27FC236}">
+                <a16:creationId xmlns:a16="http://schemas.microsoft.com/office/drawing/2014/main" id="{EEECC1FF-F3FA-4503-9E08-F10F8E0C4126}"/>
+              </a:ext>
+            </a:extLst>
+          </p:cNvPr>
+          <p:cNvSpPr txBox="1"/>
+          <p:nvPr/>
+        </p:nvSpPr>
+        <p:spPr>
+          <a:xfrm rot="16200000">
+            <a:off x="4970782" y="1576980"/>
+            <a:ext cx="850231" cy="369332"/>
+          </a:xfrm>
+          <a:prstGeom prst="rect">
+            <a:avLst/>
+          </a:prstGeom>
+          <a:noFill/>
+        </p:spPr>
+        <p:txBody>
+          <a:bodyPr wrap="square" rtlCol="0">
+            <a:spAutoFit/>
+          </a:bodyPr>
+          <a:lstStyle/>
+          <a:p>
+            <a:pPr algn="ctr"/>
+            <a:r>
+              <a:rPr lang="en-US" dirty="0"/>
+              <a:t>(B)</a:t>
+            </a:r>
+          </a:p>
+        </p:txBody>
+      </p:sp>
+      <p:pic>
+        <p:nvPicPr>
+          <p:cNvPr id="10" name="Picture 9">
+            <a:extLst>
+              <a:ext uri="{FF2B5EF4-FFF2-40B4-BE49-F238E27FC236}">
+                <a16:creationId xmlns:a16="http://schemas.microsoft.com/office/drawing/2014/main" id="{57F2F63F-9019-4CDE-A010-CA4F3F2E8253}"/>
+              </a:ext>
+            </a:extLst>
+          </p:cNvPr>
+          <p:cNvPicPr>
+            <a:picLocks noChangeAspect="1"/>
+          </p:cNvPicPr>
+          <p:nvPr/>
+        </p:nvPicPr>
+        <p:blipFill>
+          <a:blip r:embed="rId5"/>
+          <a:stretch>
+            <a:fillRect/>
+          </a:stretch>
+        </p:blipFill>
+        <p:spPr>
+          <a:xfrm rot="16200000">
+            <a:off x="4334944" y="1750426"/>
+            <a:ext cx="6504762" cy="3357143"/>
+          </a:xfrm>
+          <a:prstGeom prst="rect">
+            <a:avLst/>
+          </a:prstGeom>
+        </p:spPr>
+      </p:pic>
+    </p:spTree>
+    <p:extLst>
+      <p:ext uri="{BB962C8B-B14F-4D97-AF65-F5344CB8AC3E}">
+        <p14:creationId xmlns:p14="http://schemas.microsoft.com/office/powerpoint/2010/main" val="1846389568"/>
       </p:ext>
     </p:extLst>
   </p:cSld>
@@ -12224,6 +12716,66 @@
           <a:chExt cx="0" cy="0"/>
         </a:xfrm>
       </p:grpSpPr>
+      <p:pic>
+        <p:nvPicPr>
+          <p:cNvPr id="4" name="Picture 3">
+            <a:extLst>
+              <a:ext uri="{FF2B5EF4-FFF2-40B4-BE49-F238E27FC236}">
+                <a16:creationId xmlns:a16="http://schemas.microsoft.com/office/drawing/2014/main" id="{36BA687F-C856-42B7-AB70-1C6D0529C9BC}"/>
+              </a:ext>
+            </a:extLst>
+          </p:cNvPr>
+          <p:cNvPicPr>
+            <a:picLocks noChangeAspect="1"/>
+          </p:cNvPicPr>
+          <p:nvPr/>
+        </p:nvPicPr>
+        <p:blipFill>
+          <a:blip r:embed="rId3"/>
+          <a:stretch>
+            <a:fillRect/>
+          </a:stretch>
+        </p:blipFill>
+        <p:spPr>
+          <a:xfrm>
+            <a:off x="0" y="528268"/>
+            <a:ext cx="12192000" cy="5801464"/>
+          </a:xfrm>
+          <a:prstGeom prst="rect">
+            <a:avLst/>
+          </a:prstGeom>
+        </p:spPr>
+      </p:pic>
+    </p:spTree>
+    <p:extLst>
+      <p:ext uri="{BB962C8B-B14F-4D97-AF65-F5344CB8AC3E}">
+        <p14:creationId xmlns:p14="http://schemas.microsoft.com/office/powerpoint/2010/main" val="1466373335"/>
+      </p:ext>
+    </p:extLst>
+  </p:cSld>
+  <p:clrMapOvr>
+    <a:masterClrMapping/>
+  </p:clrMapOvr>
+</p:sld>
+</file>
+
+<file path=ppt/slides/slide7.xml><?xml version="1.0" encoding="utf-8"?>
+<p:sld xmlns:a="http://schemas.openxmlformats.org/drawingml/2006/main" xmlns:r="http://schemas.openxmlformats.org/officeDocument/2006/relationships" xmlns:p="http://schemas.openxmlformats.org/presentationml/2006/main">
+  <p:cSld>
+    <p:spTree>
+      <p:nvGrpSpPr>
+        <p:cNvPr id="1" name=""/>
+        <p:cNvGrpSpPr/>
+        <p:nvPr/>
+      </p:nvGrpSpPr>
+      <p:grpSpPr>
+        <a:xfrm>
+          <a:off x="0" y="0"/>
+          <a:ext cx="0" cy="0"/>
+          <a:chOff x="0" y="0"/>
+          <a:chExt cx="0" cy="0"/>
+        </a:xfrm>
+      </p:grpSpPr>
       <p:sp>
         <p:nvSpPr>
           <p:cNvPr id="5" name="TextBox 4">
@@ -12597,7 +13149,67 @@
 </p:sld>
 </file>
 
-<file path=ppt/slides/slide7.xml><?xml version="1.0" encoding="utf-8"?>
+<file path=ppt/slides/slide8.xml><?xml version="1.0" encoding="utf-8"?>
+<p:sld xmlns:a="http://schemas.openxmlformats.org/drawingml/2006/main" xmlns:r="http://schemas.openxmlformats.org/officeDocument/2006/relationships" xmlns:p="http://schemas.openxmlformats.org/presentationml/2006/main">
+  <p:cSld>
+    <p:spTree>
+      <p:nvGrpSpPr>
+        <p:cNvPr id="1" name=""/>
+        <p:cNvGrpSpPr/>
+        <p:nvPr/>
+      </p:nvGrpSpPr>
+      <p:grpSpPr>
+        <a:xfrm>
+          <a:off x="0" y="0"/>
+          <a:ext cx="0" cy="0"/>
+          <a:chOff x="0" y="0"/>
+          <a:chExt cx="0" cy="0"/>
+        </a:xfrm>
+      </p:grpSpPr>
+      <p:pic>
+        <p:nvPicPr>
+          <p:cNvPr id="4" name="Picture 3">
+            <a:extLst>
+              <a:ext uri="{FF2B5EF4-FFF2-40B4-BE49-F238E27FC236}">
+                <a16:creationId xmlns:a16="http://schemas.microsoft.com/office/drawing/2014/main" id="{EEE01142-68FC-4E55-840B-CE7BD84FBDEC}"/>
+              </a:ext>
+            </a:extLst>
+          </p:cNvPr>
+          <p:cNvPicPr>
+            <a:picLocks noChangeAspect="1"/>
+          </p:cNvPicPr>
+          <p:nvPr/>
+        </p:nvPicPr>
+        <p:blipFill>
+          <a:blip r:embed="rId3"/>
+          <a:stretch>
+            <a:fillRect/>
+          </a:stretch>
+        </p:blipFill>
+        <p:spPr>
+          <a:xfrm>
+            <a:off x="0" y="0"/>
+            <a:ext cx="12192000" cy="6858000"/>
+          </a:xfrm>
+          <a:prstGeom prst="rect">
+            <a:avLst/>
+          </a:prstGeom>
+        </p:spPr>
+      </p:pic>
+    </p:spTree>
+    <p:extLst>
+      <p:ext uri="{BB962C8B-B14F-4D97-AF65-F5344CB8AC3E}">
+        <p14:creationId xmlns:p14="http://schemas.microsoft.com/office/powerpoint/2010/main" val="1013675322"/>
+      </p:ext>
+    </p:extLst>
+  </p:cSld>
+  <p:clrMapOvr>
+    <a:masterClrMapping/>
+  </p:clrMapOvr>
+</p:sld>
+</file>
+
+<file path=ppt/slides/slide9.xml><?xml version="1.0" encoding="utf-8"?>
 <p:sld xmlns:a="http://schemas.openxmlformats.org/drawingml/2006/main" xmlns:r="http://schemas.openxmlformats.org/officeDocument/2006/relationships" xmlns:p="http://schemas.openxmlformats.org/presentationml/2006/main">
   <p:cSld>
     <p:spTree>
@@ -12978,234 +13590,6 @@
     <p:extLst>
       <p:ext uri="{BB962C8B-B14F-4D97-AF65-F5344CB8AC3E}">
         <p14:creationId xmlns:p14="http://schemas.microsoft.com/office/powerpoint/2010/main" val="88583628"/>
-      </p:ext>
-    </p:extLst>
-  </p:cSld>
-  <p:clrMapOvr>
-    <a:masterClrMapping/>
-  </p:clrMapOvr>
-</p:sld>
-</file>
-
-<file path=ppt/slides/slide8.xml><?xml version="1.0" encoding="utf-8"?>
-<p:sld xmlns:a="http://schemas.openxmlformats.org/drawingml/2006/main" xmlns:r="http://schemas.openxmlformats.org/officeDocument/2006/relationships" xmlns:p="http://schemas.openxmlformats.org/presentationml/2006/main">
-  <p:cSld>
-    <p:spTree>
-      <p:nvGrpSpPr>
-        <p:cNvPr id="1" name=""/>
-        <p:cNvGrpSpPr/>
-        <p:nvPr/>
-      </p:nvGrpSpPr>
-      <p:grpSpPr>
-        <a:xfrm>
-          <a:off x="0" y="0"/>
-          <a:ext cx="0" cy="0"/>
-          <a:chOff x="0" y="0"/>
-          <a:chExt cx="0" cy="0"/>
-        </a:xfrm>
-      </p:grpSpPr>
-      <p:pic>
-        <p:nvPicPr>
-          <p:cNvPr id="5" name="Picture 4">
-            <a:extLst>
-              <a:ext uri="{FF2B5EF4-FFF2-40B4-BE49-F238E27FC236}">
-                <a16:creationId xmlns:a16="http://schemas.microsoft.com/office/drawing/2014/main" id="{59EE9074-B873-470A-BBF0-45C231A9A85F}"/>
-              </a:ext>
-            </a:extLst>
-          </p:cNvPr>
-          <p:cNvPicPr>
-            <a:picLocks noChangeAspect="1"/>
-          </p:cNvPicPr>
-          <p:nvPr/>
-        </p:nvPicPr>
-        <p:blipFill>
-          <a:blip r:embed="rId3"/>
-          <a:stretch>
-            <a:fillRect/>
-          </a:stretch>
-        </p:blipFill>
-        <p:spPr>
-          <a:xfrm rot="16200000">
-            <a:off x="1407029" y="3075364"/>
-            <a:ext cx="3291840" cy="3956248"/>
-          </a:xfrm>
-          <a:prstGeom prst="rect">
-            <a:avLst/>
-          </a:prstGeom>
-        </p:spPr>
-      </p:pic>
-      <p:pic>
-        <p:nvPicPr>
-          <p:cNvPr id="6" name="Picture 5">
-            <a:extLst>
-              <a:ext uri="{FF2B5EF4-FFF2-40B4-BE49-F238E27FC236}">
-                <a16:creationId xmlns:a16="http://schemas.microsoft.com/office/drawing/2014/main" id="{EC585168-F085-4A86-A456-662A04130F25}"/>
-              </a:ext>
-            </a:extLst>
-          </p:cNvPr>
-          <p:cNvPicPr>
-            <a:picLocks noChangeAspect="1"/>
-          </p:cNvPicPr>
-          <p:nvPr/>
-        </p:nvPicPr>
-        <p:blipFill>
-          <a:blip r:embed="rId4"/>
-          <a:stretch>
-            <a:fillRect/>
-          </a:stretch>
-        </p:blipFill>
-        <p:spPr>
-          <a:xfrm rot="16200000">
-            <a:off x="1405740" y="-215187"/>
-            <a:ext cx="3291840" cy="3953669"/>
-          </a:xfrm>
-          <a:prstGeom prst="rect">
-            <a:avLst/>
-          </a:prstGeom>
-        </p:spPr>
-      </p:pic>
-      <p:sp>
-        <p:nvSpPr>
-          <p:cNvPr id="7" name="TextBox 6">
-            <a:extLst>
-              <a:ext uri="{FF2B5EF4-FFF2-40B4-BE49-F238E27FC236}">
-                <a16:creationId xmlns:a16="http://schemas.microsoft.com/office/drawing/2014/main" id="{648AAA91-2747-4497-A4F1-CB8D39BBD58D}"/>
-              </a:ext>
-            </a:extLst>
-          </p:cNvPr>
-          <p:cNvSpPr txBox="1"/>
-          <p:nvPr/>
-        </p:nvSpPr>
-        <p:spPr>
-          <a:xfrm rot="16200000">
-            <a:off x="4970781" y="4868821"/>
-            <a:ext cx="850231" cy="369332"/>
-          </a:xfrm>
-          <a:prstGeom prst="rect">
-            <a:avLst/>
-          </a:prstGeom>
-          <a:noFill/>
-        </p:spPr>
-        <p:txBody>
-          <a:bodyPr wrap="square" rtlCol="0">
-            <a:spAutoFit/>
-          </a:bodyPr>
-          <a:lstStyle/>
-          <a:p>
-            <a:pPr algn="ctr"/>
-            <a:r>
-              <a:rPr lang="en-US" dirty="0"/>
-              <a:t>(A)</a:t>
-            </a:r>
-          </a:p>
-        </p:txBody>
-      </p:sp>
-      <p:sp>
-        <p:nvSpPr>
-          <p:cNvPr id="8" name="TextBox 7">
-            <a:extLst>
-              <a:ext uri="{FF2B5EF4-FFF2-40B4-BE49-F238E27FC236}">
-                <a16:creationId xmlns:a16="http://schemas.microsoft.com/office/drawing/2014/main" id="{61EB1C9C-3D8F-4D45-B7E7-3088C8B24DE3}"/>
-              </a:ext>
-            </a:extLst>
-          </p:cNvPr>
-          <p:cNvSpPr txBox="1"/>
-          <p:nvPr/>
-        </p:nvSpPr>
-        <p:spPr>
-          <a:xfrm rot="16200000">
-            <a:off x="9028027" y="3244332"/>
-            <a:ext cx="850231" cy="369332"/>
-          </a:xfrm>
-          <a:prstGeom prst="rect">
-            <a:avLst/>
-          </a:prstGeom>
-          <a:noFill/>
-        </p:spPr>
-        <p:txBody>
-          <a:bodyPr wrap="square" rtlCol="0">
-            <a:spAutoFit/>
-          </a:bodyPr>
-          <a:lstStyle/>
-          <a:p>
-            <a:pPr algn="ctr"/>
-            <a:r>
-              <a:rPr lang="en-US" dirty="0"/>
-              <a:t>(C)</a:t>
-            </a:r>
-          </a:p>
-        </p:txBody>
-      </p:sp>
-      <p:sp>
-        <p:nvSpPr>
-          <p:cNvPr id="9" name="TextBox 8">
-            <a:extLst>
-              <a:ext uri="{FF2B5EF4-FFF2-40B4-BE49-F238E27FC236}">
-                <a16:creationId xmlns:a16="http://schemas.microsoft.com/office/drawing/2014/main" id="{EEECC1FF-F3FA-4503-9E08-F10F8E0C4126}"/>
-              </a:ext>
-            </a:extLst>
-          </p:cNvPr>
-          <p:cNvSpPr txBox="1"/>
-          <p:nvPr/>
-        </p:nvSpPr>
-        <p:spPr>
-          <a:xfrm rot="16200000">
-            <a:off x="4970782" y="1576980"/>
-            <a:ext cx="850231" cy="369332"/>
-          </a:xfrm>
-          <a:prstGeom prst="rect">
-            <a:avLst/>
-          </a:prstGeom>
-          <a:noFill/>
-        </p:spPr>
-        <p:txBody>
-          <a:bodyPr wrap="square" rtlCol="0">
-            <a:spAutoFit/>
-          </a:bodyPr>
-          <a:lstStyle/>
-          <a:p>
-            <a:pPr algn="ctr"/>
-            <a:r>
-              <a:rPr lang="en-US" dirty="0"/>
-              <a:t>(B)</a:t>
-            </a:r>
-          </a:p>
-        </p:txBody>
-      </p:sp>
-      <p:pic>
-        <p:nvPicPr>
-          <p:cNvPr id="10" name="Picture 9">
-            <a:extLst>
-              <a:ext uri="{FF2B5EF4-FFF2-40B4-BE49-F238E27FC236}">
-                <a16:creationId xmlns:a16="http://schemas.microsoft.com/office/drawing/2014/main" id="{57F2F63F-9019-4CDE-A010-CA4F3F2E8253}"/>
-              </a:ext>
-            </a:extLst>
-          </p:cNvPr>
-          <p:cNvPicPr>
-            <a:picLocks noChangeAspect="1"/>
-          </p:cNvPicPr>
-          <p:nvPr/>
-        </p:nvPicPr>
-        <p:blipFill>
-          <a:blip r:embed="rId5"/>
-          <a:stretch>
-            <a:fillRect/>
-          </a:stretch>
-        </p:blipFill>
-        <p:spPr>
-          <a:xfrm rot="16200000">
-            <a:off x="4334944" y="1750426"/>
-            <a:ext cx="6504762" cy="3357143"/>
-          </a:xfrm>
-          <a:prstGeom prst="rect">
-            <a:avLst/>
-          </a:prstGeom>
-        </p:spPr>
-      </p:pic>
-    </p:spTree>
-    <p:extLst>
-      <p:ext uri="{BB962C8B-B14F-4D97-AF65-F5344CB8AC3E}">
-        <p14:creationId xmlns:p14="http://schemas.microsoft.com/office/powerpoint/2010/main" val="1846389568"/>
       </p:ext>
     </p:extLst>
   </p:cSld>

--- a/Manuscript/Figures/figures.pptx
+++ b/Manuscript/Figures/figures.pptx
@@ -5,19 +5,13 @@
     <p:sldMasterId id="2147483648" r:id="rId1"/>
   </p:sldMasterIdLst>
   <p:notesMasterIdLst>
-    <p:notesMasterId r:id="rId12"/>
+    <p:notesMasterId r:id="rId6"/>
   </p:notesMasterIdLst>
   <p:sldIdLst>
     <p:sldId id="257" r:id="rId2"/>
     <p:sldId id="256" r:id="rId3"/>
     <p:sldId id="263" r:id="rId4"/>
     <p:sldId id="258" r:id="rId5"/>
-    <p:sldId id="259" r:id="rId6"/>
-    <p:sldId id="265" r:id="rId7"/>
-    <p:sldId id="260" r:id="rId8"/>
-    <p:sldId id="264" r:id="rId9"/>
-    <p:sldId id="261" r:id="rId10"/>
-    <p:sldId id="262" r:id="rId11"/>
   </p:sldIdLst>
   <p:sldSz cx="12192000" cy="6858000"/>
   <p:notesSz cx="6858000" cy="9144000"/>
@@ -124,6 +118,18 @@
 </p:presentation>
 </file>
 
+<file path=ppt/commentAuthors.xml><?xml version="1.0" encoding="utf-8"?>
+<p:cmAuthorLst xmlns:a="http://schemas.openxmlformats.org/drawingml/2006/main" xmlns:r="http://schemas.openxmlformats.org/officeDocument/2006/relationships" xmlns:p="http://schemas.openxmlformats.org/presentationml/2006/main">
+  <p:cmAuthor id="1" name="Spiro Stilianoudakis" initials="SS" lastIdx="0" clrIdx="0">
+    <p:extLst>
+      <p:ext uri="{19B8F6BF-5375-455C-9EA6-DF929625EA0E}">
+        <p15:presenceInfo xmlns:p15="http://schemas.microsoft.com/office/powerpoint/2012/main" userId="Spiro Stilianoudakis" providerId="None"/>
+      </p:ext>
+    </p:extLst>
+  </p:cmAuthor>
+</p:cmAuthorLst>
+</file>
+
 <file path=ppt/notesMasters/notesMaster1.xml><?xml version="1.0" encoding="utf-8"?>
 <p:notesMaster xmlns:a="http://schemas.openxmlformats.org/drawingml/2006/main" xmlns:r="http://schemas.openxmlformats.org/officeDocument/2006/relationships" xmlns:p="http://schemas.openxmlformats.org/presentationml/2006/main">
   <p:cSld>
@@ -206,7 +212,7 @@
           <a:p>
             <a:fld id="{2CC8EC8B-7088-4960-A786-57503A27F1EB}" type="datetimeFigureOut">
               <a:rPr lang="en-US" smtClean="0"/>
-              <a:t>11/1/2018</a:t>
+              <a:t>11/9/2018</a:t>
             </a:fld>
             <a:endParaRPr lang="en-US"/>
           </a:p>
@@ -577,133 +583,6 @@
 </p:notes>
 </file>
 
-<file path=ppt/notesSlides/notesSlide10.xml><?xml version="1.0" encoding="utf-8"?>
-<p:notes xmlns:a="http://schemas.openxmlformats.org/drawingml/2006/main" xmlns:r="http://schemas.openxmlformats.org/officeDocument/2006/relationships" xmlns:p="http://schemas.openxmlformats.org/presentationml/2006/main">
-  <p:cSld>
-    <p:spTree>
-      <p:nvGrpSpPr>
-        <p:cNvPr id="1" name=""/>
-        <p:cNvGrpSpPr/>
-        <p:nvPr/>
-      </p:nvGrpSpPr>
-      <p:grpSpPr>
-        <a:xfrm>
-          <a:off x="0" y="0"/>
-          <a:ext cx="0" cy="0"/>
-          <a:chOff x="0" y="0"/>
-          <a:chExt cx="0" cy="0"/>
-        </a:xfrm>
-      </p:grpSpPr>
-      <p:sp>
-        <p:nvSpPr>
-          <p:cNvPr id="2" name="Slide Image Placeholder 1"/>
-          <p:cNvSpPr>
-            <a:spLocks noGrp="1" noRot="1" noChangeAspect="1"/>
-          </p:cNvSpPr>
-          <p:nvPr>
-            <p:ph type="sldImg"/>
-          </p:nvPr>
-        </p:nvSpPr>
-        <p:spPr/>
-      </p:sp>
-      <p:sp>
-        <p:nvSpPr>
-          <p:cNvPr id="3" name="Notes Placeholder 2"/>
-          <p:cNvSpPr>
-            <a:spLocks noGrp="1"/>
-          </p:cNvSpPr>
-          <p:nvPr>
-            <p:ph type="body" idx="1"/>
-          </p:nvPr>
-        </p:nvSpPr>
-        <p:spPr/>
-        <p:txBody>
-          <a:bodyPr/>
-          <a:lstStyle/>
-          <a:p>
-            <a:r>
-              <a:rPr lang="en-US" dirty="0"/>
-              <a:t>Feature Importance</a:t>
-            </a:r>
-          </a:p>
-          <a:p>
-            <a:endParaRPr lang="en-US" dirty="0"/>
-          </a:p>
-          <a:p>
-            <a:r>
-              <a:rPr lang="en-US" dirty="0"/>
-              <a:t>Figure 7. Comparisons between GM12878 and K562 cell lines. The top 10 most predictive features associated with the formation of TAD boundaries for GM12878 (A) and K562 (B). (C) A </a:t>
-            </a:r>
-            <a:r>
-              <a:rPr lang="en-US" dirty="0" err="1"/>
-              <a:t>venn</a:t>
-            </a:r>
-            <a:r>
-              <a:rPr lang="en-US" dirty="0"/>
-              <a:t> diagram depicting the overlap of the most predictive functional genomic elements between GM12878 and K562.</a:t>
-            </a:r>
-          </a:p>
-          <a:p>
-            <a:endParaRPr lang="en-US" dirty="0"/>
-          </a:p>
-          <a:p>
-            <a:r>
-              <a:rPr lang="en-US" dirty="0"/>
-              <a:t>**include table with ranked </a:t>
-            </a:r>
-            <a:r>
-              <a:rPr lang="en-US" dirty="0" err="1"/>
-              <a:t>importances</a:t>
-            </a:r>
-            <a:endParaRPr lang="en-US" dirty="0"/>
-          </a:p>
-          <a:p>
-            <a:endParaRPr lang="en-US" dirty="0"/>
-          </a:p>
-          <a:p>
-            <a:r>
-              <a:rPr lang="en-US" dirty="0"/>
-              <a:t>**provide table</a:t>
-            </a:r>
-          </a:p>
-        </p:txBody>
-      </p:sp>
-      <p:sp>
-        <p:nvSpPr>
-          <p:cNvPr id="4" name="Slide Number Placeholder 3"/>
-          <p:cNvSpPr>
-            <a:spLocks noGrp="1"/>
-          </p:cNvSpPr>
-          <p:nvPr>
-            <p:ph type="sldNum" sz="quarter" idx="5"/>
-          </p:nvPr>
-        </p:nvSpPr>
-        <p:spPr/>
-        <p:txBody>
-          <a:bodyPr/>
-          <a:lstStyle/>
-          <a:p>
-            <a:fld id="{D22E4D3D-98CF-4DAD-840B-0ABADD6DDC3C}" type="slidenum">
-              <a:rPr lang="en-US" smtClean="0"/>
-              <a:t>10</a:t>
-            </a:fld>
-            <a:endParaRPr lang="en-US"/>
-          </a:p>
-        </p:txBody>
-      </p:sp>
-    </p:spTree>
-    <p:extLst>
-      <p:ext uri="{BB962C8B-B14F-4D97-AF65-F5344CB8AC3E}">
-        <p14:creationId xmlns:p14="http://schemas.microsoft.com/office/powerpoint/2010/main" val="1841226832"/>
-      </p:ext>
-    </p:extLst>
-  </p:cSld>
-  <p:clrMapOvr>
-    <a:masterClrMapping/>
-  </p:clrMapOvr>
-</p:notes>
-</file>
-
 <file path=ppt/notesSlides/notesSlide2.xml><?xml version="1.0" encoding="utf-8"?>
 <p:notes xmlns:a="http://schemas.openxmlformats.org/drawingml/2006/main" xmlns:r="http://schemas.openxmlformats.org/officeDocument/2006/relationships" xmlns:p="http://schemas.openxmlformats.org/presentationml/2006/main">
   <p:cSld>
@@ -977,7 +856,7 @@
           <a:p>
             <a:r>
               <a:rPr lang="en-US" dirty="0"/>
-              <a:t>Figure 3. A diagram of the ensemble pipeline. The process was the same for each combination of predictor type, variable reduction technique, and resampling method considered. The data was split into a 7:3 training set to testing set ratio. The variable reduction technique of choice was performed. The training set was then reduced and the classification algorithm of choice was performed. Lastly, the algorithm was validated on the testing set.</a:t>
+              <a:t>Figure 3. A diagram of the modelling pipeline. The process was the same for each combination of predictor type, variable reduction technique, and resampling method considered. The data was split into a 7:3 training set to testing set ratio. The variable reduction technique of choice was performed. The training set was then reduced and the classification algorithm of choice was performed. Each model was validated on the same testing set.</a:t>
             </a:r>
           </a:p>
         </p:txBody>
@@ -1009,625 +888,6 @@
     <p:extLst>
       <p:ext uri="{BB962C8B-B14F-4D97-AF65-F5344CB8AC3E}">
         <p14:creationId xmlns:p14="http://schemas.microsoft.com/office/powerpoint/2010/main" val="4238709179"/>
-      </p:ext>
-    </p:extLst>
-  </p:cSld>
-  <p:clrMapOvr>
-    <a:masterClrMapping/>
-  </p:clrMapOvr>
-</p:notes>
-</file>
-
-<file path=ppt/notesSlides/notesSlide5.xml><?xml version="1.0" encoding="utf-8"?>
-<p:notes xmlns:a="http://schemas.openxmlformats.org/drawingml/2006/main" xmlns:r="http://schemas.openxmlformats.org/officeDocument/2006/relationships" xmlns:p="http://schemas.openxmlformats.org/presentationml/2006/main">
-  <p:cSld>
-    <p:spTree>
-      <p:nvGrpSpPr>
-        <p:cNvPr id="1" name=""/>
-        <p:cNvGrpSpPr/>
-        <p:nvPr/>
-      </p:nvGrpSpPr>
-      <p:grpSpPr>
-        <a:xfrm>
-          <a:off x="0" y="0"/>
-          <a:ext cx="0" cy="0"/>
-          <a:chOff x="0" y="0"/>
-          <a:chExt cx="0" cy="0"/>
-        </a:xfrm>
-      </p:grpSpPr>
-      <p:sp>
-        <p:nvSpPr>
-          <p:cNvPr id="2" name="Slide Image Placeholder 1"/>
-          <p:cNvSpPr>
-            <a:spLocks noGrp="1" noRot="1" noChangeAspect="1"/>
-          </p:cNvSpPr>
-          <p:nvPr>
-            <p:ph type="sldImg"/>
-          </p:nvPr>
-        </p:nvSpPr>
-        <p:spPr/>
-      </p:sp>
-      <p:sp>
-        <p:nvSpPr>
-          <p:cNvPr id="3" name="Notes Placeholder 2"/>
-          <p:cNvSpPr>
-            <a:spLocks noGrp="1"/>
-          </p:cNvSpPr>
-          <p:nvPr>
-            <p:ph type="body" idx="1"/>
-          </p:nvPr>
-        </p:nvSpPr>
-        <p:spPr/>
-        <p:txBody>
-          <a:bodyPr/>
-          <a:lstStyle/>
-          <a:p>
-            <a:r>
-              <a:rPr lang="en-US" dirty="0"/>
-              <a:t>Class Imbalance</a:t>
-            </a:r>
-          </a:p>
-          <a:p>
-            <a:endParaRPr lang="en-US" dirty="0"/>
-          </a:p>
-          <a:p>
-            <a:r>
-              <a:rPr lang="en-US" dirty="0"/>
-              <a:t>Figure 4. </a:t>
-            </a:r>
-            <a:r>
-              <a:rPr lang="en-US" dirty="0" err="1"/>
-              <a:t>Barplots</a:t>
-            </a:r>
-            <a:r>
-              <a:rPr lang="en-US" dirty="0"/>
-              <a:t> illustrating the issue of class imbalance. The majority class represents the number of genomic bins without TAD boundaries in them, while the minority class represents the number of genomic bins with TAD boundaries in them. Each sampling technique considered created perfectly balanced data.</a:t>
-            </a:r>
-          </a:p>
-          <a:p>
-            <a:endParaRPr lang="en-US" dirty="0"/>
-          </a:p>
-          <a:p>
-            <a:r>
-              <a:rPr lang="en-US" dirty="0"/>
-              <a:t>**put over-sampling technique</a:t>
-            </a:r>
-          </a:p>
-          <a:p>
-            <a:endParaRPr lang="en-US" dirty="0"/>
-          </a:p>
-          <a:p>
-            <a:r>
-              <a:rPr lang="en-US" dirty="0"/>
-              <a:t>**put other cell lines (supplementary)</a:t>
-            </a:r>
-          </a:p>
-        </p:txBody>
-      </p:sp>
-      <p:sp>
-        <p:nvSpPr>
-          <p:cNvPr id="4" name="Slide Number Placeholder 3"/>
-          <p:cNvSpPr>
-            <a:spLocks noGrp="1"/>
-          </p:cNvSpPr>
-          <p:nvPr>
-            <p:ph type="sldNum" sz="quarter" idx="5"/>
-          </p:nvPr>
-        </p:nvSpPr>
-        <p:spPr/>
-        <p:txBody>
-          <a:bodyPr/>
-          <a:lstStyle/>
-          <a:p>
-            <a:fld id="{D22E4D3D-98CF-4DAD-840B-0ABADD6DDC3C}" type="slidenum">
-              <a:rPr lang="en-US" smtClean="0"/>
-              <a:t>5</a:t>
-            </a:fld>
-            <a:endParaRPr lang="en-US"/>
-          </a:p>
-        </p:txBody>
-      </p:sp>
-    </p:spTree>
-    <p:extLst>
-      <p:ext uri="{BB962C8B-B14F-4D97-AF65-F5344CB8AC3E}">
-        <p14:creationId xmlns:p14="http://schemas.microsoft.com/office/powerpoint/2010/main" val="3078931543"/>
-      </p:ext>
-    </p:extLst>
-  </p:cSld>
-  <p:clrMapOvr>
-    <a:masterClrMapping/>
-  </p:clrMapOvr>
-</p:notes>
-</file>
-
-<file path=ppt/notesSlides/notesSlide6.xml><?xml version="1.0" encoding="utf-8"?>
-<p:notes xmlns:a="http://schemas.openxmlformats.org/drawingml/2006/main" xmlns:r="http://schemas.openxmlformats.org/officeDocument/2006/relationships" xmlns:p="http://schemas.openxmlformats.org/presentationml/2006/main">
-  <p:cSld>
-    <p:spTree>
-      <p:nvGrpSpPr>
-        <p:cNvPr id="1" name=""/>
-        <p:cNvGrpSpPr/>
-        <p:nvPr/>
-      </p:nvGrpSpPr>
-      <p:grpSpPr>
-        <a:xfrm>
-          <a:off x="0" y="0"/>
-          <a:ext cx="0" cy="0"/>
-          <a:chOff x="0" y="0"/>
-          <a:chExt cx="0" cy="0"/>
-        </a:xfrm>
-      </p:grpSpPr>
-      <p:sp>
-        <p:nvSpPr>
-          <p:cNvPr id="2" name="Slide Image Placeholder 1"/>
-          <p:cNvSpPr>
-            <a:spLocks noGrp="1" noRot="1" noChangeAspect="1"/>
-          </p:cNvSpPr>
-          <p:nvPr>
-            <p:ph type="sldImg"/>
-          </p:nvPr>
-        </p:nvSpPr>
-        <p:spPr/>
-      </p:sp>
-      <p:sp>
-        <p:nvSpPr>
-          <p:cNvPr id="3" name="Notes Placeholder 2"/>
-          <p:cNvSpPr>
-            <a:spLocks noGrp="1"/>
-          </p:cNvSpPr>
-          <p:nvPr>
-            <p:ph type="body" idx="1"/>
-          </p:nvPr>
-        </p:nvSpPr>
-        <p:spPr/>
-        <p:txBody>
-          <a:bodyPr/>
-          <a:lstStyle/>
-          <a:p>
-            <a:pPr marL="0" marR="0" lvl="0" indent="0" algn="l" defTabSz="914400" rtl="0" eaLnBrk="1" fontAlgn="auto" latinLnBrk="0" hangingPunct="1">
-              <a:lnSpc>
-                <a:spcPct val="100000"/>
-              </a:lnSpc>
-              <a:spcBef>
-                <a:spcPts val="0"/>
-              </a:spcBef>
-              <a:spcAft>
-                <a:spcPts val="0"/>
-              </a:spcAft>
-              <a:buClrTx/>
-              <a:buSzTx/>
-              <a:buFontTx/>
-              <a:buNone/>
-              <a:tabLst/>
-              <a:defRPr/>
-            </a:pPr>
-            <a:r>
-              <a:rPr lang="en-US" dirty="0"/>
-              <a:t>Class Imbalance (edited; added oversampling)</a:t>
-            </a:r>
-          </a:p>
-          <a:p>
-            <a:endParaRPr lang="en-US" dirty="0"/>
-          </a:p>
-        </p:txBody>
-      </p:sp>
-      <p:sp>
-        <p:nvSpPr>
-          <p:cNvPr id="4" name="Slide Number Placeholder 3"/>
-          <p:cNvSpPr>
-            <a:spLocks noGrp="1"/>
-          </p:cNvSpPr>
-          <p:nvPr>
-            <p:ph type="sldNum" sz="quarter" idx="5"/>
-          </p:nvPr>
-        </p:nvSpPr>
-        <p:spPr/>
-        <p:txBody>
-          <a:bodyPr/>
-          <a:lstStyle/>
-          <a:p>
-            <a:fld id="{D22E4D3D-98CF-4DAD-840B-0ABADD6DDC3C}" type="slidenum">
-              <a:rPr lang="en-US" smtClean="0"/>
-              <a:t>6</a:t>
-            </a:fld>
-            <a:endParaRPr lang="en-US"/>
-          </a:p>
-        </p:txBody>
-      </p:sp>
-    </p:spTree>
-    <p:extLst>
-      <p:ext uri="{BB962C8B-B14F-4D97-AF65-F5344CB8AC3E}">
-        <p14:creationId xmlns:p14="http://schemas.microsoft.com/office/powerpoint/2010/main" val="2759034915"/>
-      </p:ext>
-    </p:extLst>
-  </p:cSld>
-  <p:clrMapOvr>
-    <a:masterClrMapping/>
-  </p:clrMapOvr>
-</p:notes>
-</file>
-
-<file path=ppt/notesSlides/notesSlide7.xml><?xml version="1.0" encoding="utf-8"?>
-<p:notes xmlns:a="http://schemas.openxmlformats.org/drawingml/2006/main" xmlns:r="http://schemas.openxmlformats.org/officeDocument/2006/relationships" xmlns:p="http://schemas.openxmlformats.org/presentationml/2006/main">
-  <p:cSld>
-    <p:spTree>
-      <p:nvGrpSpPr>
-        <p:cNvPr id="1" name=""/>
-        <p:cNvGrpSpPr/>
-        <p:nvPr/>
-      </p:nvGrpSpPr>
-      <p:grpSpPr>
-        <a:xfrm>
-          <a:off x="0" y="0"/>
-          <a:ext cx="0" cy="0"/>
-          <a:chOff x="0" y="0"/>
-          <a:chExt cx="0" cy="0"/>
-        </a:xfrm>
-      </p:grpSpPr>
-      <p:sp>
-        <p:nvSpPr>
-          <p:cNvPr id="2" name="Slide Image Placeholder 1"/>
-          <p:cNvSpPr>
-            <a:spLocks noGrp="1" noRot="1" noChangeAspect="1"/>
-          </p:cNvSpPr>
-          <p:nvPr>
-            <p:ph type="sldImg"/>
-          </p:nvPr>
-        </p:nvSpPr>
-        <p:spPr/>
-      </p:sp>
-      <p:sp>
-        <p:nvSpPr>
-          <p:cNvPr id="3" name="Notes Placeholder 2"/>
-          <p:cNvSpPr>
-            <a:spLocks noGrp="1"/>
-          </p:cNvSpPr>
-          <p:nvPr>
-            <p:ph type="body" idx="1"/>
-          </p:nvPr>
-        </p:nvSpPr>
-        <p:spPr/>
-        <p:txBody>
-          <a:bodyPr/>
-          <a:lstStyle/>
-          <a:p>
-            <a:r>
-              <a:rPr lang="en-US" dirty="0"/>
-              <a:t>Impact of Variable Reduction</a:t>
-            </a:r>
-          </a:p>
-          <a:p>
-            <a:endParaRPr lang="en-US" dirty="0"/>
-          </a:p>
-          <a:p>
-            <a:r>
-              <a:rPr lang="en-US" dirty="0"/>
-              <a:t>Figure 5. Comparisons of the different variable reduction techniques considered across each of the sampling techniques. Each plot includes the AUC measures for a random forest model with a particular predictor type and sampling technique, for each of the 3 variable reduction techniques (AIC, KS-test, LASSO). </a:t>
-            </a:r>
-          </a:p>
-          <a:p>
-            <a:endParaRPr lang="en-US" dirty="0"/>
-          </a:p>
-          <a:p>
-            <a:r>
-              <a:rPr lang="en-US" dirty="0"/>
-              <a:t>**supplementary!</a:t>
-            </a:r>
-          </a:p>
-          <a:p>
-            <a:r>
-              <a:rPr lang="en-US" dirty="0"/>
-              <a:t>**look at other metrics (MCC)</a:t>
-            </a:r>
-          </a:p>
-          <a:p>
-            <a:endParaRPr lang="en-US" dirty="0"/>
-          </a:p>
-          <a:p>
-            <a:r>
-              <a:rPr lang="en-US" dirty="0"/>
-              <a:t>**label plots across columns by predictor type</a:t>
-            </a:r>
-          </a:p>
-          <a:p>
-            <a:endParaRPr lang="en-US" dirty="0"/>
-          </a:p>
-          <a:p>
-            <a:r>
-              <a:rPr lang="en-US" dirty="0"/>
-              <a:t>**include legend</a:t>
-            </a:r>
-          </a:p>
-        </p:txBody>
-      </p:sp>
-      <p:sp>
-        <p:nvSpPr>
-          <p:cNvPr id="4" name="Slide Number Placeholder 3"/>
-          <p:cNvSpPr>
-            <a:spLocks noGrp="1"/>
-          </p:cNvSpPr>
-          <p:nvPr>
-            <p:ph type="sldNum" sz="quarter" idx="5"/>
-          </p:nvPr>
-        </p:nvSpPr>
-        <p:spPr/>
-        <p:txBody>
-          <a:bodyPr/>
-          <a:lstStyle/>
-          <a:p>
-            <a:fld id="{D22E4D3D-98CF-4DAD-840B-0ABADD6DDC3C}" type="slidenum">
-              <a:rPr lang="en-US" smtClean="0"/>
-              <a:t>7</a:t>
-            </a:fld>
-            <a:endParaRPr lang="en-US"/>
-          </a:p>
-        </p:txBody>
-      </p:sp>
-    </p:spTree>
-    <p:extLst>
-      <p:ext uri="{BB962C8B-B14F-4D97-AF65-F5344CB8AC3E}">
-        <p14:creationId xmlns:p14="http://schemas.microsoft.com/office/powerpoint/2010/main" val="1744980399"/>
-      </p:ext>
-    </p:extLst>
-  </p:cSld>
-  <p:clrMapOvr>
-    <a:masterClrMapping/>
-  </p:clrMapOvr>
-</p:notes>
-</file>
-
-<file path=ppt/notesSlides/notesSlide8.xml><?xml version="1.0" encoding="utf-8"?>
-<p:notes xmlns:a="http://schemas.openxmlformats.org/drawingml/2006/main" xmlns:r="http://schemas.openxmlformats.org/officeDocument/2006/relationships" xmlns:p="http://schemas.openxmlformats.org/presentationml/2006/main">
-  <p:cSld>
-    <p:spTree>
-      <p:nvGrpSpPr>
-        <p:cNvPr id="1" name=""/>
-        <p:cNvGrpSpPr/>
-        <p:nvPr/>
-      </p:nvGrpSpPr>
-      <p:grpSpPr>
-        <a:xfrm>
-          <a:off x="0" y="0"/>
-          <a:ext cx="0" cy="0"/>
-          <a:chOff x="0" y="0"/>
-          <a:chExt cx="0" cy="0"/>
-        </a:xfrm>
-      </p:grpSpPr>
-      <p:sp>
-        <p:nvSpPr>
-          <p:cNvPr id="2" name="Slide Image Placeholder 1"/>
-          <p:cNvSpPr>
-            <a:spLocks noGrp="1" noRot="1" noChangeAspect="1"/>
-          </p:cNvSpPr>
-          <p:nvPr>
-            <p:ph type="sldImg"/>
-          </p:nvPr>
-        </p:nvSpPr>
-        <p:spPr/>
-      </p:sp>
-      <p:sp>
-        <p:nvSpPr>
-          <p:cNvPr id="3" name="Notes Placeholder 2"/>
-          <p:cNvSpPr>
-            <a:spLocks noGrp="1"/>
-          </p:cNvSpPr>
-          <p:nvPr>
-            <p:ph type="body" idx="1"/>
-          </p:nvPr>
-        </p:nvSpPr>
-        <p:spPr/>
-        <p:txBody>
-          <a:bodyPr/>
-          <a:lstStyle/>
-          <a:p>
-            <a:pPr marL="0" marR="0" lvl="0" indent="0" algn="l" defTabSz="914400" rtl="0" eaLnBrk="1" fontAlgn="auto" latinLnBrk="0" hangingPunct="1">
-              <a:lnSpc>
-                <a:spcPct val="100000"/>
-              </a:lnSpc>
-              <a:spcBef>
-                <a:spcPts val="0"/>
-              </a:spcBef>
-              <a:spcAft>
-                <a:spcPts val="0"/>
-              </a:spcAft>
-              <a:buClrTx/>
-              <a:buSzTx/>
-              <a:buFontTx/>
-              <a:buNone/>
-              <a:tabLst/>
-              <a:defRPr/>
-            </a:pPr>
-            <a:r>
-              <a:rPr lang="en-US" dirty="0"/>
-              <a:t>Impact of Variable Reduction (edited; added F1 score)</a:t>
-            </a:r>
-          </a:p>
-          <a:p>
-            <a:pPr marL="0" marR="0" lvl="0" indent="0" algn="l" defTabSz="914400" rtl="0" eaLnBrk="1" fontAlgn="auto" latinLnBrk="0" hangingPunct="1">
-              <a:lnSpc>
-                <a:spcPct val="100000"/>
-              </a:lnSpc>
-              <a:spcBef>
-                <a:spcPts val="0"/>
-              </a:spcBef>
-              <a:spcAft>
-                <a:spcPts val="0"/>
-              </a:spcAft>
-              <a:buClrTx/>
-              <a:buSzTx/>
-              <a:buFontTx/>
-              <a:buNone/>
-              <a:tabLst/>
-              <a:defRPr/>
-            </a:pPr>
-            <a:endParaRPr lang="en-US" dirty="0"/>
-          </a:p>
-          <a:p>
-            <a:pPr marL="0" marR="0" lvl="0" indent="0" algn="l" defTabSz="914400" rtl="0" eaLnBrk="1" fontAlgn="auto" latinLnBrk="0" hangingPunct="1">
-              <a:lnSpc>
-                <a:spcPct val="100000"/>
-              </a:lnSpc>
-              <a:spcBef>
-                <a:spcPts val="0"/>
-              </a:spcBef>
-              <a:spcAft>
-                <a:spcPts val="0"/>
-              </a:spcAft>
-              <a:buClrTx/>
-              <a:buSzTx/>
-              <a:buFontTx/>
-              <a:buNone/>
-              <a:tabLst/>
-              <a:defRPr/>
-            </a:pPr>
-            <a:endParaRPr lang="en-US" dirty="0"/>
-          </a:p>
-          <a:p>
-            <a:endParaRPr lang="en-US" dirty="0"/>
-          </a:p>
-        </p:txBody>
-      </p:sp>
-      <p:sp>
-        <p:nvSpPr>
-          <p:cNvPr id="4" name="Slide Number Placeholder 3"/>
-          <p:cNvSpPr>
-            <a:spLocks noGrp="1"/>
-          </p:cNvSpPr>
-          <p:nvPr>
-            <p:ph type="sldNum" sz="quarter" idx="5"/>
-          </p:nvPr>
-        </p:nvSpPr>
-        <p:spPr/>
-        <p:txBody>
-          <a:bodyPr/>
-          <a:lstStyle/>
-          <a:p>
-            <a:fld id="{D22E4D3D-98CF-4DAD-840B-0ABADD6DDC3C}" type="slidenum">
-              <a:rPr lang="en-US" smtClean="0"/>
-              <a:t>8</a:t>
-            </a:fld>
-            <a:endParaRPr lang="en-US"/>
-          </a:p>
-        </p:txBody>
-      </p:sp>
-    </p:spTree>
-    <p:extLst>
-      <p:ext uri="{BB962C8B-B14F-4D97-AF65-F5344CB8AC3E}">
-        <p14:creationId xmlns:p14="http://schemas.microsoft.com/office/powerpoint/2010/main" val="3512097270"/>
-      </p:ext>
-    </p:extLst>
-  </p:cSld>
-  <p:clrMapOvr>
-    <a:masterClrMapping/>
-  </p:clrMapOvr>
-</p:notes>
-</file>
-
-<file path=ppt/notesSlides/notesSlide9.xml><?xml version="1.0" encoding="utf-8"?>
-<p:notes xmlns:a="http://schemas.openxmlformats.org/drawingml/2006/main" xmlns:r="http://schemas.openxmlformats.org/officeDocument/2006/relationships" xmlns:p="http://schemas.openxmlformats.org/presentationml/2006/main">
-  <p:cSld>
-    <p:spTree>
-      <p:nvGrpSpPr>
-        <p:cNvPr id="1" name=""/>
-        <p:cNvGrpSpPr/>
-        <p:nvPr/>
-      </p:nvGrpSpPr>
-      <p:grpSpPr>
-        <a:xfrm>
-          <a:off x="0" y="0"/>
-          <a:ext cx="0" cy="0"/>
-          <a:chOff x="0" y="0"/>
-          <a:chExt cx="0" cy="0"/>
-        </a:xfrm>
-      </p:grpSpPr>
-      <p:sp>
-        <p:nvSpPr>
-          <p:cNvPr id="2" name="Slide Image Placeholder 1"/>
-          <p:cNvSpPr>
-            <a:spLocks noGrp="1" noRot="1" noChangeAspect="1"/>
-          </p:cNvSpPr>
-          <p:nvPr>
-            <p:ph type="sldImg"/>
-          </p:nvPr>
-        </p:nvSpPr>
-        <p:spPr/>
-      </p:sp>
-      <p:sp>
-        <p:nvSpPr>
-          <p:cNvPr id="3" name="Notes Placeholder 2"/>
-          <p:cNvSpPr>
-            <a:spLocks noGrp="1"/>
-          </p:cNvSpPr>
-          <p:nvPr>
-            <p:ph type="body" idx="1"/>
-          </p:nvPr>
-        </p:nvSpPr>
-        <p:spPr/>
-        <p:txBody>
-          <a:bodyPr/>
-          <a:lstStyle/>
-          <a:p>
-            <a:r>
-              <a:rPr lang="en-US" dirty="0"/>
-              <a:t>Model Performances</a:t>
-            </a:r>
-          </a:p>
-          <a:p>
-            <a:endParaRPr lang="en-US" dirty="0"/>
-          </a:p>
-          <a:p>
-            <a:r>
-              <a:rPr lang="en-US" dirty="0"/>
-              <a:t>Figure 6. Performance metrics for a variety of random forest models using LASSO regularization, by predictor type and sampling technique.</a:t>
-            </a:r>
-          </a:p>
-          <a:p>
-            <a:endParaRPr lang="en-US" dirty="0"/>
-          </a:p>
-          <a:p>
-            <a:r>
-              <a:rPr lang="en-US" dirty="0"/>
-              <a:t>**remove SS gap</a:t>
-            </a:r>
-          </a:p>
-          <a:p>
-            <a:endParaRPr lang="en-US" dirty="0"/>
-          </a:p>
-          <a:p>
-            <a:r>
-              <a:rPr lang="en-US" dirty="0"/>
-              <a:t>**provide table</a:t>
-            </a:r>
-          </a:p>
-        </p:txBody>
-      </p:sp>
-      <p:sp>
-        <p:nvSpPr>
-          <p:cNvPr id="4" name="Slide Number Placeholder 3"/>
-          <p:cNvSpPr>
-            <a:spLocks noGrp="1"/>
-          </p:cNvSpPr>
-          <p:nvPr>
-            <p:ph type="sldNum" sz="quarter" idx="5"/>
-          </p:nvPr>
-        </p:nvSpPr>
-        <p:spPr/>
-        <p:txBody>
-          <a:bodyPr/>
-          <a:lstStyle/>
-          <a:p>
-            <a:fld id="{D22E4D3D-98CF-4DAD-840B-0ABADD6DDC3C}" type="slidenum">
-              <a:rPr lang="en-US" smtClean="0"/>
-              <a:t>9</a:t>
-            </a:fld>
-            <a:endParaRPr lang="en-US"/>
-          </a:p>
-        </p:txBody>
-      </p:sp>
-    </p:spTree>
-    <p:extLst>
-      <p:ext uri="{BB962C8B-B14F-4D97-AF65-F5344CB8AC3E}">
-        <p14:creationId xmlns:p14="http://schemas.microsoft.com/office/powerpoint/2010/main" val="3871160884"/>
       </p:ext>
     </p:extLst>
   </p:cSld>
@@ -1784,7 +1044,7 @@
           <a:p>
             <a:fld id="{204470DF-392B-4FE1-A158-7202D240DCF3}" type="datetimeFigureOut">
               <a:rPr lang="en-US" smtClean="0"/>
-              <a:t>11/1/2018</a:t>
+              <a:t>11/9/2018</a:t>
             </a:fld>
             <a:endParaRPr lang="en-US"/>
           </a:p>
@@ -1982,7 +1242,7 @@
           <a:p>
             <a:fld id="{204470DF-392B-4FE1-A158-7202D240DCF3}" type="datetimeFigureOut">
               <a:rPr lang="en-US" smtClean="0"/>
-              <a:t>11/1/2018</a:t>
+              <a:t>11/9/2018</a:t>
             </a:fld>
             <a:endParaRPr lang="en-US"/>
           </a:p>
@@ -2190,7 +1450,7 @@
           <a:p>
             <a:fld id="{204470DF-392B-4FE1-A158-7202D240DCF3}" type="datetimeFigureOut">
               <a:rPr lang="en-US" smtClean="0"/>
-              <a:t>11/1/2018</a:t>
+              <a:t>11/9/2018</a:t>
             </a:fld>
             <a:endParaRPr lang="en-US"/>
           </a:p>
@@ -2388,7 +1648,7 @@
           <a:p>
             <a:fld id="{204470DF-392B-4FE1-A158-7202D240DCF3}" type="datetimeFigureOut">
               <a:rPr lang="en-US" smtClean="0"/>
-              <a:t>11/1/2018</a:t>
+              <a:t>11/9/2018</a:t>
             </a:fld>
             <a:endParaRPr lang="en-US"/>
           </a:p>
@@ -2663,7 +1923,7 @@
           <a:p>
             <a:fld id="{204470DF-392B-4FE1-A158-7202D240DCF3}" type="datetimeFigureOut">
               <a:rPr lang="en-US" smtClean="0"/>
-              <a:t>11/1/2018</a:t>
+              <a:t>11/9/2018</a:t>
             </a:fld>
             <a:endParaRPr lang="en-US"/>
           </a:p>
@@ -2928,7 +2188,7 @@
           <a:p>
             <a:fld id="{204470DF-392B-4FE1-A158-7202D240DCF3}" type="datetimeFigureOut">
               <a:rPr lang="en-US" smtClean="0"/>
-              <a:t>11/1/2018</a:t>
+              <a:t>11/9/2018</a:t>
             </a:fld>
             <a:endParaRPr lang="en-US"/>
           </a:p>
@@ -3340,7 +2600,7 @@
           <a:p>
             <a:fld id="{204470DF-392B-4FE1-A158-7202D240DCF3}" type="datetimeFigureOut">
               <a:rPr lang="en-US" smtClean="0"/>
-              <a:t>11/1/2018</a:t>
+              <a:t>11/9/2018</a:t>
             </a:fld>
             <a:endParaRPr lang="en-US"/>
           </a:p>
@@ -3481,7 +2741,7 @@
           <a:p>
             <a:fld id="{204470DF-392B-4FE1-A158-7202D240DCF3}" type="datetimeFigureOut">
               <a:rPr lang="en-US" smtClean="0"/>
-              <a:t>11/1/2018</a:t>
+              <a:t>11/9/2018</a:t>
             </a:fld>
             <a:endParaRPr lang="en-US"/>
           </a:p>
@@ -3594,7 +2854,7 @@
           <a:p>
             <a:fld id="{204470DF-392B-4FE1-A158-7202D240DCF3}" type="datetimeFigureOut">
               <a:rPr lang="en-US" smtClean="0"/>
-              <a:t>11/1/2018</a:t>
+              <a:t>11/9/2018</a:t>
             </a:fld>
             <a:endParaRPr lang="en-US"/>
           </a:p>
@@ -3905,7 +3165,7 @@
           <a:p>
             <a:fld id="{204470DF-392B-4FE1-A158-7202D240DCF3}" type="datetimeFigureOut">
               <a:rPr lang="en-US" smtClean="0"/>
-              <a:t>11/1/2018</a:t>
+              <a:t>11/9/2018</a:t>
             </a:fld>
             <a:endParaRPr lang="en-US"/>
           </a:p>
@@ -4193,7 +3453,7 @@
           <a:p>
             <a:fld id="{204470DF-392B-4FE1-A158-7202D240DCF3}" type="datetimeFigureOut">
               <a:rPr lang="en-US" smtClean="0"/>
-              <a:t>11/1/2018</a:t>
+              <a:t>11/9/2018</a:t>
             </a:fld>
             <a:endParaRPr lang="en-US"/>
           </a:p>
@@ -4434,7 +3694,7 @@
           <a:p>
             <a:fld id="{204470DF-392B-4FE1-A158-7202D240DCF3}" type="datetimeFigureOut">
               <a:rPr lang="en-US" smtClean="0"/>
-              <a:t>11/1/2018</a:t>
+              <a:t>11/9/2018</a:t>
             </a:fld>
             <a:endParaRPr lang="en-US"/>
           </a:p>
@@ -6718,234 +5978,6 @@
 </p:sld>
 </file>
 
-<file path=ppt/slides/slide10.xml><?xml version="1.0" encoding="utf-8"?>
-<p:sld xmlns:a="http://schemas.openxmlformats.org/drawingml/2006/main" xmlns:r="http://schemas.openxmlformats.org/officeDocument/2006/relationships" xmlns:p="http://schemas.openxmlformats.org/presentationml/2006/main">
-  <p:cSld>
-    <p:spTree>
-      <p:nvGrpSpPr>
-        <p:cNvPr id="1" name=""/>
-        <p:cNvGrpSpPr/>
-        <p:nvPr/>
-      </p:nvGrpSpPr>
-      <p:grpSpPr>
-        <a:xfrm>
-          <a:off x="0" y="0"/>
-          <a:ext cx="0" cy="0"/>
-          <a:chOff x="0" y="0"/>
-          <a:chExt cx="0" cy="0"/>
-        </a:xfrm>
-      </p:grpSpPr>
-      <p:pic>
-        <p:nvPicPr>
-          <p:cNvPr id="5" name="Picture 4">
-            <a:extLst>
-              <a:ext uri="{FF2B5EF4-FFF2-40B4-BE49-F238E27FC236}">
-                <a16:creationId xmlns:a16="http://schemas.microsoft.com/office/drawing/2014/main" id="{59EE9074-B873-470A-BBF0-45C231A9A85F}"/>
-              </a:ext>
-            </a:extLst>
-          </p:cNvPr>
-          <p:cNvPicPr>
-            <a:picLocks noChangeAspect="1"/>
-          </p:cNvPicPr>
-          <p:nvPr/>
-        </p:nvPicPr>
-        <p:blipFill>
-          <a:blip r:embed="rId3"/>
-          <a:stretch>
-            <a:fillRect/>
-          </a:stretch>
-        </p:blipFill>
-        <p:spPr>
-          <a:xfrm rot="16200000">
-            <a:off x="1407029" y="3075364"/>
-            <a:ext cx="3291840" cy="3956248"/>
-          </a:xfrm>
-          <a:prstGeom prst="rect">
-            <a:avLst/>
-          </a:prstGeom>
-        </p:spPr>
-      </p:pic>
-      <p:pic>
-        <p:nvPicPr>
-          <p:cNvPr id="6" name="Picture 5">
-            <a:extLst>
-              <a:ext uri="{FF2B5EF4-FFF2-40B4-BE49-F238E27FC236}">
-                <a16:creationId xmlns:a16="http://schemas.microsoft.com/office/drawing/2014/main" id="{EC585168-F085-4A86-A456-662A04130F25}"/>
-              </a:ext>
-            </a:extLst>
-          </p:cNvPr>
-          <p:cNvPicPr>
-            <a:picLocks noChangeAspect="1"/>
-          </p:cNvPicPr>
-          <p:nvPr/>
-        </p:nvPicPr>
-        <p:blipFill>
-          <a:blip r:embed="rId4"/>
-          <a:stretch>
-            <a:fillRect/>
-          </a:stretch>
-        </p:blipFill>
-        <p:spPr>
-          <a:xfrm rot="16200000">
-            <a:off x="1405740" y="-215187"/>
-            <a:ext cx="3291840" cy="3953669"/>
-          </a:xfrm>
-          <a:prstGeom prst="rect">
-            <a:avLst/>
-          </a:prstGeom>
-        </p:spPr>
-      </p:pic>
-      <p:sp>
-        <p:nvSpPr>
-          <p:cNvPr id="7" name="TextBox 6">
-            <a:extLst>
-              <a:ext uri="{FF2B5EF4-FFF2-40B4-BE49-F238E27FC236}">
-                <a16:creationId xmlns:a16="http://schemas.microsoft.com/office/drawing/2014/main" id="{648AAA91-2747-4497-A4F1-CB8D39BBD58D}"/>
-              </a:ext>
-            </a:extLst>
-          </p:cNvPr>
-          <p:cNvSpPr txBox="1"/>
-          <p:nvPr/>
-        </p:nvSpPr>
-        <p:spPr>
-          <a:xfrm rot="16200000">
-            <a:off x="4970781" y="4868821"/>
-            <a:ext cx="850231" cy="369332"/>
-          </a:xfrm>
-          <a:prstGeom prst="rect">
-            <a:avLst/>
-          </a:prstGeom>
-          <a:noFill/>
-        </p:spPr>
-        <p:txBody>
-          <a:bodyPr wrap="square" rtlCol="0">
-            <a:spAutoFit/>
-          </a:bodyPr>
-          <a:lstStyle/>
-          <a:p>
-            <a:pPr algn="ctr"/>
-            <a:r>
-              <a:rPr lang="en-US" dirty="0"/>
-              <a:t>(A)</a:t>
-            </a:r>
-          </a:p>
-        </p:txBody>
-      </p:sp>
-      <p:sp>
-        <p:nvSpPr>
-          <p:cNvPr id="8" name="TextBox 7">
-            <a:extLst>
-              <a:ext uri="{FF2B5EF4-FFF2-40B4-BE49-F238E27FC236}">
-                <a16:creationId xmlns:a16="http://schemas.microsoft.com/office/drawing/2014/main" id="{61EB1C9C-3D8F-4D45-B7E7-3088C8B24DE3}"/>
-              </a:ext>
-            </a:extLst>
-          </p:cNvPr>
-          <p:cNvSpPr txBox="1"/>
-          <p:nvPr/>
-        </p:nvSpPr>
-        <p:spPr>
-          <a:xfrm rot="16200000">
-            <a:off x="9028027" y="3244332"/>
-            <a:ext cx="850231" cy="369332"/>
-          </a:xfrm>
-          <a:prstGeom prst="rect">
-            <a:avLst/>
-          </a:prstGeom>
-          <a:noFill/>
-        </p:spPr>
-        <p:txBody>
-          <a:bodyPr wrap="square" rtlCol="0">
-            <a:spAutoFit/>
-          </a:bodyPr>
-          <a:lstStyle/>
-          <a:p>
-            <a:pPr algn="ctr"/>
-            <a:r>
-              <a:rPr lang="en-US" dirty="0"/>
-              <a:t>(C)</a:t>
-            </a:r>
-          </a:p>
-        </p:txBody>
-      </p:sp>
-      <p:sp>
-        <p:nvSpPr>
-          <p:cNvPr id="9" name="TextBox 8">
-            <a:extLst>
-              <a:ext uri="{FF2B5EF4-FFF2-40B4-BE49-F238E27FC236}">
-                <a16:creationId xmlns:a16="http://schemas.microsoft.com/office/drawing/2014/main" id="{EEECC1FF-F3FA-4503-9E08-F10F8E0C4126}"/>
-              </a:ext>
-            </a:extLst>
-          </p:cNvPr>
-          <p:cNvSpPr txBox="1"/>
-          <p:nvPr/>
-        </p:nvSpPr>
-        <p:spPr>
-          <a:xfrm rot="16200000">
-            <a:off x="4970782" y="1576980"/>
-            <a:ext cx="850231" cy="369332"/>
-          </a:xfrm>
-          <a:prstGeom prst="rect">
-            <a:avLst/>
-          </a:prstGeom>
-          <a:noFill/>
-        </p:spPr>
-        <p:txBody>
-          <a:bodyPr wrap="square" rtlCol="0">
-            <a:spAutoFit/>
-          </a:bodyPr>
-          <a:lstStyle/>
-          <a:p>
-            <a:pPr algn="ctr"/>
-            <a:r>
-              <a:rPr lang="en-US" dirty="0"/>
-              <a:t>(B)</a:t>
-            </a:r>
-          </a:p>
-        </p:txBody>
-      </p:sp>
-      <p:pic>
-        <p:nvPicPr>
-          <p:cNvPr id="10" name="Picture 9">
-            <a:extLst>
-              <a:ext uri="{FF2B5EF4-FFF2-40B4-BE49-F238E27FC236}">
-                <a16:creationId xmlns:a16="http://schemas.microsoft.com/office/drawing/2014/main" id="{57F2F63F-9019-4CDE-A010-CA4F3F2E8253}"/>
-              </a:ext>
-            </a:extLst>
-          </p:cNvPr>
-          <p:cNvPicPr>
-            <a:picLocks noChangeAspect="1"/>
-          </p:cNvPicPr>
-          <p:nvPr/>
-        </p:nvPicPr>
-        <p:blipFill>
-          <a:blip r:embed="rId5"/>
-          <a:stretch>
-            <a:fillRect/>
-          </a:stretch>
-        </p:blipFill>
-        <p:spPr>
-          <a:xfrm rot="16200000">
-            <a:off x="4334944" y="1750426"/>
-            <a:ext cx="6504762" cy="3357143"/>
-          </a:xfrm>
-          <a:prstGeom prst="rect">
-            <a:avLst/>
-          </a:prstGeom>
-        </p:spPr>
-      </p:pic>
-    </p:spTree>
-    <p:extLst>
-      <p:ext uri="{BB962C8B-B14F-4D97-AF65-F5344CB8AC3E}">
-        <p14:creationId xmlns:p14="http://schemas.microsoft.com/office/powerpoint/2010/main" val="1846389568"/>
-      </p:ext>
-    </p:extLst>
-  </p:cSld>
-  <p:clrMapOvr>
-    <a:masterClrMapping/>
-  </p:clrMapOvr>
-</p:sld>
-</file>
-
 <file path=ppt/slides/slide2.xml><?xml version="1.0" encoding="utf-8"?>
 <p:sld xmlns:a="http://schemas.openxmlformats.org/drawingml/2006/main" xmlns:r="http://schemas.openxmlformats.org/officeDocument/2006/relationships" xmlns:p="http://schemas.openxmlformats.org/presentationml/2006/main">
   <p:cSld>
@@ -10429,10 +9461,10 @@
       </p:grpSpPr>
       <p:grpSp>
         <p:nvGrpSpPr>
-          <p:cNvPr id="98" name="Group 97">
+          <p:cNvPr id="102" name="Group 101">
             <a:extLst>
               <a:ext uri="{FF2B5EF4-FFF2-40B4-BE49-F238E27FC236}">
-                <a16:creationId xmlns:a16="http://schemas.microsoft.com/office/drawing/2014/main" id="{FFAC8F91-D419-4EB9-8D35-2F4AB88B5C5D}"/>
+                <a16:creationId xmlns:a16="http://schemas.microsoft.com/office/drawing/2014/main" id="{D1ABF4A1-1475-41B8-894C-3598DFC82CAF}"/>
               </a:ext>
             </a:extLst>
           </p:cNvPr>
@@ -10441,18 +9473,18 @@
         </p:nvGrpSpPr>
         <p:grpSpPr>
           <a:xfrm>
-            <a:off x="831039" y="178733"/>
-            <a:ext cx="11078795" cy="6703330"/>
-            <a:chOff x="686660" y="0"/>
-            <a:chExt cx="11078795" cy="6703330"/>
+            <a:off x="171957" y="178733"/>
+            <a:ext cx="11848086" cy="6703330"/>
+            <a:chOff x="171957" y="178733"/>
+            <a:chExt cx="11848086" cy="6703330"/>
           </a:xfrm>
         </p:grpSpPr>
         <p:grpSp>
           <p:nvGrpSpPr>
-            <p:cNvPr id="74" name="Group 73">
+            <p:cNvPr id="98" name="Group 97">
               <a:extLst>
                 <a:ext uri="{FF2B5EF4-FFF2-40B4-BE49-F238E27FC236}">
-                  <a16:creationId xmlns:a16="http://schemas.microsoft.com/office/drawing/2014/main" id="{39B0F8BF-8AA8-453E-86E7-ADB902C11220}"/>
+                  <a16:creationId xmlns:a16="http://schemas.microsoft.com/office/drawing/2014/main" id="{FFAC8F91-D419-4EB9-8D35-2F4AB88B5C5D}"/>
                 </a:ext>
               </a:extLst>
             </p:cNvPr>
@@ -10461,18 +9493,18 @@
           </p:nvGrpSpPr>
           <p:grpSpPr>
             <a:xfrm>
-              <a:off x="3900628" y="0"/>
-              <a:ext cx="3980056" cy="1783019"/>
-              <a:chOff x="3720155" y="0"/>
-              <a:chExt cx="4751690" cy="2134150"/>
+              <a:off x="831039" y="178733"/>
+              <a:ext cx="11078795" cy="6703330"/>
+              <a:chOff x="686660" y="0"/>
+              <a:chExt cx="11078795" cy="6703330"/>
             </a:xfrm>
           </p:grpSpPr>
           <p:grpSp>
             <p:nvGrpSpPr>
-              <p:cNvPr id="70" name="Group 69">
+              <p:cNvPr id="74" name="Group 73">
                 <a:extLst>
                   <a:ext uri="{FF2B5EF4-FFF2-40B4-BE49-F238E27FC236}">
-                    <a16:creationId xmlns:a16="http://schemas.microsoft.com/office/drawing/2014/main" id="{095BC977-6BAE-4B46-A8C4-E4EC33F95169}"/>
+                    <a16:creationId xmlns:a16="http://schemas.microsoft.com/office/drawing/2014/main" id="{39B0F8BF-8AA8-453E-86E7-ADB902C11220}"/>
                   </a:ext>
                 </a:extLst>
               </p:cNvPr>
@@ -10481,18 +9513,18 @@
             </p:nvGrpSpPr>
             <p:grpSpPr>
               <a:xfrm>
-                <a:off x="3720155" y="0"/>
-                <a:ext cx="4751690" cy="2127501"/>
-                <a:chOff x="4023018" y="1791138"/>
-                <a:chExt cx="4751690" cy="2127501"/>
+                <a:off x="3900628" y="0"/>
+                <a:ext cx="3980056" cy="1783019"/>
+                <a:chOff x="3720155" y="0"/>
+                <a:chExt cx="4751690" cy="2134150"/>
               </a:xfrm>
             </p:grpSpPr>
             <p:grpSp>
               <p:nvGrpSpPr>
-                <p:cNvPr id="6" name="Group 5">
+                <p:cNvPr id="70" name="Group 69">
                   <a:extLst>
                     <a:ext uri="{FF2B5EF4-FFF2-40B4-BE49-F238E27FC236}">
-                      <a16:creationId xmlns:a16="http://schemas.microsoft.com/office/drawing/2014/main" id="{97E32D5D-1387-4FE6-9C55-D2EBD4F2E139}"/>
+                      <a16:creationId xmlns:a16="http://schemas.microsoft.com/office/drawing/2014/main" id="{095BC977-6BAE-4B46-A8C4-E4EC33F95169}"/>
                     </a:ext>
                   </a:extLst>
                 </p:cNvPr>
@@ -10500,19 +9532,195 @@
                 <p:nvPr/>
               </p:nvGrpSpPr>
               <p:grpSpPr>
-                <a:xfrm rot="19193867">
-                  <a:off x="4917484" y="1791138"/>
-                  <a:ext cx="2866551" cy="1533147"/>
-                  <a:chOff x="2669843" y="3819659"/>
-                  <a:chExt cx="2580354" cy="1327949"/>
+                <a:xfrm>
+                  <a:off x="3720155" y="0"/>
+                  <a:ext cx="4751690" cy="2127501"/>
+                  <a:chOff x="4023018" y="1791138"/>
+                  <a:chExt cx="4751690" cy="2127501"/>
                 </a:xfrm>
               </p:grpSpPr>
+              <p:grpSp>
+                <p:nvGrpSpPr>
+                  <p:cNvPr id="6" name="Group 5">
+                    <a:extLst>
+                      <a:ext uri="{FF2B5EF4-FFF2-40B4-BE49-F238E27FC236}">
+                        <a16:creationId xmlns:a16="http://schemas.microsoft.com/office/drawing/2014/main" id="{97E32D5D-1387-4FE6-9C55-D2EBD4F2E139}"/>
+                      </a:ext>
+                    </a:extLst>
+                  </p:cNvPr>
+                  <p:cNvGrpSpPr/>
+                  <p:nvPr/>
+                </p:nvGrpSpPr>
+                <p:grpSpPr>
+                  <a:xfrm rot="19193867">
+                    <a:off x="4917484" y="1791138"/>
+                    <a:ext cx="2866551" cy="1533147"/>
+                    <a:chOff x="2669843" y="3819659"/>
+                    <a:chExt cx="2580354" cy="1327949"/>
+                  </a:xfrm>
+                </p:grpSpPr>
+                <p:sp>
+                  <p:nvSpPr>
+                    <p:cNvPr id="47" name="Isosceles Triangle 46">
+                      <a:extLst>
+                        <a:ext uri="{FF2B5EF4-FFF2-40B4-BE49-F238E27FC236}">
+                          <a16:creationId xmlns:a16="http://schemas.microsoft.com/office/drawing/2014/main" id="{FAE3D185-EA93-44D3-AD42-B5AFB2A1C6C4}"/>
+                        </a:ext>
+                      </a:extLst>
+                    </p:cNvPr>
+                    <p:cNvSpPr/>
+                    <p:nvPr/>
+                  </p:nvSpPr>
+                  <p:spPr>
+                    <a:xfrm rot="2406133">
+                      <a:off x="3358690" y="4240452"/>
+                      <a:ext cx="1891507" cy="907156"/>
+                    </a:xfrm>
+                    <a:prstGeom prst="triangle">
+                      <a:avLst>
+                        <a:gd name="adj" fmla="val 47491"/>
+                      </a:avLst>
+                    </a:prstGeom>
+                    <a:solidFill>
+                      <a:srgbClr val="FF0000"/>
+                    </a:solidFill>
+                    <a:ln w="38100">
+                      <a:solidFill>
+                        <a:schemeClr val="tx1"/>
+                      </a:solidFill>
+                    </a:ln>
+                  </p:spPr>
+                  <p:style>
+                    <a:lnRef idx="2">
+                      <a:schemeClr val="accent1">
+                        <a:shade val="50000"/>
+                      </a:schemeClr>
+                    </a:lnRef>
+                    <a:fillRef idx="1">
+                      <a:schemeClr val="accent1"/>
+                    </a:fillRef>
+                    <a:effectRef idx="0">
+                      <a:schemeClr val="accent1"/>
+                    </a:effectRef>
+                    <a:fontRef idx="minor">
+                      <a:schemeClr val="lt1"/>
+                    </a:fontRef>
+                  </p:style>
+                  <p:txBody>
+                    <a:bodyPr rtlCol="0" anchor="ctr"/>
+                    <a:lstStyle/>
+                    <a:p>
+                      <a:pPr algn="ctr"/>
+                      <a:endParaRPr lang="en-US"/>
+                    </a:p>
+                  </p:txBody>
+                </p:sp>
+                <p:sp>
+                  <p:nvSpPr>
+                    <p:cNvPr id="48" name="Isosceles Triangle 47">
+                      <a:extLst>
+                        <a:ext uri="{FF2B5EF4-FFF2-40B4-BE49-F238E27FC236}">
+                          <a16:creationId xmlns:a16="http://schemas.microsoft.com/office/drawing/2014/main" id="{7FCA5B9D-2708-4BF8-B90F-4ABDA99462A7}"/>
+                        </a:ext>
+                      </a:extLst>
+                    </p:cNvPr>
+                    <p:cNvSpPr/>
+                    <p:nvPr/>
+                  </p:nvSpPr>
+                  <p:spPr>
+                    <a:xfrm rot="2384622">
+                      <a:off x="2669843" y="3819659"/>
+                      <a:ext cx="840079" cy="402438"/>
+                    </a:xfrm>
+                    <a:prstGeom prst="triangle">
+                      <a:avLst>
+                        <a:gd name="adj" fmla="val 51095"/>
+                      </a:avLst>
+                    </a:prstGeom>
+                    <a:solidFill>
+                      <a:srgbClr val="FF0000"/>
+                    </a:solidFill>
+                    <a:ln w="38100">
+                      <a:solidFill>
+                        <a:schemeClr val="tx1"/>
+                      </a:solidFill>
+                    </a:ln>
+                  </p:spPr>
+                  <p:style>
+                    <a:lnRef idx="2">
+                      <a:schemeClr val="accent1">
+                        <a:shade val="50000"/>
+                      </a:schemeClr>
+                    </a:lnRef>
+                    <a:fillRef idx="1">
+                      <a:schemeClr val="accent1"/>
+                    </a:fillRef>
+                    <a:effectRef idx="0">
+                      <a:schemeClr val="accent1"/>
+                    </a:effectRef>
+                    <a:fontRef idx="minor">
+                      <a:schemeClr val="lt1"/>
+                    </a:fontRef>
+                  </p:style>
+                  <p:txBody>
+                    <a:bodyPr rtlCol="0" anchor="ctr"/>
+                    <a:lstStyle/>
+                    <a:p>
+                      <a:pPr algn="ctr"/>
+                      <a:endParaRPr lang="en-US"/>
+                    </a:p>
+                  </p:txBody>
+                </p:sp>
+              </p:grpSp>
+              <p:cxnSp>
+                <p:nvCxnSpPr>
+                  <p:cNvPr id="7" name="Straight Connector 6">
+                    <a:extLst>
+                      <a:ext uri="{FF2B5EF4-FFF2-40B4-BE49-F238E27FC236}">
+                        <a16:creationId xmlns:a16="http://schemas.microsoft.com/office/drawing/2014/main" id="{3E873B09-D358-421C-A14C-0705A7EF88A8}"/>
+                      </a:ext>
+                    </a:extLst>
+                  </p:cNvPr>
+                  <p:cNvCxnSpPr>
+                    <a:cxnSpLocks/>
+                  </p:cNvCxnSpPr>
+                  <p:nvPr/>
+                </p:nvCxnSpPr>
+                <p:spPr>
+                  <a:xfrm flipV="1">
+                    <a:off x="4294573" y="3013117"/>
+                    <a:ext cx="4178369" cy="13103"/>
+                  </a:xfrm>
+                  <a:prstGeom prst="line">
+                    <a:avLst/>
+                  </a:prstGeom>
+                  <a:ln w="38100">
+                    <a:solidFill>
+                      <a:schemeClr val="tx1"/>
+                    </a:solidFill>
+                  </a:ln>
+                </p:spPr>
+                <p:style>
+                  <a:lnRef idx="3">
+                    <a:schemeClr val="dk1"/>
+                  </a:lnRef>
+                  <a:fillRef idx="0">
+                    <a:schemeClr val="dk1"/>
+                  </a:fillRef>
+                  <a:effectRef idx="2">
+                    <a:schemeClr val="dk1"/>
+                  </a:effectRef>
+                  <a:fontRef idx="minor">
+                    <a:schemeClr val="tx1"/>
+                  </a:fontRef>
+                </p:style>
+              </p:cxnSp>
               <p:sp>
                 <p:nvSpPr>
-                  <p:cNvPr id="47" name="Isosceles Triangle 46">
+                  <p:cNvPr id="8" name="Flowchart: Connector 7">
                     <a:extLst>
                       <a:ext uri="{FF2B5EF4-FFF2-40B4-BE49-F238E27FC236}">
-                        <a16:creationId xmlns:a16="http://schemas.microsoft.com/office/drawing/2014/main" id="{FAE3D185-EA93-44D3-AD42-B5AFB2A1C6C4}"/>
+                        <a16:creationId xmlns:a16="http://schemas.microsoft.com/office/drawing/2014/main" id="{F7F74A2C-76DC-4027-AA78-C8EA0CA57D07}"/>
                       </a:ext>
                     </a:extLst>
                   </p:cNvPr>
@@ -10520,23 +9728,16 @@
                   <p:nvPr/>
                 </p:nvSpPr>
                 <p:spPr>
-                  <a:xfrm rot="2406133">
-                    <a:off x="3358690" y="4240452"/>
-                    <a:ext cx="1891507" cy="907156"/>
+                  <a:xfrm>
+                    <a:off x="5681797" y="2951872"/>
+                    <a:ext cx="125714" cy="122488"/>
                   </a:xfrm>
-                  <a:prstGeom prst="triangle">
-                    <a:avLst>
-                      <a:gd name="adj" fmla="val 47491"/>
-                    </a:avLst>
+                  <a:prstGeom prst="flowChartConnector">
+                    <a:avLst/>
                   </a:prstGeom>
                   <a:solidFill>
-                    <a:srgbClr val="FF0000"/>
+                    <a:schemeClr val="accent1"/>
                   </a:solidFill>
-                  <a:ln w="38100">
-                    <a:solidFill>
-                      <a:schemeClr val="tx1"/>
-                    </a:solidFill>
-                  </a:ln>
                 </p:spPr>
                 <p:style>
                   <a:lnRef idx="2">
@@ -10565,10 +9766,10 @@
               </p:sp>
               <p:sp>
                 <p:nvSpPr>
-                  <p:cNvPr id="48" name="Isosceles Triangle 47">
+                  <p:cNvPr id="9" name="Flowchart: Connector 8">
                     <a:extLst>
                       <a:ext uri="{FF2B5EF4-FFF2-40B4-BE49-F238E27FC236}">
-                        <a16:creationId xmlns:a16="http://schemas.microsoft.com/office/drawing/2014/main" id="{7FCA5B9D-2708-4BF8-B90F-4ABDA99462A7}"/>
+                        <a16:creationId xmlns:a16="http://schemas.microsoft.com/office/drawing/2014/main" id="{24C71EFF-501C-4573-BC4B-4ED1FCCFBF8D}"/>
                       </a:ext>
                     </a:extLst>
                   </p:cNvPr>
@@ -10576,23 +9777,16 @@
                   <p:nvPr/>
                 </p:nvSpPr>
                 <p:spPr>
-                  <a:xfrm rot="2384622">
-                    <a:off x="2669843" y="3819659"/>
-                    <a:ext cx="840079" cy="402438"/>
+                  <a:xfrm>
+                    <a:off x="7782933" y="2951871"/>
+                    <a:ext cx="125714" cy="122488"/>
                   </a:xfrm>
-                  <a:prstGeom prst="triangle">
-                    <a:avLst>
-                      <a:gd name="adj" fmla="val 51095"/>
-                    </a:avLst>
+                  <a:prstGeom prst="flowChartConnector">
+                    <a:avLst/>
                   </a:prstGeom>
                   <a:solidFill>
-                    <a:srgbClr val="FF0000"/>
+                    <a:schemeClr val="accent1"/>
                   </a:solidFill>
-                  <a:ln w="38100">
-                    <a:solidFill>
-                      <a:schemeClr val="tx1"/>
-                    </a:solidFill>
-                  </a:ln>
                 </p:spPr>
                 <p:style>
                   <a:lnRef idx="2">
@@ -10619,56 +9813,877 @@
                   </a:p>
                 </p:txBody>
               </p:sp>
+              <p:sp>
+                <p:nvSpPr>
+                  <p:cNvPr id="10" name="Flowchart: Connector 9">
+                    <a:extLst>
+                      <a:ext uri="{FF2B5EF4-FFF2-40B4-BE49-F238E27FC236}">
+                        <a16:creationId xmlns:a16="http://schemas.microsoft.com/office/drawing/2014/main" id="{583D71CB-9A6A-45D7-9E8A-39139C1F47C4}"/>
+                      </a:ext>
+                    </a:extLst>
+                  </p:cNvPr>
+                  <p:cNvSpPr/>
+                  <p:nvPr/>
+                </p:nvSpPr>
+                <p:spPr>
+                  <a:xfrm>
+                    <a:off x="4747509" y="2958424"/>
+                    <a:ext cx="125714" cy="122488"/>
+                  </a:xfrm>
+                  <a:prstGeom prst="flowChartConnector">
+                    <a:avLst/>
+                  </a:prstGeom>
+                  <a:solidFill>
+                    <a:schemeClr val="accent1"/>
+                  </a:solidFill>
+                </p:spPr>
+                <p:style>
+                  <a:lnRef idx="2">
+                    <a:schemeClr val="accent1">
+                      <a:shade val="50000"/>
+                    </a:schemeClr>
+                  </a:lnRef>
+                  <a:fillRef idx="1">
+                    <a:schemeClr val="accent1"/>
+                  </a:fillRef>
+                  <a:effectRef idx="0">
+                    <a:schemeClr val="accent1"/>
+                  </a:effectRef>
+                  <a:fontRef idx="minor">
+                    <a:schemeClr val="lt1"/>
+                  </a:fontRef>
+                </p:style>
+                <p:txBody>
+                  <a:bodyPr rtlCol="0" anchor="ctr"/>
+                  <a:lstStyle/>
+                  <a:p>
+                    <a:pPr algn="ctr"/>
+                    <a:endParaRPr lang="en-US"/>
+                  </a:p>
+                </p:txBody>
+              </p:sp>
+              <p:cxnSp>
+                <p:nvCxnSpPr>
+                  <p:cNvPr id="16" name="Straight Connector 15">
+                    <a:extLst>
+                      <a:ext uri="{FF2B5EF4-FFF2-40B4-BE49-F238E27FC236}">
+                        <a16:creationId xmlns:a16="http://schemas.microsoft.com/office/drawing/2014/main" id="{15A53D3A-88BF-4814-8389-4393511FBB12}"/>
+                      </a:ext>
+                    </a:extLst>
+                  </p:cNvPr>
+                  <p:cNvCxnSpPr>
+                    <a:cxnSpLocks/>
+                  </p:cNvCxnSpPr>
+                  <p:nvPr/>
+                </p:nvCxnSpPr>
+                <p:spPr>
+                  <a:xfrm>
+                    <a:off x="4613513" y="2756048"/>
+                    <a:ext cx="0" cy="1162591"/>
+                  </a:xfrm>
+                  <a:prstGeom prst="line">
+                    <a:avLst/>
+                  </a:prstGeom>
+                  <a:ln w="28575">
+                    <a:prstDash val="sysDash"/>
+                  </a:ln>
+                </p:spPr>
+                <p:style>
+                  <a:lnRef idx="1">
+                    <a:schemeClr val="accent1"/>
+                  </a:lnRef>
+                  <a:fillRef idx="0">
+                    <a:schemeClr val="accent1"/>
+                  </a:fillRef>
+                  <a:effectRef idx="0">
+                    <a:schemeClr val="accent1"/>
+                  </a:effectRef>
+                  <a:fontRef idx="minor">
+                    <a:schemeClr val="tx1"/>
+                  </a:fontRef>
+                </p:style>
+              </p:cxnSp>
+              <p:cxnSp>
+                <p:nvCxnSpPr>
+                  <p:cNvPr id="20" name="Straight Connector 19">
+                    <a:extLst>
+                      <a:ext uri="{FF2B5EF4-FFF2-40B4-BE49-F238E27FC236}">
+                        <a16:creationId xmlns:a16="http://schemas.microsoft.com/office/drawing/2014/main" id="{52380164-9D23-4A39-9380-526294B6AC74}"/>
+                      </a:ext>
+                    </a:extLst>
+                  </p:cNvPr>
+                  <p:cNvCxnSpPr>
+                    <a:cxnSpLocks/>
+                  </p:cNvCxnSpPr>
+                  <p:nvPr/>
+                </p:nvCxnSpPr>
+                <p:spPr>
+                  <a:xfrm>
+                    <a:off x="8030460" y="2756048"/>
+                    <a:ext cx="0" cy="1162591"/>
+                  </a:xfrm>
+                  <a:prstGeom prst="line">
+                    <a:avLst/>
+                  </a:prstGeom>
+                  <a:ln w="28575">
+                    <a:prstDash val="sysDash"/>
+                  </a:ln>
+                </p:spPr>
+                <p:style>
+                  <a:lnRef idx="1">
+                    <a:schemeClr val="accent1"/>
+                  </a:lnRef>
+                  <a:fillRef idx="0">
+                    <a:schemeClr val="accent1"/>
+                  </a:fillRef>
+                  <a:effectRef idx="0">
+                    <a:schemeClr val="accent1"/>
+                  </a:effectRef>
+                  <a:fontRef idx="minor">
+                    <a:schemeClr val="tx1"/>
+                  </a:fontRef>
+                </p:style>
+              </p:cxnSp>
+              <p:grpSp>
+                <p:nvGrpSpPr>
+                  <p:cNvPr id="67" name="Group 66">
+                    <a:extLst>
+                      <a:ext uri="{FF2B5EF4-FFF2-40B4-BE49-F238E27FC236}">
+                        <a16:creationId xmlns:a16="http://schemas.microsoft.com/office/drawing/2014/main" id="{BA01EF4F-B1F4-4477-B04C-68ECB0870A9C}"/>
+                      </a:ext>
+                    </a:extLst>
+                  </p:cNvPr>
+                  <p:cNvGrpSpPr/>
+                  <p:nvPr/>
+                </p:nvGrpSpPr>
+                <p:grpSpPr>
+                  <a:xfrm>
+                    <a:off x="5091447" y="2756048"/>
+                    <a:ext cx="2523901" cy="1162591"/>
+                    <a:chOff x="5091446" y="2756048"/>
+                    <a:chExt cx="2454794" cy="2009598"/>
+                  </a:xfrm>
+                </p:grpSpPr>
+                <p:cxnSp>
+                  <p:nvCxnSpPr>
+                    <p:cNvPr id="17" name="Straight Connector 16">
+                      <a:extLst>
+                        <a:ext uri="{FF2B5EF4-FFF2-40B4-BE49-F238E27FC236}">
+                          <a16:creationId xmlns:a16="http://schemas.microsoft.com/office/drawing/2014/main" id="{252B65CE-F9B0-4434-BADE-EDEC8E8F9CF4}"/>
+                        </a:ext>
+                      </a:extLst>
+                    </p:cNvPr>
+                    <p:cNvCxnSpPr>
+                      <a:cxnSpLocks/>
+                    </p:cNvCxnSpPr>
+                    <p:nvPr/>
+                  </p:nvCxnSpPr>
+                  <p:spPr>
+                    <a:xfrm flipH="1">
+                      <a:off x="6798558" y="2756048"/>
+                      <a:ext cx="8932" cy="2009598"/>
+                    </a:xfrm>
+                    <a:prstGeom prst="line">
+                      <a:avLst/>
+                    </a:prstGeom>
+                    <a:ln w="28575">
+                      <a:prstDash val="sysDash"/>
+                    </a:ln>
+                  </p:spPr>
+                  <p:style>
+                    <a:lnRef idx="1">
+                      <a:schemeClr val="accent1"/>
+                    </a:lnRef>
+                    <a:fillRef idx="0">
+                      <a:schemeClr val="accent1"/>
+                    </a:fillRef>
+                    <a:effectRef idx="0">
+                      <a:schemeClr val="accent1"/>
+                    </a:effectRef>
+                    <a:fontRef idx="minor">
+                      <a:schemeClr val="tx1"/>
+                    </a:fontRef>
+                  </p:style>
+                </p:cxnSp>
+                <p:cxnSp>
+                  <p:nvCxnSpPr>
+                    <p:cNvPr id="18" name="Straight Connector 17">
+                      <a:extLst>
+                        <a:ext uri="{FF2B5EF4-FFF2-40B4-BE49-F238E27FC236}">
+                          <a16:creationId xmlns:a16="http://schemas.microsoft.com/office/drawing/2014/main" id="{DB3924DD-FF9B-4742-9973-DA0D18CB7923}"/>
+                        </a:ext>
+                      </a:extLst>
+                    </p:cNvPr>
+                    <p:cNvCxnSpPr>
+                      <a:cxnSpLocks/>
+                    </p:cNvCxnSpPr>
+                    <p:nvPr/>
+                  </p:nvCxnSpPr>
+                  <p:spPr>
+                    <a:xfrm>
+                      <a:off x="7171845" y="2756048"/>
+                      <a:ext cx="0" cy="2009598"/>
+                    </a:xfrm>
+                    <a:prstGeom prst="line">
+                      <a:avLst/>
+                    </a:prstGeom>
+                    <a:ln w="28575">
+                      <a:prstDash val="sysDash"/>
+                    </a:ln>
+                  </p:spPr>
+                  <p:style>
+                    <a:lnRef idx="1">
+                      <a:schemeClr val="accent1"/>
+                    </a:lnRef>
+                    <a:fillRef idx="0">
+                      <a:schemeClr val="accent1"/>
+                    </a:fillRef>
+                    <a:effectRef idx="0">
+                      <a:schemeClr val="accent1"/>
+                    </a:effectRef>
+                    <a:fontRef idx="minor">
+                      <a:schemeClr val="tx1"/>
+                    </a:fontRef>
+                  </p:style>
+                </p:cxnSp>
+                <p:cxnSp>
+                  <p:nvCxnSpPr>
+                    <p:cNvPr id="19" name="Straight Connector 18">
+                      <a:extLst>
+                        <a:ext uri="{FF2B5EF4-FFF2-40B4-BE49-F238E27FC236}">
+                          <a16:creationId xmlns:a16="http://schemas.microsoft.com/office/drawing/2014/main" id="{EBEFD168-A3A9-4732-A759-8AFA1E5CD8BC}"/>
+                        </a:ext>
+                      </a:extLst>
+                    </p:cNvPr>
+                    <p:cNvCxnSpPr>
+                      <a:cxnSpLocks/>
+                    </p:cNvCxnSpPr>
+                    <p:nvPr/>
+                  </p:nvCxnSpPr>
+                  <p:spPr>
+                    <a:xfrm>
+                      <a:off x="7546240" y="2756048"/>
+                      <a:ext cx="0" cy="2009598"/>
+                    </a:xfrm>
+                    <a:prstGeom prst="line">
+                      <a:avLst/>
+                    </a:prstGeom>
+                    <a:ln w="28575">
+                      <a:prstDash val="sysDash"/>
+                    </a:ln>
+                  </p:spPr>
+                  <p:style>
+                    <a:lnRef idx="1">
+                      <a:schemeClr val="accent1"/>
+                    </a:lnRef>
+                    <a:fillRef idx="0">
+                      <a:schemeClr val="accent1"/>
+                    </a:fillRef>
+                    <a:effectRef idx="0">
+                      <a:schemeClr val="accent1"/>
+                    </a:effectRef>
+                    <a:fontRef idx="minor">
+                      <a:schemeClr val="tx1"/>
+                    </a:fontRef>
+                  </p:style>
+                </p:cxnSp>
+                <p:cxnSp>
+                  <p:nvCxnSpPr>
+                    <p:cNvPr id="21" name="Straight Connector 20">
+                      <a:extLst>
+                        <a:ext uri="{FF2B5EF4-FFF2-40B4-BE49-F238E27FC236}">
+                          <a16:creationId xmlns:a16="http://schemas.microsoft.com/office/drawing/2014/main" id="{0E9D979C-26AB-4260-9AE5-2237764B2DE4}"/>
+                        </a:ext>
+                      </a:extLst>
+                    </p:cNvPr>
+                    <p:cNvCxnSpPr>
+                      <a:cxnSpLocks/>
+                    </p:cNvCxnSpPr>
+                    <p:nvPr/>
+                  </p:nvCxnSpPr>
+                  <p:spPr>
+                    <a:xfrm>
+                      <a:off x="5091446" y="2756048"/>
+                      <a:ext cx="0" cy="2009598"/>
+                    </a:xfrm>
+                    <a:prstGeom prst="line">
+                      <a:avLst/>
+                    </a:prstGeom>
+                    <a:ln w="28575">
+                      <a:prstDash val="sysDash"/>
+                    </a:ln>
+                  </p:spPr>
+                  <p:style>
+                    <a:lnRef idx="1">
+                      <a:schemeClr val="accent1"/>
+                    </a:lnRef>
+                    <a:fillRef idx="0">
+                      <a:schemeClr val="accent1"/>
+                    </a:fillRef>
+                    <a:effectRef idx="0">
+                      <a:schemeClr val="accent1"/>
+                    </a:effectRef>
+                    <a:fontRef idx="minor">
+                      <a:schemeClr val="tx1"/>
+                    </a:fontRef>
+                  </p:style>
+                </p:cxnSp>
+                <p:cxnSp>
+                  <p:nvCxnSpPr>
+                    <p:cNvPr id="22" name="Straight Connector 21">
+                      <a:extLst>
+                        <a:ext uri="{FF2B5EF4-FFF2-40B4-BE49-F238E27FC236}">
+                          <a16:creationId xmlns:a16="http://schemas.microsoft.com/office/drawing/2014/main" id="{C55396D0-AC65-4EEE-8F4B-F6711BFC2EC0}"/>
+                        </a:ext>
+                      </a:extLst>
+                    </p:cNvPr>
+                    <p:cNvCxnSpPr>
+                      <a:cxnSpLocks/>
+                    </p:cNvCxnSpPr>
+                    <p:nvPr/>
+                  </p:nvCxnSpPr>
+                  <p:spPr>
+                    <a:xfrm>
+                      <a:off x="5497132" y="2756048"/>
+                      <a:ext cx="0" cy="2009598"/>
+                    </a:xfrm>
+                    <a:prstGeom prst="line">
+                      <a:avLst/>
+                    </a:prstGeom>
+                    <a:ln w="28575">
+                      <a:prstDash val="sysDash"/>
+                    </a:ln>
+                  </p:spPr>
+                  <p:style>
+                    <a:lnRef idx="1">
+                      <a:schemeClr val="accent1"/>
+                    </a:lnRef>
+                    <a:fillRef idx="0">
+                      <a:schemeClr val="accent1"/>
+                    </a:fillRef>
+                    <a:effectRef idx="0">
+                      <a:schemeClr val="accent1"/>
+                    </a:effectRef>
+                    <a:fontRef idx="minor">
+                      <a:schemeClr val="tx1"/>
+                    </a:fontRef>
+                  </p:style>
+                </p:cxnSp>
+                <p:cxnSp>
+                  <p:nvCxnSpPr>
+                    <p:cNvPr id="23" name="Straight Connector 22">
+                      <a:extLst>
+                        <a:ext uri="{FF2B5EF4-FFF2-40B4-BE49-F238E27FC236}">
+                          <a16:creationId xmlns:a16="http://schemas.microsoft.com/office/drawing/2014/main" id="{16EE4B63-7FD0-4B77-919B-5FE40E711E90}"/>
+                        </a:ext>
+                      </a:extLst>
+                    </p:cNvPr>
+                    <p:cNvCxnSpPr>
+                      <a:cxnSpLocks/>
+                    </p:cNvCxnSpPr>
+                    <p:nvPr/>
+                  </p:nvCxnSpPr>
+                  <p:spPr>
+                    <a:xfrm>
+                      <a:off x="5996271" y="2756048"/>
+                      <a:ext cx="0" cy="2009598"/>
+                    </a:xfrm>
+                    <a:prstGeom prst="line">
+                      <a:avLst/>
+                    </a:prstGeom>
+                    <a:ln w="28575">
+                      <a:prstDash val="sysDash"/>
+                    </a:ln>
+                  </p:spPr>
+                  <p:style>
+                    <a:lnRef idx="1">
+                      <a:schemeClr val="accent1"/>
+                    </a:lnRef>
+                    <a:fillRef idx="0">
+                      <a:schemeClr val="accent1"/>
+                    </a:fillRef>
+                    <a:effectRef idx="0">
+                      <a:schemeClr val="accent1"/>
+                    </a:effectRef>
+                    <a:fontRef idx="minor">
+                      <a:schemeClr val="tx1"/>
+                    </a:fontRef>
+                  </p:style>
+                </p:cxnSp>
+                <p:cxnSp>
+                  <p:nvCxnSpPr>
+                    <p:cNvPr id="24" name="Straight Connector 23">
+                      <a:extLst>
+                        <a:ext uri="{FF2B5EF4-FFF2-40B4-BE49-F238E27FC236}">
+                          <a16:creationId xmlns:a16="http://schemas.microsoft.com/office/drawing/2014/main" id="{FE662D0B-D256-40AE-B53C-F5DF8CA44FF9}"/>
+                        </a:ext>
+                      </a:extLst>
+                    </p:cNvPr>
+                    <p:cNvCxnSpPr>
+                      <a:cxnSpLocks/>
+                    </p:cNvCxnSpPr>
+                    <p:nvPr/>
+                  </p:nvCxnSpPr>
+                  <p:spPr>
+                    <a:xfrm flipH="1">
+                      <a:off x="6383758" y="2756048"/>
+                      <a:ext cx="5832" cy="2009598"/>
+                    </a:xfrm>
+                    <a:prstGeom prst="line">
+                      <a:avLst/>
+                    </a:prstGeom>
+                    <a:ln w="28575">
+                      <a:prstDash val="sysDash"/>
+                    </a:ln>
+                  </p:spPr>
+                  <p:style>
+                    <a:lnRef idx="1">
+                      <a:schemeClr val="accent1"/>
+                    </a:lnRef>
+                    <a:fillRef idx="0">
+                      <a:schemeClr val="accent1"/>
+                    </a:fillRef>
+                    <a:effectRef idx="0">
+                      <a:schemeClr val="accent1"/>
+                    </a:effectRef>
+                    <a:fontRef idx="minor">
+                      <a:schemeClr val="tx1"/>
+                    </a:fontRef>
+                  </p:style>
+                </p:cxnSp>
+              </p:grpSp>
+              <p:cxnSp>
+                <p:nvCxnSpPr>
+                  <p:cNvPr id="25" name="Straight Connector 24">
+                    <a:extLst>
+                      <a:ext uri="{FF2B5EF4-FFF2-40B4-BE49-F238E27FC236}">
+                        <a16:creationId xmlns:a16="http://schemas.microsoft.com/office/drawing/2014/main" id="{275F50C6-8CBD-47CC-BE1E-414094F2DA6E}"/>
+                      </a:ext>
+                    </a:extLst>
+                  </p:cNvPr>
+                  <p:cNvCxnSpPr>
+                    <a:cxnSpLocks/>
+                  </p:cNvCxnSpPr>
+                  <p:nvPr/>
+                </p:nvCxnSpPr>
+                <p:spPr>
+                  <a:xfrm flipH="1">
+                    <a:off x="4023018" y="3036583"/>
+                    <a:ext cx="418532" cy="0"/>
+                  </a:xfrm>
+                  <a:prstGeom prst="line">
+                    <a:avLst/>
+                  </a:prstGeom>
+                  <a:ln w="38100">
+                    <a:solidFill>
+                      <a:schemeClr val="tx1"/>
+                    </a:solidFill>
+                    <a:prstDash val="sysDot"/>
+                  </a:ln>
+                </p:spPr>
+                <p:style>
+                  <a:lnRef idx="1">
+                    <a:schemeClr val="accent1"/>
+                  </a:lnRef>
+                  <a:fillRef idx="0">
+                    <a:schemeClr val="accent1"/>
+                  </a:fillRef>
+                  <a:effectRef idx="0">
+                    <a:schemeClr val="accent1"/>
+                  </a:effectRef>
+                  <a:fontRef idx="minor">
+                    <a:schemeClr val="tx1"/>
+                  </a:fontRef>
+                </p:style>
+              </p:cxnSp>
+              <p:cxnSp>
+                <p:nvCxnSpPr>
+                  <p:cNvPr id="26" name="Straight Connector 25">
+                    <a:extLst>
+                      <a:ext uri="{FF2B5EF4-FFF2-40B4-BE49-F238E27FC236}">
+                        <a16:creationId xmlns:a16="http://schemas.microsoft.com/office/drawing/2014/main" id="{BE8F85BD-3F5B-4BF2-B586-56F10832070E}"/>
+                      </a:ext>
+                    </a:extLst>
+                  </p:cNvPr>
+                  <p:cNvCxnSpPr>
+                    <a:cxnSpLocks/>
+                  </p:cNvCxnSpPr>
+                  <p:nvPr/>
+                </p:nvCxnSpPr>
+                <p:spPr>
+                  <a:xfrm flipH="1">
+                    <a:off x="8356176" y="3013116"/>
+                    <a:ext cx="418532" cy="0"/>
+                  </a:xfrm>
+                  <a:prstGeom prst="line">
+                    <a:avLst/>
+                  </a:prstGeom>
+                  <a:ln w="38100">
+                    <a:solidFill>
+                      <a:schemeClr val="tx1"/>
+                    </a:solidFill>
+                    <a:prstDash val="sysDot"/>
+                  </a:ln>
+                </p:spPr>
+                <p:style>
+                  <a:lnRef idx="1">
+                    <a:schemeClr val="accent1"/>
+                  </a:lnRef>
+                  <a:fillRef idx="0">
+                    <a:schemeClr val="accent1"/>
+                  </a:fillRef>
+                  <a:effectRef idx="0">
+                    <a:schemeClr val="accent1"/>
+                  </a:effectRef>
+                  <a:fontRef idx="minor">
+                    <a:schemeClr val="tx1"/>
+                  </a:fontRef>
+                </p:style>
+              </p:cxnSp>
+              <p:sp>
+                <p:nvSpPr>
+                  <p:cNvPr id="27" name="Rectangle 26">
+                    <a:extLst>
+                      <a:ext uri="{FF2B5EF4-FFF2-40B4-BE49-F238E27FC236}">
+                        <a16:creationId xmlns:a16="http://schemas.microsoft.com/office/drawing/2014/main" id="{9C438F6A-05C8-4D9D-9F4C-C5758AF84F03}"/>
+                      </a:ext>
+                    </a:extLst>
+                  </p:cNvPr>
+                  <p:cNvSpPr/>
+                  <p:nvPr/>
+                </p:nvSpPr>
+                <p:spPr>
+                  <a:xfrm>
+                    <a:off x="5681719" y="3391401"/>
+                    <a:ext cx="202893" cy="55504"/>
+                  </a:xfrm>
+                  <a:prstGeom prst="rect">
+                    <a:avLst/>
+                  </a:prstGeom>
+                  <a:solidFill>
+                    <a:schemeClr val="accent6"/>
+                  </a:solidFill>
+                </p:spPr>
+                <p:style>
+                  <a:lnRef idx="2">
+                    <a:schemeClr val="accent1">
+                      <a:shade val="50000"/>
+                    </a:schemeClr>
+                  </a:lnRef>
+                  <a:fillRef idx="1">
+                    <a:schemeClr val="accent1"/>
+                  </a:fillRef>
+                  <a:effectRef idx="0">
+                    <a:schemeClr val="accent1"/>
+                  </a:effectRef>
+                  <a:fontRef idx="minor">
+                    <a:schemeClr val="lt1"/>
+                  </a:fontRef>
+                </p:style>
+                <p:txBody>
+                  <a:bodyPr rtlCol="0" anchor="ctr"/>
+                  <a:lstStyle/>
+                  <a:p>
+                    <a:pPr algn="ctr"/>
+                    <a:endParaRPr lang="en-US"/>
+                  </a:p>
+                </p:txBody>
+              </p:sp>
+              <p:sp>
+                <p:nvSpPr>
+                  <p:cNvPr id="28" name="Rectangle 27">
+                    <a:extLst>
+                      <a:ext uri="{FF2B5EF4-FFF2-40B4-BE49-F238E27FC236}">
+                        <a16:creationId xmlns:a16="http://schemas.microsoft.com/office/drawing/2014/main" id="{B80535F3-7F79-4792-A5A5-EE492071A823}"/>
+                      </a:ext>
+                    </a:extLst>
+                  </p:cNvPr>
+                  <p:cNvSpPr/>
+                  <p:nvPr/>
+                </p:nvSpPr>
+                <p:spPr>
+                  <a:xfrm flipV="1">
+                    <a:off x="5915033" y="3477289"/>
+                    <a:ext cx="201324" cy="61405"/>
+                  </a:xfrm>
+                  <a:prstGeom prst="rect">
+                    <a:avLst/>
+                  </a:prstGeom>
+                  <a:solidFill>
+                    <a:schemeClr val="accent6"/>
+                  </a:solidFill>
+                </p:spPr>
+                <p:style>
+                  <a:lnRef idx="2">
+                    <a:schemeClr val="accent1">
+                      <a:shade val="50000"/>
+                    </a:schemeClr>
+                  </a:lnRef>
+                  <a:fillRef idx="1">
+                    <a:schemeClr val="accent1"/>
+                  </a:fillRef>
+                  <a:effectRef idx="0">
+                    <a:schemeClr val="accent1"/>
+                  </a:effectRef>
+                  <a:fontRef idx="minor">
+                    <a:schemeClr val="lt1"/>
+                  </a:fontRef>
+                </p:style>
+                <p:txBody>
+                  <a:bodyPr rtlCol="0" anchor="ctr"/>
+                  <a:lstStyle/>
+                  <a:p>
+                    <a:pPr algn="ctr"/>
+                    <a:endParaRPr lang="en-US" dirty="0"/>
+                  </a:p>
+                </p:txBody>
+              </p:sp>
+              <p:sp>
+                <p:nvSpPr>
+                  <p:cNvPr id="29" name="Rectangle 28">
+                    <a:extLst>
+                      <a:ext uri="{FF2B5EF4-FFF2-40B4-BE49-F238E27FC236}">
+                        <a16:creationId xmlns:a16="http://schemas.microsoft.com/office/drawing/2014/main" id="{5B5CBA7A-E310-430B-AE7E-F2C8F403CADD}"/>
+                      </a:ext>
+                    </a:extLst>
+                  </p:cNvPr>
+                  <p:cNvSpPr/>
+                  <p:nvPr/>
+                </p:nvSpPr>
+                <p:spPr>
+                  <a:xfrm flipV="1">
+                    <a:off x="5422653" y="3315386"/>
+                    <a:ext cx="220379" cy="60727"/>
+                  </a:xfrm>
+                  <a:prstGeom prst="rect">
+                    <a:avLst/>
+                  </a:prstGeom>
+                  <a:solidFill>
+                    <a:schemeClr val="accent6"/>
+                  </a:solidFill>
+                </p:spPr>
+                <p:style>
+                  <a:lnRef idx="2">
+                    <a:schemeClr val="accent1">
+                      <a:shade val="50000"/>
+                    </a:schemeClr>
+                  </a:lnRef>
+                  <a:fillRef idx="1">
+                    <a:schemeClr val="accent1"/>
+                  </a:fillRef>
+                  <a:effectRef idx="0">
+                    <a:schemeClr val="accent1"/>
+                  </a:effectRef>
+                  <a:fontRef idx="minor">
+                    <a:schemeClr val="lt1"/>
+                  </a:fontRef>
+                </p:style>
+                <p:txBody>
+                  <a:bodyPr rtlCol="0" anchor="ctr"/>
+                  <a:lstStyle/>
+                  <a:p>
+                    <a:pPr algn="ctr"/>
+                    <a:endParaRPr lang="en-US" dirty="0"/>
+                  </a:p>
+                </p:txBody>
+              </p:sp>
+              <p:sp>
+                <p:nvSpPr>
+                  <p:cNvPr id="30" name="Rectangle 29">
+                    <a:extLst>
+                      <a:ext uri="{FF2B5EF4-FFF2-40B4-BE49-F238E27FC236}">
+                        <a16:creationId xmlns:a16="http://schemas.microsoft.com/office/drawing/2014/main" id="{E891DE40-C2A9-48B0-8BA5-999FA4374704}"/>
+                      </a:ext>
+                    </a:extLst>
+                  </p:cNvPr>
+                  <p:cNvSpPr/>
+                  <p:nvPr/>
+                </p:nvSpPr>
+                <p:spPr>
+                  <a:xfrm flipV="1">
+                    <a:off x="6945694" y="3315386"/>
+                    <a:ext cx="379029" cy="55950"/>
+                  </a:xfrm>
+                  <a:prstGeom prst="rect">
+                    <a:avLst/>
+                  </a:prstGeom>
+                  <a:solidFill>
+                    <a:schemeClr val="accent6"/>
+                  </a:solidFill>
+                </p:spPr>
+                <p:style>
+                  <a:lnRef idx="2">
+                    <a:schemeClr val="accent1">
+                      <a:shade val="50000"/>
+                    </a:schemeClr>
+                  </a:lnRef>
+                  <a:fillRef idx="1">
+                    <a:schemeClr val="accent1"/>
+                  </a:fillRef>
+                  <a:effectRef idx="0">
+                    <a:schemeClr val="accent1"/>
+                  </a:effectRef>
+                  <a:fontRef idx="minor">
+                    <a:schemeClr val="lt1"/>
+                  </a:fontRef>
+                </p:style>
+                <p:txBody>
+                  <a:bodyPr rtlCol="0" anchor="ctr"/>
+                  <a:lstStyle/>
+                  <a:p>
+                    <a:pPr algn="ctr"/>
+                    <a:endParaRPr lang="en-US" dirty="0"/>
+                  </a:p>
+                </p:txBody>
+              </p:sp>
+              <p:sp>
+                <p:nvSpPr>
+                  <p:cNvPr id="31" name="Rectangle 30">
+                    <a:extLst>
+                      <a:ext uri="{FF2B5EF4-FFF2-40B4-BE49-F238E27FC236}">
+                        <a16:creationId xmlns:a16="http://schemas.microsoft.com/office/drawing/2014/main" id="{4E177251-707C-4636-A1D6-3A0BF969A7E3}"/>
+                      </a:ext>
+                    </a:extLst>
+                  </p:cNvPr>
+                  <p:cNvSpPr/>
+                  <p:nvPr/>
+                </p:nvSpPr>
+                <p:spPr>
+                  <a:xfrm>
+                    <a:off x="7615347" y="3315387"/>
+                    <a:ext cx="185617" cy="55950"/>
+                  </a:xfrm>
+                  <a:prstGeom prst="rect">
+                    <a:avLst/>
+                  </a:prstGeom>
+                  <a:solidFill>
+                    <a:schemeClr val="accent6"/>
+                  </a:solidFill>
+                </p:spPr>
+                <p:style>
+                  <a:lnRef idx="2">
+                    <a:schemeClr val="accent1">
+                      <a:shade val="50000"/>
+                    </a:schemeClr>
+                  </a:lnRef>
+                  <a:fillRef idx="1">
+                    <a:schemeClr val="accent1"/>
+                  </a:fillRef>
+                  <a:effectRef idx="0">
+                    <a:schemeClr val="accent1"/>
+                  </a:effectRef>
+                  <a:fontRef idx="minor">
+                    <a:schemeClr val="lt1"/>
+                  </a:fontRef>
+                </p:style>
+                <p:txBody>
+                  <a:bodyPr rtlCol="0" anchor="ctr"/>
+                  <a:lstStyle/>
+                  <a:p>
+                    <a:pPr algn="ctr"/>
+                    <a:endParaRPr lang="en-US"/>
+                  </a:p>
+                </p:txBody>
+              </p:sp>
+              <p:sp>
+                <p:nvSpPr>
+                  <p:cNvPr id="32" name="Rectangle 31">
+                    <a:extLst>
+                      <a:ext uri="{FF2B5EF4-FFF2-40B4-BE49-F238E27FC236}">
+                        <a16:creationId xmlns:a16="http://schemas.microsoft.com/office/drawing/2014/main" id="{52E1E5BB-CDBB-4263-BDAD-0C686901CD48}"/>
+                      </a:ext>
+                    </a:extLst>
+                  </p:cNvPr>
+                  <p:cNvSpPr/>
+                  <p:nvPr/>
+                </p:nvSpPr>
+                <p:spPr>
+                  <a:xfrm>
+                    <a:off x="7858371" y="3391400"/>
+                    <a:ext cx="125714" cy="57553"/>
+                  </a:xfrm>
+                  <a:prstGeom prst="rect">
+                    <a:avLst/>
+                  </a:prstGeom>
+                  <a:solidFill>
+                    <a:schemeClr val="accent6"/>
+                  </a:solidFill>
+                </p:spPr>
+                <p:style>
+                  <a:lnRef idx="2">
+                    <a:schemeClr val="accent1">
+                      <a:shade val="50000"/>
+                    </a:schemeClr>
+                  </a:lnRef>
+                  <a:fillRef idx="1">
+                    <a:schemeClr val="accent1"/>
+                  </a:fillRef>
+                  <a:effectRef idx="0">
+                    <a:schemeClr val="accent1"/>
+                  </a:effectRef>
+                  <a:fontRef idx="minor">
+                    <a:schemeClr val="lt1"/>
+                  </a:fontRef>
+                </p:style>
+                <p:txBody>
+                  <a:bodyPr rtlCol="0" anchor="ctr"/>
+                  <a:lstStyle/>
+                  <a:p>
+                    <a:pPr algn="ctr"/>
+                    <a:endParaRPr lang="en-US"/>
+                  </a:p>
+                </p:txBody>
+              </p:sp>
+              <p:cxnSp>
+                <p:nvCxnSpPr>
+                  <p:cNvPr id="33" name="Straight Connector 32">
+                    <a:extLst>
+                      <a:ext uri="{FF2B5EF4-FFF2-40B4-BE49-F238E27FC236}">
+                        <a16:creationId xmlns:a16="http://schemas.microsoft.com/office/drawing/2014/main" id="{450A7A70-E1FF-4199-8E2C-0B1C777EF763}"/>
+                      </a:ext>
+                    </a:extLst>
+                  </p:cNvPr>
+                  <p:cNvCxnSpPr>
+                    <a:cxnSpLocks/>
+                  </p:cNvCxnSpPr>
+                  <p:nvPr/>
+                </p:nvCxnSpPr>
+                <p:spPr>
+                  <a:xfrm flipV="1">
+                    <a:off x="4294573" y="3905536"/>
+                    <a:ext cx="4178369" cy="13103"/>
+                  </a:xfrm>
+                  <a:prstGeom prst="line">
+                    <a:avLst/>
+                  </a:prstGeom>
+                  <a:ln w="38100">
+                    <a:solidFill>
+                      <a:schemeClr val="tx1"/>
+                    </a:solidFill>
+                  </a:ln>
+                </p:spPr>
+                <p:style>
+                  <a:lnRef idx="3">
+                    <a:schemeClr val="dk1"/>
+                  </a:lnRef>
+                  <a:fillRef idx="0">
+                    <a:schemeClr val="dk1"/>
+                  </a:fillRef>
+                  <a:effectRef idx="2">
+                    <a:schemeClr val="dk1"/>
+                  </a:effectRef>
+                  <a:fontRef idx="minor">
+                    <a:schemeClr val="tx1"/>
+                  </a:fontRef>
+                </p:style>
+              </p:cxnSp>
             </p:grpSp>
-            <p:cxnSp>
-              <p:nvCxnSpPr>
-                <p:cNvPr id="7" name="Straight Connector 6">
+            <p:sp>
+              <p:nvSpPr>
+                <p:cNvPr id="71" name="Rectangle 70">
                   <a:extLst>
                     <a:ext uri="{FF2B5EF4-FFF2-40B4-BE49-F238E27FC236}">
-                      <a16:creationId xmlns:a16="http://schemas.microsoft.com/office/drawing/2014/main" id="{3E873B09-D358-421C-A14C-0705A7EF88A8}"/>
-                    </a:ext>
-                  </a:extLst>
-                </p:cNvPr>
-                <p:cNvCxnSpPr>
-                  <a:cxnSpLocks/>
-                </p:cNvCxnSpPr>
-                <p:nvPr/>
-              </p:nvCxnSpPr>
-              <p:spPr>
-                <a:xfrm flipV="1">
-                  <a:off x="4294573" y="3013117"/>
-                  <a:ext cx="4178369" cy="13103"/>
-                </a:xfrm>
-                <a:prstGeom prst="line">
-                  <a:avLst/>
-                </a:prstGeom>
-                <a:ln w="38100">
-                  <a:solidFill>
-                    <a:schemeClr val="tx1"/>
-                  </a:solidFill>
-                </a:ln>
-              </p:spPr>
-              <p:style>
-                <a:lnRef idx="3">
-                  <a:schemeClr val="dk1"/>
-                </a:lnRef>
-                <a:fillRef idx="0">
-                  <a:schemeClr val="dk1"/>
-                </a:fillRef>
-                <a:effectRef idx="2">
-                  <a:schemeClr val="dk1"/>
-                </a:effectRef>
-                <a:fontRef idx="minor">
-                  <a:schemeClr val="tx1"/>
-                </a:fontRef>
-              </p:style>
-            </p:cxnSp>
-            <p:sp>
-              <p:nvSpPr>
-                <p:cNvPr id="8" name="Flowchart: Connector 7">
-                  <a:extLst>
-                    <a:ext uri="{FF2B5EF4-FFF2-40B4-BE49-F238E27FC236}">
-                      <a16:creationId xmlns:a16="http://schemas.microsoft.com/office/drawing/2014/main" id="{F7F74A2C-76DC-4027-AA78-C8EA0CA57D07}"/>
+                      <a16:creationId xmlns:a16="http://schemas.microsoft.com/office/drawing/2014/main" id="{E395EC7B-FB15-4CA2-9563-71DB065F78A0}"/>
                     </a:ext>
                   </a:extLst>
                 </p:cNvPr>
@@ -10677,15 +10692,19 @@
               </p:nvSpPr>
               <p:spPr>
                 <a:xfrm>
-                  <a:off x="5681797" y="2951872"/>
-                  <a:ext cx="125714" cy="122488"/>
+                  <a:off x="5684560" y="971560"/>
+                  <a:ext cx="1256176" cy="1162590"/>
                 </a:xfrm>
-                <a:prstGeom prst="flowChartConnector">
+                <a:prstGeom prst="rect">
                   <a:avLst/>
                 </a:prstGeom>
-                <a:solidFill>
-                  <a:schemeClr val="accent1"/>
-                </a:solidFill>
+                <a:noFill/>
+                <a:ln w="38100">
+                  <a:solidFill>
+                    <a:srgbClr val="FFFF00"/>
+                  </a:solidFill>
+                  <a:prstDash val="sysDash"/>
+                </a:ln>
               </p:spPr>
               <p:style>
                 <a:lnRef idx="2">
@@ -10712,926 +10731,13 @@
                 </a:p>
               </p:txBody>
             </p:sp>
-            <p:sp>
-              <p:nvSpPr>
-                <p:cNvPr id="9" name="Flowchart: Connector 8">
-                  <a:extLst>
-                    <a:ext uri="{FF2B5EF4-FFF2-40B4-BE49-F238E27FC236}">
-                      <a16:creationId xmlns:a16="http://schemas.microsoft.com/office/drawing/2014/main" id="{24C71EFF-501C-4573-BC4B-4ED1FCCFBF8D}"/>
-                    </a:ext>
-                  </a:extLst>
-                </p:cNvPr>
-                <p:cNvSpPr/>
-                <p:nvPr/>
-              </p:nvSpPr>
-              <p:spPr>
-                <a:xfrm>
-                  <a:off x="7782933" y="2951871"/>
-                  <a:ext cx="125714" cy="122488"/>
-                </a:xfrm>
-                <a:prstGeom prst="flowChartConnector">
-                  <a:avLst/>
-                </a:prstGeom>
-                <a:solidFill>
-                  <a:schemeClr val="accent1"/>
-                </a:solidFill>
-              </p:spPr>
-              <p:style>
-                <a:lnRef idx="2">
-                  <a:schemeClr val="accent1">
-                    <a:shade val="50000"/>
-                  </a:schemeClr>
-                </a:lnRef>
-                <a:fillRef idx="1">
-                  <a:schemeClr val="accent1"/>
-                </a:fillRef>
-                <a:effectRef idx="0">
-                  <a:schemeClr val="accent1"/>
-                </a:effectRef>
-                <a:fontRef idx="minor">
-                  <a:schemeClr val="lt1"/>
-                </a:fontRef>
-              </p:style>
-              <p:txBody>
-                <a:bodyPr rtlCol="0" anchor="ctr"/>
-                <a:lstStyle/>
-                <a:p>
-                  <a:pPr algn="ctr"/>
-                  <a:endParaRPr lang="en-US"/>
-                </a:p>
-              </p:txBody>
-            </p:sp>
-            <p:sp>
-              <p:nvSpPr>
-                <p:cNvPr id="10" name="Flowchart: Connector 9">
-                  <a:extLst>
-                    <a:ext uri="{FF2B5EF4-FFF2-40B4-BE49-F238E27FC236}">
-                      <a16:creationId xmlns:a16="http://schemas.microsoft.com/office/drawing/2014/main" id="{583D71CB-9A6A-45D7-9E8A-39139C1F47C4}"/>
-                    </a:ext>
-                  </a:extLst>
-                </p:cNvPr>
-                <p:cNvSpPr/>
-                <p:nvPr/>
-              </p:nvSpPr>
-              <p:spPr>
-                <a:xfrm>
-                  <a:off x="4747509" y="2958424"/>
-                  <a:ext cx="125714" cy="122488"/>
-                </a:xfrm>
-                <a:prstGeom prst="flowChartConnector">
-                  <a:avLst/>
-                </a:prstGeom>
-                <a:solidFill>
-                  <a:schemeClr val="accent1"/>
-                </a:solidFill>
-              </p:spPr>
-              <p:style>
-                <a:lnRef idx="2">
-                  <a:schemeClr val="accent1">
-                    <a:shade val="50000"/>
-                  </a:schemeClr>
-                </a:lnRef>
-                <a:fillRef idx="1">
-                  <a:schemeClr val="accent1"/>
-                </a:fillRef>
-                <a:effectRef idx="0">
-                  <a:schemeClr val="accent1"/>
-                </a:effectRef>
-                <a:fontRef idx="minor">
-                  <a:schemeClr val="lt1"/>
-                </a:fontRef>
-              </p:style>
-              <p:txBody>
-                <a:bodyPr rtlCol="0" anchor="ctr"/>
-                <a:lstStyle/>
-                <a:p>
-                  <a:pPr algn="ctr"/>
-                  <a:endParaRPr lang="en-US"/>
-                </a:p>
-              </p:txBody>
-            </p:sp>
-            <p:cxnSp>
-              <p:nvCxnSpPr>
-                <p:cNvPr id="16" name="Straight Connector 15">
-                  <a:extLst>
-                    <a:ext uri="{FF2B5EF4-FFF2-40B4-BE49-F238E27FC236}">
-                      <a16:creationId xmlns:a16="http://schemas.microsoft.com/office/drawing/2014/main" id="{15A53D3A-88BF-4814-8389-4393511FBB12}"/>
-                    </a:ext>
-                  </a:extLst>
-                </p:cNvPr>
-                <p:cNvCxnSpPr>
-                  <a:cxnSpLocks/>
-                </p:cNvCxnSpPr>
-                <p:nvPr/>
-              </p:nvCxnSpPr>
-              <p:spPr>
-                <a:xfrm>
-                  <a:off x="4613513" y="2756048"/>
-                  <a:ext cx="0" cy="1162591"/>
-                </a:xfrm>
-                <a:prstGeom prst="line">
-                  <a:avLst/>
-                </a:prstGeom>
-                <a:ln w="28575">
-                  <a:prstDash val="sysDash"/>
-                </a:ln>
-              </p:spPr>
-              <p:style>
-                <a:lnRef idx="1">
-                  <a:schemeClr val="accent1"/>
-                </a:lnRef>
-                <a:fillRef idx="0">
-                  <a:schemeClr val="accent1"/>
-                </a:fillRef>
-                <a:effectRef idx="0">
-                  <a:schemeClr val="accent1"/>
-                </a:effectRef>
-                <a:fontRef idx="minor">
-                  <a:schemeClr val="tx1"/>
-                </a:fontRef>
-              </p:style>
-            </p:cxnSp>
-            <p:cxnSp>
-              <p:nvCxnSpPr>
-                <p:cNvPr id="20" name="Straight Connector 19">
-                  <a:extLst>
-                    <a:ext uri="{FF2B5EF4-FFF2-40B4-BE49-F238E27FC236}">
-                      <a16:creationId xmlns:a16="http://schemas.microsoft.com/office/drawing/2014/main" id="{52380164-9D23-4A39-9380-526294B6AC74}"/>
-                    </a:ext>
-                  </a:extLst>
-                </p:cNvPr>
-                <p:cNvCxnSpPr>
-                  <a:cxnSpLocks/>
-                </p:cNvCxnSpPr>
-                <p:nvPr/>
-              </p:nvCxnSpPr>
-              <p:spPr>
-                <a:xfrm>
-                  <a:off x="8030460" y="2756048"/>
-                  <a:ext cx="0" cy="1162591"/>
-                </a:xfrm>
-                <a:prstGeom prst="line">
-                  <a:avLst/>
-                </a:prstGeom>
-                <a:ln w="28575">
-                  <a:prstDash val="sysDash"/>
-                </a:ln>
-              </p:spPr>
-              <p:style>
-                <a:lnRef idx="1">
-                  <a:schemeClr val="accent1"/>
-                </a:lnRef>
-                <a:fillRef idx="0">
-                  <a:schemeClr val="accent1"/>
-                </a:fillRef>
-                <a:effectRef idx="0">
-                  <a:schemeClr val="accent1"/>
-                </a:effectRef>
-                <a:fontRef idx="minor">
-                  <a:schemeClr val="tx1"/>
-                </a:fontRef>
-              </p:style>
-            </p:cxnSp>
-            <p:grpSp>
-              <p:nvGrpSpPr>
-                <p:cNvPr id="67" name="Group 66">
-                  <a:extLst>
-                    <a:ext uri="{FF2B5EF4-FFF2-40B4-BE49-F238E27FC236}">
-                      <a16:creationId xmlns:a16="http://schemas.microsoft.com/office/drawing/2014/main" id="{BA01EF4F-B1F4-4477-B04C-68ECB0870A9C}"/>
-                    </a:ext>
-                  </a:extLst>
-                </p:cNvPr>
-                <p:cNvGrpSpPr/>
-                <p:nvPr/>
-              </p:nvGrpSpPr>
-              <p:grpSpPr>
-                <a:xfrm>
-                  <a:off x="5091447" y="2756048"/>
-                  <a:ext cx="2523901" cy="1162591"/>
-                  <a:chOff x="5091446" y="2756048"/>
-                  <a:chExt cx="2454794" cy="2009598"/>
-                </a:xfrm>
-              </p:grpSpPr>
-              <p:cxnSp>
-                <p:nvCxnSpPr>
-                  <p:cNvPr id="17" name="Straight Connector 16">
-                    <a:extLst>
-                      <a:ext uri="{FF2B5EF4-FFF2-40B4-BE49-F238E27FC236}">
-                        <a16:creationId xmlns:a16="http://schemas.microsoft.com/office/drawing/2014/main" id="{252B65CE-F9B0-4434-BADE-EDEC8E8F9CF4}"/>
-                      </a:ext>
-                    </a:extLst>
-                  </p:cNvPr>
-                  <p:cNvCxnSpPr>
-                    <a:cxnSpLocks/>
-                  </p:cNvCxnSpPr>
-                  <p:nvPr/>
-                </p:nvCxnSpPr>
-                <p:spPr>
-                  <a:xfrm flipH="1">
-                    <a:off x="6798558" y="2756048"/>
-                    <a:ext cx="8932" cy="2009598"/>
-                  </a:xfrm>
-                  <a:prstGeom prst="line">
-                    <a:avLst/>
-                  </a:prstGeom>
-                  <a:ln w="28575">
-                    <a:prstDash val="sysDash"/>
-                  </a:ln>
-                </p:spPr>
-                <p:style>
-                  <a:lnRef idx="1">
-                    <a:schemeClr val="accent1"/>
-                  </a:lnRef>
-                  <a:fillRef idx="0">
-                    <a:schemeClr val="accent1"/>
-                  </a:fillRef>
-                  <a:effectRef idx="0">
-                    <a:schemeClr val="accent1"/>
-                  </a:effectRef>
-                  <a:fontRef idx="minor">
-                    <a:schemeClr val="tx1"/>
-                  </a:fontRef>
-                </p:style>
-              </p:cxnSp>
-              <p:cxnSp>
-                <p:nvCxnSpPr>
-                  <p:cNvPr id="18" name="Straight Connector 17">
-                    <a:extLst>
-                      <a:ext uri="{FF2B5EF4-FFF2-40B4-BE49-F238E27FC236}">
-                        <a16:creationId xmlns:a16="http://schemas.microsoft.com/office/drawing/2014/main" id="{DB3924DD-FF9B-4742-9973-DA0D18CB7923}"/>
-                      </a:ext>
-                    </a:extLst>
-                  </p:cNvPr>
-                  <p:cNvCxnSpPr>
-                    <a:cxnSpLocks/>
-                  </p:cNvCxnSpPr>
-                  <p:nvPr/>
-                </p:nvCxnSpPr>
-                <p:spPr>
-                  <a:xfrm>
-                    <a:off x="7171845" y="2756048"/>
-                    <a:ext cx="0" cy="2009598"/>
-                  </a:xfrm>
-                  <a:prstGeom prst="line">
-                    <a:avLst/>
-                  </a:prstGeom>
-                  <a:ln w="28575">
-                    <a:prstDash val="sysDash"/>
-                  </a:ln>
-                </p:spPr>
-                <p:style>
-                  <a:lnRef idx="1">
-                    <a:schemeClr val="accent1"/>
-                  </a:lnRef>
-                  <a:fillRef idx="0">
-                    <a:schemeClr val="accent1"/>
-                  </a:fillRef>
-                  <a:effectRef idx="0">
-                    <a:schemeClr val="accent1"/>
-                  </a:effectRef>
-                  <a:fontRef idx="minor">
-                    <a:schemeClr val="tx1"/>
-                  </a:fontRef>
-                </p:style>
-              </p:cxnSp>
-              <p:cxnSp>
-                <p:nvCxnSpPr>
-                  <p:cNvPr id="19" name="Straight Connector 18">
-                    <a:extLst>
-                      <a:ext uri="{FF2B5EF4-FFF2-40B4-BE49-F238E27FC236}">
-                        <a16:creationId xmlns:a16="http://schemas.microsoft.com/office/drawing/2014/main" id="{EBEFD168-A3A9-4732-A759-8AFA1E5CD8BC}"/>
-                      </a:ext>
-                    </a:extLst>
-                  </p:cNvPr>
-                  <p:cNvCxnSpPr>
-                    <a:cxnSpLocks/>
-                  </p:cNvCxnSpPr>
-                  <p:nvPr/>
-                </p:nvCxnSpPr>
-                <p:spPr>
-                  <a:xfrm>
-                    <a:off x="7546240" y="2756048"/>
-                    <a:ext cx="0" cy="2009598"/>
-                  </a:xfrm>
-                  <a:prstGeom prst="line">
-                    <a:avLst/>
-                  </a:prstGeom>
-                  <a:ln w="28575">
-                    <a:prstDash val="sysDash"/>
-                  </a:ln>
-                </p:spPr>
-                <p:style>
-                  <a:lnRef idx="1">
-                    <a:schemeClr val="accent1"/>
-                  </a:lnRef>
-                  <a:fillRef idx="0">
-                    <a:schemeClr val="accent1"/>
-                  </a:fillRef>
-                  <a:effectRef idx="0">
-                    <a:schemeClr val="accent1"/>
-                  </a:effectRef>
-                  <a:fontRef idx="minor">
-                    <a:schemeClr val="tx1"/>
-                  </a:fontRef>
-                </p:style>
-              </p:cxnSp>
-              <p:cxnSp>
-                <p:nvCxnSpPr>
-                  <p:cNvPr id="21" name="Straight Connector 20">
-                    <a:extLst>
-                      <a:ext uri="{FF2B5EF4-FFF2-40B4-BE49-F238E27FC236}">
-                        <a16:creationId xmlns:a16="http://schemas.microsoft.com/office/drawing/2014/main" id="{0E9D979C-26AB-4260-9AE5-2237764B2DE4}"/>
-                      </a:ext>
-                    </a:extLst>
-                  </p:cNvPr>
-                  <p:cNvCxnSpPr>
-                    <a:cxnSpLocks/>
-                  </p:cNvCxnSpPr>
-                  <p:nvPr/>
-                </p:nvCxnSpPr>
-                <p:spPr>
-                  <a:xfrm>
-                    <a:off x="5091446" y="2756048"/>
-                    <a:ext cx="0" cy="2009598"/>
-                  </a:xfrm>
-                  <a:prstGeom prst="line">
-                    <a:avLst/>
-                  </a:prstGeom>
-                  <a:ln w="28575">
-                    <a:prstDash val="sysDash"/>
-                  </a:ln>
-                </p:spPr>
-                <p:style>
-                  <a:lnRef idx="1">
-                    <a:schemeClr val="accent1"/>
-                  </a:lnRef>
-                  <a:fillRef idx="0">
-                    <a:schemeClr val="accent1"/>
-                  </a:fillRef>
-                  <a:effectRef idx="0">
-                    <a:schemeClr val="accent1"/>
-                  </a:effectRef>
-                  <a:fontRef idx="minor">
-                    <a:schemeClr val="tx1"/>
-                  </a:fontRef>
-                </p:style>
-              </p:cxnSp>
-              <p:cxnSp>
-                <p:nvCxnSpPr>
-                  <p:cNvPr id="22" name="Straight Connector 21">
-                    <a:extLst>
-                      <a:ext uri="{FF2B5EF4-FFF2-40B4-BE49-F238E27FC236}">
-                        <a16:creationId xmlns:a16="http://schemas.microsoft.com/office/drawing/2014/main" id="{C55396D0-AC65-4EEE-8F4B-F6711BFC2EC0}"/>
-                      </a:ext>
-                    </a:extLst>
-                  </p:cNvPr>
-                  <p:cNvCxnSpPr>
-                    <a:cxnSpLocks/>
-                  </p:cNvCxnSpPr>
-                  <p:nvPr/>
-                </p:nvCxnSpPr>
-                <p:spPr>
-                  <a:xfrm>
-                    <a:off x="5497132" y="2756048"/>
-                    <a:ext cx="0" cy="2009598"/>
-                  </a:xfrm>
-                  <a:prstGeom prst="line">
-                    <a:avLst/>
-                  </a:prstGeom>
-                  <a:ln w="28575">
-                    <a:prstDash val="sysDash"/>
-                  </a:ln>
-                </p:spPr>
-                <p:style>
-                  <a:lnRef idx="1">
-                    <a:schemeClr val="accent1"/>
-                  </a:lnRef>
-                  <a:fillRef idx="0">
-                    <a:schemeClr val="accent1"/>
-                  </a:fillRef>
-                  <a:effectRef idx="0">
-                    <a:schemeClr val="accent1"/>
-                  </a:effectRef>
-                  <a:fontRef idx="minor">
-                    <a:schemeClr val="tx1"/>
-                  </a:fontRef>
-                </p:style>
-              </p:cxnSp>
-              <p:cxnSp>
-                <p:nvCxnSpPr>
-                  <p:cNvPr id="23" name="Straight Connector 22">
-                    <a:extLst>
-                      <a:ext uri="{FF2B5EF4-FFF2-40B4-BE49-F238E27FC236}">
-                        <a16:creationId xmlns:a16="http://schemas.microsoft.com/office/drawing/2014/main" id="{16EE4B63-7FD0-4B77-919B-5FE40E711E90}"/>
-                      </a:ext>
-                    </a:extLst>
-                  </p:cNvPr>
-                  <p:cNvCxnSpPr>
-                    <a:cxnSpLocks/>
-                  </p:cNvCxnSpPr>
-                  <p:nvPr/>
-                </p:nvCxnSpPr>
-                <p:spPr>
-                  <a:xfrm>
-                    <a:off x="5996271" y="2756048"/>
-                    <a:ext cx="0" cy="2009598"/>
-                  </a:xfrm>
-                  <a:prstGeom prst="line">
-                    <a:avLst/>
-                  </a:prstGeom>
-                  <a:ln w="28575">
-                    <a:prstDash val="sysDash"/>
-                  </a:ln>
-                </p:spPr>
-                <p:style>
-                  <a:lnRef idx="1">
-                    <a:schemeClr val="accent1"/>
-                  </a:lnRef>
-                  <a:fillRef idx="0">
-                    <a:schemeClr val="accent1"/>
-                  </a:fillRef>
-                  <a:effectRef idx="0">
-                    <a:schemeClr val="accent1"/>
-                  </a:effectRef>
-                  <a:fontRef idx="minor">
-                    <a:schemeClr val="tx1"/>
-                  </a:fontRef>
-                </p:style>
-              </p:cxnSp>
-              <p:cxnSp>
-                <p:nvCxnSpPr>
-                  <p:cNvPr id="24" name="Straight Connector 23">
-                    <a:extLst>
-                      <a:ext uri="{FF2B5EF4-FFF2-40B4-BE49-F238E27FC236}">
-                        <a16:creationId xmlns:a16="http://schemas.microsoft.com/office/drawing/2014/main" id="{FE662D0B-D256-40AE-B53C-F5DF8CA44FF9}"/>
-                      </a:ext>
-                    </a:extLst>
-                  </p:cNvPr>
-                  <p:cNvCxnSpPr>
-                    <a:cxnSpLocks/>
-                  </p:cNvCxnSpPr>
-                  <p:nvPr/>
-                </p:nvCxnSpPr>
-                <p:spPr>
-                  <a:xfrm flipH="1">
-                    <a:off x="6383758" y="2756048"/>
-                    <a:ext cx="5832" cy="2009598"/>
-                  </a:xfrm>
-                  <a:prstGeom prst="line">
-                    <a:avLst/>
-                  </a:prstGeom>
-                  <a:ln w="28575">
-                    <a:prstDash val="sysDash"/>
-                  </a:ln>
-                </p:spPr>
-                <p:style>
-                  <a:lnRef idx="1">
-                    <a:schemeClr val="accent1"/>
-                  </a:lnRef>
-                  <a:fillRef idx="0">
-                    <a:schemeClr val="accent1"/>
-                  </a:fillRef>
-                  <a:effectRef idx="0">
-                    <a:schemeClr val="accent1"/>
-                  </a:effectRef>
-                  <a:fontRef idx="minor">
-                    <a:schemeClr val="tx1"/>
-                  </a:fontRef>
-                </p:style>
-              </p:cxnSp>
-            </p:grpSp>
-            <p:cxnSp>
-              <p:nvCxnSpPr>
-                <p:cNvPr id="25" name="Straight Connector 24">
-                  <a:extLst>
-                    <a:ext uri="{FF2B5EF4-FFF2-40B4-BE49-F238E27FC236}">
-                      <a16:creationId xmlns:a16="http://schemas.microsoft.com/office/drawing/2014/main" id="{275F50C6-8CBD-47CC-BE1E-414094F2DA6E}"/>
-                    </a:ext>
-                  </a:extLst>
-                </p:cNvPr>
-                <p:cNvCxnSpPr>
-                  <a:cxnSpLocks/>
-                </p:cNvCxnSpPr>
-                <p:nvPr/>
-              </p:nvCxnSpPr>
-              <p:spPr>
-                <a:xfrm flipH="1">
-                  <a:off x="4023018" y="3036583"/>
-                  <a:ext cx="418532" cy="0"/>
-                </a:xfrm>
-                <a:prstGeom prst="line">
-                  <a:avLst/>
-                </a:prstGeom>
-                <a:ln w="38100">
-                  <a:solidFill>
-                    <a:schemeClr val="tx1"/>
-                  </a:solidFill>
-                  <a:prstDash val="sysDot"/>
-                </a:ln>
-              </p:spPr>
-              <p:style>
-                <a:lnRef idx="1">
-                  <a:schemeClr val="accent1"/>
-                </a:lnRef>
-                <a:fillRef idx="0">
-                  <a:schemeClr val="accent1"/>
-                </a:fillRef>
-                <a:effectRef idx="0">
-                  <a:schemeClr val="accent1"/>
-                </a:effectRef>
-                <a:fontRef idx="minor">
-                  <a:schemeClr val="tx1"/>
-                </a:fontRef>
-              </p:style>
-            </p:cxnSp>
-            <p:cxnSp>
-              <p:nvCxnSpPr>
-                <p:cNvPr id="26" name="Straight Connector 25">
-                  <a:extLst>
-                    <a:ext uri="{FF2B5EF4-FFF2-40B4-BE49-F238E27FC236}">
-                      <a16:creationId xmlns:a16="http://schemas.microsoft.com/office/drawing/2014/main" id="{BE8F85BD-3F5B-4BF2-B586-56F10832070E}"/>
-                    </a:ext>
-                  </a:extLst>
-                </p:cNvPr>
-                <p:cNvCxnSpPr>
-                  <a:cxnSpLocks/>
-                </p:cNvCxnSpPr>
-                <p:nvPr/>
-              </p:nvCxnSpPr>
-              <p:spPr>
-                <a:xfrm flipH="1">
-                  <a:off x="8356176" y="3013116"/>
-                  <a:ext cx="418532" cy="0"/>
-                </a:xfrm>
-                <a:prstGeom prst="line">
-                  <a:avLst/>
-                </a:prstGeom>
-                <a:ln w="38100">
-                  <a:solidFill>
-                    <a:schemeClr val="tx1"/>
-                  </a:solidFill>
-                  <a:prstDash val="sysDot"/>
-                </a:ln>
-              </p:spPr>
-              <p:style>
-                <a:lnRef idx="1">
-                  <a:schemeClr val="accent1"/>
-                </a:lnRef>
-                <a:fillRef idx="0">
-                  <a:schemeClr val="accent1"/>
-                </a:fillRef>
-                <a:effectRef idx="0">
-                  <a:schemeClr val="accent1"/>
-                </a:effectRef>
-                <a:fontRef idx="minor">
-                  <a:schemeClr val="tx1"/>
-                </a:fontRef>
-              </p:style>
-            </p:cxnSp>
-            <p:sp>
-              <p:nvSpPr>
-                <p:cNvPr id="27" name="Rectangle 26">
-                  <a:extLst>
-                    <a:ext uri="{FF2B5EF4-FFF2-40B4-BE49-F238E27FC236}">
-                      <a16:creationId xmlns:a16="http://schemas.microsoft.com/office/drawing/2014/main" id="{9C438F6A-05C8-4D9D-9F4C-C5758AF84F03}"/>
-                    </a:ext>
-                  </a:extLst>
-                </p:cNvPr>
-                <p:cNvSpPr/>
-                <p:nvPr/>
-              </p:nvSpPr>
-              <p:spPr>
-                <a:xfrm>
-                  <a:off x="5681719" y="3391401"/>
-                  <a:ext cx="202893" cy="55504"/>
-                </a:xfrm>
-                <a:prstGeom prst="rect">
-                  <a:avLst/>
-                </a:prstGeom>
-                <a:solidFill>
-                  <a:schemeClr val="accent6"/>
-                </a:solidFill>
-              </p:spPr>
-              <p:style>
-                <a:lnRef idx="2">
-                  <a:schemeClr val="accent1">
-                    <a:shade val="50000"/>
-                  </a:schemeClr>
-                </a:lnRef>
-                <a:fillRef idx="1">
-                  <a:schemeClr val="accent1"/>
-                </a:fillRef>
-                <a:effectRef idx="0">
-                  <a:schemeClr val="accent1"/>
-                </a:effectRef>
-                <a:fontRef idx="minor">
-                  <a:schemeClr val="lt1"/>
-                </a:fontRef>
-              </p:style>
-              <p:txBody>
-                <a:bodyPr rtlCol="0" anchor="ctr"/>
-                <a:lstStyle/>
-                <a:p>
-                  <a:pPr algn="ctr"/>
-                  <a:endParaRPr lang="en-US"/>
-                </a:p>
-              </p:txBody>
-            </p:sp>
-            <p:sp>
-              <p:nvSpPr>
-                <p:cNvPr id="28" name="Rectangle 27">
-                  <a:extLst>
-                    <a:ext uri="{FF2B5EF4-FFF2-40B4-BE49-F238E27FC236}">
-                      <a16:creationId xmlns:a16="http://schemas.microsoft.com/office/drawing/2014/main" id="{B80535F3-7F79-4792-A5A5-EE492071A823}"/>
-                    </a:ext>
-                  </a:extLst>
-                </p:cNvPr>
-                <p:cNvSpPr/>
-                <p:nvPr/>
-              </p:nvSpPr>
-              <p:spPr>
-                <a:xfrm flipV="1">
-                  <a:off x="5915033" y="3477289"/>
-                  <a:ext cx="201324" cy="61405"/>
-                </a:xfrm>
-                <a:prstGeom prst="rect">
-                  <a:avLst/>
-                </a:prstGeom>
-                <a:solidFill>
-                  <a:schemeClr val="accent6"/>
-                </a:solidFill>
-              </p:spPr>
-              <p:style>
-                <a:lnRef idx="2">
-                  <a:schemeClr val="accent1">
-                    <a:shade val="50000"/>
-                  </a:schemeClr>
-                </a:lnRef>
-                <a:fillRef idx="1">
-                  <a:schemeClr val="accent1"/>
-                </a:fillRef>
-                <a:effectRef idx="0">
-                  <a:schemeClr val="accent1"/>
-                </a:effectRef>
-                <a:fontRef idx="minor">
-                  <a:schemeClr val="lt1"/>
-                </a:fontRef>
-              </p:style>
-              <p:txBody>
-                <a:bodyPr rtlCol="0" anchor="ctr"/>
-                <a:lstStyle/>
-                <a:p>
-                  <a:pPr algn="ctr"/>
-                  <a:endParaRPr lang="en-US" dirty="0"/>
-                </a:p>
-              </p:txBody>
-            </p:sp>
-            <p:sp>
-              <p:nvSpPr>
-                <p:cNvPr id="29" name="Rectangle 28">
-                  <a:extLst>
-                    <a:ext uri="{FF2B5EF4-FFF2-40B4-BE49-F238E27FC236}">
-                      <a16:creationId xmlns:a16="http://schemas.microsoft.com/office/drawing/2014/main" id="{5B5CBA7A-E310-430B-AE7E-F2C8F403CADD}"/>
-                    </a:ext>
-                  </a:extLst>
-                </p:cNvPr>
-                <p:cNvSpPr/>
-                <p:nvPr/>
-              </p:nvSpPr>
-              <p:spPr>
-                <a:xfrm flipV="1">
-                  <a:off x="5422653" y="3315386"/>
-                  <a:ext cx="220379" cy="60727"/>
-                </a:xfrm>
-                <a:prstGeom prst="rect">
-                  <a:avLst/>
-                </a:prstGeom>
-                <a:solidFill>
-                  <a:schemeClr val="accent6"/>
-                </a:solidFill>
-              </p:spPr>
-              <p:style>
-                <a:lnRef idx="2">
-                  <a:schemeClr val="accent1">
-                    <a:shade val="50000"/>
-                  </a:schemeClr>
-                </a:lnRef>
-                <a:fillRef idx="1">
-                  <a:schemeClr val="accent1"/>
-                </a:fillRef>
-                <a:effectRef idx="0">
-                  <a:schemeClr val="accent1"/>
-                </a:effectRef>
-                <a:fontRef idx="minor">
-                  <a:schemeClr val="lt1"/>
-                </a:fontRef>
-              </p:style>
-              <p:txBody>
-                <a:bodyPr rtlCol="0" anchor="ctr"/>
-                <a:lstStyle/>
-                <a:p>
-                  <a:pPr algn="ctr"/>
-                  <a:endParaRPr lang="en-US" dirty="0"/>
-                </a:p>
-              </p:txBody>
-            </p:sp>
-            <p:sp>
-              <p:nvSpPr>
-                <p:cNvPr id="30" name="Rectangle 29">
-                  <a:extLst>
-                    <a:ext uri="{FF2B5EF4-FFF2-40B4-BE49-F238E27FC236}">
-                      <a16:creationId xmlns:a16="http://schemas.microsoft.com/office/drawing/2014/main" id="{E891DE40-C2A9-48B0-8BA5-999FA4374704}"/>
-                    </a:ext>
-                  </a:extLst>
-                </p:cNvPr>
-                <p:cNvSpPr/>
-                <p:nvPr/>
-              </p:nvSpPr>
-              <p:spPr>
-                <a:xfrm flipV="1">
-                  <a:off x="6945694" y="3315386"/>
-                  <a:ext cx="379029" cy="55950"/>
-                </a:xfrm>
-                <a:prstGeom prst="rect">
-                  <a:avLst/>
-                </a:prstGeom>
-                <a:solidFill>
-                  <a:schemeClr val="accent6"/>
-                </a:solidFill>
-              </p:spPr>
-              <p:style>
-                <a:lnRef idx="2">
-                  <a:schemeClr val="accent1">
-                    <a:shade val="50000"/>
-                  </a:schemeClr>
-                </a:lnRef>
-                <a:fillRef idx="1">
-                  <a:schemeClr val="accent1"/>
-                </a:fillRef>
-                <a:effectRef idx="0">
-                  <a:schemeClr val="accent1"/>
-                </a:effectRef>
-                <a:fontRef idx="minor">
-                  <a:schemeClr val="lt1"/>
-                </a:fontRef>
-              </p:style>
-              <p:txBody>
-                <a:bodyPr rtlCol="0" anchor="ctr"/>
-                <a:lstStyle/>
-                <a:p>
-                  <a:pPr algn="ctr"/>
-                  <a:endParaRPr lang="en-US" dirty="0"/>
-                </a:p>
-              </p:txBody>
-            </p:sp>
-            <p:sp>
-              <p:nvSpPr>
-                <p:cNvPr id="31" name="Rectangle 30">
-                  <a:extLst>
-                    <a:ext uri="{FF2B5EF4-FFF2-40B4-BE49-F238E27FC236}">
-                      <a16:creationId xmlns:a16="http://schemas.microsoft.com/office/drawing/2014/main" id="{4E177251-707C-4636-A1D6-3A0BF969A7E3}"/>
-                    </a:ext>
-                  </a:extLst>
-                </p:cNvPr>
-                <p:cNvSpPr/>
-                <p:nvPr/>
-              </p:nvSpPr>
-              <p:spPr>
-                <a:xfrm>
-                  <a:off x="7615347" y="3315387"/>
-                  <a:ext cx="185617" cy="55950"/>
-                </a:xfrm>
-                <a:prstGeom prst="rect">
-                  <a:avLst/>
-                </a:prstGeom>
-                <a:solidFill>
-                  <a:schemeClr val="accent6"/>
-                </a:solidFill>
-              </p:spPr>
-              <p:style>
-                <a:lnRef idx="2">
-                  <a:schemeClr val="accent1">
-                    <a:shade val="50000"/>
-                  </a:schemeClr>
-                </a:lnRef>
-                <a:fillRef idx="1">
-                  <a:schemeClr val="accent1"/>
-                </a:fillRef>
-                <a:effectRef idx="0">
-                  <a:schemeClr val="accent1"/>
-                </a:effectRef>
-                <a:fontRef idx="minor">
-                  <a:schemeClr val="lt1"/>
-                </a:fontRef>
-              </p:style>
-              <p:txBody>
-                <a:bodyPr rtlCol="0" anchor="ctr"/>
-                <a:lstStyle/>
-                <a:p>
-                  <a:pPr algn="ctr"/>
-                  <a:endParaRPr lang="en-US"/>
-                </a:p>
-              </p:txBody>
-            </p:sp>
-            <p:sp>
-              <p:nvSpPr>
-                <p:cNvPr id="32" name="Rectangle 31">
-                  <a:extLst>
-                    <a:ext uri="{FF2B5EF4-FFF2-40B4-BE49-F238E27FC236}">
-                      <a16:creationId xmlns:a16="http://schemas.microsoft.com/office/drawing/2014/main" id="{52E1E5BB-CDBB-4263-BDAD-0C686901CD48}"/>
-                    </a:ext>
-                  </a:extLst>
-                </p:cNvPr>
-                <p:cNvSpPr/>
-                <p:nvPr/>
-              </p:nvSpPr>
-              <p:spPr>
-                <a:xfrm>
-                  <a:off x="7858371" y="3391400"/>
-                  <a:ext cx="125714" cy="57553"/>
-                </a:xfrm>
-                <a:prstGeom prst="rect">
-                  <a:avLst/>
-                </a:prstGeom>
-                <a:solidFill>
-                  <a:schemeClr val="accent6"/>
-                </a:solidFill>
-              </p:spPr>
-              <p:style>
-                <a:lnRef idx="2">
-                  <a:schemeClr val="accent1">
-                    <a:shade val="50000"/>
-                  </a:schemeClr>
-                </a:lnRef>
-                <a:fillRef idx="1">
-                  <a:schemeClr val="accent1"/>
-                </a:fillRef>
-                <a:effectRef idx="0">
-                  <a:schemeClr val="accent1"/>
-                </a:effectRef>
-                <a:fontRef idx="minor">
-                  <a:schemeClr val="lt1"/>
-                </a:fontRef>
-              </p:style>
-              <p:txBody>
-                <a:bodyPr rtlCol="0" anchor="ctr"/>
-                <a:lstStyle/>
-                <a:p>
-                  <a:pPr algn="ctr"/>
-                  <a:endParaRPr lang="en-US"/>
-                </a:p>
-              </p:txBody>
-            </p:sp>
-            <p:cxnSp>
-              <p:nvCxnSpPr>
-                <p:cNvPr id="33" name="Straight Connector 32">
-                  <a:extLst>
-                    <a:ext uri="{FF2B5EF4-FFF2-40B4-BE49-F238E27FC236}">
-                      <a16:creationId xmlns:a16="http://schemas.microsoft.com/office/drawing/2014/main" id="{450A7A70-E1FF-4199-8E2C-0B1C777EF763}"/>
-                    </a:ext>
-                  </a:extLst>
-                </p:cNvPr>
-                <p:cNvCxnSpPr>
-                  <a:cxnSpLocks/>
-                </p:cNvCxnSpPr>
-                <p:nvPr/>
-              </p:nvCxnSpPr>
-              <p:spPr>
-                <a:xfrm flipV="1">
-                  <a:off x="4294573" y="3905536"/>
-                  <a:ext cx="4178369" cy="13103"/>
-                </a:xfrm>
-                <a:prstGeom prst="line">
-                  <a:avLst/>
-                </a:prstGeom>
-                <a:ln w="38100">
-                  <a:solidFill>
-                    <a:schemeClr val="tx1"/>
-                  </a:solidFill>
-                </a:ln>
-              </p:spPr>
-              <p:style>
-                <a:lnRef idx="3">
-                  <a:schemeClr val="dk1"/>
-                </a:lnRef>
-                <a:fillRef idx="0">
-                  <a:schemeClr val="dk1"/>
-                </a:fillRef>
-                <a:effectRef idx="2">
-                  <a:schemeClr val="dk1"/>
-                </a:effectRef>
-                <a:fontRef idx="minor">
-                  <a:schemeClr val="tx1"/>
-                </a:fontRef>
-              </p:style>
-            </p:cxnSp>
           </p:grpSp>
           <p:sp>
             <p:nvSpPr>
-              <p:cNvPr id="71" name="Rectangle 70">
+              <p:cNvPr id="72" name="Arrow: Left-Right-Up 71">
                 <a:extLst>
                   <a:ext uri="{FF2B5EF4-FFF2-40B4-BE49-F238E27FC236}">
-                    <a16:creationId xmlns:a16="http://schemas.microsoft.com/office/drawing/2014/main" id="{E395EC7B-FB15-4CA2-9563-71DB065F78A0}"/>
+                    <a16:creationId xmlns:a16="http://schemas.microsoft.com/office/drawing/2014/main" id="{54008041-20A6-430B-A0DB-E10C2D86F5A3}"/>
                   </a:ext>
                 </a:extLst>
               </p:cNvPr>
@@ -11639,20 +10745,17 @@
               <p:nvPr/>
             </p:nvSpPr>
             <p:spPr>
-              <a:xfrm>
-                <a:off x="5684560" y="971560"/>
-                <a:ext cx="1256176" cy="1162590"/>
+              <a:xfrm rot="10800000">
+                <a:off x="3164905" y="1792174"/>
+                <a:ext cx="5426195" cy="748035"/>
               </a:xfrm>
-              <a:prstGeom prst="rect">
-                <a:avLst/>
+              <a:prstGeom prst="leftRightUpArrow">
+                <a:avLst>
+                  <a:gd name="adj1" fmla="val 13256"/>
+                  <a:gd name="adj2" fmla="val 19128"/>
+                  <a:gd name="adj3" fmla="val 26068"/>
+                </a:avLst>
               </a:prstGeom>
-              <a:noFill/>
-              <a:ln w="38100">
-                <a:solidFill>
-                  <a:srgbClr val="FFFF00"/>
-                </a:solidFill>
-                <a:prstDash val="sysDash"/>
-              </a:ln>
             </p:spPr>
             <p:style>
               <a:lnRef idx="2">
@@ -11679,173 +10782,272 @@
               </a:p>
             </p:txBody>
           </p:sp>
-        </p:grpSp>
-        <p:sp>
-          <p:nvSpPr>
-            <p:cNvPr id="72" name="Arrow: Left-Right-Up 71">
-              <a:extLst>
-                <a:ext uri="{FF2B5EF4-FFF2-40B4-BE49-F238E27FC236}">
-                  <a16:creationId xmlns:a16="http://schemas.microsoft.com/office/drawing/2014/main" id="{54008041-20A6-430B-A0DB-E10C2D86F5A3}"/>
-                </a:ext>
-              </a:extLst>
-            </p:cNvPr>
-            <p:cNvSpPr/>
-            <p:nvPr/>
-          </p:nvSpPr>
-          <p:spPr>
-            <a:xfrm rot="10800000">
-              <a:off x="3164905" y="1792174"/>
-              <a:ext cx="5426195" cy="748035"/>
-            </a:xfrm>
-            <a:prstGeom prst="leftRightUpArrow">
-              <a:avLst>
-                <a:gd name="adj1" fmla="val 13256"/>
-                <a:gd name="adj2" fmla="val 19128"/>
-                <a:gd name="adj3" fmla="val 26068"/>
-              </a:avLst>
-            </a:prstGeom>
-          </p:spPr>
-          <p:style>
-            <a:lnRef idx="2">
-              <a:schemeClr val="accent1">
-                <a:shade val="50000"/>
-              </a:schemeClr>
-            </a:lnRef>
-            <a:fillRef idx="1">
-              <a:schemeClr val="accent1"/>
-            </a:fillRef>
-            <a:effectRef idx="0">
-              <a:schemeClr val="accent1"/>
-            </a:effectRef>
-            <a:fontRef idx="minor">
-              <a:schemeClr val="lt1"/>
-            </a:fontRef>
-          </p:style>
-          <p:txBody>
-            <a:bodyPr rtlCol="0" anchor="ctr"/>
-            <a:lstStyle/>
-            <a:p>
-              <a:pPr algn="ctr"/>
-              <a:endParaRPr lang="en-US"/>
-            </a:p>
-          </p:txBody>
-        </p:sp>
-        <p:pic>
-          <p:nvPicPr>
-            <p:cNvPr id="73" name="Picture 72">
-              <a:extLst>
-                <a:ext uri="{FF2B5EF4-FFF2-40B4-BE49-F238E27FC236}">
-                  <a16:creationId xmlns:a16="http://schemas.microsoft.com/office/drawing/2014/main" id="{9AE65DB4-00E5-4807-B04C-7446151FE9CC}"/>
-                </a:ext>
-              </a:extLst>
-            </p:cNvPr>
-            <p:cNvPicPr>
-              <a:picLocks noChangeAspect="1"/>
-            </p:cNvPicPr>
-            <p:nvPr/>
-          </p:nvPicPr>
-          <p:blipFill>
-            <a:blip r:embed="rId3"/>
-            <a:stretch>
-              <a:fillRect/>
-            </a:stretch>
-          </p:blipFill>
-          <p:spPr>
-            <a:xfrm>
-              <a:off x="4678628" y="3057904"/>
-              <a:ext cx="2371337" cy="2179067"/>
-            </a:xfrm>
-            <a:prstGeom prst="rect">
-              <a:avLst/>
-            </a:prstGeom>
-          </p:spPr>
-        </p:pic>
-        <p:pic>
-          <p:nvPicPr>
-            <p:cNvPr id="75" name="Picture 74">
-              <a:extLst>
-                <a:ext uri="{FF2B5EF4-FFF2-40B4-BE49-F238E27FC236}">
-                  <a16:creationId xmlns:a16="http://schemas.microsoft.com/office/drawing/2014/main" id="{A65AB9C8-7143-438D-A88B-035A904028FD}"/>
-                </a:ext>
-              </a:extLst>
-            </p:cNvPr>
-            <p:cNvPicPr>
-              <a:picLocks noChangeAspect="1"/>
-            </p:cNvPicPr>
-            <p:nvPr/>
-          </p:nvPicPr>
-          <p:blipFill>
-            <a:blip r:embed="rId3"/>
-            <a:stretch>
-              <a:fillRect/>
-            </a:stretch>
-          </p:blipFill>
-          <p:spPr>
-            <a:xfrm>
-              <a:off x="686660" y="870834"/>
-              <a:ext cx="2371337" cy="2179067"/>
-            </a:xfrm>
-            <a:prstGeom prst="rect">
-              <a:avLst/>
-            </a:prstGeom>
-          </p:spPr>
-        </p:pic>
-        <p:pic>
-          <p:nvPicPr>
-            <p:cNvPr id="76" name="Picture 75">
-              <a:extLst>
-                <a:ext uri="{FF2B5EF4-FFF2-40B4-BE49-F238E27FC236}">
-                  <a16:creationId xmlns:a16="http://schemas.microsoft.com/office/drawing/2014/main" id="{2EF20AAC-3772-49E0-9D29-C3F36225BB3C}"/>
-                </a:ext>
-              </a:extLst>
-            </p:cNvPr>
-            <p:cNvPicPr>
-              <a:picLocks noChangeAspect="1"/>
-            </p:cNvPicPr>
-            <p:nvPr/>
-          </p:nvPicPr>
-          <p:blipFill>
-            <a:blip r:embed="rId3"/>
-            <a:stretch>
-              <a:fillRect/>
-            </a:stretch>
-          </p:blipFill>
-          <p:spPr>
-            <a:xfrm>
-              <a:off x="8763152" y="870834"/>
-              <a:ext cx="2371338" cy="2179067"/>
-            </a:xfrm>
-            <a:prstGeom prst="rect">
-              <a:avLst/>
-            </a:prstGeom>
-          </p:spPr>
-        </p:pic>
-        <p:grpSp>
-          <p:nvGrpSpPr>
-            <p:cNvPr id="77" name="Group 76">
-              <a:extLst>
-                <a:ext uri="{FF2B5EF4-FFF2-40B4-BE49-F238E27FC236}">
-                  <a16:creationId xmlns:a16="http://schemas.microsoft.com/office/drawing/2014/main" id="{A93696AD-93EE-4C94-BEF7-663DA6D1DBD4}"/>
-                </a:ext>
-              </a:extLst>
-            </p:cNvPr>
-            <p:cNvGrpSpPr/>
-            <p:nvPr/>
-          </p:nvGrpSpPr>
-          <p:grpSpPr>
-            <a:xfrm>
-              <a:off x="8591100" y="3049900"/>
-              <a:ext cx="3174355" cy="1394406"/>
-              <a:chOff x="6391213" y="4181536"/>
-              <a:chExt cx="5698162" cy="1510161"/>
-            </a:xfrm>
-          </p:grpSpPr>
+          <p:pic>
+            <p:nvPicPr>
+              <p:cNvPr id="73" name="Picture 72">
+                <a:extLst>
+                  <a:ext uri="{FF2B5EF4-FFF2-40B4-BE49-F238E27FC236}">
+                    <a16:creationId xmlns:a16="http://schemas.microsoft.com/office/drawing/2014/main" id="{9AE65DB4-00E5-4807-B04C-7446151FE9CC}"/>
+                  </a:ext>
+                </a:extLst>
+              </p:cNvPr>
+              <p:cNvPicPr>
+                <a:picLocks noChangeAspect="1"/>
+              </p:cNvPicPr>
+              <p:nvPr/>
+            </p:nvPicPr>
+            <p:blipFill>
+              <a:blip r:embed="rId3"/>
+              <a:stretch>
+                <a:fillRect/>
+              </a:stretch>
+            </p:blipFill>
+            <p:spPr>
+              <a:xfrm>
+                <a:off x="4678628" y="3057904"/>
+                <a:ext cx="2371337" cy="2179067"/>
+              </a:xfrm>
+              <a:prstGeom prst="rect">
+                <a:avLst/>
+              </a:prstGeom>
+            </p:spPr>
+          </p:pic>
+          <p:pic>
+            <p:nvPicPr>
+              <p:cNvPr id="75" name="Picture 74">
+                <a:extLst>
+                  <a:ext uri="{FF2B5EF4-FFF2-40B4-BE49-F238E27FC236}">
+                    <a16:creationId xmlns:a16="http://schemas.microsoft.com/office/drawing/2014/main" id="{A65AB9C8-7143-438D-A88B-035A904028FD}"/>
+                  </a:ext>
+                </a:extLst>
+              </p:cNvPr>
+              <p:cNvPicPr>
+                <a:picLocks noChangeAspect="1"/>
+              </p:cNvPicPr>
+              <p:nvPr/>
+            </p:nvPicPr>
+            <p:blipFill>
+              <a:blip r:embed="rId3"/>
+              <a:stretch>
+                <a:fillRect/>
+              </a:stretch>
+            </p:blipFill>
+            <p:spPr>
+              <a:xfrm>
+                <a:off x="686660" y="870834"/>
+                <a:ext cx="2371337" cy="2179067"/>
+              </a:xfrm>
+              <a:prstGeom prst="rect">
+                <a:avLst/>
+              </a:prstGeom>
+            </p:spPr>
+          </p:pic>
+          <p:pic>
+            <p:nvPicPr>
+              <p:cNvPr id="76" name="Picture 75">
+                <a:extLst>
+                  <a:ext uri="{FF2B5EF4-FFF2-40B4-BE49-F238E27FC236}">
+                    <a16:creationId xmlns:a16="http://schemas.microsoft.com/office/drawing/2014/main" id="{2EF20AAC-3772-49E0-9D29-C3F36225BB3C}"/>
+                  </a:ext>
+                </a:extLst>
+              </p:cNvPr>
+              <p:cNvPicPr>
+                <a:picLocks noChangeAspect="1"/>
+              </p:cNvPicPr>
+              <p:nvPr/>
+            </p:nvPicPr>
+            <p:blipFill>
+              <a:blip r:embed="rId3"/>
+              <a:stretch>
+                <a:fillRect/>
+              </a:stretch>
+            </p:blipFill>
+            <p:spPr>
+              <a:xfrm>
+                <a:off x="8763152" y="870834"/>
+                <a:ext cx="2371338" cy="2179067"/>
+              </a:xfrm>
+              <a:prstGeom prst="rect">
+                <a:avLst/>
+              </a:prstGeom>
+            </p:spPr>
+          </p:pic>
+          <p:grpSp>
+            <p:nvGrpSpPr>
+              <p:cNvPr id="77" name="Group 76">
+                <a:extLst>
+                  <a:ext uri="{FF2B5EF4-FFF2-40B4-BE49-F238E27FC236}">
+                    <a16:creationId xmlns:a16="http://schemas.microsoft.com/office/drawing/2014/main" id="{A93696AD-93EE-4C94-BEF7-663DA6D1DBD4}"/>
+                  </a:ext>
+                </a:extLst>
+              </p:cNvPr>
+              <p:cNvGrpSpPr/>
+              <p:nvPr/>
+            </p:nvGrpSpPr>
+            <p:grpSpPr>
+              <a:xfrm>
+                <a:off x="8591100" y="3049900"/>
+                <a:ext cx="3174355" cy="1394406"/>
+                <a:chOff x="6391213" y="4181536"/>
+                <a:chExt cx="5698162" cy="1510161"/>
+              </a:xfrm>
+            </p:grpSpPr>
+            <p:sp>
+              <p:nvSpPr>
+                <p:cNvPr id="78" name="Left Bracket 77">
+                  <a:extLst>
+                    <a:ext uri="{FF2B5EF4-FFF2-40B4-BE49-F238E27FC236}">
+                      <a16:creationId xmlns:a16="http://schemas.microsoft.com/office/drawing/2014/main" id="{2D489B81-63FD-470A-BC3A-F1E4442CAA9A}"/>
+                    </a:ext>
+                  </a:extLst>
+                </p:cNvPr>
+                <p:cNvSpPr/>
+                <p:nvPr/>
+              </p:nvSpPr>
+              <p:spPr>
+                <a:xfrm rot="16200000">
+                  <a:off x="10055980" y="3723430"/>
+                  <a:ext cx="136081" cy="1321508"/>
+                </a:xfrm>
+                <a:prstGeom prst="leftBracket">
+                  <a:avLst/>
+                </a:prstGeom>
+              </p:spPr>
+              <p:style>
+                <a:lnRef idx="1">
+                  <a:schemeClr val="accent1"/>
+                </a:lnRef>
+                <a:fillRef idx="0">
+                  <a:schemeClr val="accent1"/>
+                </a:fillRef>
+                <a:effectRef idx="0">
+                  <a:schemeClr val="accent1"/>
+                </a:effectRef>
+                <a:fontRef idx="minor">
+                  <a:schemeClr val="tx1"/>
+                </a:fontRef>
+              </p:style>
+              <p:txBody>
+                <a:bodyPr rtlCol="0" anchor="ctr"/>
+                <a:lstStyle/>
+                <a:p>
+                  <a:pPr algn="ctr"/>
+                  <a:endParaRPr lang="en-US"/>
+                </a:p>
+              </p:txBody>
+            </p:sp>
+            <p:sp>
+              <p:nvSpPr>
+                <p:cNvPr id="79" name="TextBox 78">
+                  <a:extLst>
+                    <a:ext uri="{FF2B5EF4-FFF2-40B4-BE49-F238E27FC236}">
+                      <a16:creationId xmlns:a16="http://schemas.microsoft.com/office/drawing/2014/main" id="{018D5DEF-3015-4478-99C7-01BA75AA8BA0}"/>
+                    </a:ext>
+                  </a:extLst>
+                </p:cNvPr>
+                <p:cNvSpPr txBox="1"/>
+                <p:nvPr/>
+              </p:nvSpPr>
+              <p:spPr>
+                <a:xfrm>
+                  <a:off x="6700058" y="4181536"/>
+                  <a:ext cx="2591228" cy="433324"/>
+                </a:xfrm>
+                <a:prstGeom prst="rect">
+                  <a:avLst/>
+                </a:prstGeom>
+                <a:noFill/>
+              </p:spPr>
+              <p:txBody>
+                <a:bodyPr wrap="square" rtlCol="0">
+                  <a:spAutoFit/>
+                </a:bodyPr>
+                <a:lstStyle/>
+                <a:p>
+                  <a:r>
+                    <a:rPr lang="en-US" sz="2000" dirty="0"/>
+                    <a:t>Total Width</a:t>
+                  </a:r>
+                </a:p>
+              </p:txBody>
+            </p:sp>
+            <p:sp>
+              <p:nvSpPr>
+                <p:cNvPr id="80" name="TextBox 79">
+                  <a:extLst>
+                    <a:ext uri="{FF2B5EF4-FFF2-40B4-BE49-F238E27FC236}">
+                      <a16:creationId xmlns:a16="http://schemas.microsoft.com/office/drawing/2014/main" id="{8C2E9B67-D74E-4B86-AEE6-7FD63DAC67D1}"/>
+                    </a:ext>
+                  </a:extLst>
+                </p:cNvPr>
+                <p:cNvSpPr txBox="1"/>
+                <p:nvPr/>
+              </p:nvSpPr>
+              <p:spPr>
+                <a:xfrm>
+                  <a:off x="6588132" y="4719524"/>
+                  <a:ext cx="3064557" cy="433326"/>
+                </a:xfrm>
+                <a:prstGeom prst="rect">
+                  <a:avLst/>
+                </a:prstGeom>
+                <a:noFill/>
+              </p:spPr>
+              <p:txBody>
+                <a:bodyPr wrap="square" rtlCol="0">
+                  <a:spAutoFit/>
+                </a:bodyPr>
+                <a:lstStyle/>
+                <a:p>
+                  <a:r>
+                    <a:rPr lang="en-US" sz="2000" dirty="0"/>
+                    <a:t>Feature Width</a:t>
+                  </a:r>
+                </a:p>
+              </p:txBody>
+            </p:sp>
+            <p:sp>
+              <p:nvSpPr>
+                <p:cNvPr id="81" name="TextBox 80">
+                  <a:extLst>
+                    <a:ext uri="{FF2B5EF4-FFF2-40B4-BE49-F238E27FC236}">
+                      <a16:creationId xmlns:a16="http://schemas.microsoft.com/office/drawing/2014/main" id="{7D35540A-00E9-4C16-A3F3-1372A2D4B1A8}"/>
+                    </a:ext>
+                  </a:extLst>
+                </p:cNvPr>
+                <p:cNvSpPr txBox="1"/>
+                <p:nvPr/>
+              </p:nvSpPr>
+              <p:spPr>
+                <a:xfrm>
+                  <a:off x="6391213" y="5258373"/>
+                  <a:ext cx="5698162" cy="433324"/>
+                </a:xfrm>
+                <a:prstGeom prst="rect">
+                  <a:avLst/>
+                </a:prstGeom>
+                <a:noFill/>
+              </p:spPr>
+              <p:txBody>
+                <a:bodyPr wrap="square" rtlCol="0">
+                  <a:spAutoFit/>
+                </a:bodyPr>
+                <a:lstStyle/>
+                <a:p>
+                  <a:r>
+                    <a:rPr lang="en-US" sz="2000" dirty="0"/>
+                    <a:t>Feature Width / Total Width  </a:t>
+                  </a:r>
+                </a:p>
+              </p:txBody>
+            </p:sp>
+          </p:grpSp>
           <p:sp>
             <p:nvSpPr>
-              <p:cNvPr id="78" name="Left Bracket 77">
+              <p:cNvPr id="86" name="Left Bracket 85">
                 <a:extLst>
                   <a:ext uri="{FF2B5EF4-FFF2-40B4-BE49-F238E27FC236}">
-                    <a16:creationId xmlns:a16="http://schemas.microsoft.com/office/drawing/2014/main" id="{2D489B81-63FD-470A-BC3A-F1E4442CAA9A}"/>
+                    <a16:creationId xmlns:a16="http://schemas.microsoft.com/office/drawing/2014/main" id="{7D57778B-F19D-4CD3-8356-D2F884B8293D}"/>
                   </a:ext>
                 </a:extLst>
               </p:cNvPr>
@@ -11854,8 +11056,8 @@
             </p:nvSpPr>
             <p:spPr>
               <a:xfrm rot="16200000">
-                <a:off x="10055980" y="3723430"/>
-                <a:ext cx="136081" cy="1321508"/>
+                <a:off x="10661405" y="3431373"/>
+                <a:ext cx="123889" cy="630667"/>
               </a:xfrm>
               <a:prstGeom prst="leftBracket">
                 <a:avLst/>
@@ -11884,268 +11086,206 @@
               </a:p>
             </p:txBody>
           </p:sp>
-          <p:sp>
-            <p:nvSpPr>
-              <p:cNvPr id="79" name="TextBox 78">
+          <p:grpSp>
+            <p:nvGrpSpPr>
+              <p:cNvPr id="94" name="Group 93">
                 <a:extLst>
                   <a:ext uri="{FF2B5EF4-FFF2-40B4-BE49-F238E27FC236}">
-                    <a16:creationId xmlns:a16="http://schemas.microsoft.com/office/drawing/2014/main" id="{018D5DEF-3015-4478-99C7-01BA75AA8BA0}"/>
+                    <a16:creationId xmlns:a16="http://schemas.microsoft.com/office/drawing/2014/main" id="{7ED68C55-8A48-4E6E-927F-D84C718949C9}"/>
                   </a:ext>
                 </a:extLst>
               </p:cNvPr>
-              <p:cNvSpPr txBox="1"/>
+              <p:cNvGrpSpPr/>
               <p:nvPr/>
-            </p:nvSpPr>
-            <p:spPr>
+            </p:nvGrpSpPr>
+            <p:grpSpPr>
               <a:xfrm>
-                <a:off x="6700058" y="4181536"/>
-                <a:ext cx="2591228" cy="433324"/>
+                <a:off x="5662132" y="5330183"/>
+                <a:ext cx="1373107" cy="1373147"/>
+                <a:chOff x="5661357" y="4961371"/>
+                <a:chExt cx="1373107" cy="1373147"/>
               </a:xfrm>
-              <a:prstGeom prst="rect">
-                <a:avLst/>
-              </a:prstGeom>
-              <a:noFill/>
-            </p:spPr>
-            <p:txBody>
-              <a:bodyPr wrap="square" rtlCol="0">
-                <a:spAutoFit/>
-              </a:bodyPr>
-              <a:lstStyle/>
-              <a:p>
-                <a:r>
-                  <a:rPr lang="en-US" sz="2000" dirty="0"/>
-                  <a:t>Total Width</a:t>
-                </a:r>
-              </a:p>
-            </p:txBody>
-          </p:sp>
+            </p:grpSpPr>
+            <p:cxnSp>
+              <p:nvCxnSpPr>
+                <p:cNvPr id="87" name="Straight Connector 86">
+                  <a:extLst>
+                    <a:ext uri="{FF2B5EF4-FFF2-40B4-BE49-F238E27FC236}">
+                      <a16:creationId xmlns:a16="http://schemas.microsoft.com/office/drawing/2014/main" id="{3B6DFA56-FCFF-473F-B456-E7CFEF05AE23}"/>
+                    </a:ext>
+                  </a:extLst>
+                </p:cNvPr>
+                <p:cNvCxnSpPr>
+                  <a:cxnSpLocks/>
+                </p:cNvCxnSpPr>
+                <p:nvPr/>
+              </p:nvCxnSpPr>
+              <p:spPr>
+                <a:xfrm>
+                  <a:off x="5908478" y="4973961"/>
+                  <a:ext cx="0" cy="285331"/>
+                </a:xfrm>
+                <a:prstGeom prst="line">
+                  <a:avLst/>
+                </a:prstGeom>
+                <a:ln w="28575">
+                  <a:solidFill>
+                    <a:schemeClr val="accent5"/>
+                  </a:solidFill>
+                </a:ln>
+              </p:spPr>
+              <p:style>
+                <a:lnRef idx="1">
+                  <a:schemeClr val="accent1"/>
+                </a:lnRef>
+                <a:fillRef idx="0">
+                  <a:schemeClr val="accent1"/>
+                </a:fillRef>
+                <a:effectRef idx="0">
+                  <a:schemeClr val="accent1"/>
+                </a:effectRef>
+                <a:fontRef idx="minor">
+                  <a:schemeClr val="tx1"/>
+                </a:fontRef>
+              </p:style>
+            </p:cxnSp>
+            <p:cxnSp>
+              <p:nvCxnSpPr>
+                <p:cNvPr id="88" name="Straight Connector 87">
+                  <a:extLst>
+                    <a:ext uri="{FF2B5EF4-FFF2-40B4-BE49-F238E27FC236}">
+                      <a16:creationId xmlns:a16="http://schemas.microsoft.com/office/drawing/2014/main" id="{116DA453-A3B8-4573-8877-ECA344E3BFFD}"/>
+                    </a:ext>
+                  </a:extLst>
+                </p:cNvPr>
+                <p:cNvCxnSpPr>
+                  <a:cxnSpLocks/>
+                </p:cNvCxnSpPr>
+                <p:nvPr/>
+              </p:nvCxnSpPr>
+              <p:spPr>
+                <a:xfrm>
+                  <a:off x="6787344" y="4961371"/>
+                  <a:ext cx="0" cy="285331"/>
+                </a:xfrm>
+                <a:prstGeom prst="line">
+                  <a:avLst/>
+                </a:prstGeom>
+                <a:ln w="28575">
+                  <a:solidFill>
+                    <a:schemeClr val="accent5"/>
+                  </a:solidFill>
+                </a:ln>
+              </p:spPr>
+              <p:style>
+                <a:lnRef idx="1">
+                  <a:schemeClr val="accent1"/>
+                </a:lnRef>
+                <a:fillRef idx="0">
+                  <a:schemeClr val="accent1"/>
+                </a:fillRef>
+                <a:effectRef idx="0">
+                  <a:schemeClr val="accent1"/>
+                </a:effectRef>
+                <a:fontRef idx="minor">
+                  <a:schemeClr val="tx1"/>
+                </a:fontRef>
+              </p:style>
+            </p:cxnSp>
+            <p:sp>
+              <p:nvSpPr>
+                <p:cNvPr id="89" name="Right Brace 88">
+                  <a:extLst>
+                    <a:ext uri="{FF2B5EF4-FFF2-40B4-BE49-F238E27FC236}">
+                      <a16:creationId xmlns:a16="http://schemas.microsoft.com/office/drawing/2014/main" id="{E6232B12-300B-44C9-BA48-B1FE76EE6A97}"/>
+                    </a:ext>
+                  </a:extLst>
+                </p:cNvPr>
+                <p:cNvSpPr/>
+                <p:nvPr/>
+              </p:nvSpPr>
+              <p:spPr>
+                <a:xfrm rot="5400000">
+                  <a:off x="6246814" y="5044006"/>
+                  <a:ext cx="202194" cy="878866"/>
+                </a:xfrm>
+                <a:prstGeom prst="rightBrace">
+                  <a:avLst/>
+                </a:prstGeom>
+              </p:spPr>
+              <p:style>
+                <a:lnRef idx="1">
+                  <a:schemeClr val="accent1"/>
+                </a:lnRef>
+                <a:fillRef idx="0">
+                  <a:schemeClr val="accent1"/>
+                </a:fillRef>
+                <a:effectRef idx="0">
+                  <a:schemeClr val="accent1"/>
+                </a:effectRef>
+                <a:fontRef idx="minor">
+                  <a:schemeClr val="tx1"/>
+                </a:fontRef>
+              </p:style>
+              <p:txBody>
+                <a:bodyPr rtlCol="0" anchor="ctr"/>
+                <a:lstStyle/>
+                <a:p>
+                  <a:pPr algn="ctr"/>
+                  <a:endParaRPr lang="en-US" dirty="0"/>
+                </a:p>
+              </p:txBody>
+            </p:sp>
+            <p:sp>
+              <p:nvSpPr>
+                <p:cNvPr id="90" name="TextBox 89">
+                  <a:extLst>
+                    <a:ext uri="{FF2B5EF4-FFF2-40B4-BE49-F238E27FC236}">
+                      <a16:creationId xmlns:a16="http://schemas.microsoft.com/office/drawing/2014/main" id="{5BAC6772-C540-40A8-A25B-4EB9E169DD1C}"/>
+                    </a:ext>
+                  </a:extLst>
+                </p:cNvPr>
+                <p:cNvSpPr txBox="1"/>
+                <p:nvPr/>
+              </p:nvSpPr>
+              <p:spPr>
+                <a:xfrm>
+                  <a:off x="5661357" y="5626632"/>
+                  <a:ext cx="1373107" cy="707886"/>
+                </a:xfrm>
+                <a:prstGeom prst="rect">
+                  <a:avLst/>
+                </a:prstGeom>
+                <a:noFill/>
+              </p:spPr>
+              <p:txBody>
+                <a:bodyPr wrap="square" rtlCol="0">
+                  <a:spAutoFit/>
+                </a:bodyPr>
+                <a:lstStyle/>
+                <a:p>
+                  <a:pPr algn="ctr"/>
+                  <a:r>
+                    <a:rPr lang="en-US" sz="2000" dirty="0"/>
+                    <a:t>X </a:t>
+                  </a:r>
+                </a:p>
+                <a:p>
+                  <a:pPr algn="ctr"/>
+                  <a:r>
+                    <a:rPr lang="en-US" sz="2000" dirty="0"/>
+                    <a:t>base pairs</a:t>
+                  </a:r>
+                </a:p>
+              </p:txBody>
+            </p:sp>
+          </p:grpSp>
           <p:sp>
             <p:nvSpPr>
-              <p:cNvPr id="80" name="TextBox 79">
+              <p:cNvPr id="91" name="Right Brace 90">
                 <a:extLst>
                   <a:ext uri="{FF2B5EF4-FFF2-40B4-BE49-F238E27FC236}">
-                    <a16:creationId xmlns:a16="http://schemas.microsoft.com/office/drawing/2014/main" id="{8C2E9B67-D74E-4B86-AEE6-7FD63DAC67D1}"/>
-                  </a:ext>
-                </a:extLst>
-              </p:cNvPr>
-              <p:cNvSpPr txBox="1"/>
-              <p:nvPr/>
-            </p:nvSpPr>
-            <p:spPr>
-              <a:xfrm>
-                <a:off x="6588132" y="4719524"/>
-                <a:ext cx="3064557" cy="433326"/>
-              </a:xfrm>
-              <a:prstGeom prst="rect">
-                <a:avLst/>
-              </a:prstGeom>
-              <a:noFill/>
-            </p:spPr>
-            <p:txBody>
-              <a:bodyPr wrap="square" rtlCol="0">
-                <a:spAutoFit/>
-              </a:bodyPr>
-              <a:lstStyle/>
-              <a:p>
-                <a:r>
-                  <a:rPr lang="en-US" sz="2000" dirty="0"/>
-                  <a:t>Feature Width</a:t>
-                </a:r>
-              </a:p>
-            </p:txBody>
-          </p:sp>
-          <p:sp>
-            <p:nvSpPr>
-              <p:cNvPr id="81" name="TextBox 80">
-                <a:extLst>
-                  <a:ext uri="{FF2B5EF4-FFF2-40B4-BE49-F238E27FC236}">
-                    <a16:creationId xmlns:a16="http://schemas.microsoft.com/office/drawing/2014/main" id="{7D35540A-00E9-4C16-A3F3-1372A2D4B1A8}"/>
-                  </a:ext>
-                </a:extLst>
-              </p:cNvPr>
-              <p:cNvSpPr txBox="1"/>
-              <p:nvPr/>
-            </p:nvSpPr>
-            <p:spPr>
-              <a:xfrm>
-                <a:off x="6391213" y="5258373"/>
-                <a:ext cx="5698162" cy="433324"/>
-              </a:xfrm>
-              <a:prstGeom prst="rect">
-                <a:avLst/>
-              </a:prstGeom>
-              <a:noFill/>
-            </p:spPr>
-            <p:txBody>
-              <a:bodyPr wrap="square" rtlCol="0">
-                <a:spAutoFit/>
-              </a:bodyPr>
-              <a:lstStyle/>
-              <a:p>
-                <a:r>
-                  <a:rPr lang="en-US" sz="2000" dirty="0"/>
-                  <a:t>Feature Width / Total Width  </a:t>
-                </a:r>
-              </a:p>
-            </p:txBody>
-          </p:sp>
-        </p:grpSp>
-        <p:sp>
-          <p:nvSpPr>
-            <p:cNvPr id="86" name="Left Bracket 85">
-              <a:extLst>
-                <a:ext uri="{FF2B5EF4-FFF2-40B4-BE49-F238E27FC236}">
-                  <a16:creationId xmlns:a16="http://schemas.microsoft.com/office/drawing/2014/main" id="{7D57778B-F19D-4CD3-8356-D2F884B8293D}"/>
-                </a:ext>
-              </a:extLst>
-            </p:cNvPr>
-            <p:cNvSpPr/>
-            <p:nvPr/>
-          </p:nvSpPr>
-          <p:spPr>
-            <a:xfrm rot="16200000">
-              <a:off x="10661405" y="3431373"/>
-              <a:ext cx="123889" cy="630667"/>
-            </a:xfrm>
-            <a:prstGeom prst="leftBracket">
-              <a:avLst/>
-            </a:prstGeom>
-          </p:spPr>
-          <p:style>
-            <a:lnRef idx="1">
-              <a:schemeClr val="accent1"/>
-            </a:lnRef>
-            <a:fillRef idx="0">
-              <a:schemeClr val="accent1"/>
-            </a:fillRef>
-            <a:effectRef idx="0">
-              <a:schemeClr val="accent1"/>
-            </a:effectRef>
-            <a:fontRef idx="minor">
-              <a:schemeClr val="tx1"/>
-            </a:fontRef>
-          </p:style>
-          <p:txBody>
-            <a:bodyPr rtlCol="0" anchor="ctr"/>
-            <a:lstStyle/>
-            <a:p>
-              <a:pPr algn="ctr"/>
-              <a:endParaRPr lang="en-US"/>
-            </a:p>
-          </p:txBody>
-        </p:sp>
-        <p:grpSp>
-          <p:nvGrpSpPr>
-            <p:cNvPr id="94" name="Group 93">
-              <a:extLst>
-                <a:ext uri="{FF2B5EF4-FFF2-40B4-BE49-F238E27FC236}">
-                  <a16:creationId xmlns:a16="http://schemas.microsoft.com/office/drawing/2014/main" id="{7ED68C55-8A48-4E6E-927F-D84C718949C9}"/>
-                </a:ext>
-              </a:extLst>
-            </p:cNvPr>
-            <p:cNvGrpSpPr/>
-            <p:nvPr/>
-          </p:nvGrpSpPr>
-          <p:grpSpPr>
-            <a:xfrm>
-              <a:off x="5662132" y="5330183"/>
-              <a:ext cx="1373107" cy="1373147"/>
-              <a:chOff x="5661357" y="4961371"/>
-              <a:chExt cx="1373107" cy="1373147"/>
-            </a:xfrm>
-          </p:grpSpPr>
-          <p:cxnSp>
-            <p:nvCxnSpPr>
-              <p:cNvPr id="87" name="Straight Connector 86">
-                <a:extLst>
-                  <a:ext uri="{FF2B5EF4-FFF2-40B4-BE49-F238E27FC236}">
-                    <a16:creationId xmlns:a16="http://schemas.microsoft.com/office/drawing/2014/main" id="{3B6DFA56-FCFF-473F-B456-E7CFEF05AE23}"/>
-                  </a:ext>
-                </a:extLst>
-              </p:cNvPr>
-              <p:cNvCxnSpPr>
-                <a:cxnSpLocks/>
-              </p:cNvCxnSpPr>
-              <p:nvPr/>
-            </p:nvCxnSpPr>
-            <p:spPr>
-              <a:xfrm>
-                <a:off x="5908478" y="4973961"/>
-                <a:ext cx="0" cy="285331"/>
-              </a:xfrm>
-              <a:prstGeom prst="line">
-                <a:avLst/>
-              </a:prstGeom>
-              <a:ln w="28575">
-                <a:solidFill>
-                  <a:schemeClr val="accent5"/>
-                </a:solidFill>
-              </a:ln>
-            </p:spPr>
-            <p:style>
-              <a:lnRef idx="1">
-                <a:schemeClr val="accent1"/>
-              </a:lnRef>
-              <a:fillRef idx="0">
-                <a:schemeClr val="accent1"/>
-              </a:fillRef>
-              <a:effectRef idx="0">
-                <a:schemeClr val="accent1"/>
-              </a:effectRef>
-              <a:fontRef idx="minor">
-                <a:schemeClr val="tx1"/>
-              </a:fontRef>
-            </p:style>
-          </p:cxnSp>
-          <p:cxnSp>
-            <p:nvCxnSpPr>
-              <p:cNvPr id="88" name="Straight Connector 87">
-                <a:extLst>
-                  <a:ext uri="{FF2B5EF4-FFF2-40B4-BE49-F238E27FC236}">
-                    <a16:creationId xmlns:a16="http://schemas.microsoft.com/office/drawing/2014/main" id="{116DA453-A3B8-4573-8877-ECA344E3BFFD}"/>
-                  </a:ext>
-                </a:extLst>
-              </p:cNvPr>
-              <p:cNvCxnSpPr>
-                <a:cxnSpLocks/>
-              </p:cNvCxnSpPr>
-              <p:nvPr/>
-            </p:nvCxnSpPr>
-            <p:spPr>
-              <a:xfrm>
-                <a:off x="6787344" y="4961371"/>
-                <a:ext cx="0" cy="285331"/>
-              </a:xfrm>
-              <a:prstGeom prst="line">
-                <a:avLst/>
-              </a:prstGeom>
-              <a:ln w="28575">
-                <a:solidFill>
-                  <a:schemeClr val="accent5"/>
-                </a:solidFill>
-              </a:ln>
-            </p:spPr>
-            <p:style>
-              <a:lnRef idx="1">
-                <a:schemeClr val="accent1"/>
-              </a:lnRef>
-              <a:fillRef idx="0">
-                <a:schemeClr val="accent1"/>
-              </a:fillRef>
-              <a:effectRef idx="0">
-                <a:schemeClr val="accent1"/>
-              </a:effectRef>
-              <a:fontRef idx="minor">
-                <a:schemeClr val="tx1"/>
-              </a:fontRef>
-            </p:style>
-          </p:cxnSp>
-          <p:sp>
-            <p:nvSpPr>
-              <p:cNvPr id="89" name="Right Brace 88">
-                <a:extLst>
-                  <a:ext uri="{FF2B5EF4-FFF2-40B4-BE49-F238E27FC236}">
-                    <a16:creationId xmlns:a16="http://schemas.microsoft.com/office/drawing/2014/main" id="{E6232B12-300B-44C9-BA48-B1FE76EE6A97}"/>
+                    <a16:creationId xmlns:a16="http://schemas.microsoft.com/office/drawing/2014/main" id="{18074E52-54B9-4430-8F26-71AE5FF2EC3D}"/>
                   </a:ext>
                 </a:extLst>
               </p:cNvPr>
@@ -12154,8 +11294,8 @@
             </p:nvSpPr>
             <p:spPr>
               <a:xfrm rot="5400000">
-                <a:off x="6246814" y="5044006"/>
-                <a:ext cx="202194" cy="878866"/>
+                <a:off x="1024416" y="2890182"/>
+                <a:ext cx="231171" cy="703828"/>
               </a:xfrm>
               <a:prstGeom prst="rightBrace">
                 <a:avLst/>
@@ -12180,16 +11320,16 @@
               <a:lstStyle/>
               <a:p>
                 <a:pPr algn="ctr"/>
-                <a:endParaRPr lang="en-US" dirty="0"/>
+                <a:endParaRPr lang="en-US"/>
               </a:p>
             </p:txBody>
           </p:sp>
           <p:sp>
             <p:nvSpPr>
-              <p:cNvPr id="90" name="TextBox 89">
+              <p:cNvPr id="92" name="TextBox 91">
                 <a:extLst>
                   <a:ext uri="{FF2B5EF4-FFF2-40B4-BE49-F238E27FC236}">
-                    <a16:creationId xmlns:a16="http://schemas.microsoft.com/office/drawing/2014/main" id="{5BAC6772-C540-40A8-A25B-4EB9E169DD1C}"/>
+                    <a16:creationId xmlns:a16="http://schemas.microsoft.com/office/drawing/2014/main" id="{D9B77F90-0E81-4148-9F1D-45E3CD6F3CEE}"/>
                   </a:ext>
                 </a:extLst>
               </p:cNvPr>
@@ -12198,8 +11338,8 @@
             </p:nvSpPr>
             <p:spPr>
               <a:xfrm>
-                <a:off x="5661357" y="5626632"/>
-                <a:ext cx="1373107" cy="707886"/>
+                <a:off x="897851" y="1902011"/>
+                <a:ext cx="319318" cy="307777"/>
               </a:xfrm>
               <a:prstGeom prst="rect">
                 <a:avLst/>
@@ -12212,72 +11352,164 @@
               </a:bodyPr>
               <a:lstStyle/>
               <a:p>
-                <a:pPr algn="ctr"/>
+                <a:r>
+                  <a:rPr lang="en-US" sz="1400" dirty="0"/>
+                  <a:t>1</a:t>
+                </a:r>
+              </a:p>
+            </p:txBody>
+          </p:sp>
+          <p:sp>
+            <p:nvSpPr>
+              <p:cNvPr id="93" name="TextBox 92">
+                <a:extLst>
+                  <a:ext uri="{FF2B5EF4-FFF2-40B4-BE49-F238E27FC236}">
+                    <a16:creationId xmlns:a16="http://schemas.microsoft.com/office/drawing/2014/main" id="{DBE964B2-760C-4354-9E01-92C870E5C596}"/>
+                  </a:ext>
+                </a:extLst>
+              </p:cNvPr>
+              <p:cNvSpPr txBox="1"/>
+              <p:nvPr/>
+            </p:nvSpPr>
+            <p:spPr>
+              <a:xfrm>
+                <a:off x="993659" y="3428420"/>
+                <a:ext cx="319318" cy="400110"/>
+              </a:xfrm>
+              <a:prstGeom prst="rect">
+                <a:avLst/>
+              </a:prstGeom>
+              <a:noFill/>
+            </p:spPr>
+            <p:txBody>
+              <a:bodyPr wrap="square" rtlCol="0">
+                <a:spAutoFit/>
+              </a:bodyPr>
+              <a:lstStyle/>
+              <a:p>
                 <a:r>
                   <a:rPr lang="en-US" sz="2000" dirty="0"/>
-                  <a:t>X </a:t>
+                  <a:t>1</a:t>
                 </a:r>
+                <a:endParaRPr lang="en-US" sz="1400" dirty="0"/>
               </a:p>
+            </p:txBody>
+          </p:sp>
+          <p:sp>
+            <p:nvSpPr>
+              <p:cNvPr id="95" name="TextBox 94">
+                <a:extLst>
+                  <a:ext uri="{FF2B5EF4-FFF2-40B4-BE49-F238E27FC236}">
+                    <a16:creationId xmlns:a16="http://schemas.microsoft.com/office/drawing/2014/main" id="{77F5E1F6-7801-4D61-9217-34B64B705089}"/>
+                  </a:ext>
+                </a:extLst>
+              </p:cNvPr>
+              <p:cNvSpPr txBox="1"/>
+              <p:nvPr/>
+            </p:nvSpPr>
+            <p:spPr>
+              <a:xfrm>
+                <a:off x="962959" y="439946"/>
+                <a:ext cx="319318" cy="461665"/>
+              </a:xfrm>
+              <a:prstGeom prst="rect">
+                <a:avLst/>
+              </a:prstGeom>
+              <a:noFill/>
+            </p:spPr>
+            <p:txBody>
+              <a:bodyPr wrap="square" rtlCol="0">
+                <a:spAutoFit/>
+              </a:bodyPr>
+              <a:lstStyle/>
               <a:p>
-                <a:pPr algn="ctr"/>
                 <a:r>
-                  <a:rPr lang="en-US" sz="2000" dirty="0"/>
-                  <a:t>base pairs</a:t>
+                  <a:rPr lang="en-US" sz="2400" b="1" dirty="0"/>
+                  <a:t>I</a:t>
                 </a:r>
+                <a:endParaRPr lang="en-US" sz="1400" b="1" dirty="0"/>
+              </a:p>
+            </p:txBody>
+          </p:sp>
+          <p:sp>
+            <p:nvSpPr>
+              <p:cNvPr id="96" name="TextBox 95">
+                <a:extLst>
+                  <a:ext uri="{FF2B5EF4-FFF2-40B4-BE49-F238E27FC236}">
+                    <a16:creationId xmlns:a16="http://schemas.microsoft.com/office/drawing/2014/main" id="{B0BD1DE3-2528-417C-B94B-B0A92CB410FE}"/>
+                  </a:ext>
+                </a:extLst>
+              </p:cNvPr>
+              <p:cNvSpPr txBox="1"/>
+              <p:nvPr/>
+            </p:nvSpPr>
+            <p:spPr>
+              <a:xfrm>
+                <a:off x="5704637" y="2602911"/>
+                <a:ext cx="568754" cy="461665"/>
+              </a:xfrm>
+              <a:prstGeom prst="rect">
+                <a:avLst/>
+              </a:prstGeom>
+              <a:noFill/>
+            </p:spPr>
+            <p:txBody>
+              <a:bodyPr wrap="square" rtlCol="0">
+                <a:spAutoFit/>
+              </a:bodyPr>
+              <a:lstStyle/>
+              <a:p>
+                <a:r>
+                  <a:rPr lang="en-US" sz="2400" b="1" dirty="0"/>
+                  <a:t>II</a:t>
+                </a:r>
+                <a:endParaRPr lang="en-US" sz="1600" b="1" dirty="0"/>
+              </a:p>
+            </p:txBody>
+          </p:sp>
+          <p:sp>
+            <p:nvSpPr>
+              <p:cNvPr id="97" name="TextBox 96">
+                <a:extLst>
+                  <a:ext uri="{FF2B5EF4-FFF2-40B4-BE49-F238E27FC236}">
+                    <a16:creationId xmlns:a16="http://schemas.microsoft.com/office/drawing/2014/main" id="{DDD7E8E3-4E74-4430-9AEA-3AC49E8CC720}"/>
+                  </a:ext>
+                </a:extLst>
+              </p:cNvPr>
+              <p:cNvSpPr txBox="1"/>
+              <p:nvPr/>
+            </p:nvSpPr>
+            <p:spPr>
+              <a:xfrm>
+                <a:off x="10498967" y="439945"/>
+                <a:ext cx="539716" cy="461665"/>
+              </a:xfrm>
+              <a:prstGeom prst="rect">
+                <a:avLst/>
+              </a:prstGeom>
+              <a:noFill/>
+            </p:spPr>
+            <p:txBody>
+              <a:bodyPr wrap="square" rtlCol="0">
+                <a:spAutoFit/>
+              </a:bodyPr>
+              <a:lstStyle/>
+              <a:p>
+                <a:r>
+                  <a:rPr lang="en-US" sz="2400" b="1" dirty="0"/>
+                  <a:t>III</a:t>
+                </a:r>
+                <a:endParaRPr lang="en-US" sz="1400" b="1" dirty="0"/>
               </a:p>
             </p:txBody>
           </p:sp>
         </p:grpSp>
         <p:sp>
           <p:nvSpPr>
-            <p:cNvPr id="91" name="Right Brace 90">
+            <p:cNvPr id="99" name="TextBox 98">
               <a:extLst>
                 <a:ext uri="{FF2B5EF4-FFF2-40B4-BE49-F238E27FC236}">
-                  <a16:creationId xmlns:a16="http://schemas.microsoft.com/office/drawing/2014/main" id="{18074E52-54B9-4430-8F26-71AE5FF2EC3D}"/>
-                </a:ext>
-              </a:extLst>
-            </p:cNvPr>
-            <p:cNvSpPr/>
-            <p:nvPr/>
-          </p:nvSpPr>
-          <p:spPr>
-            <a:xfrm rot="5400000">
-              <a:off x="1024416" y="2890182"/>
-              <a:ext cx="231171" cy="703828"/>
-            </a:xfrm>
-            <a:prstGeom prst="rightBrace">
-              <a:avLst/>
-            </a:prstGeom>
-          </p:spPr>
-          <p:style>
-            <a:lnRef idx="1">
-              <a:schemeClr val="accent1"/>
-            </a:lnRef>
-            <a:fillRef idx="0">
-              <a:schemeClr val="accent1"/>
-            </a:fillRef>
-            <a:effectRef idx="0">
-              <a:schemeClr val="accent1"/>
-            </a:effectRef>
-            <a:fontRef idx="minor">
-              <a:schemeClr val="tx1"/>
-            </a:fontRef>
-          </p:style>
-          <p:txBody>
-            <a:bodyPr rtlCol="0" anchor="ctr"/>
-            <a:lstStyle/>
-            <a:p>
-              <a:pPr algn="ctr"/>
-              <a:endParaRPr lang="en-US"/>
-            </a:p>
-          </p:txBody>
-        </p:sp>
-        <p:sp>
-          <p:nvSpPr>
-            <p:cNvPr id="92" name="TextBox 91">
-              <a:extLst>
-                <a:ext uri="{FF2B5EF4-FFF2-40B4-BE49-F238E27FC236}">
-                  <a16:creationId xmlns:a16="http://schemas.microsoft.com/office/drawing/2014/main" id="{D9B77F90-0E81-4148-9F1D-45E3CD6F3CEE}"/>
+                  <a16:creationId xmlns:a16="http://schemas.microsoft.com/office/drawing/2014/main" id="{77BCA748-E5EF-4DD1-AAD3-705B43E0DD87}"/>
                 </a:ext>
               </a:extLst>
             </p:cNvPr>
@@ -12286,79 +11518,8 @@
           </p:nvSpPr>
           <p:spPr>
             <a:xfrm>
-              <a:off x="897851" y="1902011"/>
-              <a:ext cx="319318" cy="307777"/>
-            </a:xfrm>
-            <a:prstGeom prst="rect">
-              <a:avLst/>
-            </a:prstGeom>
-            <a:noFill/>
-          </p:spPr>
-          <p:txBody>
-            <a:bodyPr wrap="square" rtlCol="0">
-              <a:spAutoFit/>
-            </a:bodyPr>
-            <a:lstStyle/>
-            <a:p>
-              <a:r>
-                <a:rPr lang="en-US" sz="1400" dirty="0"/>
-                <a:t>1</a:t>
-              </a:r>
-            </a:p>
-          </p:txBody>
-        </p:sp>
-        <p:sp>
-          <p:nvSpPr>
-            <p:cNvPr id="93" name="TextBox 92">
-              <a:extLst>
-                <a:ext uri="{FF2B5EF4-FFF2-40B4-BE49-F238E27FC236}">
-                  <a16:creationId xmlns:a16="http://schemas.microsoft.com/office/drawing/2014/main" id="{DBE964B2-760C-4354-9E01-92C870E5C596}"/>
-                </a:ext>
-              </a:extLst>
-            </p:cNvPr>
-            <p:cNvSpPr txBox="1"/>
-            <p:nvPr/>
-          </p:nvSpPr>
-          <p:spPr>
-            <a:xfrm>
-              <a:off x="993659" y="3428420"/>
-              <a:ext cx="319318" cy="400110"/>
-            </a:xfrm>
-            <a:prstGeom prst="rect">
-              <a:avLst/>
-            </a:prstGeom>
-            <a:noFill/>
-          </p:spPr>
-          <p:txBody>
-            <a:bodyPr wrap="square" rtlCol="0">
-              <a:spAutoFit/>
-            </a:bodyPr>
-            <a:lstStyle/>
-            <a:p>
-              <a:r>
-                <a:rPr lang="en-US" sz="2000" dirty="0"/>
-                <a:t>1</a:t>
-              </a:r>
-              <a:endParaRPr lang="en-US" sz="1400" dirty="0"/>
-            </a:p>
-          </p:txBody>
-        </p:sp>
-        <p:sp>
-          <p:nvSpPr>
-            <p:cNvPr id="95" name="TextBox 94">
-              <a:extLst>
-                <a:ext uri="{FF2B5EF4-FFF2-40B4-BE49-F238E27FC236}">
-                  <a16:creationId xmlns:a16="http://schemas.microsoft.com/office/drawing/2014/main" id="{77F5E1F6-7801-4D61-9217-34B64B705089}"/>
-                </a:ext>
-              </a:extLst>
-            </p:cNvPr>
-            <p:cNvSpPr txBox="1"/>
-            <p:nvPr/>
-          </p:nvSpPr>
-          <p:spPr>
-            <a:xfrm>
-              <a:off x="962959" y="439946"/>
-              <a:ext cx="319318" cy="461665"/>
+              <a:off x="171957" y="1849911"/>
+              <a:ext cx="591132" cy="461665"/>
             </a:xfrm>
             <a:prstGeom prst="rect">
               <a:avLst/>
@@ -12373,7 +11534,7 @@
             <a:p>
               <a:r>
                 <a:rPr lang="en-US" sz="2400" b="1" dirty="0"/>
-                <a:t>I</a:t>
+                <a:t>(A)</a:t>
               </a:r>
               <a:endParaRPr lang="en-US" sz="1400" b="1" dirty="0"/>
             </a:p>
@@ -12381,10 +11542,10 @@
         </p:sp>
         <p:sp>
           <p:nvSpPr>
-            <p:cNvPr id="96" name="TextBox 95">
+            <p:cNvPr id="100" name="TextBox 99">
               <a:extLst>
                 <a:ext uri="{FF2B5EF4-FFF2-40B4-BE49-F238E27FC236}">
-                  <a16:creationId xmlns:a16="http://schemas.microsoft.com/office/drawing/2014/main" id="{B0BD1DE3-2528-417C-B94B-B0A92CB410FE}"/>
+                  <a16:creationId xmlns:a16="http://schemas.microsoft.com/office/drawing/2014/main" id="{19496914-E127-4E63-8076-82BBF44A1EBC}"/>
                 </a:ext>
               </a:extLst>
             </p:cNvPr>
@@ -12393,8 +11554,8 @@
           </p:nvSpPr>
           <p:spPr>
             <a:xfrm>
-              <a:off x="5704637" y="2602911"/>
-              <a:ext cx="568754" cy="461665"/>
+              <a:off x="4113364" y="4095337"/>
+              <a:ext cx="591132" cy="461665"/>
             </a:xfrm>
             <a:prstGeom prst="rect">
               <a:avLst/>
@@ -12409,18 +11570,18 @@
             <a:p>
               <a:r>
                 <a:rPr lang="en-US" sz="2400" b="1" dirty="0"/>
-                <a:t>II</a:t>
+                <a:t>(C)</a:t>
               </a:r>
-              <a:endParaRPr lang="en-US" sz="1600" b="1" dirty="0"/>
+              <a:endParaRPr lang="en-US" sz="1400" b="1" dirty="0"/>
             </a:p>
           </p:txBody>
         </p:sp>
         <p:sp>
           <p:nvSpPr>
-            <p:cNvPr id="97" name="TextBox 96">
+            <p:cNvPr id="101" name="TextBox 100">
               <a:extLst>
                 <a:ext uri="{FF2B5EF4-FFF2-40B4-BE49-F238E27FC236}">
-                  <a16:creationId xmlns:a16="http://schemas.microsoft.com/office/drawing/2014/main" id="{DDD7E8E3-4E74-4430-9AEA-3AC49E8CC720}"/>
+                  <a16:creationId xmlns:a16="http://schemas.microsoft.com/office/drawing/2014/main" id="{1EDC992A-EBD1-4255-8A3B-2E8DBE49CC80}"/>
                 </a:ext>
               </a:extLst>
             </p:cNvPr>
@@ -12429,8 +11590,8 @@
           </p:nvSpPr>
           <p:spPr>
             <a:xfrm>
-              <a:off x="10498967" y="439945"/>
-              <a:ext cx="539716" cy="461665"/>
+              <a:off x="11428911" y="1853145"/>
+              <a:ext cx="591132" cy="461665"/>
             </a:xfrm>
             <a:prstGeom prst="rect">
               <a:avLst/>
@@ -12445,121 +11606,13 @@
             <a:p>
               <a:r>
                 <a:rPr lang="en-US" sz="2400" b="1" dirty="0"/>
-                <a:t>III</a:t>
+                <a:t>(B)</a:t>
               </a:r>
               <a:endParaRPr lang="en-US" sz="1400" b="1" dirty="0"/>
             </a:p>
           </p:txBody>
         </p:sp>
       </p:grpSp>
-      <p:sp>
-        <p:nvSpPr>
-          <p:cNvPr id="99" name="TextBox 98">
-            <a:extLst>
-              <a:ext uri="{FF2B5EF4-FFF2-40B4-BE49-F238E27FC236}">
-                <a16:creationId xmlns:a16="http://schemas.microsoft.com/office/drawing/2014/main" id="{77BCA748-E5EF-4DD1-AAD3-705B43E0DD87}"/>
-              </a:ext>
-            </a:extLst>
-          </p:cNvPr>
-          <p:cNvSpPr txBox="1"/>
-          <p:nvPr/>
-        </p:nvSpPr>
-        <p:spPr>
-          <a:xfrm>
-            <a:off x="171957" y="1849911"/>
-            <a:ext cx="591132" cy="461665"/>
-          </a:xfrm>
-          <a:prstGeom prst="rect">
-            <a:avLst/>
-          </a:prstGeom>
-          <a:noFill/>
-        </p:spPr>
-        <p:txBody>
-          <a:bodyPr wrap="square" rtlCol="0">
-            <a:spAutoFit/>
-          </a:bodyPr>
-          <a:lstStyle/>
-          <a:p>
-            <a:r>
-              <a:rPr lang="en-US" sz="2400" b="1" dirty="0"/>
-              <a:t>(A)</a:t>
-            </a:r>
-            <a:endParaRPr lang="en-US" sz="1400" b="1" dirty="0"/>
-          </a:p>
-        </p:txBody>
-      </p:sp>
-      <p:sp>
-        <p:nvSpPr>
-          <p:cNvPr id="100" name="TextBox 99">
-            <a:extLst>
-              <a:ext uri="{FF2B5EF4-FFF2-40B4-BE49-F238E27FC236}">
-                <a16:creationId xmlns:a16="http://schemas.microsoft.com/office/drawing/2014/main" id="{19496914-E127-4E63-8076-82BBF44A1EBC}"/>
-              </a:ext>
-            </a:extLst>
-          </p:cNvPr>
-          <p:cNvSpPr txBox="1"/>
-          <p:nvPr/>
-        </p:nvSpPr>
-        <p:spPr>
-          <a:xfrm>
-            <a:off x="4113364" y="4095337"/>
-            <a:ext cx="591132" cy="461665"/>
-          </a:xfrm>
-          <a:prstGeom prst="rect">
-            <a:avLst/>
-          </a:prstGeom>
-          <a:noFill/>
-        </p:spPr>
-        <p:txBody>
-          <a:bodyPr wrap="square" rtlCol="0">
-            <a:spAutoFit/>
-          </a:bodyPr>
-          <a:lstStyle/>
-          <a:p>
-            <a:r>
-              <a:rPr lang="en-US" sz="2400" b="1" dirty="0"/>
-              <a:t>(C)</a:t>
-            </a:r>
-            <a:endParaRPr lang="en-US" sz="1400" b="1" dirty="0"/>
-          </a:p>
-        </p:txBody>
-      </p:sp>
-      <p:sp>
-        <p:nvSpPr>
-          <p:cNvPr id="101" name="TextBox 100">
-            <a:extLst>
-              <a:ext uri="{FF2B5EF4-FFF2-40B4-BE49-F238E27FC236}">
-                <a16:creationId xmlns:a16="http://schemas.microsoft.com/office/drawing/2014/main" id="{1EDC992A-EBD1-4255-8A3B-2E8DBE49CC80}"/>
-              </a:ext>
-            </a:extLst>
-          </p:cNvPr>
-          <p:cNvSpPr txBox="1"/>
-          <p:nvPr/>
-        </p:nvSpPr>
-        <p:spPr>
-          <a:xfrm>
-            <a:off x="11428911" y="1853145"/>
-            <a:ext cx="591132" cy="461665"/>
-          </a:xfrm>
-          <a:prstGeom prst="rect">
-            <a:avLst/>
-          </a:prstGeom>
-          <a:noFill/>
-        </p:spPr>
-        <p:txBody>
-          <a:bodyPr wrap="square" rtlCol="0">
-            <a:spAutoFit/>
-          </a:bodyPr>
-          <a:lstStyle/>
-          <a:p>
-            <a:r>
-              <a:rPr lang="en-US" sz="2400" b="1" dirty="0"/>
-              <a:t>(B)</a:t>
-            </a:r>
-            <a:endParaRPr lang="en-US" sz="1400" b="1" dirty="0"/>
-          </a:p>
-        </p:txBody>
-      </p:sp>
     </p:spTree>
     <p:extLst>
       <p:ext uri="{BB962C8B-B14F-4D97-AF65-F5344CB8AC3E}">
@@ -12630,966 +11683,6 @@
     <p:extLst>
       <p:ext uri="{BB962C8B-B14F-4D97-AF65-F5344CB8AC3E}">
         <p14:creationId xmlns:p14="http://schemas.microsoft.com/office/powerpoint/2010/main" val="1518826248"/>
-      </p:ext>
-    </p:extLst>
-  </p:cSld>
-  <p:clrMapOvr>
-    <a:masterClrMapping/>
-  </p:clrMapOvr>
-</p:sld>
-</file>
-
-<file path=ppt/slides/slide5.xml><?xml version="1.0" encoding="utf-8"?>
-<p:sld xmlns:a="http://schemas.openxmlformats.org/drawingml/2006/main" xmlns:r="http://schemas.openxmlformats.org/officeDocument/2006/relationships" xmlns:p="http://schemas.openxmlformats.org/presentationml/2006/main">
-  <p:cSld>
-    <p:spTree>
-      <p:nvGrpSpPr>
-        <p:cNvPr id="1" name=""/>
-        <p:cNvGrpSpPr/>
-        <p:nvPr/>
-      </p:nvGrpSpPr>
-      <p:grpSpPr>
-        <a:xfrm>
-          <a:off x="0" y="0"/>
-          <a:ext cx="0" cy="0"/>
-          <a:chOff x="0" y="0"/>
-          <a:chExt cx="0" cy="0"/>
-        </a:xfrm>
-      </p:grpSpPr>
-      <p:pic>
-        <p:nvPicPr>
-          <p:cNvPr id="6" name="Picture 5">
-            <a:extLst>
-              <a:ext uri="{FF2B5EF4-FFF2-40B4-BE49-F238E27FC236}">
-                <a16:creationId xmlns:a16="http://schemas.microsoft.com/office/drawing/2014/main" id="{36D5DC8E-7771-4172-BEFB-7DB6E95FD796}"/>
-              </a:ext>
-            </a:extLst>
-          </p:cNvPr>
-          <p:cNvPicPr>
-            <a:picLocks noChangeAspect="1"/>
-          </p:cNvPicPr>
-          <p:nvPr/>
-        </p:nvPicPr>
-        <p:blipFill>
-          <a:blip r:embed="rId3"/>
-          <a:stretch>
-            <a:fillRect/>
-          </a:stretch>
-        </p:blipFill>
-        <p:spPr>
-          <a:xfrm>
-            <a:off x="681714" y="267095"/>
-            <a:ext cx="10828571" cy="6323809"/>
-          </a:xfrm>
-          <a:prstGeom prst="rect">
-            <a:avLst/>
-          </a:prstGeom>
-        </p:spPr>
-      </p:pic>
-    </p:spTree>
-    <p:extLst>
-      <p:ext uri="{BB962C8B-B14F-4D97-AF65-F5344CB8AC3E}">
-        <p14:creationId xmlns:p14="http://schemas.microsoft.com/office/powerpoint/2010/main" val="1740261364"/>
-      </p:ext>
-    </p:extLst>
-  </p:cSld>
-  <p:clrMapOvr>
-    <a:masterClrMapping/>
-  </p:clrMapOvr>
-</p:sld>
-</file>
-
-<file path=ppt/slides/slide6.xml><?xml version="1.0" encoding="utf-8"?>
-<p:sld xmlns:a="http://schemas.openxmlformats.org/drawingml/2006/main" xmlns:r="http://schemas.openxmlformats.org/officeDocument/2006/relationships" xmlns:p="http://schemas.openxmlformats.org/presentationml/2006/main">
-  <p:cSld>
-    <p:spTree>
-      <p:nvGrpSpPr>
-        <p:cNvPr id="1" name=""/>
-        <p:cNvGrpSpPr/>
-        <p:nvPr/>
-      </p:nvGrpSpPr>
-      <p:grpSpPr>
-        <a:xfrm>
-          <a:off x="0" y="0"/>
-          <a:ext cx="0" cy="0"/>
-          <a:chOff x="0" y="0"/>
-          <a:chExt cx="0" cy="0"/>
-        </a:xfrm>
-      </p:grpSpPr>
-      <p:pic>
-        <p:nvPicPr>
-          <p:cNvPr id="4" name="Picture 3">
-            <a:extLst>
-              <a:ext uri="{FF2B5EF4-FFF2-40B4-BE49-F238E27FC236}">
-                <a16:creationId xmlns:a16="http://schemas.microsoft.com/office/drawing/2014/main" id="{36BA687F-C856-42B7-AB70-1C6D0529C9BC}"/>
-              </a:ext>
-            </a:extLst>
-          </p:cNvPr>
-          <p:cNvPicPr>
-            <a:picLocks noChangeAspect="1"/>
-          </p:cNvPicPr>
-          <p:nvPr/>
-        </p:nvPicPr>
-        <p:blipFill>
-          <a:blip r:embed="rId3"/>
-          <a:stretch>
-            <a:fillRect/>
-          </a:stretch>
-        </p:blipFill>
-        <p:spPr>
-          <a:xfrm>
-            <a:off x="0" y="528268"/>
-            <a:ext cx="12192000" cy="5801464"/>
-          </a:xfrm>
-          <a:prstGeom prst="rect">
-            <a:avLst/>
-          </a:prstGeom>
-        </p:spPr>
-      </p:pic>
-    </p:spTree>
-    <p:extLst>
-      <p:ext uri="{BB962C8B-B14F-4D97-AF65-F5344CB8AC3E}">
-        <p14:creationId xmlns:p14="http://schemas.microsoft.com/office/powerpoint/2010/main" val="1466373335"/>
-      </p:ext>
-    </p:extLst>
-  </p:cSld>
-  <p:clrMapOvr>
-    <a:masterClrMapping/>
-  </p:clrMapOvr>
-</p:sld>
-</file>
-
-<file path=ppt/slides/slide7.xml><?xml version="1.0" encoding="utf-8"?>
-<p:sld xmlns:a="http://schemas.openxmlformats.org/drawingml/2006/main" xmlns:r="http://schemas.openxmlformats.org/officeDocument/2006/relationships" xmlns:p="http://schemas.openxmlformats.org/presentationml/2006/main">
-  <p:cSld>
-    <p:spTree>
-      <p:nvGrpSpPr>
-        <p:cNvPr id="1" name=""/>
-        <p:cNvGrpSpPr/>
-        <p:nvPr/>
-      </p:nvGrpSpPr>
-      <p:grpSpPr>
-        <a:xfrm>
-          <a:off x="0" y="0"/>
-          <a:ext cx="0" cy="0"/>
-          <a:chOff x="0" y="0"/>
-          <a:chExt cx="0" cy="0"/>
-        </a:xfrm>
-      </p:grpSpPr>
-      <p:sp>
-        <p:nvSpPr>
-          <p:cNvPr id="5" name="TextBox 4">
-            <a:extLst>
-              <a:ext uri="{FF2B5EF4-FFF2-40B4-BE49-F238E27FC236}">
-                <a16:creationId xmlns:a16="http://schemas.microsoft.com/office/drawing/2014/main" id="{010F61E9-8516-4BEB-A513-93CCEC5AFC85}"/>
-              </a:ext>
-            </a:extLst>
-          </p:cNvPr>
-          <p:cNvSpPr txBox="1"/>
-          <p:nvPr/>
-        </p:nvSpPr>
-        <p:spPr>
-          <a:xfrm rot="16200000">
-            <a:off x="357629" y="3244325"/>
-            <a:ext cx="4668253" cy="369332"/>
-          </a:xfrm>
-          <a:prstGeom prst="rect">
-            <a:avLst/>
-          </a:prstGeom>
-          <a:noFill/>
-        </p:spPr>
-        <p:txBody>
-          <a:bodyPr wrap="square" rtlCol="0">
-            <a:spAutoFit/>
-          </a:bodyPr>
-          <a:lstStyle/>
-          <a:p>
-            <a:pPr algn="ctr"/>
-            <a:r>
-              <a:rPr lang="en-US" dirty="0"/>
-              <a:t>(A) No Resampling Technique</a:t>
-            </a:r>
-          </a:p>
-        </p:txBody>
-      </p:sp>
-      <p:pic>
-        <p:nvPicPr>
-          <p:cNvPr id="8" name="Picture 7">
-            <a:extLst>
-              <a:ext uri="{FF2B5EF4-FFF2-40B4-BE49-F238E27FC236}">
-                <a16:creationId xmlns:a16="http://schemas.microsoft.com/office/drawing/2014/main" id="{107775F5-4F2B-4DA1-9C3F-0D2BEA1B6CF1}"/>
-              </a:ext>
-            </a:extLst>
-          </p:cNvPr>
-          <p:cNvPicPr>
-            <a:picLocks noChangeAspect="1"/>
-          </p:cNvPicPr>
-          <p:nvPr/>
-        </p:nvPicPr>
-        <p:blipFill>
-          <a:blip r:embed="rId3"/>
-          <a:stretch>
-            <a:fillRect/>
-          </a:stretch>
-        </p:blipFill>
-        <p:spPr>
-          <a:xfrm rot="16200000">
-            <a:off x="1190658" y="2511029"/>
-            <a:ext cx="5349240" cy="1834309"/>
-          </a:xfrm>
-          <a:prstGeom prst="rect">
-            <a:avLst/>
-          </a:prstGeom>
-        </p:spPr>
-      </p:pic>
-      <p:pic>
-        <p:nvPicPr>
-          <p:cNvPr id="9" name="Picture 8">
-            <a:extLst>
-              <a:ext uri="{FF2B5EF4-FFF2-40B4-BE49-F238E27FC236}">
-                <a16:creationId xmlns:a16="http://schemas.microsoft.com/office/drawing/2014/main" id="{408F74A6-DE8A-44B5-AC75-1B8328851DEB}"/>
-              </a:ext>
-            </a:extLst>
-          </p:cNvPr>
-          <p:cNvPicPr>
-            <a:picLocks noChangeAspect="1"/>
-          </p:cNvPicPr>
-          <p:nvPr/>
-        </p:nvPicPr>
-        <p:blipFill>
-          <a:blip r:embed="rId4"/>
-          <a:stretch>
-            <a:fillRect/>
-          </a:stretch>
-        </p:blipFill>
-        <p:spPr>
-          <a:xfrm rot="16200000">
-            <a:off x="-1105006" y="2513509"/>
-            <a:ext cx="5349240" cy="1829351"/>
-          </a:xfrm>
-          <a:prstGeom prst="rect">
-            <a:avLst/>
-          </a:prstGeom>
-        </p:spPr>
-      </p:pic>
-      <p:pic>
-        <p:nvPicPr>
-          <p:cNvPr id="10" name="Picture 9">
-            <a:extLst>
-              <a:ext uri="{FF2B5EF4-FFF2-40B4-BE49-F238E27FC236}">
-                <a16:creationId xmlns:a16="http://schemas.microsoft.com/office/drawing/2014/main" id="{3A0E8756-79E9-4479-9736-91C9C3C26897}"/>
-              </a:ext>
-            </a:extLst>
-          </p:cNvPr>
-          <p:cNvPicPr>
-            <a:picLocks noChangeAspect="1"/>
-          </p:cNvPicPr>
-          <p:nvPr/>
-        </p:nvPicPr>
-        <p:blipFill>
-          <a:blip r:embed="rId5"/>
-          <a:stretch>
-            <a:fillRect/>
-          </a:stretch>
-        </p:blipFill>
-        <p:spPr>
-          <a:xfrm rot="16200000">
-            <a:off x="5908605" y="2520944"/>
-            <a:ext cx="5349240" cy="1814479"/>
-          </a:xfrm>
-          <a:prstGeom prst="rect">
-            <a:avLst/>
-          </a:prstGeom>
-        </p:spPr>
-      </p:pic>
-      <p:sp>
-        <p:nvSpPr>
-          <p:cNvPr id="12" name="TextBox 11">
-            <a:extLst>
-              <a:ext uri="{FF2B5EF4-FFF2-40B4-BE49-F238E27FC236}">
-                <a16:creationId xmlns:a16="http://schemas.microsoft.com/office/drawing/2014/main" id="{8D4C0365-9D74-49CF-8C41-1A5C65DAA2ED}"/>
-              </a:ext>
-            </a:extLst>
-          </p:cNvPr>
-          <p:cNvSpPr txBox="1"/>
-          <p:nvPr/>
-        </p:nvSpPr>
-        <p:spPr>
-          <a:xfrm rot="16200000">
-            <a:off x="2738005" y="3244323"/>
-            <a:ext cx="4668253" cy="369332"/>
-          </a:xfrm>
-          <a:prstGeom prst="rect">
-            <a:avLst/>
-          </a:prstGeom>
-          <a:noFill/>
-        </p:spPr>
-        <p:txBody>
-          <a:bodyPr wrap="square" rtlCol="0">
-            <a:spAutoFit/>
-          </a:bodyPr>
-          <a:lstStyle/>
-          <a:p>
-            <a:pPr algn="ctr"/>
-            <a:r>
-              <a:rPr lang="en-US" dirty="0"/>
-              <a:t>(B)  Random Under-Sampling</a:t>
-            </a:r>
-          </a:p>
-        </p:txBody>
-      </p:sp>
-      <p:pic>
-        <p:nvPicPr>
-          <p:cNvPr id="13" name="Picture 12">
-            <a:extLst>
-              <a:ext uri="{FF2B5EF4-FFF2-40B4-BE49-F238E27FC236}">
-                <a16:creationId xmlns:a16="http://schemas.microsoft.com/office/drawing/2014/main" id="{0A808D53-1EC9-416C-A862-7BB70C986C90}"/>
-              </a:ext>
-            </a:extLst>
-          </p:cNvPr>
-          <p:cNvPicPr>
-            <a:picLocks noChangeAspect="1"/>
-          </p:cNvPicPr>
-          <p:nvPr/>
-        </p:nvPicPr>
-        <p:blipFill>
-          <a:blip r:embed="rId6"/>
-          <a:stretch>
-            <a:fillRect/>
-          </a:stretch>
-        </p:blipFill>
-        <p:spPr>
-          <a:xfrm rot="16200000">
-            <a:off x="3567151" y="2518466"/>
-            <a:ext cx="5349240" cy="1819436"/>
-          </a:xfrm>
-          <a:prstGeom prst="rect">
-            <a:avLst/>
-          </a:prstGeom>
-        </p:spPr>
-      </p:pic>
-      <p:sp>
-        <p:nvSpPr>
-          <p:cNvPr id="14" name="TextBox 13">
-            <a:extLst>
-              <a:ext uri="{FF2B5EF4-FFF2-40B4-BE49-F238E27FC236}">
-                <a16:creationId xmlns:a16="http://schemas.microsoft.com/office/drawing/2014/main" id="{9685FA6F-B56E-41D6-B975-9805D49BF113}"/>
-              </a:ext>
-            </a:extLst>
-          </p:cNvPr>
-          <p:cNvSpPr txBox="1"/>
-          <p:nvPr/>
-        </p:nvSpPr>
-        <p:spPr>
-          <a:xfrm rot="16200000">
-            <a:off x="5081519" y="3244322"/>
-            <a:ext cx="4668253" cy="369332"/>
-          </a:xfrm>
-          <a:prstGeom prst="rect">
-            <a:avLst/>
-          </a:prstGeom>
-          <a:noFill/>
-        </p:spPr>
-        <p:txBody>
-          <a:bodyPr wrap="square" rtlCol="0">
-            <a:spAutoFit/>
-          </a:bodyPr>
-          <a:lstStyle/>
-          <a:p>
-            <a:pPr algn="ctr"/>
-            <a:r>
-              <a:rPr lang="en-US" dirty="0"/>
-              <a:t>(C)  Random Over-Sampling</a:t>
-            </a:r>
-          </a:p>
-        </p:txBody>
-      </p:sp>
-      <p:sp>
-        <p:nvSpPr>
-          <p:cNvPr id="15" name="TextBox 14">
-            <a:extLst>
-              <a:ext uri="{FF2B5EF4-FFF2-40B4-BE49-F238E27FC236}">
-                <a16:creationId xmlns:a16="http://schemas.microsoft.com/office/drawing/2014/main" id="{44611103-F2AD-4032-B7A0-CEE740856BE5}"/>
-              </a:ext>
-            </a:extLst>
-          </p:cNvPr>
-          <p:cNvSpPr txBox="1"/>
-          <p:nvPr/>
-        </p:nvSpPr>
-        <p:spPr>
-          <a:xfrm rot="16200000">
-            <a:off x="7451658" y="3244323"/>
-            <a:ext cx="4668253" cy="369332"/>
-          </a:xfrm>
-          <a:prstGeom prst="rect">
-            <a:avLst/>
-          </a:prstGeom>
-          <a:noFill/>
-        </p:spPr>
-        <p:txBody>
-          <a:bodyPr wrap="square" rtlCol="0">
-            <a:spAutoFit/>
-          </a:bodyPr>
-          <a:lstStyle/>
-          <a:p>
-            <a:pPr algn="ctr"/>
-            <a:r>
-              <a:rPr lang="en-US" dirty="0"/>
-              <a:t>(D)  SMOTE</a:t>
-            </a:r>
-          </a:p>
-        </p:txBody>
-      </p:sp>
-      <p:pic>
-        <p:nvPicPr>
-          <p:cNvPr id="16" name="Picture 15">
-            <a:extLst>
-              <a:ext uri="{FF2B5EF4-FFF2-40B4-BE49-F238E27FC236}">
-                <a16:creationId xmlns:a16="http://schemas.microsoft.com/office/drawing/2014/main" id="{7888FC8F-E302-4C01-966A-7089E6695A1D}"/>
-              </a:ext>
-            </a:extLst>
-          </p:cNvPr>
-          <p:cNvPicPr>
-            <a:picLocks noChangeAspect="1"/>
-          </p:cNvPicPr>
-          <p:nvPr/>
-        </p:nvPicPr>
-        <p:blipFill>
-          <a:blip r:embed="rId7"/>
-          <a:stretch>
-            <a:fillRect/>
-          </a:stretch>
-        </p:blipFill>
-        <p:spPr>
-          <a:xfrm rot="16200000">
-            <a:off x="8248801" y="2524261"/>
-            <a:ext cx="5349240" cy="1807845"/>
-          </a:xfrm>
-          <a:prstGeom prst="rect">
-            <a:avLst/>
-          </a:prstGeom>
-        </p:spPr>
-      </p:pic>
-      <p:sp>
-        <p:nvSpPr>
-          <p:cNvPr id="17" name="TextBox 16">
-            <a:extLst>
-              <a:ext uri="{FF2B5EF4-FFF2-40B4-BE49-F238E27FC236}">
-                <a16:creationId xmlns:a16="http://schemas.microsoft.com/office/drawing/2014/main" id="{3CE51AA8-E56B-4EB2-AE88-096C08A854BF}"/>
-              </a:ext>
-            </a:extLst>
-          </p:cNvPr>
-          <p:cNvSpPr txBox="1"/>
-          <p:nvPr/>
-        </p:nvSpPr>
-        <p:spPr>
-          <a:xfrm rot="16200000">
-            <a:off x="9673208" y="3244323"/>
-            <a:ext cx="4668253" cy="369332"/>
-          </a:xfrm>
-          <a:prstGeom prst="rect">
-            <a:avLst/>
-          </a:prstGeom>
-          <a:noFill/>
-        </p:spPr>
-        <p:txBody>
-          <a:bodyPr wrap="square" rtlCol="0">
-            <a:spAutoFit/>
-          </a:bodyPr>
-          <a:lstStyle/>
-          <a:p>
-            <a:pPr algn="ctr"/>
-            <a:r>
-              <a:rPr lang="en-US" dirty="0"/>
-              <a:t>(E)  K-Medoids</a:t>
-            </a:r>
-          </a:p>
-        </p:txBody>
-      </p:sp>
-      <p:pic>
-        <p:nvPicPr>
-          <p:cNvPr id="18" name="Picture 17">
-            <a:extLst>
-              <a:ext uri="{FF2B5EF4-FFF2-40B4-BE49-F238E27FC236}">
-                <a16:creationId xmlns:a16="http://schemas.microsoft.com/office/drawing/2014/main" id="{EB458F76-106D-40E9-A371-C58D85AB2409}"/>
-              </a:ext>
-            </a:extLst>
-          </p:cNvPr>
-          <p:cNvPicPr>
-            <a:picLocks noChangeAspect="1"/>
-          </p:cNvPicPr>
-          <p:nvPr/>
-        </p:nvPicPr>
-        <p:blipFill>
-          <a:blip r:embed="rId8"/>
-          <a:stretch>
-            <a:fillRect/>
-          </a:stretch>
-        </p:blipFill>
-        <p:spPr>
-          <a:xfrm rot="16200000">
-            <a:off x="-2202453" y="3088799"/>
-            <a:ext cx="5086350" cy="419100"/>
-          </a:xfrm>
-          <a:prstGeom prst="rect">
-            <a:avLst/>
-          </a:prstGeom>
-        </p:spPr>
-      </p:pic>
-    </p:spTree>
-    <p:extLst>
-      <p:ext uri="{BB962C8B-B14F-4D97-AF65-F5344CB8AC3E}">
-        <p14:creationId xmlns:p14="http://schemas.microsoft.com/office/powerpoint/2010/main" val="1375442620"/>
-      </p:ext>
-    </p:extLst>
-  </p:cSld>
-  <p:clrMapOvr>
-    <a:masterClrMapping/>
-  </p:clrMapOvr>
-</p:sld>
-</file>
-
-<file path=ppt/slides/slide8.xml><?xml version="1.0" encoding="utf-8"?>
-<p:sld xmlns:a="http://schemas.openxmlformats.org/drawingml/2006/main" xmlns:r="http://schemas.openxmlformats.org/officeDocument/2006/relationships" xmlns:p="http://schemas.openxmlformats.org/presentationml/2006/main">
-  <p:cSld>
-    <p:spTree>
-      <p:nvGrpSpPr>
-        <p:cNvPr id="1" name=""/>
-        <p:cNvGrpSpPr/>
-        <p:nvPr/>
-      </p:nvGrpSpPr>
-      <p:grpSpPr>
-        <a:xfrm>
-          <a:off x="0" y="0"/>
-          <a:ext cx="0" cy="0"/>
-          <a:chOff x="0" y="0"/>
-          <a:chExt cx="0" cy="0"/>
-        </a:xfrm>
-      </p:grpSpPr>
-      <p:pic>
-        <p:nvPicPr>
-          <p:cNvPr id="4" name="Picture 3">
-            <a:extLst>
-              <a:ext uri="{FF2B5EF4-FFF2-40B4-BE49-F238E27FC236}">
-                <a16:creationId xmlns:a16="http://schemas.microsoft.com/office/drawing/2014/main" id="{EEE01142-68FC-4E55-840B-CE7BD84FBDEC}"/>
-              </a:ext>
-            </a:extLst>
-          </p:cNvPr>
-          <p:cNvPicPr>
-            <a:picLocks noChangeAspect="1"/>
-          </p:cNvPicPr>
-          <p:nvPr/>
-        </p:nvPicPr>
-        <p:blipFill>
-          <a:blip r:embed="rId3"/>
-          <a:stretch>
-            <a:fillRect/>
-          </a:stretch>
-        </p:blipFill>
-        <p:spPr>
-          <a:xfrm>
-            <a:off x="0" y="0"/>
-            <a:ext cx="12192000" cy="6858000"/>
-          </a:xfrm>
-          <a:prstGeom prst="rect">
-            <a:avLst/>
-          </a:prstGeom>
-        </p:spPr>
-      </p:pic>
-    </p:spTree>
-    <p:extLst>
-      <p:ext uri="{BB962C8B-B14F-4D97-AF65-F5344CB8AC3E}">
-        <p14:creationId xmlns:p14="http://schemas.microsoft.com/office/powerpoint/2010/main" val="1013675322"/>
-      </p:ext>
-    </p:extLst>
-  </p:cSld>
-  <p:clrMapOvr>
-    <a:masterClrMapping/>
-  </p:clrMapOvr>
-</p:sld>
-</file>
-
-<file path=ppt/slides/slide9.xml><?xml version="1.0" encoding="utf-8"?>
-<p:sld xmlns:a="http://schemas.openxmlformats.org/drawingml/2006/main" xmlns:r="http://schemas.openxmlformats.org/officeDocument/2006/relationships" xmlns:p="http://schemas.openxmlformats.org/presentationml/2006/main">
-  <p:cSld>
-    <p:spTree>
-      <p:nvGrpSpPr>
-        <p:cNvPr id="1" name=""/>
-        <p:cNvGrpSpPr/>
-        <p:nvPr/>
-      </p:nvGrpSpPr>
-      <p:grpSpPr>
-        <a:xfrm>
-          <a:off x="0" y="0"/>
-          <a:ext cx="0" cy="0"/>
-          <a:chOff x="0" y="0"/>
-          <a:chExt cx="0" cy="0"/>
-        </a:xfrm>
-      </p:grpSpPr>
-      <p:pic>
-        <p:nvPicPr>
-          <p:cNvPr id="4" name="Picture 3">
-            <a:extLst>
-              <a:ext uri="{FF2B5EF4-FFF2-40B4-BE49-F238E27FC236}">
-                <a16:creationId xmlns:a16="http://schemas.microsoft.com/office/drawing/2014/main" id="{E5AEE983-E3DB-4427-9A15-DF5C3E72ECA8}"/>
-              </a:ext>
-            </a:extLst>
-          </p:cNvPr>
-          <p:cNvPicPr>
-            <a:picLocks noChangeAspect="1"/>
-          </p:cNvPicPr>
-          <p:nvPr/>
-        </p:nvPicPr>
-        <p:blipFill>
-          <a:blip r:embed="rId3"/>
-          <a:stretch>
-            <a:fillRect/>
-          </a:stretch>
-        </p:blipFill>
-        <p:spPr>
-          <a:xfrm rot="16200000">
-            <a:off x="-1461877" y="2468241"/>
-            <a:ext cx="5727034" cy="1847088"/>
-          </a:xfrm>
-          <a:prstGeom prst="rect">
-            <a:avLst/>
-          </a:prstGeom>
-        </p:spPr>
-      </p:pic>
-      <p:pic>
-        <p:nvPicPr>
-          <p:cNvPr id="5" name="Picture 4">
-            <a:extLst>
-              <a:ext uri="{FF2B5EF4-FFF2-40B4-BE49-F238E27FC236}">
-                <a16:creationId xmlns:a16="http://schemas.microsoft.com/office/drawing/2014/main" id="{BB753CFB-1905-4D42-BD45-698CF0AC81A7}"/>
-              </a:ext>
-            </a:extLst>
-          </p:cNvPr>
-          <p:cNvPicPr>
-            <a:picLocks noChangeAspect="1"/>
-          </p:cNvPicPr>
-          <p:nvPr/>
-        </p:nvPicPr>
-        <p:blipFill>
-          <a:blip r:embed="rId4"/>
-          <a:stretch>
-            <a:fillRect/>
-          </a:stretch>
-        </p:blipFill>
-        <p:spPr>
-          <a:xfrm rot="16200000">
-            <a:off x="887629" y="2524704"/>
-            <a:ext cx="5614107" cy="1847088"/>
-          </a:xfrm>
-          <a:prstGeom prst="rect">
-            <a:avLst/>
-          </a:prstGeom>
-        </p:spPr>
-      </p:pic>
-      <p:pic>
-        <p:nvPicPr>
-          <p:cNvPr id="6" name="Picture 5">
-            <a:extLst>
-              <a:ext uri="{FF2B5EF4-FFF2-40B4-BE49-F238E27FC236}">
-                <a16:creationId xmlns:a16="http://schemas.microsoft.com/office/drawing/2014/main" id="{1D189D39-F3E1-4C92-9AFD-ACB70E8D3FAC}"/>
-              </a:ext>
-            </a:extLst>
-          </p:cNvPr>
-          <p:cNvPicPr>
-            <a:picLocks noChangeAspect="1"/>
-          </p:cNvPicPr>
-          <p:nvPr/>
-        </p:nvPicPr>
-        <p:blipFill>
-          <a:blip r:embed="rId5"/>
-          <a:stretch>
-            <a:fillRect/>
-          </a:stretch>
-        </p:blipFill>
-        <p:spPr>
-          <a:xfrm rot="16200000">
-            <a:off x="3199184" y="2504357"/>
-            <a:ext cx="5652611" cy="1849279"/>
-          </a:xfrm>
-          <a:prstGeom prst="rect">
-            <a:avLst/>
-          </a:prstGeom>
-        </p:spPr>
-      </p:pic>
-      <p:pic>
-        <p:nvPicPr>
-          <p:cNvPr id="7" name="Picture 6">
-            <a:extLst>
-              <a:ext uri="{FF2B5EF4-FFF2-40B4-BE49-F238E27FC236}">
-                <a16:creationId xmlns:a16="http://schemas.microsoft.com/office/drawing/2014/main" id="{99CDFE43-C7EA-41E2-A7B3-E219C19BE69F}"/>
-              </a:ext>
-            </a:extLst>
-          </p:cNvPr>
-          <p:cNvPicPr>
-            <a:picLocks noChangeAspect="1"/>
-          </p:cNvPicPr>
-          <p:nvPr/>
-        </p:nvPicPr>
-        <p:blipFill>
-          <a:blip r:embed="rId6"/>
-          <a:stretch>
-            <a:fillRect/>
-          </a:stretch>
-        </p:blipFill>
-        <p:spPr>
-          <a:xfrm rot="16200000">
-            <a:off x="5515798" y="2504357"/>
-            <a:ext cx="5652611" cy="1849279"/>
-          </a:xfrm>
-          <a:prstGeom prst="rect">
-            <a:avLst/>
-          </a:prstGeom>
-        </p:spPr>
-      </p:pic>
-      <p:pic>
-        <p:nvPicPr>
-          <p:cNvPr id="8" name="Picture 7">
-            <a:extLst>
-              <a:ext uri="{FF2B5EF4-FFF2-40B4-BE49-F238E27FC236}">
-                <a16:creationId xmlns:a16="http://schemas.microsoft.com/office/drawing/2014/main" id="{73A644F1-8C2E-4658-B016-440056C91618}"/>
-              </a:ext>
-            </a:extLst>
-          </p:cNvPr>
-          <p:cNvPicPr>
-            <a:picLocks noChangeAspect="1"/>
-          </p:cNvPicPr>
-          <p:nvPr/>
-        </p:nvPicPr>
-        <p:blipFill>
-          <a:blip r:embed="rId7"/>
-          <a:stretch>
-            <a:fillRect/>
-          </a:stretch>
-        </p:blipFill>
-        <p:spPr>
-          <a:xfrm rot="16200000">
-            <a:off x="7832412" y="2504357"/>
-            <a:ext cx="5652611" cy="1849279"/>
-          </a:xfrm>
-          <a:prstGeom prst="rect">
-            <a:avLst/>
-          </a:prstGeom>
-        </p:spPr>
-      </p:pic>
-      <p:sp>
-        <p:nvSpPr>
-          <p:cNvPr id="9" name="TextBox 8">
-            <a:extLst>
-              <a:ext uri="{FF2B5EF4-FFF2-40B4-BE49-F238E27FC236}">
-                <a16:creationId xmlns:a16="http://schemas.microsoft.com/office/drawing/2014/main" id="{DAF99FEB-392B-406B-B4E4-D6923DB13ECB}"/>
-              </a:ext>
-            </a:extLst>
-          </p:cNvPr>
-          <p:cNvSpPr txBox="1"/>
-          <p:nvPr/>
-        </p:nvSpPr>
-        <p:spPr>
-          <a:xfrm rot="16200000">
-            <a:off x="152091" y="3244327"/>
-            <a:ext cx="4668253" cy="369332"/>
-          </a:xfrm>
-          <a:prstGeom prst="rect">
-            <a:avLst/>
-          </a:prstGeom>
-          <a:noFill/>
-        </p:spPr>
-        <p:txBody>
-          <a:bodyPr wrap="square" rtlCol="0">
-            <a:spAutoFit/>
-          </a:bodyPr>
-          <a:lstStyle/>
-          <a:p>
-            <a:pPr algn="ctr"/>
-            <a:r>
-              <a:rPr lang="en-US" dirty="0"/>
-              <a:t>(A) No Resampling Technique</a:t>
-            </a:r>
-          </a:p>
-        </p:txBody>
-      </p:sp>
-      <p:sp>
-        <p:nvSpPr>
-          <p:cNvPr id="10" name="TextBox 9">
-            <a:extLst>
-              <a:ext uri="{FF2B5EF4-FFF2-40B4-BE49-F238E27FC236}">
-                <a16:creationId xmlns:a16="http://schemas.microsoft.com/office/drawing/2014/main" id="{9B465880-81EE-47DA-BA1D-D0973FBB0B3F}"/>
-              </a:ext>
-            </a:extLst>
-          </p:cNvPr>
-          <p:cNvSpPr txBox="1"/>
-          <p:nvPr/>
-        </p:nvSpPr>
-        <p:spPr>
-          <a:xfrm rot="16200000">
-            <a:off x="2481436" y="3244326"/>
-            <a:ext cx="4668253" cy="369332"/>
-          </a:xfrm>
-          <a:prstGeom prst="rect">
-            <a:avLst/>
-          </a:prstGeom>
-          <a:noFill/>
-        </p:spPr>
-        <p:txBody>
-          <a:bodyPr wrap="square" rtlCol="0">
-            <a:spAutoFit/>
-          </a:bodyPr>
-          <a:lstStyle/>
-          <a:p>
-            <a:pPr algn="ctr"/>
-            <a:r>
-              <a:rPr lang="en-US" dirty="0"/>
-              <a:t>(B) Random Under-Sampling</a:t>
-            </a:r>
-          </a:p>
-        </p:txBody>
-      </p:sp>
-      <p:sp>
-        <p:nvSpPr>
-          <p:cNvPr id="11" name="TextBox 10">
-            <a:extLst>
-              <a:ext uri="{FF2B5EF4-FFF2-40B4-BE49-F238E27FC236}">
-                <a16:creationId xmlns:a16="http://schemas.microsoft.com/office/drawing/2014/main" id="{71AC9811-D645-47B9-953B-C0AF4F870DE8}"/>
-              </a:ext>
-            </a:extLst>
-          </p:cNvPr>
-          <p:cNvSpPr txBox="1"/>
-          <p:nvPr/>
-        </p:nvSpPr>
-        <p:spPr>
-          <a:xfrm rot="16200000">
-            <a:off x="4803490" y="3244326"/>
-            <a:ext cx="4668253" cy="369332"/>
-          </a:xfrm>
-          <a:prstGeom prst="rect">
-            <a:avLst/>
-          </a:prstGeom>
-          <a:noFill/>
-        </p:spPr>
-        <p:txBody>
-          <a:bodyPr wrap="square" rtlCol="0">
-            <a:spAutoFit/>
-          </a:bodyPr>
-          <a:lstStyle/>
-          <a:p>
-            <a:pPr algn="ctr"/>
-            <a:r>
-              <a:rPr lang="en-US" dirty="0"/>
-              <a:t>(C) Random Over-Sampling</a:t>
-            </a:r>
-          </a:p>
-        </p:txBody>
-      </p:sp>
-      <p:sp>
-        <p:nvSpPr>
-          <p:cNvPr id="12" name="TextBox 11">
-            <a:extLst>
-              <a:ext uri="{FF2B5EF4-FFF2-40B4-BE49-F238E27FC236}">
-                <a16:creationId xmlns:a16="http://schemas.microsoft.com/office/drawing/2014/main" id="{2F545E59-83D6-48F7-A26C-7C404C8D1D02}"/>
-              </a:ext>
-            </a:extLst>
-          </p:cNvPr>
-          <p:cNvSpPr txBox="1"/>
-          <p:nvPr/>
-        </p:nvSpPr>
-        <p:spPr>
-          <a:xfrm rot="16200000">
-            <a:off x="7117283" y="3244326"/>
-            <a:ext cx="4668253" cy="369332"/>
-          </a:xfrm>
-          <a:prstGeom prst="rect">
-            <a:avLst/>
-          </a:prstGeom>
-          <a:noFill/>
-        </p:spPr>
-        <p:txBody>
-          <a:bodyPr wrap="square" rtlCol="0">
-            <a:spAutoFit/>
-          </a:bodyPr>
-          <a:lstStyle/>
-          <a:p>
-            <a:pPr algn="ctr"/>
-            <a:r>
-              <a:rPr lang="en-US" dirty="0"/>
-              <a:t>(D) SMOTE</a:t>
-            </a:r>
-          </a:p>
-        </p:txBody>
-      </p:sp>
-      <p:sp>
-        <p:nvSpPr>
-          <p:cNvPr id="13" name="TextBox 12">
-            <a:extLst>
-              <a:ext uri="{FF2B5EF4-FFF2-40B4-BE49-F238E27FC236}">
-                <a16:creationId xmlns:a16="http://schemas.microsoft.com/office/drawing/2014/main" id="{CC47EA42-54B1-4F7A-9DAE-85A86914321D}"/>
-              </a:ext>
-            </a:extLst>
-          </p:cNvPr>
-          <p:cNvSpPr txBox="1"/>
-          <p:nvPr/>
-        </p:nvSpPr>
-        <p:spPr>
-          <a:xfrm rot="16200000">
-            <a:off x="9531899" y="3244326"/>
-            <a:ext cx="4668253" cy="369332"/>
-          </a:xfrm>
-          <a:prstGeom prst="rect">
-            <a:avLst/>
-          </a:prstGeom>
-          <a:noFill/>
-        </p:spPr>
-        <p:txBody>
-          <a:bodyPr wrap="square" rtlCol="0">
-            <a:spAutoFit/>
-          </a:bodyPr>
-          <a:lstStyle/>
-          <a:p>
-            <a:pPr algn="ctr"/>
-            <a:r>
-              <a:rPr lang="en-US" dirty="0"/>
-              <a:t>(E) K-Medoids</a:t>
-            </a:r>
-          </a:p>
-        </p:txBody>
-      </p:sp>
-      <p:pic>
-        <p:nvPicPr>
-          <p:cNvPr id="14" name="Picture 13">
-            <a:extLst>
-              <a:ext uri="{FF2B5EF4-FFF2-40B4-BE49-F238E27FC236}">
-                <a16:creationId xmlns:a16="http://schemas.microsoft.com/office/drawing/2014/main" id="{8BBEF843-A55F-4CD1-BF98-715E9646EC2B}"/>
-              </a:ext>
-            </a:extLst>
-          </p:cNvPr>
-          <p:cNvPicPr>
-            <a:picLocks noChangeAspect="1"/>
-          </p:cNvPicPr>
-          <p:nvPr/>
-        </p:nvPicPr>
-        <p:blipFill>
-          <a:blip r:embed="rId8"/>
-          <a:stretch>
-            <a:fillRect/>
-          </a:stretch>
-        </p:blipFill>
-        <p:spPr>
-          <a:xfrm rot="16200000">
-            <a:off x="-3063671" y="3214680"/>
-            <a:ext cx="6572250" cy="428625"/>
-          </a:xfrm>
-          <a:prstGeom prst="rect">
-            <a:avLst/>
-          </a:prstGeom>
-        </p:spPr>
-      </p:pic>
-    </p:spTree>
-    <p:extLst>
-      <p:ext uri="{BB962C8B-B14F-4D97-AF65-F5344CB8AC3E}">
-        <p14:creationId xmlns:p14="http://schemas.microsoft.com/office/powerpoint/2010/main" val="88583628"/>
       </p:ext>
     </p:extLst>
   </p:cSld>

--- a/Manuscript/Figures/figures.pptx
+++ b/Manuscript/Figures/figures.pptx
@@ -5,13 +5,14 @@
     <p:sldMasterId id="2147483648" r:id="rId1"/>
   </p:sldMasterIdLst>
   <p:notesMasterIdLst>
-    <p:notesMasterId r:id="rId6"/>
+    <p:notesMasterId r:id="rId7"/>
   </p:notesMasterIdLst>
   <p:sldIdLst>
     <p:sldId id="257" r:id="rId2"/>
     <p:sldId id="256" r:id="rId3"/>
     <p:sldId id="263" r:id="rId4"/>
-    <p:sldId id="258" r:id="rId5"/>
+    <p:sldId id="264" r:id="rId5"/>
+    <p:sldId id="258" r:id="rId6"/>
   </p:sldIdLst>
   <p:sldSz cx="12192000" cy="6858000"/>
   <p:notesSz cx="6858000" cy="9144000"/>
@@ -120,7 +121,7 @@
 
 <file path=ppt/commentAuthors.xml><?xml version="1.0" encoding="utf-8"?>
 <p:cmAuthorLst xmlns:a="http://schemas.openxmlformats.org/drawingml/2006/main" xmlns:r="http://schemas.openxmlformats.org/officeDocument/2006/relationships" xmlns:p="http://schemas.openxmlformats.org/presentationml/2006/main">
-  <p:cmAuthor id="1" name="Spiro Stilianoudakis" initials="SS" lastIdx="0" clrIdx="0">
+  <p:cmAuthor id="1" name="Spiro Stilianoudakis" initials="SS" lastIdx="1" clrIdx="0">
     <p:extLst>
       <p:ext uri="{19B8F6BF-5375-455C-9EA6-DF929625EA0E}">
         <p15:presenceInfo xmlns:p15="http://schemas.microsoft.com/office/powerpoint/2012/main" userId="Spiro Stilianoudakis" providerId="None"/>
@@ -212,7 +213,7 @@
           <a:p>
             <a:fld id="{2CC8EC8B-7088-4960-A786-57503A27F1EB}" type="datetimeFigureOut">
               <a:rPr lang="en-US" smtClean="0"/>
-              <a:t>11/9/2018</a:t>
+              <a:t>11/13/2018</a:t>
             </a:fld>
             <a:endParaRPr lang="en-US"/>
           </a:p>
@@ -878,7 +879,7 @@
           <a:p>
             <a:fld id="{D22E4D3D-98CF-4DAD-840B-0ABADD6DDC3C}" type="slidenum">
               <a:rPr lang="en-US" smtClean="0"/>
-              <a:t>4</a:t>
+              <a:t>5</a:t>
             </a:fld>
             <a:endParaRPr lang="en-US"/>
           </a:p>
@@ -1044,7 +1045,7 @@
           <a:p>
             <a:fld id="{204470DF-392B-4FE1-A158-7202D240DCF3}" type="datetimeFigureOut">
               <a:rPr lang="en-US" smtClean="0"/>
-              <a:t>11/9/2018</a:t>
+              <a:t>11/13/2018</a:t>
             </a:fld>
             <a:endParaRPr lang="en-US"/>
           </a:p>
@@ -1242,7 +1243,7 @@
           <a:p>
             <a:fld id="{204470DF-392B-4FE1-A158-7202D240DCF3}" type="datetimeFigureOut">
               <a:rPr lang="en-US" smtClean="0"/>
-              <a:t>11/9/2018</a:t>
+              <a:t>11/13/2018</a:t>
             </a:fld>
             <a:endParaRPr lang="en-US"/>
           </a:p>
@@ -1450,7 +1451,7 @@
           <a:p>
             <a:fld id="{204470DF-392B-4FE1-A158-7202D240DCF3}" type="datetimeFigureOut">
               <a:rPr lang="en-US" smtClean="0"/>
-              <a:t>11/9/2018</a:t>
+              <a:t>11/13/2018</a:t>
             </a:fld>
             <a:endParaRPr lang="en-US"/>
           </a:p>
@@ -1648,7 +1649,7 @@
           <a:p>
             <a:fld id="{204470DF-392B-4FE1-A158-7202D240DCF3}" type="datetimeFigureOut">
               <a:rPr lang="en-US" smtClean="0"/>
-              <a:t>11/9/2018</a:t>
+              <a:t>11/13/2018</a:t>
             </a:fld>
             <a:endParaRPr lang="en-US"/>
           </a:p>
@@ -1923,7 +1924,7 @@
           <a:p>
             <a:fld id="{204470DF-392B-4FE1-A158-7202D240DCF3}" type="datetimeFigureOut">
               <a:rPr lang="en-US" smtClean="0"/>
-              <a:t>11/9/2018</a:t>
+              <a:t>11/13/2018</a:t>
             </a:fld>
             <a:endParaRPr lang="en-US"/>
           </a:p>
@@ -2188,7 +2189,7 @@
           <a:p>
             <a:fld id="{204470DF-392B-4FE1-A158-7202D240DCF3}" type="datetimeFigureOut">
               <a:rPr lang="en-US" smtClean="0"/>
-              <a:t>11/9/2018</a:t>
+              <a:t>11/13/2018</a:t>
             </a:fld>
             <a:endParaRPr lang="en-US"/>
           </a:p>
@@ -2600,7 +2601,7 @@
           <a:p>
             <a:fld id="{204470DF-392B-4FE1-A158-7202D240DCF3}" type="datetimeFigureOut">
               <a:rPr lang="en-US" smtClean="0"/>
-              <a:t>11/9/2018</a:t>
+              <a:t>11/13/2018</a:t>
             </a:fld>
             <a:endParaRPr lang="en-US"/>
           </a:p>
@@ -2741,7 +2742,7 @@
           <a:p>
             <a:fld id="{204470DF-392B-4FE1-A158-7202D240DCF3}" type="datetimeFigureOut">
               <a:rPr lang="en-US" smtClean="0"/>
-              <a:t>11/9/2018</a:t>
+              <a:t>11/13/2018</a:t>
             </a:fld>
             <a:endParaRPr lang="en-US"/>
           </a:p>
@@ -2854,7 +2855,7 @@
           <a:p>
             <a:fld id="{204470DF-392B-4FE1-A158-7202D240DCF3}" type="datetimeFigureOut">
               <a:rPr lang="en-US" smtClean="0"/>
-              <a:t>11/9/2018</a:t>
+              <a:t>11/13/2018</a:t>
             </a:fld>
             <a:endParaRPr lang="en-US"/>
           </a:p>
@@ -3165,7 +3166,7 @@
           <a:p>
             <a:fld id="{204470DF-392B-4FE1-A158-7202D240DCF3}" type="datetimeFigureOut">
               <a:rPr lang="en-US" smtClean="0"/>
-              <a:t>11/9/2018</a:t>
+              <a:t>11/13/2018</a:t>
             </a:fld>
             <a:endParaRPr lang="en-US"/>
           </a:p>
@@ -3453,7 +3454,7 @@
           <a:p>
             <a:fld id="{204470DF-392B-4FE1-A158-7202D240DCF3}" type="datetimeFigureOut">
               <a:rPr lang="en-US" smtClean="0"/>
-              <a:t>11/9/2018</a:t>
+              <a:t>11/13/2018</a:t>
             </a:fld>
             <a:endParaRPr lang="en-US"/>
           </a:p>
@@ -3694,7 +3695,7 @@
           <a:p>
             <a:fld id="{204470DF-392B-4FE1-A158-7202D240DCF3}" type="datetimeFigureOut">
               <a:rPr lang="en-US" smtClean="0"/>
-              <a:t>11/9/2018</a:t>
+              <a:t>11/13/2018</a:t>
             </a:fld>
             <a:endParaRPr lang="en-US"/>
           </a:p>
@@ -4113,10 +4114,10 @@
       </p:grpSpPr>
       <p:grpSp>
         <p:nvGrpSpPr>
-          <p:cNvPr id="4" name="Group 3">
+          <p:cNvPr id="49" name="Group 48">
             <a:extLst>
               <a:ext uri="{FF2B5EF4-FFF2-40B4-BE49-F238E27FC236}">
-                <a16:creationId xmlns:a16="http://schemas.microsoft.com/office/drawing/2014/main" id="{C64D8167-1ED8-46EB-AE04-0D5B43092287}"/>
+                <a16:creationId xmlns:a16="http://schemas.microsoft.com/office/drawing/2014/main" id="{B2D02471-026C-4483-BE9F-DC314D55F67C}"/>
               </a:ext>
             </a:extLst>
           </p:cNvPr>
@@ -4125,10 +4126,10 @@
         </p:nvGrpSpPr>
         <p:grpSpPr>
           <a:xfrm>
-            <a:off x="2548106" y="1121708"/>
+            <a:off x="2535406" y="1121708"/>
             <a:ext cx="6226602" cy="4614583"/>
-            <a:chOff x="5139131" y="1332104"/>
-            <a:chExt cx="6894259" cy="4961238"/>
+            <a:chOff x="2535406" y="1121708"/>
+            <a:chExt cx="6226602" cy="4614583"/>
           </a:xfrm>
         </p:grpSpPr>
         <p:sp>
@@ -4145,8 +4146,8 @@
           </p:nvSpPr>
           <p:spPr>
             <a:xfrm>
-              <a:off x="5139131" y="3574119"/>
-              <a:ext cx="2060010" cy="694884"/>
+              <a:off x="2535406" y="3207067"/>
+              <a:ext cx="1860514" cy="646331"/>
             </a:xfrm>
             <a:prstGeom prst="rect">
               <a:avLst/>
@@ -4181,10 +4182,10 @@
           </p:nvGrpSpPr>
           <p:grpSpPr>
             <a:xfrm rot="19193867">
-              <a:off x="7762569" y="2051823"/>
-              <a:ext cx="3173921" cy="1648320"/>
-              <a:chOff x="2669843" y="3819659"/>
-              <a:chExt cx="2580354" cy="1327949"/>
+              <a:off x="4893706" y="1797803"/>
+              <a:ext cx="2880063" cy="1512787"/>
+              <a:chOff x="2662823" y="3823736"/>
+              <a:chExt cx="2592517" cy="1310314"/>
             </a:xfrm>
           </p:grpSpPr>
           <p:sp>
@@ -4201,8 +4202,8 @@
             </p:nvSpPr>
             <p:spPr>
               <a:xfrm rot="2406133">
-                <a:off x="3358690" y="4240452"/>
-                <a:ext cx="1891507" cy="907156"/>
+                <a:off x="3320083" y="4226894"/>
+                <a:ext cx="1935257" cy="907156"/>
               </a:xfrm>
               <a:prstGeom prst="triangle">
                 <a:avLst>
@@ -4257,8 +4258,8 @@
             </p:nvSpPr>
             <p:spPr>
               <a:xfrm rot="2384622">
-                <a:off x="2669843" y="3819659"/>
-                <a:ext cx="840079" cy="402438"/>
+                <a:off x="2662823" y="3823736"/>
+                <a:ext cx="793229" cy="402438"/>
               </a:xfrm>
               <a:prstGeom prst="triangle">
                 <a:avLst>
@@ -4295,7 +4296,7 @@
               <a:lstStyle/>
               <a:p>
                 <a:pPr algn="ctr"/>
-                <a:endParaRPr lang="en-US"/>
+                <a:endParaRPr lang="en-US" dirty="0"/>
               </a:p>
             </p:txBody>
           </p:sp>
@@ -4316,8 +4317,8 @@
           </p:nvCxnSpPr>
           <p:spPr>
             <a:xfrm flipV="1">
-              <a:off x="7072866" y="3365599"/>
-              <a:ext cx="4626401" cy="14087"/>
+              <a:off x="4281873" y="3013117"/>
+              <a:ext cx="4178369" cy="13103"/>
             </a:xfrm>
             <a:prstGeom prst="line">
               <a:avLst/>
@@ -4357,8 +4358,8 @@
           </p:nvSpPr>
           <p:spPr>
             <a:xfrm>
-              <a:off x="8608837" y="3299753"/>
-              <a:ext cx="139194" cy="131690"/>
+              <a:off x="5605479" y="2949811"/>
+              <a:ext cx="125714" cy="122488"/>
             </a:xfrm>
             <a:prstGeom prst="flowChartConnector">
               <a:avLst/>
@@ -4406,8 +4407,8 @@
           </p:nvSpPr>
           <p:spPr>
             <a:xfrm>
-              <a:off x="10935271" y="3299752"/>
-              <a:ext cx="139194" cy="131690"/>
+              <a:off x="7770234" y="2951871"/>
+              <a:ext cx="125714" cy="122488"/>
             </a:xfrm>
             <a:prstGeom prst="flowChartConnector">
               <a:avLst/>
@@ -4455,8 +4456,8 @@
           </p:nvSpPr>
           <p:spPr>
             <a:xfrm>
-              <a:off x="7574369" y="3306797"/>
-              <a:ext cx="139194" cy="131690"/>
+              <a:off x="4734810" y="2958424"/>
+              <a:ext cx="125714" cy="122488"/>
             </a:xfrm>
             <a:prstGeom prst="flowChartConnector">
               <a:avLst/>
@@ -4504,8 +4505,8 @@
           </p:nvSpPr>
           <p:spPr>
             <a:xfrm rot="16200000">
-              <a:off x="9575856" y="880172"/>
-              <a:ext cx="461902" cy="2256929"/>
+              <a:off x="6536239" y="731788"/>
+              <a:ext cx="429628" cy="2038362"/>
             </a:xfrm>
             <a:prstGeom prst="rightBrace">
               <a:avLst>
@@ -4551,8 +4552,8 @@
           </p:nvSpPr>
           <p:spPr>
             <a:xfrm>
-              <a:off x="8763902" y="1332104"/>
-              <a:ext cx="2001995" cy="397077"/>
+              <a:off x="5809145" y="1121708"/>
+              <a:ext cx="1808117" cy="369332"/>
             </a:xfrm>
             <a:prstGeom prst="rect">
               <a:avLst/>
@@ -4587,8 +4588,8 @@
           </p:nvSpPr>
           <p:spPr>
             <a:xfrm>
-              <a:off x="7159455" y="2226177"/>
-              <a:ext cx="2007343" cy="694884"/>
+              <a:off x="4360077" y="1953310"/>
+              <a:ext cx="1812947" cy="646331"/>
             </a:xfrm>
             <a:prstGeom prst="rect">
               <a:avLst/>
@@ -4632,8 +4633,8 @@
           </p:nvCxnSpPr>
           <p:spPr>
             <a:xfrm>
-              <a:off x="8404371" y="2832752"/>
-              <a:ext cx="213930" cy="313273"/>
+              <a:off x="5484432" y="2517502"/>
+              <a:ext cx="159114" cy="307298"/>
             </a:xfrm>
             <a:prstGeom prst="straightConnector1">
               <a:avLst/>
@@ -4673,8 +4674,8 @@
           </p:nvCxnSpPr>
           <p:spPr>
             <a:xfrm flipH="1">
-              <a:off x="7713564" y="2814896"/>
-              <a:ext cx="241621" cy="348239"/>
+              <a:off x="4822926" y="2526092"/>
+              <a:ext cx="218222" cy="323907"/>
             </a:xfrm>
             <a:prstGeom prst="straightConnector1">
               <a:avLst/>
@@ -4714,8 +4715,8 @@
           </p:nvCxnSpPr>
           <p:spPr>
             <a:xfrm>
-              <a:off x="7426005" y="3089219"/>
-              <a:ext cx="0" cy="2160562"/>
+              <a:off x="4600813" y="2756049"/>
+              <a:ext cx="0" cy="2009598"/>
             </a:xfrm>
             <a:prstGeom prst="line">
               <a:avLst/>
@@ -4755,8 +4756,8 @@
           </p:nvCxnSpPr>
           <p:spPr>
             <a:xfrm flipH="1">
-              <a:off x="9841651" y="3089219"/>
-              <a:ext cx="13583" cy="2160562"/>
+              <a:off x="6741390" y="2756049"/>
+              <a:ext cx="12268" cy="2009598"/>
             </a:xfrm>
             <a:prstGeom prst="line">
               <a:avLst/>
@@ -4796,8 +4797,8 @@
           </p:nvCxnSpPr>
           <p:spPr>
             <a:xfrm>
-              <a:off x="10297529" y="3089219"/>
-              <a:ext cx="0" cy="2160562"/>
+              <a:off x="7180607" y="2756049"/>
+              <a:ext cx="0" cy="2009598"/>
             </a:xfrm>
             <a:prstGeom prst="line">
               <a:avLst/>
@@ -4837,8 +4838,8 @@
           </p:nvCxnSpPr>
           <p:spPr>
             <a:xfrm>
-              <a:off x="10714060" y="3089219"/>
-              <a:ext cx="0" cy="2160562"/>
+              <a:off x="7607556" y="2756049"/>
+              <a:ext cx="0" cy="2009598"/>
             </a:xfrm>
             <a:prstGeom prst="line">
               <a:avLst/>
@@ -4878,8 +4879,8 @@
           </p:nvCxnSpPr>
           <p:spPr>
             <a:xfrm>
-              <a:off x="11209339" y="3089219"/>
-              <a:ext cx="0" cy="2160562"/>
+              <a:off x="8034506" y="2756049"/>
+              <a:ext cx="0" cy="2009598"/>
             </a:xfrm>
             <a:prstGeom prst="line">
               <a:avLst/>
@@ -4919,8 +4920,8 @@
           </p:nvCxnSpPr>
           <p:spPr>
             <a:xfrm>
-              <a:off x="7955185" y="3089219"/>
-              <a:ext cx="0" cy="2160562"/>
+              <a:off x="5027762" y="2756049"/>
+              <a:ext cx="0" cy="2009598"/>
             </a:xfrm>
             <a:prstGeom prst="line">
               <a:avLst/>
@@ -4960,8 +4961,8 @@
           </p:nvCxnSpPr>
           <p:spPr>
             <a:xfrm>
-              <a:off x="8404371" y="3089219"/>
-              <a:ext cx="0" cy="2160562"/>
+              <a:off x="5454711" y="2756049"/>
+              <a:ext cx="0" cy="2009598"/>
             </a:xfrm>
             <a:prstGeom prst="line">
               <a:avLst/>
@@ -5001,8 +5002,8 @@
           </p:nvCxnSpPr>
           <p:spPr>
             <a:xfrm>
-              <a:off x="8957031" y="3089219"/>
-              <a:ext cx="0" cy="2160562"/>
+              <a:off x="5881660" y="2756049"/>
+              <a:ext cx="0" cy="2009598"/>
             </a:xfrm>
             <a:prstGeom prst="line">
               <a:avLst/>
@@ -5042,8 +5043,8 @@
           </p:nvCxnSpPr>
           <p:spPr>
             <a:xfrm flipH="1">
-              <a:off x="9386067" y="3089219"/>
-              <a:ext cx="6457" cy="2160562"/>
+              <a:off x="6308609" y="2756049"/>
+              <a:ext cx="5832" cy="2009598"/>
             </a:xfrm>
             <a:prstGeom prst="line">
               <a:avLst/>
@@ -5083,8 +5084,8 @@
           </p:nvCxnSpPr>
           <p:spPr>
             <a:xfrm flipH="1">
-              <a:off x="6772193" y="3390828"/>
-              <a:ext cx="463410" cy="0"/>
+              <a:off x="4010318" y="3036583"/>
+              <a:ext cx="418532" cy="0"/>
             </a:xfrm>
             <a:prstGeom prst="line">
               <a:avLst/>
@@ -5127,8 +5128,8 @@
           </p:nvCxnSpPr>
           <p:spPr>
             <a:xfrm flipH="1">
-              <a:off x="11569980" y="3365598"/>
-              <a:ext cx="463410" cy="0"/>
+              <a:off x="8343476" y="3013116"/>
+              <a:ext cx="418532" cy="0"/>
             </a:xfrm>
             <a:prstGeom prst="line">
               <a:avLst/>
@@ -5169,8 +5170,8 @@
           </p:nvSpPr>
           <p:spPr>
             <a:xfrm>
-              <a:off x="8608751" y="3772300"/>
-              <a:ext cx="224649" cy="59674"/>
+              <a:off x="5669019" y="3391401"/>
+              <a:ext cx="202893" cy="91440"/>
             </a:xfrm>
             <a:prstGeom prst="rect">
               <a:avLst/>
@@ -5218,8 +5219,8 @@
           </p:nvSpPr>
           <p:spPr>
             <a:xfrm flipV="1">
-              <a:off x="8867082" y="3864641"/>
-              <a:ext cx="222911" cy="66018"/>
+              <a:off x="5902333" y="3477289"/>
+              <a:ext cx="201324" cy="91440"/>
             </a:xfrm>
             <a:prstGeom prst="rect">
               <a:avLst/>
@@ -5267,8 +5268,8 @@
           </p:nvSpPr>
           <p:spPr>
             <a:xfrm flipV="1">
-              <a:off x="8321906" y="3690575"/>
-              <a:ext cx="244009" cy="65289"/>
+              <a:off x="5409953" y="3315385"/>
+              <a:ext cx="220379" cy="91440"/>
             </a:xfrm>
             <a:prstGeom prst="rect">
               <a:avLst/>
@@ -5316,8 +5317,8 @@
           </p:nvSpPr>
           <p:spPr>
             <a:xfrm flipV="1">
-              <a:off x="10008257" y="3690575"/>
-              <a:ext cx="419671" cy="60153"/>
+              <a:off x="6932994" y="3315386"/>
+              <a:ext cx="379029" cy="91440"/>
             </a:xfrm>
             <a:prstGeom prst="rect">
               <a:avLst/>
@@ -5365,8 +5366,8 @@
           </p:nvSpPr>
           <p:spPr>
             <a:xfrm>
-              <a:off x="10749715" y="3690576"/>
-              <a:ext cx="205520" cy="60153"/>
+              <a:off x="7602647" y="3315387"/>
+              <a:ext cx="185617" cy="91440"/>
             </a:xfrm>
             <a:prstGeom prst="rect">
               <a:avLst/>
@@ -5414,8 +5415,8 @@
           </p:nvSpPr>
           <p:spPr>
             <a:xfrm>
-              <a:off x="11018797" y="3772299"/>
-              <a:ext cx="139194" cy="61876"/>
+              <a:off x="7845671" y="3391399"/>
+              <a:ext cx="125714" cy="91440"/>
             </a:xfrm>
             <a:prstGeom prst="rect">
               <a:avLst/>
@@ -5465,8 +5466,8 @@
           </p:nvCxnSpPr>
           <p:spPr>
             <a:xfrm flipV="1">
-              <a:off x="7072866" y="4325058"/>
-              <a:ext cx="4626401" cy="14087"/>
+              <a:off x="4281873" y="3905536"/>
+              <a:ext cx="4178369" cy="13103"/>
             </a:xfrm>
             <a:prstGeom prst="line">
               <a:avLst/>
@@ -5508,8 +5509,8 @@
           </p:nvCxnSpPr>
           <p:spPr>
             <a:xfrm flipV="1">
-              <a:off x="7079322" y="4883694"/>
-              <a:ext cx="4626401" cy="14087"/>
+              <a:off x="4287704" y="4425139"/>
+              <a:ext cx="4178369" cy="13103"/>
             </a:xfrm>
             <a:prstGeom prst="line">
               <a:avLst/>
@@ -5535,286 +5536,307 @@
             </a:fontRef>
           </p:style>
         </p:cxnSp>
-        <p:sp>
-          <p:nvSpPr>
-            <p:cNvPr id="35" name="TextBox 34">
+        <p:grpSp>
+          <p:nvGrpSpPr>
+            <p:cNvPr id="3" name="Group 2">
               <a:extLst>
                 <a:ext uri="{FF2B5EF4-FFF2-40B4-BE49-F238E27FC236}">
-                  <a16:creationId xmlns:a16="http://schemas.microsoft.com/office/drawing/2014/main" id="{1553473F-FA92-4F19-B3CC-72695D550DBB}"/>
+                  <a16:creationId xmlns:a16="http://schemas.microsoft.com/office/drawing/2014/main" id="{4757A89D-690F-4659-A5C5-836766078BDA}"/>
                 </a:ext>
               </a:extLst>
             </p:cNvPr>
-            <p:cNvSpPr txBox="1"/>
+            <p:cNvGrpSpPr/>
             <p:nvPr/>
-          </p:nvSpPr>
-          <p:spPr>
+          </p:nvGrpSpPr>
+          <p:grpSpPr>
             <a:xfrm>
-              <a:off x="7528828" y="4438112"/>
-              <a:ext cx="396024" cy="346614"/>
+              <a:off x="4644763" y="4010873"/>
+              <a:ext cx="3326622" cy="331888"/>
+              <a:chOff x="4693679" y="4010691"/>
+              <a:chExt cx="3326622" cy="331888"/>
             </a:xfrm>
-            <a:prstGeom prst="rect">
-              <a:avLst/>
-            </a:prstGeom>
-            <a:noFill/>
-          </p:spPr>
-          <p:txBody>
-            <a:bodyPr wrap="square" rtlCol="0">
-              <a:spAutoFit/>
-            </a:bodyPr>
-            <a:lstStyle/>
-            <a:p>
-              <a:r>
-                <a:rPr lang="en-US" dirty="0"/>
-                <a:t>1</a:t>
-              </a:r>
-            </a:p>
-          </p:txBody>
-        </p:sp>
-        <p:sp>
-          <p:nvSpPr>
-            <p:cNvPr id="36" name="TextBox 35">
-              <a:extLst>
-                <a:ext uri="{FF2B5EF4-FFF2-40B4-BE49-F238E27FC236}">
-                  <a16:creationId xmlns:a16="http://schemas.microsoft.com/office/drawing/2014/main" id="{145AF29A-83D9-4BF2-BE1D-2B6848B423EC}"/>
-                </a:ext>
-              </a:extLst>
-            </p:cNvPr>
-            <p:cNvSpPr txBox="1"/>
-            <p:nvPr/>
-          </p:nvSpPr>
-          <p:spPr>
-            <a:xfrm>
-              <a:off x="8034791" y="4448318"/>
-              <a:ext cx="396024" cy="346614"/>
-            </a:xfrm>
-            <a:prstGeom prst="rect">
-              <a:avLst/>
-            </a:prstGeom>
-            <a:noFill/>
-          </p:spPr>
-          <p:txBody>
-            <a:bodyPr wrap="square" rtlCol="0">
-              <a:spAutoFit/>
-            </a:bodyPr>
-            <a:lstStyle/>
-            <a:p>
-              <a:r>
-                <a:rPr lang="en-US" dirty="0"/>
-                <a:t>0</a:t>
-              </a:r>
-            </a:p>
-          </p:txBody>
-        </p:sp>
-        <p:sp>
-          <p:nvSpPr>
-            <p:cNvPr id="37" name="TextBox 36">
-              <a:extLst>
-                <a:ext uri="{FF2B5EF4-FFF2-40B4-BE49-F238E27FC236}">
-                  <a16:creationId xmlns:a16="http://schemas.microsoft.com/office/drawing/2014/main" id="{B67A5EF0-5338-4655-9F63-F06D7826666F}"/>
-                </a:ext>
-              </a:extLst>
-            </p:cNvPr>
-            <p:cNvSpPr txBox="1"/>
-            <p:nvPr/>
-          </p:nvSpPr>
-          <p:spPr>
-            <a:xfrm>
-              <a:off x="8517269" y="4448318"/>
-              <a:ext cx="396024" cy="346614"/>
-            </a:xfrm>
-            <a:prstGeom prst="rect">
-              <a:avLst/>
-            </a:prstGeom>
-            <a:noFill/>
-          </p:spPr>
-          <p:txBody>
-            <a:bodyPr wrap="square" rtlCol="0">
-              <a:spAutoFit/>
-            </a:bodyPr>
-            <a:lstStyle/>
-            <a:p>
-              <a:r>
-                <a:rPr lang="en-US" dirty="0"/>
-                <a:t>1</a:t>
-              </a:r>
-            </a:p>
-          </p:txBody>
-        </p:sp>
-        <p:sp>
-          <p:nvSpPr>
-            <p:cNvPr id="38" name="TextBox 37">
-              <a:extLst>
-                <a:ext uri="{FF2B5EF4-FFF2-40B4-BE49-F238E27FC236}">
-                  <a16:creationId xmlns:a16="http://schemas.microsoft.com/office/drawing/2014/main" id="{40065163-4B1A-4049-981B-A66DE9A05F34}"/>
-                </a:ext>
-              </a:extLst>
-            </p:cNvPr>
-            <p:cNvSpPr txBox="1"/>
-            <p:nvPr/>
-          </p:nvSpPr>
-          <p:spPr>
-            <a:xfrm>
-              <a:off x="9029844" y="4447486"/>
-              <a:ext cx="396024" cy="346614"/>
-            </a:xfrm>
-            <a:prstGeom prst="rect">
-              <a:avLst/>
-            </a:prstGeom>
-            <a:noFill/>
-          </p:spPr>
-          <p:txBody>
-            <a:bodyPr wrap="square" rtlCol="0">
-              <a:spAutoFit/>
-            </a:bodyPr>
-            <a:lstStyle/>
-            <a:p>
-              <a:r>
-                <a:rPr lang="en-US" dirty="0"/>
-                <a:t>0</a:t>
-              </a:r>
-            </a:p>
-          </p:txBody>
-        </p:sp>
-        <p:sp>
-          <p:nvSpPr>
-            <p:cNvPr id="39" name="TextBox 38">
-              <a:extLst>
-                <a:ext uri="{FF2B5EF4-FFF2-40B4-BE49-F238E27FC236}">
-                  <a16:creationId xmlns:a16="http://schemas.microsoft.com/office/drawing/2014/main" id="{7158B060-11D6-46AB-BEC8-C4AABBFFB0AC}"/>
-                </a:ext>
-              </a:extLst>
-            </p:cNvPr>
-            <p:cNvSpPr txBox="1"/>
-            <p:nvPr/>
-          </p:nvSpPr>
-          <p:spPr>
-            <a:xfrm>
-              <a:off x="9479266" y="4447486"/>
-              <a:ext cx="396024" cy="346614"/>
-            </a:xfrm>
-            <a:prstGeom prst="rect">
-              <a:avLst/>
-            </a:prstGeom>
-            <a:noFill/>
-          </p:spPr>
-          <p:txBody>
-            <a:bodyPr wrap="square" rtlCol="0">
-              <a:spAutoFit/>
-            </a:bodyPr>
-            <a:lstStyle/>
-            <a:p>
-              <a:r>
-                <a:rPr lang="en-US" dirty="0"/>
-                <a:t>0</a:t>
-              </a:r>
-            </a:p>
-          </p:txBody>
-        </p:sp>
-        <p:sp>
-          <p:nvSpPr>
-            <p:cNvPr id="40" name="TextBox 39">
-              <a:extLst>
-                <a:ext uri="{FF2B5EF4-FFF2-40B4-BE49-F238E27FC236}">
-                  <a16:creationId xmlns:a16="http://schemas.microsoft.com/office/drawing/2014/main" id="{6BAFB37E-AC5E-47F1-AAF1-283BFE3D40E8}"/>
-                </a:ext>
-              </a:extLst>
-            </p:cNvPr>
-            <p:cNvSpPr txBox="1"/>
-            <p:nvPr/>
-          </p:nvSpPr>
-          <p:spPr>
-            <a:xfrm>
-              <a:off x="9915682" y="4448318"/>
-              <a:ext cx="396024" cy="346614"/>
-            </a:xfrm>
-            <a:prstGeom prst="rect">
-              <a:avLst/>
-            </a:prstGeom>
-            <a:noFill/>
-          </p:spPr>
-          <p:txBody>
-            <a:bodyPr wrap="square" rtlCol="0">
-              <a:spAutoFit/>
-            </a:bodyPr>
-            <a:lstStyle/>
-            <a:p>
-              <a:r>
-                <a:rPr lang="en-US" dirty="0"/>
-                <a:t>0</a:t>
-              </a:r>
-            </a:p>
-          </p:txBody>
-        </p:sp>
-        <p:sp>
-          <p:nvSpPr>
-            <p:cNvPr id="41" name="TextBox 40">
-              <a:extLst>
-                <a:ext uri="{FF2B5EF4-FFF2-40B4-BE49-F238E27FC236}">
-                  <a16:creationId xmlns:a16="http://schemas.microsoft.com/office/drawing/2014/main" id="{131B0F0A-C918-4C85-B8E7-F2740BA61005}"/>
-                </a:ext>
-              </a:extLst>
-            </p:cNvPr>
-            <p:cNvSpPr txBox="1"/>
-            <p:nvPr/>
-          </p:nvSpPr>
-          <p:spPr>
-            <a:xfrm>
-              <a:off x="10350512" y="4448318"/>
-              <a:ext cx="396024" cy="346614"/>
-            </a:xfrm>
-            <a:prstGeom prst="rect">
-              <a:avLst/>
-            </a:prstGeom>
-            <a:noFill/>
-          </p:spPr>
-          <p:txBody>
-            <a:bodyPr wrap="square" rtlCol="0">
-              <a:spAutoFit/>
-            </a:bodyPr>
-            <a:lstStyle/>
-            <a:p>
-              <a:r>
-                <a:rPr lang="en-US" dirty="0"/>
-                <a:t>0</a:t>
-              </a:r>
-            </a:p>
-          </p:txBody>
-        </p:sp>
-        <p:sp>
-          <p:nvSpPr>
-            <p:cNvPr id="42" name="TextBox 41">
-              <a:extLst>
-                <a:ext uri="{FF2B5EF4-FFF2-40B4-BE49-F238E27FC236}">
-                  <a16:creationId xmlns:a16="http://schemas.microsoft.com/office/drawing/2014/main" id="{830DE91B-4127-4529-9CC8-E417067CF4D6}"/>
-                </a:ext>
-              </a:extLst>
-            </p:cNvPr>
-            <p:cNvSpPr txBox="1"/>
-            <p:nvPr/>
-          </p:nvSpPr>
-          <p:spPr>
-            <a:xfrm>
-              <a:off x="10816128" y="4447486"/>
-              <a:ext cx="396024" cy="346614"/>
-            </a:xfrm>
-            <a:prstGeom prst="rect">
-              <a:avLst/>
-            </a:prstGeom>
-            <a:noFill/>
-          </p:spPr>
-          <p:txBody>
-            <a:bodyPr wrap="square" rtlCol="0">
-              <a:spAutoFit/>
-            </a:bodyPr>
-            <a:lstStyle/>
-            <a:p>
-              <a:r>
-                <a:rPr lang="en-US" dirty="0"/>
-                <a:t>1</a:t>
-              </a:r>
-            </a:p>
-          </p:txBody>
-        </p:sp>
+          </p:grpSpPr>
+          <p:sp>
+            <p:nvSpPr>
+              <p:cNvPr id="35" name="TextBox 34">
+                <a:extLst>
+                  <a:ext uri="{FF2B5EF4-FFF2-40B4-BE49-F238E27FC236}">
+                    <a16:creationId xmlns:a16="http://schemas.microsoft.com/office/drawing/2014/main" id="{1553473F-FA92-4F19-B3CC-72695D550DBB}"/>
+                  </a:ext>
+                </a:extLst>
+              </p:cNvPr>
+              <p:cNvSpPr txBox="1"/>
+              <p:nvPr/>
+            </p:nvSpPr>
+            <p:spPr>
+              <a:xfrm>
+                <a:off x="4693679" y="4010691"/>
+                <a:ext cx="357672" cy="322395"/>
+              </a:xfrm>
+              <a:prstGeom prst="rect">
+                <a:avLst/>
+              </a:prstGeom>
+              <a:noFill/>
+            </p:spPr>
+            <p:txBody>
+              <a:bodyPr wrap="square" rtlCol="0">
+                <a:spAutoFit/>
+              </a:bodyPr>
+              <a:lstStyle/>
+              <a:p>
+                <a:r>
+                  <a:rPr lang="en-US" dirty="0"/>
+                  <a:t>1</a:t>
+                </a:r>
+              </a:p>
+            </p:txBody>
+          </p:sp>
+          <p:sp>
+            <p:nvSpPr>
+              <p:cNvPr id="36" name="TextBox 35">
+                <a:extLst>
+                  <a:ext uri="{FF2B5EF4-FFF2-40B4-BE49-F238E27FC236}">
+                    <a16:creationId xmlns:a16="http://schemas.microsoft.com/office/drawing/2014/main" id="{145AF29A-83D9-4BF2-BE1D-2B6848B423EC}"/>
+                  </a:ext>
+                </a:extLst>
+              </p:cNvPr>
+              <p:cNvSpPr txBox="1"/>
+              <p:nvPr/>
+            </p:nvSpPr>
+            <p:spPr>
+              <a:xfrm>
+                <a:off x="5150643" y="4020184"/>
+                <a:ext cx="357672" cy="322395"/>
+              </a:xfrm>
+              <a:prstGeom prst="rect">
+                <a:avLst/>
+              </a:prstGeom>
+              <a:noFill/>
+            </p:spPr>
+            <p:txBody>
+              <a:bodyPr wrap="square" rtlCol="0">
+                <a:spAutoFit/>
+              </a:bodyPr>
+              <a:lstStyle/>
+              <a:p>
+                <a:r>
+                  <a:rPr lang="en-US" dirty="0"/>
+                  <a:t>0</a:t>
+                </a:r>
+              </a:p>
+            </p:txBody>
+          </p:sp>
+          <p:sp>
+            <p:nvSpPr>
+              <p:cNvPr id="37" name="TextBox 36">
+                <a:extLst>
+                  <a:ext uri="{FF2B5EF4-FFF2-40B4-BE49-F238E27FC236}">
+                    <a16:creationId xmlns:a16="http://schemas.microsoft.com/office/drawing/2014/main" id="{B67A5EF0-5338-4655-9F63-F06D7826666F}"/>
+                  </a:ext>
+                </a:extLst>
+              </p:cNvPr>
+              <p:cNvSpPr txBox="1"/>
+              <p:nvPr/>
+            </p:nvSpPr>
+            <p:spPr>
+              <a:xfrm>
+                <a:off x="5586397" y="4020184"/>
+                <a:ext cx="357672" cy="322395"/>
+              </a:xfrm>
+              <a:prstGeom prst="rect">
+                <a:avLst/>
+              </a:prstGeom>
+              <a:noFill/>
+            </p:spPr>
+            <p:txBody>
+              <a:bodyPr wrap="square" rtlCol="0">
+                <a:spAutoFit/>
+              </a:bodyPr>
+              <a:lstStyle/>
+              <a:p>
+                <a:r>
+                  <a:rPr lang="en-US" dirty="0"/>
+                  <a:t>1</a:t>
+                </a:r>
+              </a:p>
+            </p:txBody>
+          </p:sp>
+          <p:sp>
+            <p:nvSpPr>
+              <p:cNvPr id="38" name="TextBox 37">
+                <a:extLst>
+                  <a:ext uri="{FF2B5EF4-FFF2-40B4-BE49-F238E27FC236}">
+                    <a16:creationId xmlns:a16="http://schemas.microsoft.com/office/drawing/2014/main" id="{40065163-4B1A-4049-981B-A66DE9A05F34}"/>
+                  </a:ext>
+                </a:extLst>
+              </p:cNvPr>
+              <p:cNvSpPr txBox="1"/>
+              <p:nvPr/>
+            </p:nvSpPr>
+            <p:spPr>
+              <a:xfrm>
+                <a:off x="6049333" y="4019410"/>
+                <a:ext cx="357672" cy="322395"/>
+              </a:xfrm>
+              <a:prstGeom prst="rect">
+                <a:avLst/>
+              </a:prstGeom>
+              <a:noFill/>
+            </p:spPr>
+            <p:txBody>
+              <a:bodyPr wrap="square" rtlCol="0">
+                <a:spAutoFit/>
+              </a:bodyPr>
+              <a:lstStyle/>
+              <a:p>
+                <a:r>
+                  <a:rPr lang="en-US" dirty="0"/>
+                  <a:t>0</a:t>
+                </a:r>
+              </a:p>
+            </p:txBody>
+          </p:sp>
+          <p:sp>
+            <p:nvSpPr>
+              <p:cNvPr id="39" name="TextBox 38">
+                <a:extLst>
+                  <a:ext uri="{FF2B5EF4-FFF2-40B4-BE49-F238E27FC236}">
+                    <a16:creationId xmlns:a16="http://schemas.microsoft.com/office/drawing/2014/main" id="{7158B060-11D6-46AB-BEC8-C4AABBFFB0AC}"/>
+                  </a:ext>
+                </a:extLst>
+              </p:cNvPr>
+              <p:cNvSpPr txBox="1"/>
+              <p:nvPr/>
+            </p:nvSpPr>
+            <p:spPr>
+              <a:xfrm>
+                <a:off x="6455232" y="4019410"/>
+                <a:ext cx="357672" cy="322395"/>
+              </a:xfrm>
+              <a:prstGeom prst="rect">
+                <a:avLst/>
+              </a:prstGeom>
+              <a:noFill/>
+            </p:spPr>
+            <p:txBody>
+              <a:bodyPr wrap="square" rtlCol="0">
+                <a:spAutoFit/>
+              </a:bodyPr>
+              <a:lstStyle/>
+              <a:p>
+                <a:r>
+                  <a:rPr lang="en-US" dirty="0"/>
+                  <a:t>0</a:t>
+                </a:r>
+              </a:p>
+            </p:txBody>
+          </p:sp>
+          <p:sp>
+            <p:nvSpPr>
+              <p:cNvPr id="40" name="TextBox 39">
+                <a:extLst>
+                  <a:ext uri="{FF2B5EF4-FFF2-40B4-BE49-F238E27FC236}">
+                    <a16:creationId xmlns:a16="http://schemas.microsoft.com/office/drawing/2014/main" id="{6BAFB37E-AC5E-47F1-AAF1-283BFE3D40E8}"/>
+                  </a:ext>
+                </a:extLst>
+              </p:cNvPr>
+              <p:cNvSpPr txBox="1"/>
+              <p:nvPr/>
+            </p:nvSpPr>
+            <p:spPr>
+              <a:xfrm>
+                <a:off x="6849384" y="4020184"/>
+                <a:ext cx="357672" cy="322395"/>
+              </a:xfrm>
+              <a:prstGeom prst="rect">
+                <a:avLst/>
+              </a:prstGeom>
+              <a:noFill/>
+            </p:spPr>
+            <p:txBody>
+              <a:bodyPr wrap="square" rtlCol="0">
+                <a:spAutoFit/>
+              </a:bodyPr>
+              <a:lstStyle/>
+              <a:p>
+                <a:r>
+                  <a:rPr lang="en-US" dirty="0"/>
+                  <a:t>0</a:t>
+                </a:r>
+              </a:p>
+            </p:txBody>
+          </p:sp>
+          <p:sp>
+            <p:nvSpPr>
+              <p:cNvPr id="41" name="TextBox 40">
+                <a:extLst>
+                  <a:ext uri="{FF2B5EF4-FFF2-40B4-BE49-F238E27FC236}">
+                    <a16:creationId xmlns:a16="http://schemas.microsoft.com/office/drawing/2014/main" id="{131B0F0A-C918-4C85-B8E7-F2740BA61005}"/>
+                  </a:ext>
+                </a:extLst>
+              </p:cNvPr>
+              <p:cNvSpPr txBox="1"/>
+              <p:nvPr/>
+            </p:nvSpPr>
+            <p:spPr>
+              <a:xfrm>
+                <a:off x="7242104" y="4020184"/>
+                <a:ext cx="357672" cy="322395"/>
+              </a:xfrm>
+              <a:prstGeom prst="rect">
+                <a:avLst/>
+              </a:prstGeom>
+              <a:noFill/>
+            </p:spPr>
+            <p:txBody>
+              <a:bodyPr wrap="square" rtlCol="0">
+                <a:spAutoFit/>
+              </a:bodyPr>
+              <a:lstStyle/>
+              <a:p>
+                <a:r>
+                  <a:rPr lang="en-US" dirty="0"/>
+                  <a:t>0</a:t>
+                </a:r>
+              </a:p>
+            </p:txBody>
+          </p:sp>
+          <p:sp>
+            <p:nvSpPr>
+              <p:cNvPr id="42" name="TextBox 41">
+                <a:extLst>
+                  <a:ext uri="{FF2B5EF4-FFF2-40B4-BE49-F238E27FC236}">
+                    <a16:creationId xmlns:a16="http://schemas.microsoft.com/office/drawing/2014/main" id="{830DE91B-4127-4529-9CC8-E417067CF4D6}"/>
+                  </a:ext>
+                </a:extLst>
+              </p:cNvPr>
+              <p:cNvSpPr txBox="1"/>
+              <p:nvPr/>
+            </p:nvSpPr>
+            <p:spPr>
+              <a:xfrm>
+                <a:off x="7662629" y="4019410"/>
+                <a:ext cx="357672" cy="322395"/>
+              </a:xfrm>
+              <a:prstGeom prst="rect">
+                <a:avLst/>
+              </a:prstGeom>
+              <a:noFill/>
+            </p:spPr>
+            <p:txBody>
+              <a:bodyPr wrap="square" rtlCol="0">
+                <a:spAutoFit/>
+              </a:bodyPr>
+              <a:lstStyle/>
+              <a:p>
+                <a:r>
+                  <a:rPr lang="en-US" dirty="0"/>
+                  <a:t>1</a:t>
+                </a:r>
+              </a:p>
+            </p:txBody>
+          </p:sp>
+        </p:grpSp>
         <p:sp>
           <p:nvSpPr>
             <p:cNvPr id="43" name="TextBox 42">
@@ -5829,8 +5851,8 @@
           </p:nvSpPr>
           <p:spPr>
             <a:xfrm>
-              <a:off x="5627575" y="3192289"/>
-              <a:ext cx="1144618" cy="397077"/>
+              <a:off x="2976548" y="2851917"/>
+              <a:ext cx="1033770" cy="369332"/>
             </a:xfrm>
             <a:prstGeom prst="rect">
               <a:avLst/>
@@ -5864,8 +5886,8 @@
           </p:nvSpPr>
           <p:spPr>
             <a:xfrm>
-              <a:off x="5643598" y="4447486"/>
-              <a:ext cx="1209852" cy="397077"/>
+              <a:off x="2991019" y="4019410"/>
+              <a:ext cx="1092687" cy="369332"/>
             </a:xfrm>
             <a:prstGeom prst="rect">
               <a:avLst/>
@@ -5899,8 +5921,8 @@
           </p:nvSpPr>
           <p:spPr>
             <a:xfrm rot="5400000">
-              <a:off x="9084262" y="3743037"/>
-              <a:ext cx="466804" cy="3783318"/>
+              <a:off x="6092186" y="3415200"/>
+              <a:ext cx="434187" cy="3416932"/>
             </a:xfrm>
             <a:prstGeom prst="rightBrace">
               <a:avLst/>
@@ -5943,8 +5965,8 @@
           </p:nvSpPr>
           <p:spPr>
             <a:xfrm>
-              <a:off x="8587717" y="5896265"/>
-              <a:ext cx="1841590" cy="397077"/>
+              <a:off x="5650022" y="5366959"/>
+              <a:ext cx="1663246" cy="369332"/>
             </a:xfrm>
             <a:prstGeom prst="rect">
               <a:avLst/>
@@ -9461,10 +9483,10 @@
       </p:grpSpPr>
       <p:grpSp>
         <p:nvGrpSpPr>
-          <p:cNvPr id="102" name="Group 101">
+          <p:cNvPr id="98" name="Group 97">
             <a:extLst>
               <a:ext uri="{FF2B5EF4-FFF2-40B4-BE49-F238E27FC236}">
-                <a16:creationId xmlns:a16="http://schemas.microsoft.com/office/drawing/2014/main" id="{D1ABF4A1-1475-41B8-894C-3598DFC82CAF}"/>
+                <a16:creationId xmlns:a16="http://schemas.microsoft.com/office/drawing/2014/main" id="{FFAC8F91-D419-4EB9-8D35-2F4AB88B5C5D}"/>
               </a:ext>
             </a:extLst>
           </p:cNvPr>
@@ -9473,18 +9495,18 @@
         </p:nvGrpSpPr>
         <p:grpSpPr>
           <a:xfrm>
-            <a:off x="171957" y="178733"/>
-            <a:ext cx="11848086" cy="6703330"/>
-            <a:chOff x="171957" y="178733"/>
-            <a:chExt cx="11848086" cy="6703330"/>
+            <a:off x="831039" y="178733"/>
+            <a:ext cx="11078795" cy="6703330"/>
+            <a:chOff x="686660" y="0"/>
+            <a:chExt cx="11078795" cy="6703330"/>
           </a:xfrm>
         </p:grpSpPr>
         <p:grpSp>
           <p:nvGrpSpPr>
-            <p:cNvPr id="98" name="Group 97">
+            <p:cNvPr id="74" name="Group 73">
               <a:extLst>
                 <a:ext uri="{FF2B5EF4-FFF2-40B4-BE49-F238E27FC236}">
-                  <a16:creationId xmlns:a16="http://schemas.microsoft.com/office/drawing/2014/main" id="{FFAC8F91-D419-4EB9-8D35-2F4AB88B5C5D}"/>
+                  <a16:creationId xmlns:a16="http://schemas.microsoft.com/office/drawing/2014/main" id="{39B0F8BF-8AA8-453E-86E7-ADB902C11220}"/>
                 </a:ext>
               </a:extLst>
             </p:cNvPr>
@@ -9493,18 +9515,18 @@
           </p:nvGrpSpPr>
           <p:grpSpPr>
             <a:xfrm>
-              <a:off x="831039" y="178733"/>
-              <a:ext cx="11078795" cy="6703330"/>
-              <a:chOff x="686660" y="0"/>
-              <a:chExt cx="11078795" cy="6703330"/>
+              <a:off x="3900628" y="0"/>
+              <a:ext cx="3980056" cy="1783019"/>
+              <a:chOff x="3720155" y="0"/>
+              <a:chExt cx="4751690" cy="2134150"/>
             </a:xfrm>
           </p:grpSpPr>
           <p:grpSp>
             <p:nvGrpSpPr>
-              <p:cNvPr id="74" name="Group 73">
+              <p:cNvPr id="70" name="Group 69">
                 <a:extLst>
                   <a:ext uri="{FF2B5EF4-FFF2-40B4-BE49-F238E27FC236}">
-                    <a16:creationId xmlns:a16="http://schemas.microsoft.com/office/drawing/2014/main" id="{39B0F8BF-8AA8-453E-86E7-ADB902C11220}"/>
+                    <a16:creationId xmlns:a16="http://schemas.microsoft.com/office/drawing/2014/main" id="{095BC977-6BAE-4B46-A8C4-E4EC33F95169}"/>
                   </a:ext>
                 </a:extLst>
               </p:cNvPr>
@@ -9513,18 +9535,18 @@
             </p:nvGrpSpPr>
             <p:grpSpPr>
               <a:xfrm>
-                <a:off x="3900628" y="0"/>
-                <a:ext cx="3980056" cy="1783019"/>
-                <a:chOff x="3720155" y="0"/>
-                <a:chExt cx="4751690" cy="2134150"/>
+                <a:off x="3720155" y="0"/>
+                <a:ext cx="4751690" cy="2127501"/>
+                <a:chOff x="4023018" y="1791138"/>
+                <a:chExt cx="4751690" cy="2127501"/>
               </a:xfrm>
             </p:grpSpPr>
             <p:grpSp>
               <p:nvGrpSpPr>
-                <p:cNvPr id="70" name="Group 69">
+                <p:cNvPr id="6" name="Group 5">
                   <a:extLst>
                     <a:ext uri="{FF2B5EF4-FFF2-40B4-BE49-F238E27FC236}">
-                      <a16:creationId xmlns:a16="http://schemas.microsoft.com/office/drawing/2014/main" id="{095BC977-6BAE-4B46-A8C4-E4EC33F95169}"/>
+                      <a16:creationId xmlns:a16="http://schemas.microsoft.com/office/drawing/2014/main" id="{97E32D5D-1387-4FE6-9C55-D2EBD4F2E139}"/>
                     </a:ext>
                   </a:extLst>
                 </p:cNvPr>
@@ -9532,195 +9554,19 @@
                 <p:nvPr/>
               </p:nvGrpSpPr>
               <p:grpSpPr>
-                <a:xfrm>
-                  <a:off x="3720155" y="0"/>
-                  <a:ext cx="4751690" cy="2127501"/>
-                  <a:chOff x="4023018" y="1791138"/>
-                  <a:chExt cx="4751690" cy="2127501"/>
+                <a:xfrm rot="19193867">
+                  <a:off x="4917484" y="1791138"/>
+                  <a:ext cx="2866551" cy="1533147"/>
+                  <a:chOff x="2669843" y="3819659"/>
+                  <a:chExt cx="2580354" cy="1327949"/>
                 </a:xfrm>
               </p:grpSpPr>
-              <p:grpSp>
-                <p:nvGrpSpPr>
-                  <p:cNvPr id="6" name="Group 5">
+              <p:sp>
+                <p:nvSpPr>
+                  <p:cNvPr id="47" name="Isosceles Triangle 46">
                     <a:extLst>
                       <a:ext uri="{FF2B5EF4-FFF2-40B4-BE49-F238E27FC236}">
-                        <a16:creationId xmlns:a16="http://schemas.microsoft.com/office/drawing/2014/main" id="{97E32D5D-1387-4FE6-9C55-D2EBD4F2E139}"/>
-                      </a:ext>
-                    </a:extLst>
-                  </p:cNvPr>
-                  <p:cNvGrpSpPr/>
-                  <p:nvPr/>
-                </p:nvGrpSpPr>
-                <p:grpSpPr>
-                  <a:xfrm rot="19193867">
-                    <a:off x="4917484" y="1791138"/>
-                    <a:ext cx="2866551" cy="1533147"/>
-                    <a:chOff x="2669843" y="3819659"/>
-                    <a:chExt cx="2580354" cy="1327949"/>
-                  </a:xfrm>
-                </p:grpSpPr>
-                <p:sp>
-                  <p:nvSpPr>
-                    <p:cNvPr id="47" name="Isosceles Triangle 46">
-                      <a:extLst>
-                        <a:ext uri="{FF2B5EF4-FFF2-40B4-BE49-F238E27FC236}">
-                          <a16:creationId xmlns:a16="http://schemas.microsoft.com/office/drawing/2014/main" id="{FAE3D185-EA93-44D3-AD42-B5AFB2A1C6C4}"/>
-                        </a:ext>
-                      </a:extLst>
-                    </p:cNvPr>
-                    <p:cNvSpPr/>
-                    <p:nvPr/>
-                  </p:nvSpPr>
-                  <p:spPr>
-                    <a:xfrm rot="2406133">
-                      <a:off x="3358690" y="4240452"/>
-                      <a:ext cx="1891507" cy="907156"/>
-                    </a:xfrm>
-                    <a:prstGeom prst="triangle">
-                      <a:avLst>
-                        <a:gd name="adj" fmla="val 47491"/>
-                      </a:avLst>
-                    </a:prstGeom>
-                    <a:solidFill>
-                      <a:srgbClr val="FF0000"/>
-                    </a:solidFill>
-                    <a:ln w="38100">
-                      <a:solidFill>
-                        <a:schemeClr val="tx1"/>
-                      </a:solidFill>
-                    </a:ln>
-                  </p:spPr>
-                  <p:style>
-                    <a:lnRef idx="2">
-                      <a:schemeClr val="accent1">
-                        <a:shade val="50000"/>
-                      </a:schemeClr>
-                    </a:lnRef>
-                    <a:fillRef idx="1">
-                      <a:schemeClr val="accent1"/>
-                    </a:fillRef>
-                    <a:effectRef idx="0">
-                      <a:schemeClr val="accent1"/>
-                    </a:effectRef>
-                    <a:fontRef idx="minor">
-                      <a:schemeClr val="lt1"/>
-                    </a:fontRef>
-                  </p:style>
-                  <p:txBody>
-                    <a:bodyPr rtlCol="0" anchor="ctr"/>
-                    <a:lstStyle/>
-                    <a:p>
-                      <a:pPr algn="ctr"/>
-                      <a:endParaRPr lang="en-US"/>
-                    </a:p>
-                  </p:txBody>
-                </p:sp>
-                <p:sp>
-                  <p:nvSpPr>
-                    <p:cNvPr id="48" name="Isosceles Triangle 47">
-                      <a:extLst>
-                        <a:ext uri="{FF2B5EF4-FFF2-40B4-BE49-F238E27FC236}">
-                          <a16:creationId xmlns:a16="http://schemas.microsoft.com/office/drawing/2014/main" id="{7FCA5B9D-2708-4BF8-B90F-4ABDA99462A7}"/>
-                        </a:ext>
-                      </a:extLst>
-                    </p:cNvPr>
-                    <p:cNvSpPr/>
-                    <p:nvPr/>
-                  </p:nvSpPr>
-                  <p:spPr>
-                    <a:xfrm rot="2384622">
-                      <a:off x="2669843" y="3819659"/>
-                      <a:ext cx="840079" cy="402438"/>
-                    </a:xfrm>
-                    <a:prstGeom prst="triangle">
-                      <a:avLst>
-                        <a:gd name="adj" fmla="val 51095"/>
-                      </a:avLst>
-                    </a:prstGeom>
-                    <a:solidFill>
-                      <a:srgbClr val="FF0000"/>
-                    </a:solidFill>
-                    <a:ln w="38100">
-                      <a:solidFill>
-                        <a:schemeClr val="tx1"/>
-                      </a:solidFill>
-                    </a:ln>
-                  </p:spPr>
-                  <p:style>
-                    <a:lnRef idx="2">
-                      <a:schemeClr val="accent1">
-                        <a:shade val="50000"/>
-                      </a:schemeClr>
-                    </a:lnRef>
-                    <a:fillRef idx="1">
-                      <a:schemeClr val="accent1"/>
-                    </a:fillRef>
-                    <a:effectRef idx="0">
-                      <a:schemeClr val="accent1"/>
-                    </a:effectRef>
-                    <a:fontRef idx="minor">
-                      <a:schemeClr val="lt1"/>
-                    </a:fontRef>
-                  </p:style>
-                  <p:txBody>
-                    <a:bodyPr rtlCol="0" anchor="ctr"/>
-                    <a:lstStyle/>
-                    <a:p>
-                      <a:pPr algn="ctr"/>
-                      <a:endParaRPr lang="en-US"/>
-                    </a:p>
-                  </p:txBody>
-                </p:sp>
-              </p:grpSp>
-              <p:cxnSp>
-                <p:nvCxnSpPr>
-                  <p:cNvPr id="7" name="Straight Connector 6">
-                    <a:extLst>
-                      <a:ext uri="{FF2B5EF4-FFF2-40B4-BE49-F238E27FC236}">
-                        <a16:creationId xmlns:a16="http://schemas.microsoft.com/office/drawing/2014/main" id="{3E873B09-D358-421C-A14C-0705A7EF88A8}"/>
-                      </a:ext>
-                    </a:extLst>
-                  </p:cNvPr>
-                  <p:cNvCxnSpPr>
-                    <a:cxnSpLocks/>
-                  </p:cNvCxnSpPr>
-                  <p:nvPr/>
-                </p:nvCxnSpPr>
-                <p:spPr>
-                  <a:xfrm flipV="1">
-                    <a:off x="4294573" y="3013117"/>
-                    <a:ext cx="4178369" cy="13103"/>
-                  </a:xfrm>
-                  <a:prstGeom prst="line">
-                    <a:avLst/>
-                  </a:prstGeom>
-                  <a:ln w="38100">
-                    <a:solidFill>
-                      <a:schemeClr val="tx1"/>
-                    </a:solidFill>
-                  </a:ln>
-                </p:spPr>
-                <p:style>
-                  <a:lnRef idx="3">
-                    <a:schemeClr val="dk1"/>
-                  </a:lnRef>
-                  <a:fillRef idx="0">
-                    <a:schemeClr val="dk1"/>
-                  </a:fillRef>
-                  <a:effectRef idx="2">
-                    <a:schemeClr val="dk1"/>
-                  </a:effectRef>
-                  <a:fontRef idx="minor">
-                    <a:schemeClr val="tx1"/>
-                  </a:fontRef>
-                </p:style>
-              </p:cxnSp>
-              <p:sp>
-                <p:nvSpPr>
-                  <p:cNvPr id="8" name="Flowchart: Connector 7">
-                    <a:extLst>
-                      <a:ext uri="{FF2B5EF4-FFF2-40B4-BE49-F238E27FC236}">
-                        <a16:creationId xmlns:a16="http://schemas.microsoft.com/office/drawing/2014/main" id="{F7F74A2C-76DC-4027-AA78-C8EA0CA57D07}"/>
+                        <a16:creationId xmlns:a16="http://schemas.microsoft.com/office/drawing/2014/main" id="{FAE3D185-EA93-44D3-AD42-B5AFB2A1C6C4}"/>
                       </a:ext>
                     </a:extLst>
                   </p:cNvPr>
@@ -9728,16 +9574,23 @@
                   <p:nvPr/>
                 </p:nvSpPr>
                 <p:spPr>
-                  <a:xfrm>
-                    <a:off x="5681797" y="2951872"/>
-                    <a:ext cx="125714" cy="122488"/>
+                  <a:xfrm rot="2406133">
+                    <a:off x="3358690" y="4240452"/>
+                    <a:ext cx="1891507" cy="907156"/>
                   </a:xfrm>
-                  <a:prstGeom prst="flowChartConnector">
-                    <a:avLst/>
+                  <a:prstGeom prst="triangle">
+                    <a:avLst>
+                      <a:gd name="adj" fmla="val 47491"/>
+                    </a:avLst>
                   </a:prstGeom>
                   <a:solidFill>
-                    <a:schemeClr val="accent1"/>
+                    <a:srgbClr val="FF0000"/>
                   </a:solidFill>
+                  <a:ln w="38100">
+                    <a:solidFill>
+                      <a:schemeClr val="tx1"/>
+                    </a:solidFill>
+                  </a:ln>
                 </p:spPr>
                 <p:style>
                   <a:lnRef idx="2">
@@ -9766,10 +9619,10 @@
               </p:sp>
               <p:sp>
                 <p:nvSpPr>
-                  <p:cNvPr id="9" name="Flowchart: Connector 8">
+                  <p:cNvPr id="48" name="Isosceles Triangle 47">
                     <a:extLst>
                       <a:ext uri="{FF2B5EF4-FFF2-40B4-BE49-F238E27FC236}">
-                        <a16:creationId xmlns:a16="http://schemas.microsoft.com/office/drawing/2014/main" id="{24C71EFF-501C-4573-BC4B-4ED1FCCFBF8D}"/>
+                        <a16:creationId xmlns:a16="http://schemas.microsoft.com/office/drawing/2014/main" id="{7FCA5B9D-2708-4BF8-B90F-4ABDA99462A7}"/>
                       </a:ext>
                     </a:extLst>
                   </p:cNvPr>
@@ -9777,16 +9630,2166 @@
                   <p:nvPr/>
                 </p:nvSpPr>
                 <p:spPr>
-                  <a:xfrm>
-                    <a:off x="7782933" y="2951871"/>
-                    <a:ext cx="125714" cy="122488"/>
+                  <a:xfrm rot="2384622">
+                    <a:off x="2669843" y="3819659"/>
+                    <a:ext cx="840079" cy="402438"/>
                   </a:xfrm>
-                  <a:prstGeom prst="flowChartConnector">
+                  <a:prstGeom prst="triangle">
+                    <a:avLst>
+                      <a:gd name="adj" fmla="val 51095"/>
+                    </a:avLst>
+                  </a:prstGeom>
+                  <a:solidFill>
+                    <a:srgbClr val="FF0000"/>
+                  </a:solidFill>
+                  <a:ln w="38100">
+                    <a:solidFill>
+                      <a:schemeClr val="tx1"/>
+                    </a:solidFill>
+                  </a:ln>
+                </p:spPr>
+                <p:style>
+                  <a:lnRef idx="2">
+                    <a:schemeClr val="accent1">
+                      <a:shade val="50000"/>
+                    </a:schemeClr>
+                  </a:lnRef>
+                  <a:fillRef idx="1">
+                    <a:schemeClr val="accent1"/>
+                  </a:fillRef>
+                  <a:effectRef idx="0">
+                    <a:schemeClr val="accent1"/>
+                  </a:effectRef>
+                  <a:fontRef idx="minor">
+                    <a:schemeClr val="lt1"/>
+                  </a:fontRef>
+                </p:style>
+                <p:txBody>
+                  <a:bodyPr rtlCol="0" anchor="ctr"/>
+                  <a:lstStyle/>
+                  <a:p>
+                    <a:pPr algn="ctr"/>
+                    <a:endParaRPr lang="en-US" dirty="0"/>
+                  </a:p>
+                </p:txBody>
+              </p:sp>
+            </p:grpSp>
+            <p:cxnSp>
+              <p:nvCxnSpPr>
+                <p:cNvPr id="7" name="Straight Connector 6">
+                  <a:extLst>
+                    <a:ext uri="{FF2B5EF4-FFF2-40B4-BE49-F238E27FC236}">
+                      <a16:creationId xmlns:a16="http://schemas.microsoft.com/office/drawing/2014/main" id="{3E873B09-D358-421C-A14C-0705A7EF88A8}"/>
+                    </a:ext>
+                  </a:extLst>
+                </p:cNvPr>
+                <p:cNvCxnSpPr>
+                  <a:cxnSpLocks/>
+                </p:cNvCxnSpPr>
+                <p:nvPr/>
+              </p:nvCxnSpPr>
+              <p:spPr>
+                <a:xfrm flipV="1">
+                  <a:off x="4294573" y="3013117"/>
+                  <a:ext cx="4178369" cy="13103"/>
+                </a:xfrm>
+                <a:prstGeom prst="line">
+                  <a:avLst/>
+                </a:prstGeom>
+                <a:ln w="38100">
+                  <a:solidFill>
+                    <a:schemeClr val="tx1"/>
+                  </a:solidFill>
+                </a:ln>
+              </p:spPr>
+              <p:style>
+                <a:lnRef idx="3">
+                  <a:schemeClr val="dk1"/>
+                </a:lnRef>
+                <a:fillRef idx="0">
+                  <a:schemeClr val="dk1"/>
+                </a:fillRef>
+                <a:effectRef idx="2">
+                  <a:schemeClr val="dk1"/>
+                </a:effectRef>
+                <a:fontRef idx="minor">
+                  <a:schemeClr val="tx1"/>
+                </a:fontRef>
+              </p:style>
+            </p:cxnSp>
+            <p:sp>
+              <p:nvSpPr>
+                <p:cNvPr id="8" name="Flowchart: Connector 7">
+                  <a:extLst>
+                    <a:ext uri="{FF2B5EF4-FFF2-40B4-BE49-F238E27FC236}">
+                      <a16:creationId xmlns:a16="http://schemas.microsoft.com/office/drawing/2014/main" id="{F7F74A2C-76DC-4027-AA78-C8EA0CA57D07}"/>
+                    </a:ext>
+                  </a:extLst>
+                </p:cNvPr>
+                <p:cNvSpPr/>
+                <p:nvPr/>
+              </p:nvSpPr>
+              <p:spPr>
+                <a:xfrm>
+                  <a:off x="5681797" y="2951872"/>
+                  <a:ext cx="125714" cy="122488"/>
+                </a:xfrm>
+                <a:prstGeom prst="flowChartConnector">
+                  <a:avLst/>
+                </a:prstGeom>
+                <a:solidFill>
+                  <a:schemeClr val="accent1"/>
+                </a:solidFill>
+              </p:spPr>
+              <p:style>
+                <a:lnRef idx="2">
+                  <a:schemeClr val="accent1">
+                    <a:shade val="50000"/>
+                  </a:schemeClr>
+                </a:lnRef>
+                <a:fillRef idx="1">
+                  <a:schemeClr val="accent1"/>
+                </a:fillRef>
+                <a:effectRef idx="0">
+                  <a:schemeClr val="accent1"/>
+                </a:effectRef>
+                <a:fontRef idx="minor">
+                  <a:schemeClr val="lt1"/>
+                </a:fontRef>
+              </p:style>
+              <p:txBody>
+                <a:bodyPr rtlCol="0" anchor="ctr"/>
+                <a:lstStyle/>
+                <a:p>
+                  <a:pPr algn="ctr"/>
+                  <a:endParaRPr lang="en-US"/>
+                </a:p>
+              </p:txBody>
+            </p:sp>
+            <p:sp>
+              <p:nvSpPr>
+                <p:cNvPr id="9" name="Flowchart: Connector 8">
+                  <a:extLst>
+                    <a:ext uri="{FF2B5EF4-FFF2-40B4-BE49-F238E27FC236}">
+                      <a16:creationId xmlns:a16="http://schemas.microsoft.com/office/drawing/2014/main" id="{24C71EFF-501C-4573-BC4B-4ED1FCCFBF8D}"/>
+                    </a:ext>
+                  </a:extLst>
+                </p:cNvPr>
+                <p:cNvSpPr/>
+                <p:nvPr/>
+              </p:nvSpPr>
+              <p:spPr>
+                <a:xfrm>
+                  <a:off x="7782933" y="2951871"/>
+                  <a:ext cx="125714" cy="122488"/>
+                </a:xfrm>
+                <a:prstGeom prst="flowChartConnector">
+                  <a:avLst/>
+                </a:prstGeom>
+                <a:solidFill>
+                  <a:schemeClr val="accent1"/>
+                </a:solidFill>
+              </p:spPr>
+              <p:style>
+                <a:lnRef idx="2">
+                  <a:schemeClr val="accent1">
+                    <a:shade val="50000"/>
+                  </a:schemeClr>
+                </a:lnRef>
+                <a:fillRef idx="1">
+                  <a:schemeClr val="accent1"/>
+                </a:fillRef>
+                <a:effectRef idx="0">
+                  <a:schemeClr val="accent1"/>
+                </a:effectRef>
+                <a:fontRef idx="minor">
+                  <a:schemeClr val="lt1"/>
+                </a:fontRef>
+              </p:style>
+              <p:txBody>
+                <a:bodyPr rtlCol="0" anchor="ctr"/>
+                <a:lstStyle/>
+                <a:p>
+                  <a:pPr algn="ctr"/>
+                  <a:endParaRPr lang="en-US"/>
+                </a:p>
+              </p:txBody>
+            </p:sp>
+            <p:sp>
+              <p:nvSpPr>
+                <p:cNvPr id="10" name="Flowchart: Connector 9">
+                  <a:extLst>
+                    <a:ext uri="{FF2B5EF4-FFF2-40B4-BE49-F238E27FC236}">
+                      <a16:creationId xmlns:a16="http://schemas.microsoft.com/office/drawing/2014/main" id="{583D71CB-9A6A-45D7-9E8A-39139C1F47C4}"/>
+                    </a:ext>
+                  </a:extLst>
+                </p:cNvPr>
+                <p:cNvSpPr/>
+                <p:nvPr/>
+              </p:nvSpPr>
+              <p:spPr>
+                <a:xfrm>
+                  <a:off x="4747509" y="2958424"/>
+                  <a:ext cx="125714" cy="122488"/>
+                </a:xfrm>
+                <a:prstGeom prst="flowChartConnector">
+                  <a:avLst/>
+                </a:prstGeom>
+                <a:solidFill>
+                  <a:schemeClr val="accent1"/>
+                </a:solidFill>
+              </p:spPr>
+              <p:style>
+                <a:lnRef idx="2">
+                  <a:schemeClr val="accent1">
+                    <a:shade val="50000"/>
+                  </a:schemeClr>
+                </a:lnRef>
+                <a:fillRef idx="1">
+                  <a:schemeClr val="accent1"/>
+                </a:fillRef>
+                <a:effectRef idx="0">
+                  <a:schemeClr val="accent1"/>
+                </a:effectRef>
+                <a:fontRef idx="minor">
+                  <a:schemeClr val="lt1"/>
+                </a:fontRef>
+              </p:style>
+              <p:txBody>
+                <a:bodyPr rtlCol="0" anchor="ctr"/>
+                <a:lstStyle/>
+                <a:p>
+                  <a:pPr algn="ctr"/>
+                  <a:endParaRPr lang="en-US"/>
+                </a:p>
+              </p:txBody>
+            </p:sp>
+            <p:cxnSp>
+              <p:nvCxnSpPr>
+                <p:cNvPr id="16" name="Straight Connector 15">
+                  <a:extLst>
+                    <a:ext uri="{FF2B5EF4-FFF2-40B4-BE49-F238E27FC236}">
+                      <a16:creationId xmlns:a16="http://schemas.microsoft.com/office/drawing/2014/main" id="{15A53D3A-88BF-4814-8389-4393511FBB12}"/>
+                    </a:ext>
+                  </a:extLst>
+                </p:cNvPr>
+                <p:cNvCxnSpPr>
+                  <a:cxnSpLocks/>
+                </p:cNvCxnSpPr>
+                <p:nvPr/>
+              </p:nvCxnSpPr>
+              <p:spPr>
+                <a:xfrm>
+                  <a:off x="4613513" y="2756048"/>
+                  <a:ext cx="0" cy="1162591"/>
+                </a:xfrm>
+                <a:prstGeom prst="line">
+                  <a:avLst/>
+                </a:prstGeom>
+                <a:ln w="28575">
+                  <a:prstDash val="sysDash"/>
+                </a:ln>
+              </p:spPr>
+              <p:style>
+                <a:lnRef idx="1">
+                  <a:schemeClr val="accent1"/>
+                </a:lnRef>
+                <a:fillRef idx="0">
+                  <a:schemeClr val="accent1"/>
+                </a:fillRef>
+                <a:effectRef idx="0">
+                  <a:schemeClr val="accent1"/>
+                </a:effectRef>
+                <a:fontRef idx="minor">
+                  <a:schemeClr val="tx1"/>
+                </a:fontRef>
+              </p:style>
+            </p:cxnSp>
+            <p:cxnSp>
+              <p:nvCxnSpPr>
+                <p:cNvPr id="20" name="Straight Connector 19">
+                  <a:extLst>
+                    <a:ext uri="{FF2B5EF4-FFF2-40B4-BE49-F238E27FC236}">
+                      <a16:creationId xmlns:a16="http://schemas.microsoft.com/office/drawing/2014/main" id="{52380164-9D23-4A39-9380-526294B6AC74}"/>
+                    </a:ext>
+                  </a:extLst>
+                </p:cNvPr>
+                <p:cNvCxnSpPr>
+                  <a:cxnSpLocks/>
+                </p:cNvCxnSpPr>
+                <p:nvPr/>
+              </p:nvCxnSpPr>
+              <p:spPr>
+                <a:xfrm>
+                  <a:off x="8030460" y="2756048"/>
+                  <a:ext cx="0" cy="1162591"/>
+                </a:xfrm>
+                <a:prstGeom prst="line">
+                  <a:avLst/>
+                </a:prstGeom>
+                <a:ln w="28575">
+                  <a:prstDash val="sysDash"/>
+                </a:ln>
+              </p:spPr>
+              <p:style>
+                <a:lnRef idx="1">
+                  <a:schemeClr val="accent1"/>
+                </a:lnRef>
+                <a:fillRef idx="0">
+                  <a:schemeClr val="accent1"/>
+                </a:fillRef>
+                <a:effectRef idx="0">
+                  <a:schemeClr val="accent1"/>
+                </a:effectRef>
+                <a:fontRef idx="minor">
+                  <a:schemeClr val="tx1"/>
+                </a:fontRef>
+              </p:style>
+            </p:cxnSp>
+            <p:grpSp>
+              <p:nvGrpSpPr>
+                <p:cNvPr id="67" name="Group 66">
+                  <a:extLst>
+                    <a:ext uri="{FF2B5EF4-FFF2-40B4-BE49-F238E27FC236}">
+                      <a16:creationId xmlns:a16="http://schemas.microsoft.com/office/drawing/2014/main" id="{BA01EF4F-B1F4-4477-B04C-68ECB0870A9C}"/>
+                    </a:ext>
+                  </a:extLst>
+                </p:cNvPr>
+                <p:cNvGrpSpPr/>
+                <p:nvPr/>
+              </p:nvGrpSpPr>
+              <p:grpSpPr>
+                <a:xfrm>
+                  <a:off x="5091447" y="2756048"/>
+                  <a:ext cx="2523901" cy="1162591"/>
+                  <a:chOff x="5091446" y="2756048"/>
+                  <a:chExt cx="2454794" cy="2009598"/>
+                </a:xfrm>
+              </p:grpSpPr>
+              <p:cxnSp>
+                <p:nvCxnSpPr>
+                  <p:cNvPr id="17" name="Straight Connector 16">
+                    <a:extLst>
+                      <a:ext uri="{FF2B5EF4-FFF2-40B4-BE49-F238E27FC236}">
+                        <a16:creationId xmlns:a16="http://schemas.microsoft.com/office/drawing/2014/main" id="{252B65CE-F9B0-4434-BADE-EDEC8E8F9CF4}"/>
+                      </a:ext>
+                    </a:extLst>
+                  </p:cNvPr>
+                  <p:cNvCxnSpPr>
+                    <a:cxnSpLocks/>
+                  </p:cNvCxnSpPr>
+                  <p:nvPr/>
+                </p:nvCxnSpPr>
+                <p:spPr>
+                  <a:xfrm flipH="1">
+                    <a:off x="6798558" y="2756048"/>
+                    <a:ext cx="8932" cy="2009598"/>
+                  </a:xfrm>
+                  <a:prstGeom prst="line">
                     <a:avLst/>
                   </a:prstGeom>
+                  <a:ln w="28575">
+                    <a:prstDash val="sysDash"/>
+                  </a:ln>
+                </p:spPr>
+                <p:style>
+                  <a:lnRef idx="1">
+                    <a:schemeClr val="accent1"/>
+                  </a:lnRef>
+                  <a:fillRef idx="0">
+                    <a:schemeClr val="accent1"/>
+                  </a:fillRef>
+                  <a:effectRef idx="0">
+                    <a:schemeClr val="accent1"/>
+                  </a:effectRef>
+                  <a:fontRef idx="minor">
+                    <a:schemeClr val="tx1"/>
+                  </a:fontRef>
+                </p:style>
+              </p:cxnSp>
+              <p:cxnSp>
+                <p:nvCxnSpPr>
+                  <p:cNvPr id="18" name="Straight Connector 17">
+                    <a:extLst>
+                      <a:ext uri="{FF2B5EF4-FFF2-40B4-BE49-F238E27FC236}">
+                        <a16:creationId xmlns:a16="http://schemas.microsoft.com/office/drawing/2014/main" id="{DB3924DD-FF9B-4742-9973-DA0D18CB7923}"/>
+                      </a:ext>
+                    </a:extLst>
+                  </p:cNvPr>
+                  <p:cNvCxnSpPr>
+                    <a:cxnSpLocks/>
+                  </p:cNvCxnSpPr>
+                  <p:nvPr/>
+                </p:nvCxnSpPr>
+                <p:spPr>
+                  <a:xfrm>
+                    <a:off x="7171845" y="2756048"/>
+                    <a:ext cx="0" cy="2009598"/>
+                  </a:xfrm>
+                  <a:prstGeom prst="line">
+                    <a:avLst/>
+                  </a:prstGeom>
+                  <a:ln w="28575">
+                    <a:prstDash val="sysDash"/>
+                  </a:ln>
+                </p:spPr>
+                <p:style>
+                  <a:lnRef idx="1">
+                    <a:schemeClr val="accent1"/>
+                  </a:lnRef>
+                  <a:fillRef idx="0">
+                    <a:schemeClr val="accent1"/>
+                  </a:fillRef>
+                  <a:effectRef idx="0">
+                    <a:schemeClr val="accent1"/>
+                  </a:effectRef>
+                  <a:fontRef idx="minor">
+                    <a:schemeClr val="tx1"/>
+                  </a:fontRef>
+                </p:style>
+              </p:cxnSp>
+              <p:cxnSp>
+                <p:nvCxnSpPr>
+                  <p:cNvPr id="19" name="Straight Connector 18">
+                    <a:extLst>
+                      <a:ext uri="{FF2B5EF4-FFF2-40B4-BE49-F238E27FC236}">
+                        <a16:creationId xmlns:a16="http://schemas.microsoft.com/office/drawing/2014/main" id="{EBEFD168-A3A9-4732-A759-8AFA1E5CD8BC}"/>
+                      </a:ext>
+                    </a:extLst>
+                  </p:cNvPr>
+                  <p:cNvCxnSpPr>
+                    <a:cxnSpLocks/>
+                  </p:cNvCxnSpPr>
+                  <p:nvPr/>
+                </p:nvCxnSpPr>
+                <p:spPr>
+                  <a:xfrm>
+                    <a:off x="7546240" y="2756048"/>
+                    <a:ext cx="0" cy="2009598"/>
+                  </a:xfrm>
+                  <a:prstGeom prst="line">
+                    <a:avLst/>
+                  </a:prstGeom>
+                  <a:ln w="28575">
+                    <a:prstDash val="sysDash"/>
+                  </a:ln>
+                </p:spPr>
+                <p:style>
+                  <a:lnRef idx="1">
+                    <a:schemeClr val="accent1"/>
+                  </a:lnRef>
+                  <a:fillRef idx="0">
+                    <a:schemeClr val="accent1"/>
+                  </a:fillRef>
+                  <a:effectRef idx="0">
+                    <a:schemeClr val="accent1"/>
+                  </a:effectRef>
+                  <a:fontRef idx="minor">
+                    <a:schemeClr val="tx1"/>
+                  </a:fontRef>
+                </p:style>
+              </p:cxnSp>
+              <p:cxnSp>
+                <p:nvCxnSpPr>
+                  <p:cNvPr id="21" name="Straight Connector 20">
+                    <a:extLst>
+                      <a:ext uri="{FF2B5EF4-FFF2-40B4-BE49-F238E27FC236}">
+                        <a16:creationId xmlns:a16="http://schemas.microsoft.com/office/drawing/2014/main" id="{0E9D979C-26AB-4260-9AE5-2237764B2DE4}"/>
+                      </a:ext>
+                    </a:extLst>
+                  </p:cNvPr>
+                  <p:cNvCxnSpPr>
+                    <a:cxnSpLocks/>
+                  </p:cNvCxnSpPr>
+                  <p:nvPr/>
+                </p:nvCxnSpPr>
+                <p:spPr>
+                  <a:xfrm>
+                    <a:off x="5091446" y="2756048"/>
+                    <a:ext cx="0" cy="2009598"/>
+                  </a:xfrm>
+                  <a:prstGeom prst="line">
+                    <a:avLst/>
+                  </a:prstGeom>
+                  <a:ln w="28575">
+                    <a:prstDash val="sysDash"/>
+                  </a:ln>
+                </p:spPr>
+                <p:style>
+                  <a:lnRef idx="1">
+                    <a:schemeClr val="accent1"/>
+                  </a:lnRef>
+                  <a:fillRef idx="0">
+                    <a:schemeClr val="accent1"/>
+                  </a:fillRef>
+                  <a:effectRef idx="0">
+                    <a:schemeClr val="accent1"/>
+                  </a:effectRef>
+                  <a:fontRef idx="minor">
+                    <a:schemeClr val="tx1"/>
+                  </a:fontRef>
+                </p:style>
+              </p:cxnSp>
+              <p:cxnSp>
+                <p:nvCxnSpPr>
+                  <p:cNvPr id="22" name="Straight Connector 21">
+                    <a:extLst>
+                      <a:ext uri="{FF2B5EF4-FFF2-40B4-BE49-F238E27FC236}">
+                        <a16:creationId xmlns:a16="http://schemas.microsoft.com/office/drawing/2014/main" id="{C55396D0-AC65-4EEE-8F4B-F6711BFC2EC0}"/>
+                      </a:ext>
+                    </a:extLst>
+                  </p:cNvPr>
+                  <p:cNvCxnSpPr>
+                    <a:cxnSpLocks/>
+                  </p:cNvCxnSpPr>
+                  <p:nvPr/>
+                </p:nvCxnSpPr>
+                <p:spPr>
+                  <a:xfrm>
+                    <a:off x="5497132" y="2756048"/>
+                    <a:ext cx="0" cy="2009598"/>
+                  </a:xfrm>
+                  <a:prstGeom prst="line">
+                    <a:avLst/>
+                  </a:prstGeom>
+                  <a:ln w="28575">
+                    <a:prstDash val="sysDash"/>
+                  </a:ln>
+                </p:spPr>
+                <p:style>
+                  <a:lnRef idx="1">
+                    <a:schemeClr val="accent1"/>
+                  </a:lnRef>
+                  <a:fillRef idx="0">
+                    <a:schemeClr val="accent1"/>
+                  </a:fillRef>
+                  <a:effectRef idx="0">
+                    <a:schemeClr val="accent1"/>
+                  </a:effectRef>
+                  <a:fontRef idx="minor">
+                    <a:schemeClr val="tx1"/>
+                  </a:fontRef>
+                </p:style>
+              </p:cxnSp>
+              <p:cxnSp>
+                <p:nvCxnSpPr>
+                  <p:cNvPr id="23" name="Straight Connector 22">
+                    <a:extLst>
+                      <a:ext uri="{FF2B5EF4-FFF2-40B4-BE49-F238E27FC236}">
+                        <a16:creationId xmlns:a16="http://schemas.microsoft.com/office/drawing/2014/main" id="{16EE4B63-7FD0-4B77-919B-5FE40E711E90}"/>
+                      </a:ext>
+                    </a:extLst>
+                  </p:cNvPr>
+                  <p:cNvCxnSpPr>
+                    <a:cxnSpLocks/>
+                  </p:cNvCxnSpPr>
+                  <p:nvPr/>
+                </p:nvCxnSpPr>
+                <p:spPr>
+                  <a:xfrm>
+                    <a:off x="5996271" y="2756048"/>
+                    <a:ext cx="0" cy="2009598"/>
+                  </a:xfrm>
+                  <a:prstGeom prst="line">
+                    <a:avLst/>
+                  </a:prstGeom>
+                  <a:ln w="28575">
+                    <a:prstDash val="sysDash"/>
+                  </a:ln>
+                </p:spPr>
+                <p:style>
+                  <a:lnRef idx="1">
+                    <a:schemeClr val="accent1"/>
+                  </a:lnRef>
+                  <a:fillRef idx="0">
+                    <a:schemeClr val="accent1"/>
+                  </a:fillRef>
+                  <a:effectRef idx="0">
+                    <a:schemeClr val="accent1"/>
+                  </a:effectRef>
+                  <a:fontRef idx="minor">
+                    <a:schemeClr val="tx1"/>
+                  </a:fontRef>
+                </p:style>
+              </p:cxnSp>
+              <p:cxnSp>
+                <p:nvCxnSpPr>
+                  <p:cNvPr id="24" name="Straight Connector 23">
+                    <a:extLst>
+                      <a:ext uri="{FF2B5EF4-FFF2-40B4-BE49-F238E27FC236}">
+                        <a16:creationId xmlns:a16="http://schemas.microsoft.com/office/drawing/2014/main" id="{FE662D0B-D256-40AE-B53C-F5DF8CA44FF9}"/>
+                      </a:ext>
+                    </a:extLst>
+                  </p:cNvPr>
+                  <p:cNvCxnSpPr>
+                    <a:cxnSpLocks/>
+                  </p:cNvCxnSpPr>
+                  <p:nvPr/>
+                </p:nvCxnSpPr>
+                <p:spPr>
+                  <a:xfrm flipH="1">
+                    <a:off x="6383758" y="2756048"/>
+                    <a:ext cx="5832" cy="2009598"/>
+                  </a:xfrm>
+                  <a:prstGeom prst="line">
+                    <a:avLst/>
+                  </a:prstGeom>
+                  <a:ln w="28575">
+                    <a:prstDash val="sysDash"/>
+                  </a:ln>
+                </p:spPr>
+                <p:style>
+                  <a:lnRef idx="1">
+                    <a:schemeClr val="accent1"/>
+                  </a:lnRef>
+                  <a:fillRef idx="0">
+                    <a:schemeClr val="accent1"/>
+                  </a:fillRef>
+                  <a:effectRef idx="0">
+                    <a:schemeClr val="accent1"/>
+                  </a:effectRef>
+                  <a:fontRef idx="minor">
+                    <a:schemeClr val="tx1"/>
+                  </a:fontRef>
+                </p:style>
+              </p:cxnSp>
+            </p:grpSp>
+            <p:cxnSp>
+              <p:nvCxnSpPr>
+                <p:cNvPr id="25" name="Straight Connector 24">
+                  <a:extLst>
+                    <a:ext uri="{FF2B5EF4-FFF2-40B4-BE49-F238E27FC236}">
+                      <a16:creationId xmlns:a16="http://schemas.microsoft.com/office/drawing/2014/main" id="{275F50C6-8CBD-47CC-BE1E-414094F2DA6E}"/>
+                    </a:ext>
+                  </a:extLst>
+                </p:cNvPr>
+                <p:cNvCxnSpPr>
+                  <a:cxnSpLocks/>
+                </p:cNvCxnSpPr>
+                <p:nvPr/>
+              </p:nvCxnSpPr>
+              <p:spPr>
+                <a:xfrm flipH="1">
+                  <a:off x="4023018" y="3036583"/>
+                  <a:ext cx="418532" cy="0"/>
+                </a:xfrm>
+                <a:prstGeom prst="line">
+                  <a:avLst/>
+                </a:prstGeom>
+                <a:ln w="38100">
                   <a:solidFill>
-                    <a:schemeClr val="accent1"/>
+                    <a:schemeClr val="tx1"/>
                   </a:solidFill>
+                  <a:prstDash val="sysDot"/>
+                </a:ln>
+              </p:spPr>
+              <p:style>
+                <a:lnRef idx="1">
+                  <a:schemeClr val="accent1"/>
+                </a:lnRef>
+                <a:fillRef idx="0">
+                  <a:schemeClr val="accent1"/>
+                </a:fillRef>
+                <a:effectRef idx="0">
+                  <a:schemeClr val="accent1"/>
+                </a:effectRef>
+                <a:fontRef idx="minor">
+                  <a:schemeClr val="tx1"/>
+                </a:fontRef>
+              </p:style>
+            </p:cxnSp>
+            <p:cxnSp>
+              <p:nvCxnSpPr>
+                <p:cNvPr id="26" name="Straight Connector 25">
+                  <a:extLst>
+                    <a:ext uri="{FF2B5EF4-FFF2-40B4-BE49-F238E27FC236}">
+                      <a16:creationId xmlns:a16="http://schemas.microsoft.com/office/drawing/2014/main" id="{BE8F85BD-3F5B-4BF2-B586-56F10832070E}"/>
+                    </a:ext>
+                  </a:extLst>
+                </p:cNvPr>
+                <p:cNvCxnSpPr>
+                  <a:cxnSpLocks/>
+                </p:cNvCxnSpPr>
+                <p:nvPr/>
+              </p:nvCxnSpPr>
+              <p:spPr>
+                <a:xfrm flipH="1">
+                  <a:off x="8356176" y="3013116"/>
+                  <a:ext cx="418532" cy="0"/>
+                </a:xfrm>
+                <a:prstGeom prst="line">
+                  <a:avLst/>
+                </a:prstGeom>
+                <a:ln w="38100">
+                  <a:solidFill>
+                    <a:schemeClr val="tx1"/>
+                  </a:solidFill>
+                  <a:prstDash val="sysDot"/>
+                </a:ln>
+              </p:spPr>
+              <p:style>
+                <a:lnRef idx="1">
+                  <a:schemeClr val="accent1"/>
+                </a:lnRef>
+                <a:fillRef idx="0">
+                  <a:schemeClr val="accent1"/>
+                </a:fillRef>
+                <a:effectRef idx="0">
+                  <a:schemeClr val="accent1"/>
+                </a:effectRef>
+                <a:fontRef idx="minor">
+                  <a:schemeClr val="tx1"/>
+                </a:fontRef>
+              </p:style>
+            </p:cxnSp>
+            <p:sp>
+              <p:nvSpPr>
+                <p:cNvPr id="27" name="Rectangle 26">
+                  <a:extLst>
+                    <a:ext uri="{FF2B5EF4-FFF2-40B4-BE49-F238E27FC236}">
+                      <a16:creationId xmlns:a16="http://schemas.microsoft.com/office/drawing/2014/main" id="{9C438F6A-05C8-4D9D-9F4C-C5758AF84F03}"/>
+                    </a:ext>
+                  </a:extLst>
+                </p:cNvPr>
+                <p:cNvSpPr/>
+                <p:nvPr/>
+              </p:nvSpPr>
+              <p:spPr>
+                <a:xfrm>
+                  <a:off x="5681719" y="3391401"/>
+                  <a:ext cx="202893" cy="55504"/>
+                </a:xfrm>
+                <a:prstGeom prst="rect">
+                  <a:avLst/>
+                </a:prstGeom>
+                <a:solidFill>
+                  <a:schemeClr val="accent6"/>
+                </a:solidFill>
+              </p:spPr>
+              <p:style>
+                <a:lnRef idx="2">
+                  <a:schemeClr val="accent1">
+                    <a:shade val="50000"/>
+                  </a:schemeClr>
+                </a:lnRef>
+                <a:fillRef idx="1">
+                  <a:schemeClr val="accent1"/>
+                </a:fillRef>
+                <a:effectRef idx="0">
+                  <a:schemeClr val="accent1"/>
+                </a:effectRef>
+                <a:fontRef idx="minor">
+                  <a:schemeClr val="lt1"/>
+                </a:fontRef>
+              </p:style>
+              <p:txBody>
+                <a:bodyPr rtlCol="0" anchor="ctr"/>
+                <a:lstStyle/>
+                <a:p>
+                  <a:pPr algn="ctr"/>
+                  <a:endParaRPr lang="en-US"/>
+                </a:p>
+              </p:txBody>
+            </p:sp>
+            <p:sp>
+              <p:nvSpPr>
+                <p:cNvPr id="28" name="Rectangle 27">
+                  <a:extLst>
+                    <a:ext uri="{FF2B5EF4-FFF2-40B4-BE49-F238E27FC236}">
+                      <a16:creationId xmlns:a16="http://schemas.microsoft.com/office/drawing/2014/main" id="{B80535F3-7F79-4792-A5A5-EE492071A823}"/>
+                    </a:ext>
+                  </a:extLst>
+                </p:cNvPr>
+                <p:cNvSpPr/>
+                <p:nvPr/>
+              </p:nvSpPr>
+              <p:spPr>
+                <a:xfrm flipV="1">
+                  <a:off x="5915033" y="3477289"/>
+                  <a:ext cx="201324" cy="61405"/>
+                </a:xfrm>
+                <a:prstGeom prst="rect">
+                  <a:avLst/>
+                </a:prstGeom>
+                <a:solidFill>
+                  <a:schemeClr val="accent6"/>
+                </a:solidFill>
+              </p:spPr>
+              <p:style>
+                <a:lnRef idx="2">
+                  <a:schemeClr val="accent1">
+                    <a:shade val="50000"/>
+                  </a:schemeClr>
+                </a:lnRef>
+                <a:fillRef idx="1">
+                  <a:schemeClr val="accent1"/>
+                </a:fillRef>
+                <a:effectRef idx="0">
+                  <a:schemeClr val="accent1"/>
+                </a:effectRef>
+                <a:fontRef idx="minor">
+                  <a:schemeClr val="lt1"/>
+                </a:fontRef>
+              </p:style>
+              <p:txBody>
+                <a:bodyPr rtlCol="0" anchor="ctr"/>
+                <a:lstStyle/>
+                <a:p>
+                  <a:pPr algn="ctr"/>
+                  <a:endParaRPr lang="en-US" dirty="0"/>
+                </a:p>
+              </p:txBody>
+            </p:sp>
+            <p:sp>
+              <p:nvSpPr>
+                <p:cNvPr id="29" name="Rectangle 28">
+                  <a:extLst>
+                    <a:ext uri="{FF2B5EF4-FFF2-40B4-BE49-F238E27FC236}">
+                      <a16:creationId xmlns:a16="http://schemas.microsoft.com/office/drawing/2014/main" id="{5B5CBA7A-E310-430B-AE7E-F2C8F403CADD}"/>
+                    </a:ext>
+                  </a:extLst>
+                </p:cNvPr>
+                <p:cNvSpPr/>
+                <p:nvPr/>
+              </p:nvSpPr>
+              <p:spPr>
+                <a:xfrm flipV="1">
+                  <a:off x="5422653" y="3315386"/>
+                  <a:ext cx="220379" cy="60727"/>
+                </a:xfrm>
+                <a:prstGeom prst="rect">
+                  <a:avLst/>
+                </a:prstGeom>
+                <a:solidFill>
+                  <a:schemeClr val="accent6"/>
+                </a:solidFill>
+              </p:spPr>
+              <p:style>
+                <a:lnRef idx="2">
+                  <a:schemeClr val="accent1">
+                    <a:shade val="50000"/>
+                  </a:schemeClr>
+                </a:lnRef>
+                <a:fillRef idx="1">
+                  <a:schemeClr val="accent1"/>
+                </a:fillRef>
+                <a:effectRef idx="0">
+                  <a:schemeClr val="accent1"/>
+                </a:effectRef>
+                <a:fontRef idx="minor">
+                  <a:schemeClr val="lt1"/>
+                </a:fontRef>
+              </p:style>
+              <p:txBody>
+                <a:bodyPr rtlCol="0" anchor="ctr"/>
+                <a:lstStyle/>
+                <a:p>
+                  <a:pPr algn="ctr"/>
+                  <a:endParaRPr lang="en-US" dirty="0"/>
+                </a:p>
+              </p:txBody>
+            </p:sp>
+            <p:sp>
+              <p:nvSpPr>
+                <p:cNvPr id="30" name="Rectangle 29">
+                  <a:extLst>
+                    <a:ext uri="{FF2B5EF4-FFF2-40B4-BE49-F238E27FC236}">
+                      <a16:creationId xmlns:a16="http://schemas.microsoft.com/office/drawing/2014/main" id="{E891DE40-C2A9-48B0-8BA5-999FA4374704}"/>
+                    </a:ext>
+                  </a:extLst>
+                </p:cNvPr>
+                <p:cNvSpPr/>
+                <p:nvPr/>
+              </p:nvSpPr>
+              <p:spPr>
+                <a:xfrm flipV="1">
+                  <a:off x="6945694" y="3315386"/>
+                  <a:ext cx="379029" cy="55950"/>
+                </a:xfrm>
+                <a:prstGeom prst="rect">
+                  <a:avLst/>
+                </a:prstGeom>
+                <a:solidFill>
+                  <a:schemeClr val="accent6"/>
+                </a:solidFill>
+              </p:spPr>
+              <p:style>
+                <a:lnRef idx="2">
+                  <a:schemeClr val="accent1">
+                    <a:shade val="50000"/>
+                  </a:schemeClr>
+                </a:lnRef>
+                <a:fillRef idx="1">
+                  <a:schemeClr val="accent1"/>
+                </a:fillRef>
+                <a:effectRef idx="0">
+                  <a:schemeClr val="accent1"/>
+                </a:effectRef>
+                <a:fontRef idx="minor">
+                  <a:schemeClr val="lt1"/>
+                </a:fontRef>
+              </p:style>
+              <p:txBody>
+                <a:bodyPr rtlCol="0" anchor="ctr"/>
+                <a:lstStyle/>
+                <a:p>
+                  <a:pPr algn="ctr"/>
+                  <a:endParaRPr lang="en-US" dirty="0"/>
+                </a:p>
+              </p:txBody>
+            </p:sp>
+            <p:sp>
+              <p:nvSpPr>
+                <p:cNvPr id="31" name="Rectangle 30">
+                  <a:extLst>
+                    <a:ext uri="{FF2B5EF4-FFF2-40B4-BE49-F238E27FC236}">
+                      <a16:creationId xmlns:a16="http://schemas.microsoft.com/office/drawing/2014/main" id="{4E177251-707C-4636-A1D6-3A0BF969A7E3}"/>
+                    </a:ext>
+                  </a:extLst>
+                </p:cNvPr>
+                <p:cNvSpPr/>
+                <p:nvPr/>
+              </p:nvSpPr>
+              <p:spPr>
+                <a:xfrm>
+                  <a:off x="7615347" y="3315387"/>
+                  <a:ext cx="185617" cy="55950"/>
+                </a:xfrm>
+                <a:prstGeom prst="rect">
+                  <a:avLst/>
+                </a:prstGeom>
+                <a:solidFill>
+                  <a:schemeClr val="accent6"/>
+                </a:solidFill>
+              </p:spPr>
+              <p:style>
+                <a:lnRef idx="2">
+                  <a:schemeClr val="accent1">
+                    <a:shade val="50000"/>
+                  </a:schemeClr>
+                </a:lnRef>
+                <a:fillRef idx="1">
+                  <a:schemeClr val="accent1"/>
+                </a:fillRef>
+                <a:effectRef idx="0">
+                  <a:schemeClr val="accent1"/>
+                </a:effectRef>
+                <a:fontRef idx="minor">
+                  <a:schemeClr val="lt1"/>
+                </a:fontRef>
+              </p:style>
+              <p:txBody>
+                <a:bodyPr rtlCol="0" anchor="ctr"/>
+                <a:lstStyle/>
+                <a:p>
+                  <a:pPr algn="ctr"/>
+                  <a:endParaRPr lang="en-US"/>
+                </a:p>
+              </p:txBody>
+            </p:sp>
+            <p:sp>
+              <p:nvSpPr>
+                <p:cNvPr id="32" name="Rectangle 31">
+                  <a:extLst>
+                    <a:ext uri="{FF2B5EF4-FFF2-40B4-BE49-F238E27FC236}">
+                      <a16:creationId xmlns:a16="http://schemas.microsoft.com/office/drawing/2014/main" id="{52E1E5BB-CDBB-4263-BDAD-0C686901CD48}"/>
+                    </a:ext>
+                  </a:extLst>
+                </p:cNvPr>
+                <p:cNvSpPr/>
+                <p:nvPr/>
+              </p:nvSpPr>
+              <p:spPr>
+                <a:xfrm>
+                  <a:off x="7858371" y="3391400"/>
+                  <a:ext cx="125714" cy="57553"/>
+                </a:xfrm>
+                <a:prstGeom prst="rect">
+                  <a:avLst/>
+                </a:prstGeom>
+                <a:solidFill>
+                  <a:schemeClr val="accent6"/>
+                </a:solidFill>
+              </p:spPr>
+              <p:style>
+                <a:lnRef idx="2">
+                  <a:schemeClr val="accent1">
+                    <a:shade val="50000"/>
+                  </a:schemeClr>
+                </a:lnRef>
+                <a:fillRef idx="1">
+                  <a:schemeClr val="accent1"/>
+                </a:fillRef>
+                <a:effectRef idx="0">
+                  <a:schemeClr val="accent1"/>
+                </a:effectRef>
+                <a:fontRef idx="minor">
+                  <a:schemeClr val="lt1"/>
+                </a:fontRef>
+              </p:style>
+              <p:txBody>
+                <a:bodyPr rtlCol="0" anchor="ctr"/>
+                <a:lstStyle/>
+                <a:p>
+                  <a:pPr algn="ctr"/>
+                  <a:endParaRPr lang="en-US"/>
+                </a:p>
+              </p:txBody>
+            </p:sp>
+            <p:cxnSp>
+              <p:nvCxnSpPr>
+                <p:cNvPr id="33" name="Straight Connector 32">
+                  <a:extLst>
+                    <a:ext uri="{FF2B5EF4-FFF2-40B4-BE49-F238E27FC236}">
+                      <a16:creationId xmlns:a16="http://schemas.microsoft.com/office/drawing/2014/main" id="{450A7A70-E1FF-4199-8E2C-0B1C777EF763}"/>
+                    </a:ext>
+                  </a:extLst>
+                </p:cNvPr>
+                <p:cNvCxnSpPr>
+                  <a:cxnSpLocks/>
+                </p:cNvCxnSpPr>
+                <p:nvPr/>
+              </p:nvCxnSpPr>
+              <p:spPr>
+                <a:xfrm flipV="1">
+                  <a:off x="4294573" y="3905536"/>
+                  <a:ext cx="4178369" cy="13103"/>
+                </a:xfrm>
+                <a:prstGeom prst="line">
+                  <a:avLst/>
+                </a:prstGeom>
+                <a:ln w="38100">
+                  <a:solidFill>
+                    <a:schemeClr val="tx1"/>
+                  </a:solidFill>
+                </a:ln>
+              </p:spPr>
+              <p:style>
+                <a:lnRef idx="3">
+                  <a:schemeClr val="dk1"/>
+                </a:lnRef>
+                <a:fillRef idx="0">
+                  <a:schemeClr val="dk1"/>
+                </a:fillRef>
+                <a:effectRef idx="2">
+                  <a:schemeClr val="dk1"/>
+                </a:effectRef>
+                <a:fontRef idx="minor">
+                  <a:schemeClr val="tx1"/>
+                </a:fontRef>
+              </p:style>
+            </p:cxnSp>
+          </p:grpSp>
+          <p:sp>
+            <p:nvSpPr>
+              <p:cNvPr id="71" name="Rectangle 70">
+                <a:extLst>
+                  <a:ext uri="{FF2B5EF4-FFF2-40B4-BE49-F238E27FC236}">
+                    <a16:creationId xmlns:a16="http://schemas.microsoft.com/office/drawing/2014/main" id="{E395EC7B-FB15-4CA2-9563-71DB065F78A0}"/>
+                  </a:ext>
+                </a:extLst>
+              </p:cNvPr>
+              <p:cNvSpPr/>
+              <p:nvPr/>
+            </p:nvSpPr>
+            <p:spPr>
+              <a:xfrm>
+                <a:off x="5684560" y="971560"/>
+                <a:ext cx="1256176" cy="1162590"/>
+              </a:xfrm>
+              <a:prstGeom prst="rect">
+                <a:avLst/>
+              </a:prstGeom>
+              <a:noFill/>
+              <a:ln w="38100">
+                <a:solidFill>
+                  <a:srgbClr val="FFFF00"/>
+                </a:solidFill>
+                <a:prstDash val="sysDash"/>
+              </a:ln>
+            </p:spPr>
+            <p:style>
+              <a:lnRef idx="2">
+                <a:schemeClr val="accent1">
+                  <a:shade val="50000"/>
+                </a:schemeClr>
+              </a:lnRef>
+              <a:fillRef idx="1">
+                <a:schemeClr val="accent1"/>
+              </a:fillRef>
+              <a:effectRef idx="0">
+                <a:schemeClr val="accent1"/>
+              </a:effectRef>
+              <a:fontRef idx="minor">
+                <a:schemeClr val="lt1"/>
+              </a:fontRef>
+            </p:style>
+            <p:txBody>
+              <a:bodyPr rtlCol="0" anchor="ctr"/>
+              <a:lstStyle/>
+              <a:p>
+                <a:pPr algn="ctr"/>
+                <a:endParaRPr lang="en-US"/>
+              </a:p>
+            </p:txBody>
+          </p:sp>
+        </p:grpSp>
+        <p:sp>
+          <p:nvSpPr>
+            <p:cNvPr id="72" name="Arrow: Left-Right-Up 71">
+              <a:extLst>
+                <a:ext uri="{FF2B5EF4-FFF2-40B4-BE49-F238E27FC236}">
+                  <a16:creationId xmlns:a16="http://schemas.microsoft.com/office/drawing/2014/main" id="{54008041-20A6-430B-A0DB-E10C2D86F5A3}"/>
+                </a:ext>
+              </a:extLst>
+            </p:cNvPr>
+            <p:cNvSpPr/>
+            <p:nvPr/>
+          </p:nvSpPr>
+          <p:spPr>
+            <a:xfrm rot="10800000">
+              <a:off x="3164905" y="1792174"/>
+              <a:ext cx="5426195" cy="748035"/>
+            </a:xfrm>
+            <a:prstGeom prst="leftRightUpArrow">
+              <a:avLst>
+                <a:gd name="adj1" fmla="val 13256"/>
+                <a:gd name="adj2" fmla="val 19128"/>
+                <a:gd name="adj3" fmla="val 26068"/>
+              </a:avLst>
+            </a:prstGeom>
+          </p:spPr>
+          <p:style>
+            <a:lnRef idx="2">
+              <a:schemeClr val="accent1">
+                <a:shade val="50000"/>
+              </a:schemeClr>
+            </a:lnRef>
+            <a:fillRef idx="1">
+              <a:schemeClr val="accent1"/>
+            </a:fillRef>
+            <a:effectRef idx="0">
+              <a:schemeClr val="accent1"/>
+            </a:effectRef>
+            <a:fontRef idx="minor">
+              <a:schemeClr val="lt1"/>
+            </a:fontRef>
+          </p:style>
+          <p:txBody>
+            <a:bodyPr rtlCol="0" anchor="ctr"/>
+            <a:lstStyle/>
+            <a:p>
+              <a:pPr algn="ctr"/>
+              <a:endParaRPr lang="en-US"/>
+            </a:p>
+          </p:txBody>
+        </p:sp>
+        <p:pic>
+          <p:nvPicPr>
+            <p:cNvPr id="73" name="Picture 72">
+              <a:extLst>
+                <a:ext uri="{FF2B5EF4-FFF2-40B4-BE49-F238E27FC236}">
+                  <a16:creationId xmlns:a16="http://schemas.microsoft.com/office/drawing/2014/main" id="{9AE65DB4-00E5-4807-B04C-7446151FE9CC}"/>
+                </a:ext>
+              </a:extLst>
+            </p:cNvPr>
+            <p:cNvPicPr>
+              <a:picLocks noChangeAspect="1"/>
+            </p:cNvPicPr>
+            <p:nvPr/>
+          </p:nvPicPr>
+          <p:blipFill>
+            <a:blip r:embed="rId3"/>
+            <a:stretch>
+              <a:fillRect/>
+            </a:stretch>
+          </p:blipFill>
+          <p:spPr>
+            <a:xfrm>
+              <a:off x="4678628" y="3057904"/>
+              <a:ext cx="2371337" cy="2179067"/>
+            </a:xfrm>
+            <a:prstGeom prst="rect">
+              <a:avLst/>
+            </a:prstGeom>
+          </p:spPr>
+        </p:pic>
+        <p:pic>
+          <p:nvPicPr>
+            <p:cNvPr id="75" name="Picture 74">
+              <a:extLst>
+                <a:ext uri="{FF2B5EF4-FFF2-40B4-BE49-F238E27FC236}">
+                  <a16:creationId xmlns:a16="http://schemas.microsoft.com/office/drawing/2014/main" id="{A65AB9C8-7143-438D-A88B-035A904028FD}"/>
+                </a:ext>
+              </a:extLst>
+            </p:cNvPr>
+            <p:cNvPicPr>
+              <a:picLocks noChangeAspect="1"/>
+            </p:cNvPicPr>
+            <p:nvPr/>
+          </p:nvPicPr>
+          <p:blipFill>
+            <a:blip r:embed="rId3"/>
+            <a:stretch>
+              <a:fillRect/>
+            </a:stretch>
+          </p:blipFill>
+          <p:spPr>
+            <a:xfrm>
+              <a:off x="686660" y="870834"/>
+              <a:ext cx="2371337" cy="2179067"/>
+            </a:xfrm>
+            <a:prstGeom prst="rect">
+              <a:avLst/>
+            </a:prstGeom>
+          </p:spPr>
+        </p:pic>
+        <p:pic>
+          <p:nvPicPr>
+            <p:cNvPr id="76" name="Picture 75">
+              <a:extLst>
+                <a:ext uri="{FF2B5EF4-FFF2-40B4-BE49-F238E27FC236}">
+                  <a16:creationId xmlns:a16="http://schemas.microsoft.com/office/drawing/2014/main" id="{2EF20AAC-3772-49E0-9D29-C3F36225BB3C}"/>
+                </a:ext>
+              </a:extLst>
+            </p:cNvPr>
+            <p:cNvPicPr>
+              <a:picLocks noChangeAspect="1"/>
+            </p:cNvPicPr>
+            <p:nvPr/>
+          </p:nvPicPr>
+          <p:blipFill>
+            <a:blip r:embed="rId3"/>
+            <a:stretch>
+              <a:fillRect/>
+            </a:stretch>
+          </p:blipFill>
+          <p:spPr>
+            <a:xfrm>
+              <a:off x="8763152" y="870834"/>
+              <a:ext cx="2371338" cy="2179067"/>
+            </a:xfrm>
+            <a:prstGeom prst="rect">
+              <a:avLst/>
+            </a:prstGeom>
+          </p:spPr>
+        </p:pic>
+        <p:grpSp>
+          <p:nvGrpSpPr>
+            <p:cNvPr id="77" name="Group 76">
+              <a:extLst>
+                <a:ext uri="{FF2B5EF4-FFF2-40B4-BE49-F238E27FC236}">
+                  <a16:creationId xmlns:a16="http://schemas.microsoft.com/office/drawing/2014/main" id="{A93696AD-93EE-4C94-BEF7-663DA6D1DBD4}"/>
+                </a:ext>
+              </a:extLst>
+            </p:cNvPr>
+            <p:cNvGrpSpPr/>
+            <p:nvPr/>
+          </p:nvGrpSpPr>
+          <p:grpSpPr>
+            <a:xfrm>
+              <a:off x="8591100" y="3049900"/>
+              <a:ext cx="3174355" cy="1394406"/>
+              <a:chOff x="6391213" y="4181536"/>
+              <a:chExt cx="5698162" cy="1510161"/>
+            </a:xfrm>
+          </p:grpSpPr>
+          <p:sp>
+            <p:nvSpPr>
+              <p:cNvPr id="78" name="Left Bracket 77">
+                <a:extLst>
+                  <a:ext uri="{FF2B5EF4-FFF2-40B4-BE49-F238E27FC236}">
+                    <a16:creationId xmlns:a16="http://schemas.microsoft.com/office/drawing/2014/main" id="{2D489B81-63FD-470A-BC3A-F1E4442CAA9A}"/>
+                  </a:ext>
+                </a:extLst>
+              </p:cNvPr>
+              <p:cNvSpPr/>
+              <p:nvPr/>
+            </p:nvSpPr>
+            <p:spPr>
+              <a:xfrm rot="16200000">
+                <a:off x="10055980" y="3723430"/>
+                <a:ext cx="136081" cy="1321508"/>
+              </a:xfrm>
+              <a:prstGeom prst="leftBracket">
+                <a:avLst/>
+              </a:prstGeom>
+            </p:spPr>
+            <p:style>
+              <a:lnRef idx="1">
+                <a:schemeClr val="accent1"/>
+              </a:lnRef>
+              <a:fillRef idx="0">
+                <a:schemeClr val="accent1"/>
+              </a:fillRef>
+              <a:effectRef idx="0">
+                <a:schemeClr val="accent1"/>
+              </a:effectRef>
+              <a:fontRef idx="minor">
+                <a:schemeClr val="tx1"/>
+              </a:fontRef>
+            </p:style>
+            <p:txBody>
+              <a:bodyPr rtlCol="0" anchor="ctr"/>
+              <a:lstStyle/>
+              <a:p>
+                <a:pPr algn="ctr"/>
+                <a:endParaRPr lang="en-US"/>
+              </a:p>
+            </p:txBody>
+          </p:sp>
+          <p:sp>
+            <p:nvSpPr>
+              <p:cNvPr id="79" name="TextBox 78">
+                <a:extLst>
+                  <a:ext uri="{FF2B5EF4-FFF2-40B4-BE49-F238E27FC236}">
+                    <a16:creationId xmlns:a16="http://schemas.microsoft.com/office/drawing/2014/main" id="{018D5DEF-3015-4478-99C7-01BA75AA8BA0}"/>
+                  </a:ext>
+                </a:extLst>
+              </p:cNvPr>
+              <p:cNvSpPr txBox="1"/>
+              <p:nvPr/>
+            </p:nvSpPr>
+            <p:spPr>
+              <a:xfrm>
+                <a:off x="6700058" y="4181536"/>
+                <a:ext cx="2591228" cy="433324"/>
+              </a:xfrm>
+              <a:prstGeom prst="rect">
+                <a:avLst/>
+              </a:prstGeom>
+              <a:noFill/>
+            </p:spPr>
+            <p:txBody>
+              <a:bodyPr wrap="square" rtlCol="0">
+                <a:spAutoFit/>
+              </a:bodyPr>
+              <a:lstStyle/>
+              <a:p>
+                <a:r>
+                  <a:rPr lang="en-US" sz="2000" dirty="0"/>
+                  <a:t>Total Width</a:t>
+                </a:r>
+              </a:p>
+            </p:txBody>
+          </p:sp>
+          <p:sp>
+            <p:nvSpPr>
+              <p:cNvPr id="80" name="TextBox 79">
+                <a:extLst>
+                  <a:ext uri="{FF2B5EF4-FFF2-40B4-BE49-F238E27FC236}">
+                    <a16:creationId xmlns:a16="http://schemas.microsoft.com/office/drawing/2014/main" id="{8C2E9B67-D74E-4B86-AEE6-7FD63DAC67D1}"/>
+                  </a:ext>
+                </a:extLst>
+              </p:cNvPr>
+              <p:cNvSpPr txBox="1"/>
+              <p:nvPr/>
+            </p:nvSpPr>
+            <p:spPr>
+              <a:xfrm>
+                <a:off x="6588132" y="4719524"/>
+                <a:ext cx="3064557" cy="433326"/>
+              </a:xfrm>
+              <a:prstGeom prst="rect">
+                <a:avLst/>
+              </a:prstGeom>
+              <a:noFill/>
+            </p:spPr>
+            <p:txBody>
+              <a:bodyPr wrap="square" rtlCol="0">
+                <a:spAutoFit/>
+              </a:bodyPr>
+              <a:lstStyle/>
+              <a:p>
+                <a:r>
+                  <a:rPr lang="en-US" sz="2000" dirty="0"/>
+                  <a:t>Feature Width</a:t>
+                </a:r>
+              </a:p>
+            </p:txBody>
+          </p:sp>
+          <p:sp>
+            <p:nvSpPr>
+              <p:cNvPr id="81" name="TextBox 80">
+                <a:extLst>
+                  <a:ext uri="{FF2B5EF4-FFF2-40B4-BE49-F238E27FC236}">
+                    <a16:creationId xmlns:a16="http://schemas.microsoft.com/office/drawing/2014/main" id="{7D35540A-00E9-4C16-A3F3-1372A2D4B1A8}"/>
+                  </a:ext>
+                </a:extLst>
+              </p:cNvPr>
+              <p:cNvSpPr txBox="1"/>
+              <p:nvPr/>
+            </p:nvSpPr>
+            <p:spPr>
+              <a:xfrm>
+                <a:off x="6391213" y="5258373"/>
+                <a:ext cx="5698162" cy="433324"/>
+              </a:xfrm>
+              <a:prstGeom prst="rect">
+                <a:avLst/>
+              </a:prstGeom>
+              <a:noFill/>
+            </p:spPr>
+            <p:txBody>
+              <a:bodyPr wrap="square" rtlCol="0">
+                <a:spAutoFit/>
+              </a:bodyPr>
+              <a:lstStyle/>
+              <a:p>
+                <a:r>
+                  <a:rPr lang="en-US" sz="2000" dirty="0"/>
+                  <a:t>Feature Width / Total Width  </a:t>
+                </a:r>
+              </a:p>
+            </p:txBody>
+          </p:sp>
+        </p:grpSp>
+        <p:sp>
+          <p:nvSpPr>
+            <p:cNvPr id="86" name="Left Bracket 85">
+              <a:extLst>
+                <a:ext uri="{FF2B5EF4-FFF2-40B4-BE49-F238E27FC236}">
+                  <a16:creationId xmlns:a16="http://schemas.microsoft.com/office/drawing/2014/main" id="{7D57778B-F19D-4CD3-8356-D2F884B8293D}"/>
+                </a:ext>
+              </a:extLst>
+            </p:cNvPr>
+            <p:cNvSpPr/>
+            <p:nvPr/>
+          </p:nvSpPr>
+          <p:spPr>
+            <a:xfrm rot="16200000">
+              <a:off x="10661405" y="3431373"/>
+              <a:ext cx="123889" cy="630667"/>
+            </a:xfrm>
+            <a:prstGeom prst="leftBracket">
+              <a:avLst/>
+            </a:prstGeom>
+          </p:spPr>
+          <p:style>
+            <a:lnRef idx="1">
+              <a:schemeClr val="accent1"/>
+            </a:lnRef>
+            <a:fillRef idx="0">
+              <a:schemeClr val="accent1"/>
+            </a:fillRef>
+            <a:effectRef idx="0">
+              <a:schemeClr val="accent1"/>
+            </a:effectRef>
+            <a:fontRef idx="minor">
+              <a:schemeClr val="tx1"/>
+            </a:fontRef>
+          </p:style>
+          <p:txBody>
+            <a:bodyPr rtlCol="0" anchor="ctr"/>
+            <a:lstStyle/>
+            <a:p>
+              <a:pPr algn="ctr"/>
+              <a:endParaRPr lang="en-US"/>
+            </a:p>
+          </p:txBody>
+        </p:sp>
+        <p:grpSp>
+          <p:nvGrpSpPr>
+            <p:cNvPr id="94" name="Group 93">
+              <a:extLst>
+                <a:ext uri="{FF2B5EF4-FFF2-40B4-BE49-F238E27FC236}">
+                  <a16:creationId xmlns:a16="http://schemas.microsoft.com/office/drawing/2014/main" id="{7ED68C55-8A48-4E6E-927F-D84C718949C9}"/>
+                </a:ext>
+              </a:extLst>
+            </p:cNvPr>
+            <p:cNvGrpSpPr/>
+            <p:nvPr/>
+          </p:nvGrpSpPr>
+          <p:grpSpPr>
+            <a:xfrm>
+              <a:off x="5662132" y="5330183"/>
+              <a:ext cx="1373107" cy="1373147"/>
+              <a:chOff x="5661357" y="4961371"/>
+              <a:chExt cx="1373107" cy="1373147"/>
+            </a:xfrm>
+          </p:grpSpPr>
+          <p:cxnSp>
+            <p:nvCxnSpPr>
+              <p:cNvPr id="87" name="Straight Connector 86">
+                <a:extLst>
+                  <a:ext uri="{FF2B5EF4-FFF2-40B4-BE49-F238E27FC236}">
+                    <a16:creationId xmlns:a16="http://schemas.microsoft.com/office/drawing/2014/main" id="{3B6DFA56-FCFF-473F-B456-E7CFEF05AE23}"/>
+                  </a:ext>
+                </a:extLst>
+              </p:cNvPr>
+              <p:cNvCxnSpPr>
+                <a:cxnSpLocks/>
+              </p:cNvCxnSpPr>
+              <p:nvPr/>
+            </p:nvCxnSpPr>
+            <p:spPr>
+              <a:xfrm>
+                <a:off x="5908478" y="4973961"/>
+                <a:ext cx="0" cy="285331"/>
+              </a:xfrm>
+              <a:prstGeom prst="line">
+                <a:avLst/>
+              </a:prstGeom>
+              <a:ln w="28575">
+                <a:solidFill>
+                  <a:schemeClr val="accent5"/>
+                </a:solidFill>
+              </a:ln>
+            </p:spPr>
+            <p:style>
+              <a:lnRef idx="1">
+                <a:schemeClr val="accent1"/>
+              </a:lnRef>
+              <a:fillRef idx="0">
+                <a:schemeClr val="accent1"/>
+              </a:fillRef>
+              <a:effectRef idx="0">
+                <a:schemeClr val="accent1"/>
+              </a:effectRef>
+              <a:fontRef idx="minor">
+                <a:schemeClr val="tx1"/>
+              </a:fontRef>
+            </p:style>
+          </p:cxnSp>
+          <p:cxnSp>
+            <p:nvCxnSpPr>
+              <p:cNvPr id="88" name="Straight Connector 87">
+                <a:extLst>
+                  <a:ext uri="{FF2B5EF4-FFF2-40B4-BE49-F238E27FC236}">
+                    <a16:creationId xmlns:a16="http://schemas.microsoft.com/office/drawing/2014/main" id="{116DA453-A3B8-4573-8877-ECA344E3BFFD}"/>
+                  </a:ext>
+                </a:extLst>
+              </p:cNvPr>
+              <p:cNvCxnSpPr>
+                <a:cxnSpLocks/>
+              </p:cNvCxnSpPr>
+              <p:nvPr/>
+            </p:nvCxnSpPr>
+            <p:spPr>
+              <a:xfrm>
+                <a:off x="6787344" y="4961371"/>
+                <a:ext cx="0" cy="285331"/>
+              </a:xfrm>
+              <a:prstGeom prst="line">
+                <a:avLst/>
+              </a:prstGeom>
+              <a:ln w="28575">
+                <a:solidFill>
+                  <a:schemeClr val="accent5"/>
+                </a:solidFill>
+              </a:ln>
+            </p:spPr>
+            <p:style>
+              <a:lnRef idx="1">
+                <a:schemeClr val="accent1"/>
+              </a:lnRef>
+              <a:fillRef idx="0">
+                <a:schemeClr val="accent1"/>
+              </a:fillRef>
+              <a:effectRef idx="0">
+                <a:schemeClr val="accent1"/>
+              </a:effectRef>
+              <a:fontRef idx="minor">
+                <a:schemeClr val="tx1"/>
+              </a:fontRef>
+            </p:style>
+          </p:cxnSp>
+          <p:sp>
+            <p:nvSpPr>
+              <p:cNvPr id="89" name="Right Brace 88">
+                <a:extLst>
+                  <a:ext uri="{FF2B5EF4-FFF2-40B4-BE49-F238E27FC236}">
+                    <a16:creationId xmlns:a16="http://schemas.microsoft.com/office/drawing/2014/main" id="{E6232B12-300B-44C9-BA48-B1FE76EE6A97}"/>
+                  </a:ext>
+                </a:extLst>
+              </p:cNvPr>
+              <p:cNvSpPr/>
+              <p:nvPr/>
+            </p:nvSpPr>
+            <p:spPr>
+              <a:xfrm rot="5400000">
+                <a:off x="6246814" y="5044006"/>
+                <a:ext cx="202194" cy="878866"/>
+              </a:xfrm>
+              <a:prstGeom prst="rightBrace">
+                <a:avLst/>
+              </a:prstGeom>
+            </p:spPr>
+            <p:style>
+              <a:lnRef idx="1">
+                <a:schemeClr val="accent1"/>
+              </a:lnRef>
+              <a:fillRef idx="0">
+                <a:schemeClr val="accent1"/>
+              </a:fillRef>
+              <a:effectRef idx="0">
+                <a:schemeClr val="accent1"/>
+              </a:effectRef>
+              <a:fontRef idx="minor">
+                <a:schemeClr val="tx1"/>
+              </a:fontRef>
+            </p:style>
+            <p:txBody>
+              <a:bodyPr rtlCol="0" anchor="ctr"/>
+              <a:lstStyle/>
+              <a:p>
+                <a:pPr algn="ctr"/>
+                <a:endParaRPr lang="en-US" dirty="0"/>
+              </a:p>
+            </p:txBody>
+          </p:sp>
+          <p:sp>
+            <p:nvSpPr>
+              <p:cNvPr id="90" name="TextBox 89">
+                <a:extLst>
+                  <a:ext uri="{FF2B5EF4-FFF2-40B4-BE49-F238E27FC236}">
+                    <a16:creationId xmlns:a16="http://schemas.microsoft.com/office/drawing/2014/main" id="{5BAC6772-C540-40A8-A25B-4EB9E169DD1C}"/>
+                  </a:ext>
+                </a:extLst>
+              </p:cNvPr>
+              <p:cNvSpPr txBox="1"/>
+              <p:nvPr/>
+            </p:nvSpPr>
+            <p:spPr>
+              <a:xfrm>
+                <a:off x="5661357" y="5626632"/>
+                <a:ext cx="1373107" cy="707886"/>
+              </a:xfrm>
+              <a:prstGeom prst="rect">
+                <a:avLst/>
+              </a:prstGeom>
+              <a:noFill/>
+            </p:spPr>
+            <p:txBody>
+              <a:bodyPr wrap="square" rtlCol="0">
+                <a:spAutoFit/>
+              </a:bodyPr>
+              <a:lstStyle/>
+              <a:p>
+                <a:pPr algn="ctr"/>
+                <a:r>
+                  <a:rPr lang="en-US" sz="2000" dirty="0"/>
+                  <a:t>X </a:t>
+                </a:r>
+              </a:p>
+              <a:p>
+                <a:pPr algn="ctr"/>
+                <a:r>
+                  <a:rPr lang="en-US" sz="2000" dirty="0"/>
+                  <a:t>base pairs</a:t>
+                </a:r>
+              </a:p>
+            </p:txBody>
+          </p:sp>
+        </p:grpSp>
+        <p:sp>
+          <p:nvSpPr>
+            <p:cNvPr id="91" name="Right Brace 90">
+              <a:extLst>
+                <a:ext uri="{FF2B5EF4-FFF2-40B4-BE49-F238E27FC236}">
+                  <a16:creationId xmlns:a16="http://schemas.microsoft.com/office/drawing/2014/main" id="{18074E52-54B9-4430-8F26-71AE5FF2EC3D}"/>
+                </a:ext>
+              </a:extLst>
+            </p:cNvPr>
+            <p:cNvSpPr/>
+            <p:nvPr/>
+          </p:nvSpPr>
+          <p:spPr>
+            <a:xfrm rot="5400000">
+              <a:off x="1024416" y="2890182"/>
+              <a:ext cx="231171" cy="703828"/>
+            </a:xfrm>
+            <a:prstGeom prst="rightBrace">
+              <a:avLst/>
+            </a:prstGeom>
+          </p:spPr>
+          <p:style>
+            <a:lnRef idx="1">
+              <a:schemeClr val="accent1"/>
+            </a:lnRef>
+            <a:fillRef idx="0">
+              <a:schemeClr val="accent1"/>
+            </a:fillRef>
+            <a:effectRef idx="0">
+              <a:schemeClr val="accent1"/>
+            </a:effectRef>
+            <a:fontRef idx="minor">
+              <a:schemeClr val="tx1"/>
+            </a:fontRef>
+          </p:style>
+          <p:txBody>
+            <a:bodyPr rtlCol="0" anchor="ctr"/>
+            <a:lstStyle/>
+            <a:p>
+              <a:pPr algn="ctr"/>
+              <a:endParaRPr lang="en-US"/>
+            </a:p>
+          </p:txBody>
+        </p:sp>
+        <p:sp>
+          <p:nvSpPr>
+            <p:cNvPr id="92" name="TextBox 91">
+              <a:extLst>
+                <a:ext uri="{FF2B5EF4-FFF2-40B4-BE49-F238E27FC236}">
+                  <a16:creationId xmlns:a16="http://schemas.microsoft.com/office/drawing/2014/main" id="{D9B77F90-0E81-4148-9F1D-45E3CD6F3CEE}"/>
+                </a:ext>
+              </a:extLst>
+            </p:cNvPr>
+            <p:cNvSpPr txBox="1"/>
+            <p:nvPr/>
+          </p:nvSpPr>
+          <p:spPr>
+            <a:xfrm>
+              <a:off x="897851" y="1902011"/>
+              <a:ext cx="319318" cy="307777"/>
+            </a:xfrm>
+            <a:prstGeom prst="rect">
+              <a:avLst/>
+            </a:prstGeom>
+            <a:noFill/>
+          </p:spPr>
+          <p:txBody>
+            <a:bodyPr wrap="square" rtlCol="0">
+              <a:spAutoFit/>
+            </a:bodyPr>
+            <a:lstStyle/>
+            <a:p>
+              <a:r>
+                <a:rPr lang="en-US" sz="1400" dirty="0"/>
+                <a:t>1</a:t>
+              </a:r>
+            </a:p>
+          </p:txBody>
+        </p:sp>
+        <p:sp>
+          <p:nvSpPr>
+            <p:cNvPr id="93" name="TextBox 92">
+              <a:extLst>
+                <a:ext uri="{FF2B5EF4-FFF2-40B4-BE49-F238E27FC236}">
+                  <a16:creationId xmlns:a16="http://schemas.microsoft.com/office/drawing/2014/main" id="{DBE964B2-760C-4354-9E01-92C870E5C596}"/>
+                </a:ext>
+              </a:extLst>
+            </p:cNvPr>
+            <p:cNvSpPr txBox="1"/>
+            <p:nvPr/>
+          </p:nvSpPr>
+          <p:spPr>
+            <a:xfrm>
+              <a:off x="993659" y="3428420"/>
+              <a:ext cx="319318" cy="400110"/>
+            </a:xfrm>
+            <a:prstGeom prst="rect">
+              <a:avLst/>
+            </a:prstGeom>
+            <a:noFill/>
+          </p:spPr>
+          <p:txBody>
+            <a:bodyPr wrap="square" rtlCol="0">
+              <a:spAutoFit/>
+            </a:bodyPr>
+            <a:lstStyle/>
+            <a:p>
+              <a:r>
+                <a:rPr lang="en-US" sz="2000" dirty="0"/>
+                <a:t>1</a:t>
+              </a:r>
+              <a:endParaRPr lang="en-US" sz="1400" dirty="0"/>
+            </a:p>
+          </p:txBody>
+        </p:sp>
+        <p:sp>
+          <p:nvSpPr>
+            <p:cNvPr id="95" name="TextBox 94">
+              <a:extLst>
+                <a:ext uri="{FF2B5EF4-FFF2-40B4-BE49-F238E27FC236}">
+                  <a16:creationId xmlns:a16="http://schemas.microsoft.com/office/drawing/2014/main" id="{77F5E1F6-7801-4D61-9217-34B64B705089}"/>
+                </a:ext>
+              </a:extLst>
+            </p:cNvPr>
+            <p:cNvSpPr txBox="1"/>
+            <p:nvPr/>
+          </p:nvSpPr>
+          <p:spPr>
+            <a:xfrm>
+              <a:off x="962959" y="439946"/>
+              <a:ext cx="319318" cy="461665"/>
+            </a:xfrm>
+            <a:prstGeom prst="rect">
+              <a:avLst/>
+            </a:prstGeom>
+            <a:noFill/>
+          </p:spPr>
+          <p:txBody>
+            <a:bodyPr wrap="square" rtlCol="0">
+              <a:spAutoFit/>
+            </a:bodyPr>
+            <a:lstStyle/>
+            <a:p>
+              <a:r>
+                <a:rPr lang="en-US" sz="2400" b="1" dirty="0"/>
+                <a:t>I</a:t>
+              </a:r>
+              <a:endParaRPr lang="en-US" sz="1400" b="1" dirty="0"/>
+            </a:p>
+          </p:txBody>
+        </p:sp>
+        <p:sp>
+          <p:nvSpPr>
+            <p:cNvPr id="96" name="TextBox 95">
+              <a:extLst>
+                <a:ext uri="{FF2B5EF4-FFF2-40B4-BE49-F238E27FC236}">
+                  <a16:creationId xmlns:a16="http://schemas.microsoft.com/office/drawing/2014/main" id="{B0BD1DE3-2528-417C-B94B-B0A92CB410FE}"/>
+                </a:ext>
+              </a:extLst>
+            </p:cNvPr>
+            <p:cNvSpPr txBox="1"/>
+            <p:nvPr/>
+          </p:nvSpPr>
+          <p:spPr>
+            <a:xfrm>
+              <a:off x="5704637" y="2602911"/>
+              <a:ext cx="568754" cy="461665"/>
+            </a:xfrm>
+            <a:prstGeom prst="rect">
+              <a:avLst/>
+            </a:prstGeom>
+            <a:noFill/>
+          </p:spPr>
+          <p:txBody>
+            <a:bodyPr wrap="square" rtlCol="0">
+              <a:spAutoFit/>
+            </a:bodyPr>
+            <a:lstStyle/>
+            <a:p>
+              <a:r>
+                <a:rPr lang="en-US" sz="2400" b="1" dirty="0"/>
+                <a:t>II</a:t>
+              </a:r>
+              <a:endParaRPr lang="en-US" sz="1600" b="1" dirty="0"/>
+            </a:p>
+          </p:txBody>
+        </p:sp>
+        <p:sp>
+          <p:nvSpPr>
+            <p:cNvPr id="97" name="TextBox 96">
+              <a:extLst>
+                <a:ext uri="{FF2B5EF4-FFF2-40B4-BE49-F238E27FC236}">
+                  <a16:creationId xmlns:a16="http://schemas.microsoft.com/office/drawing/2014/main" id="{DDD7E8E3-4E74-4430-9AEA-3AC49E8CC720}"/>
+                </a:ext>
+              </a:extLst>
+            </p:cNvPr>
+            <p:cNvSpPr txBox="1"/>
+            <p:nvPr/>
+          </p:nvSpPr>
+          <p:spPr>
+            <a:xfrm>
+              <a:off x="10498967" y="439945"/>
+              <a:ext cx="539716" cy="461665"/>
+            </a:xfrm>
+            <a:prstGeom prst="rect">
+              <a:avLst/>
+            </a:prstGeom>
+            <a:noFill/>
+          </p:spPr>
+          <p:txBody>
+            <a:bodyPr wrap="square" rtlCol="0">
+              <a:spAutoFit/>
+            </a:bodyPr>
+            <a:lstStyle/>
+            <a:p>
+              <a:r>
+                <a:rPr lang="en-US" sz="2400" b="1" dirty="0"/>
+                <a:t>III</a:t>
+              </a:r>
+              <a:endParaRPr lang="en-US" sz="1400" b="1" dirty="0"/>
+            </a:p>
+          </p:txBody>
+        </p:sp>
+      </p:grpSp>
+      <p:sp>
+        <p:nvSpPr>
+          <p:cNvPr id="99" name="TextBox 98">
+            <a:extLst>
+              <a:ext uri="{FF2B5EF4-FFF2-40B4-BE49-F238E27FC236}">
+                <a16:creationId xmlns:a16="http://schemas.microsoft.com/office/drawing/2014/main" id="{77BCA748-E5EF-4DD1-AAD3-705B43E0DD87}"/>
+              </a:ext>
+            </a:extLst>
+          </p:cNvPr>
+          <p:cNvSpPr txBox="1"/>
+          <p:nvPr/>
+        </p:nvSpPr>
+        <p:spPr>
+          <a:xfrm>
+            <a:off x="171957" y="1849911"/>
+            <a:ext cx="591132" cy="461665"/>
+          </a:xfrm>
+          <a:prstGeom prst="rect">
+            <a:avLst/>
+          </a:prstGeom>
+          <a:noFill/>
+        </p:spPr>
+        <p:txBody>
+          <a:bodyPr wrap="square" rtlCol="0">
+            <a:spAutoFit/>
+          </a:bodyPr>
+          <a:lstStyle/>
+          <a:p>
+            <a:r>
+              <a:rPr lang="en-US" sz="2400" b="1" dirty="0"/>
+              <a:t>(A)</a:t>
+            </a:r>
+            <a:endParaRPr lang="en-US" sz="1400" b="1" dirty="0"/>
+          </a:p>
+        </p:txBody>
+      </p:sp>
+      <p:sp>
+        <p:nvSpPr>
+          <p:cNvPr id="100" name="TextBox 99">
+            <a:extLst>
+              <a:ext uri="{FF2B5EF4-FFF2-40B4-BE49-F238E27FC236}">
+                <a16:creationId xmlns:a16="http://schemas.microsoft.com/office/drawing/2014/main" id="{19496914-E127-4E63-8076-82BBF44A1EBC}"/>
+              </a:ext>
+            </a:extLst>
+          </p:cNvPr>
+          <p:cNvSpPr txBox="1"/>
+          <p:nvPr/>
+        </p:nvSpPr>
+        <p:spPr>
+          <a:xfrm>
+            <a:off x="4113364" y="4095337"/>
+            <a:ext cx="591132" cy="461665"/>
+          </a:xfrm>
+          <a:prstGeom prst="rect">
+            <a:avLst/>
+          </a:prstGeom>
+          <a:noFill/>
+        </p:spPr>
+        <p:txBody>
+          <a:bodyPr wrap="square" rtlCol="0">
+            <a:spAutoFit/>
+          </a:bodyPr>
+          <a:lstStyle/>
+          <a:p>
+            <a:r>
+              <a:rPr lang="en-US" sz="2400" b="1" dirty="0"/>
+              <a:t>(C)</a:t>
+            </a:r>
+            <a:endParaRPr lang="en-US" sz="1400" b="1" dirty="0"/>
+          </a:p>
+        </p:txBody>
+      </p:sp>
+      <p:sp>
+        <p:nvSpPr>
+          <p:cNvPr id="101" name="TextBox 100">
+            <a:extLst>
+              <a:ext uri="{FF2B5EF4-FFF2-40B4-BE49-F238E27FC236}">
+                <a16:creationId xmlns:a16="http://schemas.microsoft.com/office/drawing/2014/main" id="{1EDC992A-EBD1-4255-8A3B-2E8DBE49CC80}"/>
+              </a:ext>
+            </a:extLst>
+          </p:cNvPr>
+          <p:cNvSpPr txBox="1"/>
+          <p:nvPr/>
+        </p:nvSpPr>
+        <p:spPr>
+          <a:xfrm>
+            <a:off x="11428911" y="1853145"/>
+            <a:ext cx="591132" cy="461665"/>
+          </a:xfrm>
+          <a:prstGeom prst="rect">
+            <a:avLst/>
+          </a:prstGeom>
+          <a:noFill/>
+        </p:spPr>
+        <p:txBody>
+          <a:bodyPr wrap="square" rtlCol="0">
+            <a:spAutoFit/>
+          </a:bodyPr>
+          <a:lstStyle/>
+          <a:p>
+            <a:r>
+              <a:rPr lang="en-US" sz="2400" b="1" dirty="0"/>
+              <a:t>(B)</a:t>
+            </a:r>
+            <a:endParaRPr lang="en-US" sz="1400" b="1" dirty="0"/>
+          </a:p>
+        </p:txBody>
+      </p:sp>
+    </p:spTree>
+    <p:extLst>
+      <p:ext uri="{BB962C8B-B14F-4D97-AF65-F5344CB8AC3E}">
+        <p14:creationId xmlns:p14="http://schemas.microsoft.com/office/powerpoint/2010/main" val="3302630088"/>
+      </p:ext>
+    </p:extLst>
+  </p:cSld>
+  <p:clrMapOvr>
+    <a:masterClrMapping/>
+  </p:clrMapOvr>
+</p:sld>
+</file>
+
+<file path=ppt/slides/slide4.xml><?xml version="1.0" encoding="utf-8"?>
+<p:sld xmlns:a="http://schemas.openxmlformats.org/drawingml/2006/main" xmlns:r="http://schemas.openxmlformats.org/officeDocument/2006/relationships" xmlns:p="http://schemas.openxmlformats.org/presentationml/2006/main">
+  <p:cSld>
+    <p:spTree>
+      <p:nvGrpSpPr>
+        <p:cNvPr id="1" name=""/>
+        <p:cNvGrpSpPr/>
+        <p:nvPr/>
+      </p:nvGrpSpPr>
+      <p:grpSpPr>
+        <a:xfrm>
+          <a:off x="0" y="0"/>
+          <a:ext cx="0" cy="0"/>
+          <a:chOff x="0" y="0"/>
+          <a:chExt cx="0" cy="0"/>
+        </a:xfrm>
+      </p:grpSpPr>
+      <p:grpSp>
+        <p:nvGrpSpPr>
+          <p:cNvPr id="101" name="Group 100">
+            <a:extLst>
+              <a:ext uri="{FF2B5EF4-FFF2-40B4-BE49-F238E27FC236}">
+                <a16:creationId xmlns:a16="http://schemas.microsoft.com/office/drawing/2014/main" id="{95AA2E30-DA79-4DF4-9D3A-59BE745B8E09}"/>
+              </a:ext>
+            </a:extLst>
+          </p:cNvPr>
+          <p:cNvGrpSpPr/>
+          <p:nvPr/>
+        </p:nvGrpSpPr>
+        <p:grpSpPr>
+          <a:xfrm>
+            <a:off x="76366" y="-54442"/>
+            <a:ext cx="11397453" cy="6740456"/>
+            <a:chOff x="76366" y="-54442"/>
+            <a:chExt cx="11397453" cy="6740456"/>
+          </a:xfrm>
+        </p:grpSpPr>
+        <p:sp>
+          <p:nvSpPr>
+            <p:cNvPr id="90" name="TextBox 89">
+              <a:extLst>
+                <a:ext uri="{FF2B5EF4-FFF2-40B4-BE49-F238E27FC236}">
+                  <a16:creationId xmlns:a16="http://schemas.microsoft.com/office/drawing/2014/main" id="{F064138E-414D-4B28-BFED-038482F494F1}"/>
+                </a:ext>
+              </a:extLst>
+            </p:cNvPr>
+            <p:cNvSpPr txBox="1"/>
+            <p:nvPr/>
+          </p:nvSpPr>
+          <p:spPr>
+            <a:xfrm>
+              <a:off x="76366" y="5669346"/>
+              <a:ext cx="1188553" cy="523220"/>
+            </a:xfrm>
+            <a:prstGeom prst="rect">
+              <a:avLst/>
+            </a:prstGeom>
+            <a:noFill/>
+          </p:spPr>
+          <p:txBody>
+            <a:bodyPr wrap="square" rtlCol="0">
+              <a:spAutoFit/>
+            </a:bodyPr>
+            <a:lstStyle/>
+            <a:p>
+              <a:pPr algn="ctr"/>
+              <a:r>
+                <a:rPr lang="en-US" sz="1400" dirty="0"/>
+                <a:t>Total number of overlaps</a:t>
+              </a:r>
+            </a:p>
+          </p:txBody>
+        </p:sp>
+        <p:grpSp>
+          <p:nvGrpSpPr>
+            <p:cNvPr id="100" name="Group 99">
+              <a:extLst>
+                <a:ext uri="{FF2B5EF4-FFF2-40B4-BE49-F238E27FC236}">
+                  <a16:creationId xmlns:a16="http://schemas.microsoft.com/office/drawing/2014/main" id="{594BF726-FB4C-41DD-BAE0-6EC89C7650F4}"/>
+                </a:ext>
+              </a:extLst>
+            </p:cNvPr>
+            <p:cNvGrpSpPr/>
+            <p:nvPr/>
+          </p:nvGrpSpPr>
+          <p:grpSpPr>
+            <a:xfrm>
+              <a:off x="1130281" y="-54442"/>
+              <a:ext cx="10343538" cy="6740456"/>
+              <a:chOff x="1130281" y="-54442"/>
+              <a:chExt cx="10343538" cy="6740456"/>
+            </a:xfrm>
+          </p:grpSpPr>
+          <p:grpSp>
+            <p:nvGrpSpPr>
+              <p:cNvPr id="85" name="Group 84">
+                <a:extLst>
+                  <a:ext uri="{FF2B5EF4-FFF2-40B4-BE49-F238E27FC236}">
+                    <a16:creationId xmlns:a16="http://schemas.microsoft.com/office/drawing/2014/main" id="{7E7A1D21-5D76-4F68-AF18-E0EBE09F725F}"/>
+                  </a:ext>
+                </a:extLst>
+              </p:cNvPr>
+              <p:cNvGrpSpPr/>
+              <p:nvPr/>
+            </p:nvGrpSpPr>
+            <p:grpSpPr>
+              <a:xfrm>
+                <a:off x="3584231" y="-54442"/>
+                <a:ext cx="5023537" cy="2128931"/>
+                <a:chOff x="3584231" y="99976"/>
+                <a:chExt cx="5023537" cy="2128931"/>
+              </a:xfrm>
+            </p:grpSpPr>
+            <p:grpSp>
+              <p:nvGrpSpPr>
+                <p:cNvPr id="7" name="Group 6">
+                  <a:extLst>
+                    <a:ext uri="{FF2B5EF4-FFF2-40B4-BE49-F238E27FC236}">
+                      <a16:creationId xmlns:a16="http://schemas.microsoft.com/office/drawing/2014/main" id="{A6EE0718-4EEB-4EB1-8615-80DC9483C9C3}"/>
+                    </a:ext>
+                  </a:extLst>
+                </p:cNvPr>
+                <p:cNvGrpSpPr/>
+                <p:nvPr/>
+              </p:nvGrpSpPr>
+              <p:grpSpPr>
+                <a:xfrm rot="19193867">
+                  <a:off x="4663918" y="99976"/>
+                  <a:ext cx="2924254" cy="1516664"/>
+                  <a:chOff x="2677701" y="3798084"/>
+                  <a:chExt cx="2580359" cy="1328143"/>
+                </a:xfrm>
+              </p:grpSpPr>
+              <p:sp>
+                <p:nvSpPr>
+                  <p:cNvPr id="30" name="Isosceles Triangle 29">
+                    <a:extLst>
+                      <a:ext uri="{FF2B5EF4-FFF2-40B4-BE49-F238E27FC236}">
+                        <a16:creationId xmlns:a16="http://schemas.microsoft.com/office/drawing/2014/main" id="{650CDC34-2483-414C-ADB2-079DE9483768}"/>
+                      </a:ext>
+                    </a:extLst>
+                  </p:cNvPr>
+                  <p:cNvSpPr/>
+                  <p:nvPr/>
+                </p:nvSpPr>
+                <p:spPr>
+                  <a:xfrm rot="2406133">
+                    <a:off x="3299661" y="4219071"/>
+                    <a:ext cx="1958399" cy="907156"/>
+                  </a:xfrm>
+                  <a:prstGeom prst="triangle">
+                    <a:avLst>
+                      <a:gd name="adj" fmla="val 47491"/>
+                    </a:avLst>
+                  </a:prstGeom>
+                  <a:solidFill>
+                    <a:srgbClr val="FF0000"/>
+                  </a:solidFill>
+                  <a:ln w="38100">
+                    <a:solidFill>
+                      <a:schemeClr val="tx1"/>
+                    </a:solidFill>
+                  </a:ln>
                 </p:spPr>
                 <p:style>
                   <a:lnRef idx="2">
@@ -9815,10 +11818,10 @@
               </p:sp>
               <p:sp>
                 <p:nvSpPr>
-                  <p:cNvPr id="10" name="Flowchart: Connector 9">
+                  <p:cNvPr id="31" name="Isosceles Triangle 30">
                     <a:extLst>
                       <a:ext uri="{FF2B5EF4-FFF2-40B4-BE49-F238E27FC236}">
-                        <a16:creationId xmlns:a16="http://schemas.microsoft.com/office/drawing/2014/main" id="{583D71CB-9A6A-45D7-9E8A-39139C1F47C4}"/>
+                        <a16:creationId xmlns:a16="http://schemas.microsoft.com/office/drawing/2014/main" id="{BE8C50F2-738E-4CF3-AE60-D4A0BC9D126E}"/>
                       </a:ext>
                     </a:extLst>
                   </p:cNvPr>
@@ -9826,16 +11829,23 @@
                   <p:nvPr/>
                 </p:nvSpPr>
                 <p:spPr>
-                  <a:xfrm>
-                    <a:off x="4747509" y="2958424"/>
-                    <a:ext cx="125714" cy="122488"/>
+                  <a:xfrm rot="2384622">
+                    <a:off x="2677701" y="3798084"/>
+                    <a:ext cx="772075" cy="402438"/>
                   </a:xfrm>
-                  <a:prstGeom prst="flowChartConnector">
-                    <a:avLst/>
+                  <a:prstGeom prst="triangle">
+                    <a:avLst>
+                      <a:gd name="adj" fmla="val 51095"/>
+                    </a:avLst>
                   </a:prstGeom>
                   <a:solidFill>
-                    <a:schemeClr val="accent1"/>
+                    <a:srgbClr val="FF0000"/>
                   </a:solidFill>
+                  <a:ln w="38100">
+                    <a:solidFill>
+                      <a:schemeClr val="tx1"/>
+                    </a:solidFill>
+                  </a:ln>
                 </p:spPr>
                 <p:style>
                   <a:lnRef idx="2">
@@ -9862,828 +11872,56 @@
                   </a:p>
                 </p:txBody>
               </p:sp>
-              <p:cxnSp>
-                <p:nvCxnSpPr>
-                  <p:cNvPr id="16" name="Straight Connector 15">
-                    <a:extLst>
-                      <a:ext uri="{FF2B5EF4-FFF2-40B4-BE49-F238E27FC236}">
-                        <a16:creationId xmlns:a16="http://schemas.microsoft.com/office/drawing/2014/main" id="{15A53D3A-88BF-4814-8389-4393511FBB12}"/>
-                      </a:ext>
-                    </a:extLst>
-                  </p:cNvPr>
-                  <p:cNvCxnSpPr>
-                    <a:cxnSpLocks/>
-                  </p:cNvCxnSpPr>
-                  <p:nvPr/>
-                </p:nvCxnSpPr>
-                <p:spPr>
-                  <a:xfrm>
-                    <a:off x="4613513" y="2756048"/>
-                    <a:ext cx="0" cy="1162591"/>
-                  </a:xfrm>
-                  <a:prstGeom prst="line">
-                    <a:avLst/>
-                  </a:prstGeom>
-                  <a:ln w="28575">
-                    <a:prstDash val="sysDash"/>
-                  </a:ln>
-                </p:spPr>
-                <p:style>
-                  <a:lnRef idx="1">
-                    <a:schemeClr val="accent1"/>
-                  </a:lnRef>
-                  <a:fillRef idx="0">
-                    <a:schemeClr val="accent1"/>
-                  </a:fillRef>
-                  <a:effectRef idx="0">
-                    <a:schemeClr val="accent1"/>
-                  </a:effectRef>
-                  <a:fontRef idx="minor">
+            </p:grpSp>
+            <p:cxnSp>
+              <p:nvCxnSpPr>
+                <p:cNvPr id="8" name="Straight Connector 7">
+                  <a:extLst>
+                    <a:ext uri="{FF2B5EF4-FFF2-40B4-BE49-F238E27FC236}">
+                      <a16:creationId xmlns:a16="http://schemas.microsoft.com/office/drawing/2014/main" id="{A50610EC-E241-40E9-8995-BCB770B15D10}"/>
+                    </a:ext>
+                  </a:extLst>
+                </p:cNvPr>
+                <p:cNvCxnSpPr>
+                  <a:cxnSpLocks/>
+                </p:cNvCxnSpPr>
+                <p:nvPr/>
+              </p:nvCxnSpPr>
+              <p:spPr>
+                <a:xfrm flipV="1">
+                  <a:off x="4037457" y="1333252"/>
+                  <a:ext cx="4262471" cy="12960"/>
+                </a:xfrm>
+                <a:prstGeom prst="line">
+                  <a:avLst/>
+                </a:prstGeom>
+                <a:ln w="38100">
+                  <a:solidFill>
                     <a:schemeClr val="tx1"/>
-                  </a:fontRef>
-                </p:style>
-              </p:cxnSp>
-              <p:cxnSp>
-                <p:nvCxnSpPr>
-                  <p:cNvPr id="20" name="Straight Connector 19">
-                    <a:extLst>
-                      <a:ext uri="{FF2B5EF4-FFF2-40B4-BE49-F238E27FC236}">
-                        <a16:creationId xmlns:a16="http://schemas.microsoft.com/office/drawing/2014/main" id="{52380164-9D23-4A39-9380-526294B6AC74}"/>
-                      </a:ext>
-                    </a:extLst>
-                  </p:cNvPr>
-                  <p:cNvCxnSpPr>
-                    <a:cxnSpLocks/>
-                  </p:cNvCxnSpPr>
-                  <p:nvPr/>
-                </p:nvCxnSpPr>
-                <p:spPr>
-                  <a:xfrm>
-                    <a:off x="8030460" y="2756048"/>
-                    <a:ext cx="0" cy="1162591"/>
-                  </a:xfrm>
-                  <a:prstGeom prst="line">
-                    <a:avLst/>
-                  </a:prstGeom>
-                  <a:ln w="28575">
-                    <a:prstDash val="sysDash"/>
-                  </a:ln>
-                </p:spPr>
-                <p:style>
-                  <a:lnRef idx="1">
-                    <a:schemeClr val="accent1"/>
-                  </a:lnRef>
-                  <a:fillRef idx="0">
-                    <a:schemeClr val="accent1"/>
-                  </a:fillRef>
-                  <a:effectRef idx="0">
-                    <a:schemeClr val="accent1"/>
-                  </a:effectRef>
-                  <a:fontRef idx="minor">
-                    <a:schemeClr val="tx1"/>
-                  </a:fontRef>
-                </p:style>
-              </p:cxnSp>
-              <p:grpSp>
-                <p:nvGrpSpPr>
-                  <p:cNvPr id="67" name="Group 66">
-                    <a:extLst>
-                      <a:ext uri="{FF2B5EF4-FFF2-40B4-BE49-F238E27FC236}">
-                        <a16:creationId xmlns:a16="http://schemas.microsoft.com/office/drawing/2014/main" id="{BA01EF4F-B1F4-4477-B04C-68ECB0870A9C}"/>
-                      </a:ext>
-                    </a:extLst>
-                  </p:cNvPr>
-                  <p:cNvGrpSpPr/>
-                  <p:nvPr/>
-                </p:nvGrpSpPr>
-                <p:grpSpPr>
-                  <a:xfrm>
-                    <a:off x="5091447" y="2756048"/>
-                    <a:ext cx="2523901" cy="1162591"/>
-                    <a:chOff x="5091446" y="2756048"/>
-                    <a:chExt cx="2454794" cy="2009598"/>
-                  </a:xfrm>
-                </p:grpSpPr>
-                <p:cxnSp>
-                  <p:nvCxnSpPr>
-                    <p:cNvPr id="17" name="Straight Connector 16">
-                      <a:extLst>
-                        <a:ext uri="{FF2B5EF4-FFF2-40B4-BE49-F238E27FC236}">
-                          <a16:creationId xmlns:a16="http://schemas.microsoft.com/office/drawing/2014/main" id="{252B65CE-F9B0-4434-BADE-EDEC8E8F9CF4}"/>
-                        </a:ext>
-                      </a:extLst>
-                    </p:cNvPr>
-                    <p:cNvCxnSpPr>
-                      <a:cxnSpLocks/>
-                    </p:cNvCxnSpPr>
-                    <p:nvPr/>
-                  </p:nvCxnSpPr>
-                  <p:spPr>
-                    <a:xfrm flipH="1">
-                      <a:off x="6798558" y="2756048"/>
-                      <a:ext cx="8932" cy="2009598"/>
-                    </a:xfrm>
-                    <a:prstGeom prst="line">
-                      <a:avLst/>
-                    </a:prstGeom>
-                    <a:ln w="28575">
-                      <a:prstDash val="sysDash"/>
-                    </a:ln>
-                  </p:spPr>
-                  <p:style>
-                    <a:lnRef idx="1">
-                      <a:schemeClr val="accent1"/>
-                    </a:lnRef>
-                    <a:fillRef idx="0">
-                      <a:schemeClr val="accent1"/>
-                    </a:fillRef>
-                    <a:effectRef idx="0">
-                      <a:schemeClr val="accent1"/>
-                    </a:effectRef>
-                    <a:fontRef idx="minor">
-                      <a:schemeClr val="tx1"/>
-                    </a:fontRef>
-                  </p:style>
-                </p:cxnSp>
-                <p:cxnSp>
-                  <p:nvCxnSpPr>
-                    <p:cNvPr id="18" name="Straight Connector 17">
-                      <a:extLst>
-                        <a:ext uri="{FF2B5EF4-FFF2-40B4-BE49-F238E27FC236}">
-                          <a16:creationId xmlns:a16="http://schemas.microsoft.com/office/drawing/2014/main" id="{DB3924DD-FF9B-4742-9973-DA0D18CB7923}"/>
-                        </a:ext>
-                      </a:extLst>
-                    </p:cNvPr>
-                    <p:cNvCxnSpPr>
-                      <a:cxnSpLocks/>
-                    </p:cNvCxnSpPr>
-                    <p:nvPr/>
-                  </p:nvCxnSpPr>
-                  <p:spPr>
-                    <a:xfrm>
-                      <a:off x="7171845" y="2756048"/>
-                      <a:ext cx="0" cy="2009598"/>
-                    </a:xfrm>
-                    <a:prstGeom prst="line">
-                      <a:avLst/>
-                    </a:prstGeom>
-                    <a:ln w="28575">
-                      <a:prstDash val="sysDash"/>
-                    </a:ln>
-                  </p:spPr>
-                  <p:style>
-                    <a:lnRef idx="1">
-                      <a:schemeClr val="accent1"/>
-                    </a:lnRef>
-                    <a:fillRef idx="0">
-                      <a:schemeClr val="accent1"/>
-                    </a:fillRef>
-                    <a:effectRef idx="0">
-                      <a:schemeClr val="accent1"/>
-                    </a:effectRef>
-                    <a:fontRef idx="minor">
-                      <a:schemeClr val="tx1"/>
-                    </a:fontRef>
-                  </p:style>
-                </p:cxnSp>
-                <p:cxnSp>
-                  <p:nvCxnSpPr>
-                    <p:cNvPr id="19" name="Straight Connector 18">
-                      <a:extLst>
-                        <a:ext uri="{FF2B5EF4-FFF2-40B4-BE49-F238E27FC236}">
-                          <a16:creationId xmlns:a16="http://schemas.microsoft.com/office/drawing/2014/main" id="{EBEFD168-A3A9-4732-A759-8AFA1E5CD8BC}"/>
-                        </a:ext>
-                      </a:extLst>
-                    </p:cNvPr>
-                    <p:cNvCxnSpPr>
-                      <a:cxnSpLocks/>
-                    </p:cNvCxnSpPr>
-                    <p:nvPr/>
-                  </p:nvCxnSpPr>
-                  <p:spPr>
-                    <a:xfrm>
-                      <a:off x="7546240" y="2756048"/>
-                      <a:ext cx="0" cy="2009598"/>
-                    </a:xfrm>
-                    <a:prstGeom prst="line">
-                      <a:avLst/>
-                    </a:prstGeom>
-                    <a:ln w="28575">
-                      <a:prstDash val="sysDash"/>
-                    </a:ln>
-                  </p:spPr>
-                  <p:style>
-                    <a:lnRef idx="1">
-                      <a:schemeClr val="accent1"/>
-                    </a:lnRef>
-                    <a:fillRef idx="0">
-                      <a:schemeClr val="accent1"/>
-                    </a:fillRef>
-                    <a:effectRef idx="0">
-                      <a:schemeClr val="accent1"/>
-                    </a:effectRef>
-                    <a:fontRef idx="minor">
-                      <a:schemeClr val="tx1"/>
-                    </a:fontRef>
-                  </p:style>
-                </p:cxnSp>
-                <p:cxnSp>
-                  <p:nvCxnSpPr>
-                    <p:cNvPr id="21" name="Straight Connector 20">
-                      <a:extLst>
-                        <a:ext uri="{FF2B5EF4-FFF2-40B4-BE49-F238E27FC236}">
-                          <a16:creationId xmlns:a16="http://schemas.microsoft.com/office/drawing/2014/main" id="{0E9D979C-26AB-4260-9AE5-2237764B2DE4}"/>
-                        </a:ext>
-                      </a:extLst>
-                    </p:cNvPr>
-                    <p:cNvCxnSpPr>
-                      <a:cxnSpLocks/>
-                    </p:cNvCxnSpPr>
-                    <p:nvPr/>
-                  </p:nvCxnSpPr>
-                  <p:spPr>
-                    <a:xfrm>
-                      <a:off x="5091446" y="2756048"/>
-                      <a:ext cx="0" cy="2009598"/>
-                    </a:xfrm>
-                    <a:prstGeom prst="line">
-                      <a:avLst/>
-                    </a:prstGeom>
-                    <a:ln w="28575">
-                      <a:prstDash val="sysDash"/>
-                    </a:ln>
-                  </p:spPr>
-                  <p:style>
-                    <a:lnRef idx="1">
-                      <a:schemeClr val="accent1"/>
-                    </a:lnRef>
-                    <a:fillRef idx="0">
-                      <a:schemeClr val="accent1"/>
-                    </a:fillRef>
-                    <a:effectRef idx="0">
-                      <a:schemeClr val="accent1"/>
-                    </a:effectRef>
-                    <a:fontRef idx="minor">
-                      <a:schemeClr val="tx1"/>
-                    </a:fontRef>
-                  </p:style>
-                </p:cxnSp>
-                <p:cxnSp>
-                  <p:nvCxnSpPr>
-                    <p:cNvPr id="22" name="Straight Connector 21">
-                      <a:extLst>
-                        <a:ext uri="{FF2B5EF4-FFF2-40B4-BE49-F238E27FC236}">
-                          <a16:creationId xmlns:a16="http://schemas.microsoft.com/office/drawing/2014/main" id="{C55396D0-AC65-4EEE-8F4B-F6711BFC2EC0}"/>
-                        </a:ext>
-                      </a:extLst>
-                    </p:cNvPr>
-                    <p:cNvCxnSpPr>
-                      <a:cxnSpLocks/>
-                    </p:cNvCxnSpPr>
-                    <p:nvPr/>
-                  </p:nvCxnSpPr>
-                  <p:spPr>
-                    <a:xfrm>
-                      <a:off x="5497132" y="2756048"/>
-                      <a:ext cx="0" cy="2009598"/>
-                    </a:xfrm>
-                    <a:prstGeom prst="line">
-                      <a:avLst/>
-                    </a:prstGeom>
-                    <a:ln w="28575">
-                      <a:prstDash val="sysDash"/>
-                    </a:ln>
-                  </p:spPr>
-                  <p:style>
-                    <a:lnRef idx="1">
-                      <a:schemeClr val="accent1"/>
-                    </a:lnRef>
-                    <a:fillRef idx="0">
-                      <a:schemeClr val="accent1"/>
-                    </a:fillRef>
-                    <a:effectRef idx="0">
-                      <a:schemeClr val="accent1"/>
-                    </a:effectRef>
-                    <a:fontRef idx="minor">
-                      <a:schemeClr val="tx1"/>
-                    </a:fontRef>
-                  </p:style>
-                </p:cxnSp>
-                <p:cxnSp>
-                  <p:nvCxnSpPr>
-                    <p:cNvPr id="23" name="Straight Connector 22">
-                      <a:extLst>
-                        <a:ext uri="{FF2B5EF4-FFF2-40B4-BE49-F238E27FC236}">
-                          <a16:creationId xmlns:a16="http://schemas.microsoft.com/office/drawing/2014/main" id="{16EE4B63-7FD0-4B77-919B-5FE40E711E90}"/>
-                        </a:ext>
-                      </a:extLst>
-                    </p:cNvPr>
-                    <p:cNvCxnSpPr>
-                      <a:cxnSpLocks/>
-                    </p:cNvCxnSpPr>
-                    <p:nvPr/>
-                  </p:nvCxnSpPr>
-                  <p:spPr>
-                    <a:xfrm>
-                      <a:off x="5996271" y="2756048"/>
-                      <a:ext cx="0" cy="2009598"/>
-                    </a:xfrm>
-                    <a:prstGeom prst="line">
-                      <a:avLst/>
-                    </a:prstGeom>
-                    <a:ln w="28575">
-                      <a:prstDash val="sysDash"/>
-                    </a:ln>
-                  </p:spPr>
-                  <p:style>
-                    <a:lnRef idx="1">
-                      <a:schemeClr val="accent1"/>
-                    </a:lnRef>
-                    <a:fillRef idx="0">
-                      <a:schemeClr val="accent1"/>
-                    </a:fillRef>
-                    <a:effectRef idx="0">
-                      <a:schemeClr val="accent1"/>
-                    </a:effectRef>
-                    <a:fontRef idx="minor">
-                      <a:schemeClr val="tx1"/>
-                    </a:fontRef>
-                  </p:style>
-                </p:cxnSp>
-                <p:cxnSp>
-                  <p:nvCxnSpPr>
-                    <p:cNvPr id="24" name="Straight Connector 23">
-                      <a:extLst>
-                        <a:ext uri="{FF2B5EF4-FFF2-40B4-BE49-F238E27FC236}">
-                          <a16:creationId xmlns:a16="http://schemas.microsoft.com/office/drawing/2014/main" id="{FE662D0B-D256-40AE-B53C-F5DF8CA44FF9}"/>
-                        </a:ext>
-                      </a:extLst>
-                    </p:cNvPr>
-                    <p:cNvCxnSpPr>
-                      <a:cxnSpLocks/>
-                    </p:cNvCxnSpPr>
-                    <p:nvPr/>
-                  </p:nvCxnSpPr>
-                  <p:spPr>
-                    <a:xfrm flipH="1">
-                      <a:off x="6383758" y="2756048"/>
-                      <a:ext cx="5832" cy="2009598"/>
-                    </a:xfrm>
-                    <a:prstGeom prst="line">
-                      <a:avLst/>
-                    </a:prstGeom>
-                    <a:ln w="28575">
-                      <a:prstDash val="sysDash"/>
-                    </a:ln>
-                  </p:spPr>
-                  <p:style>
-                    <a:lnRef idx="1">
-                      <a:schemeClr val="accent1"/>
-                    </a:lnRef>
-                    <a:fillRef idx="0">
-                      <a:schemeClr val="accent1"/>
-                    </a:fillRef>
-                    <a:effectRef idx="0">
-                      <a:schemeClr val="accent1"/>
-                    </a:effectRef>
-                    <a:fontRef idx="minor">
-                      <a:schemeClr val="tx1"/>
-                    </a:fontRef>
-                  </p:style>
-                </p:cxnSp>
-              </p:grpSp>
-              <p:cxnSp>
-                <p:nvCxnSpPr>
-                  <p:cNvPr id="25" name="Straight Connector 24">
-                    <a:extLst>
-                      <a:ext uri="{FF2B5EF4-FFF2-40B4-BE49-F238E27FC236}">
-                        <a16:creationId xmlns:a16="http://schemas.microsoft.com/office/drawing/2014/main" id="{275F50C6-8CBD-47CC-BE1E-414094F2DA6E}"/>
-                      </a:ext>
-                    </a:extLst>
-                  </p:cNvPr>
-                  <p:cNvCxnSpPr>
-                    <a:cxnSpLocks/>
-                  </p:cNvCxnSpPr>
-                  <p:nvPr/>
-                </p:nvCxnSpPr>
-                <p:spPr>
-                  <a:xfrm flipH="1">
-                    <a:off x="4023018" y="3036583"/>
-                    <a:ext cx="418532" cy="0"/>
-                  </a:xfrm>
-                  <a:prstGeom prst="line">
-                    <a:avLst/>
-                  </a:prstGeom>
-                  <a:ln w="38100">
-                    <a:solidFill>
-                      <a:schemeClr val="tx1"/>
-                    </a:solidFill>
-                    <a:prstDash val="sysDot"/>
-                  </a:ln>
-                </p:spPr>
-                <p:style>
-                  <a:lnRef idx="1">
-                    <a:schemeClr val="accent1"/>
-                  </a:lnRef>
-                  <a:fillRef idx="0">
-                    <a:schemeClr val="accent1"/>
-                  </a:fillRef>
-                  <a:effectRef idx="0">
-                    <a:schemeClr val="accent1"/>
-                  </a:effectRef>
-                  <a:fontRef idx="minor">
-                    <a:schemeClr val="tx1"/>
-                  </a:fontRef>
-                </p:style>
-              </p:cxnSp>
-              <p:cxnSp>
-                <p:nvCxnSpPr>
-                  <p:cNvPr id="26" name="Straight Connector 25">
-                    <a:extLst>
-                      <a:ext uri="{FF2B5EF4-FFF2-40B4-BE49-F238E27FC236}">
-                        <a16:creationId xmlns:a16="http://schemas.microsoft.com/office/drawing/2014/main" id="{BE8F85BD-3F5B-4BF2-B586-56F10832070E}"/>
-                      </a:ext>
-                    </a:extLst>
-                  </p:cNvPr>
-                  <p:cNvCxnSpPr>
-                    <a:cxnSpLocks/>
-                  </p:cNvCxnSpPr>
-                  <p:nvPr/>
-                </p:nvCxnSpPr>
-                <p:spPr>
-                  <a:xfrm flipH="1">
-                    <a:off x="8356176" y="3013116"/>
-                    <a:ext cx="418532" cy="0"/>
-                  </a:xfrm>
-                  <a:prstGeom prst="line">
-                    <a:avLst/>
-                  </a:prstGeom>
-                  <a:ln w="38100">
-                    <a:solidFill>
-                      <a:schemeClr val="tx1"/>
-                    </a:solidFill>
-                    <a:prstDash val="sysDot"/>
-                  </a:ln>
-                </p:spPr>
-                <p:style>
-                  <a:lnRef idx="1">
-                    <a:schemeClr val="accent1"/>
-                  </a:lnRef>
-                  <a:fillRef idx="0">
-                    <a:schemeClr val="accent1"/>
-                  </a:fillRef>
-                  <a:effectRef idx="0">
-                    <a:schemeClr val="accent1"/>
-                  </a:effectRef>
-                  <a:fontRef idx="minor">
-                    <a:schemeClr val="tx1"/>
-                  </a:fontRef>
-                </p:style>
-              </p:cxnSp>
-              <p:sp>
-                <p:nvSpPr>
-                  <p:cNvPr id="27" name="Rectangle 26">
-                    <a:extLst>
-                      <a:ext uri="{FF2B5EF4-FFF2-40B4-BE49-F238E27FC236}">
-                        <a16:creationId xmlns:a16="http://schemas.microsoft.com/office/drawing/2014/main" id="{9C438F6A-05C8-4D9D-9F4C-C5758AF84F03}"/>
-                      </a:ext>
-                    </a:extLst>
-                  </p:cNvPr>
-                  <p:cNvSpPr/>
-                  <p:nvPr/>
-                </p:nvSpPr>
-                <p:spPr>
-                  <a:xfrm>
-                    <a:off x="5681719" y="3391401"/>
-                    <a:ext cx="202893" cy="55504"/>
-                  </a:xfrm>
-                  <a:prstGeom prst="rect">
-                    <a:avLst/>
-                  </a:prstGeom>
-                  <a:solidFill>
-                    <a:schemeClr val="accent6"/>
                   </a:solidFill>
-                </p:spPr>
-                <p:style>
-                  <a:lnRef idx="2">
-                    <a:schemeClr val="accent1">
-                      <a:shade val="50000"/>
-                    </a:schemeClr>
-                  </a:lnRef>
-                  <a:fillRef idx="1">
-                    <a:schemeClr val="accent1"/>
-                  </a:fillRef>
-                  <a:effectRef idx="0">
-                    <a:schemeClr val="accent1"/>
-                  </a:effectRef>
-                  <a:fontRef idx="minor">
-                    <a:schemeClr val="lt1"/>
-                  </a:fontRef>
-                </p:style>
-                <p:txBody>
-                  <a:bodyPr rtlCol="0" anchor="ctr"/>
-                  <a:lstStyle/>
-                  <a:p>
-                    <a:pPr algn="ctr"/>
-                    <a:endParaRPr lang="en-US"/>
-                  </a:p>
-                </p:txBody>
-              </p:sp>
-              <p:sp>
-                <p:nvSpPr>
-                  <p:cNvPr id="28" name="Rectangle 27">
-                    <a:extLst>
-                      <a:ext uri="{FF2B5EF4-FFF2-40B4-BE49-F238E27FC236}">
-                        <a16:creationId xmlns:a16="http://schemas.microsoft.com/office/drawing/2014/main" id="{B80535F3-7F79-4792-A5A5-EE492071A823}"/>
-                      </a:ext>
-                    </a:extLst>
-                  </p:cNvPr>
-                  <p:cNvSpPr/>
-                  <p:nvPr/>
-                </p:nvSpPr>
-                <p:spPr>
-                  <a:xfrm flipV="1">
-                    <a:off x="5915033" y="3477289"/>
-                    <a:ext cx="201324" cy="61405"/>
-                  </a:xfrm>
-                  <a:prstGeom prst="rect">
-                    <a:avLst/>
-                  </a:prstGeom>
-                  <a:solidFill>
-                    <a:schemeClr val="accent6"/>
-                  </a:solidFill>
-                </p:spPr>
-                <p:style>
-                  <a:lnRef idx="2">
-                    <a:schemeClr val="accent1">
-                      <a:shade val="50000"/>
-                    </a:schemeClr>
-                  </a:lnRef>
-                  <a:fillRef idx="1">
-                    <a:schemeClr val="accent1"/>
-                  </a:fillRef>
-                  <a:effectRef idx="0">
-                    <a:schemeClr val="accent1"/>
-                  </a:effectRef>
-                  <a:fontRef idx="minor">
-                    <a:schemeClr val="lt1"/>
-                  </a:fontRef>
-                </p:style>
-                <p:txBody>
-                  <a:bodyPr rtlCol="0" anchor="ctr"/>
-                  <a:lstStyle/>
-                  <a:p>
-                    <a:pPr algn="ctr"/>
-                    <a:endParaRPr lang="en-US" dirty="0"/>
-                  </a:p>
-                </p:txBody>
-              </p:sp>
-              <p:sp>
-                <p:nvSpPr>
-                  <p:cNvPr id="29" name="Rectangle 28">
-                    <a:extLst>
-                      <a:ext uri="{FF2B5EF4-FFF2-40B4-BE49-F238E27FC236}">
-                        <a16:creationId xmlns:a16="http://schemas.microsoft.com/office/drawing/2014/main" id="{5B5CBA7A-E310-430B-AE7E-F2C8F403CADD}"/>
-                      </a:ext>
-                    </a:extLst>
-                  </p:cNvPr>
-                  <p:cNvSpPr/>
-                  <p:nvPr/>
-                </p:nvSpPr>
-                <p:spPr>
-                  <a:xfrm flipV="1">
-                    <a:off x="5422653" y="3315386"/>
-                    <a:ext cx="220379" cy="60727"/>
-                  </a:xfrm>
-                  <a:prstGeom prst="rect">
-                    <a:avLst/>
-                  </a:prstGeom>
-                  <a:solidFill>
-                    <a:schemeClr val="accent6"/>
-                  </a:solidFill>
-                </p:spPr>
-                <p:style>
-                  <a:lnRef idx="2">
-                    <a:schemeClr val="accent1">
-                      <a:shade val="50000"/>
-                    </a:schemeClr>
-                  </a:lnRef>
-                  <a:fillRef idx="1">
-                    <a:schemeClr val="accent1"/>
-                  </a:fillRef>
-                  <a:effectRef idx="0">
-                    <a:schemeClr val="accent1"/>
-                  </a:effectRef>
-                  <a:fontRef idx="minor">
-                    <a:schemeClr val="lt1"/>
-                  </a:fontRef>
-                </p:style>
-                <p:txBody>
-                  <a:bodyPr rtlCol="0" anchor="ctr"/>
-                  <a:lstStyle/>
-                  <a:p>
-                    <a:pPr algn="ctr"/>
-                    <a:endParaRPr lang="en-US" dirty="0"/>
-                  </a:p>
-                </p:txBody>
-              </p:sp>
-              <p:sp>
-                <p:nvSpPr>
-                  <p:cNvPr id="30" name="Rectangle 29">
-                    <a:extLst>
-                      <a:ext uri="{FF2B5EF4-FFF2-40B4-BE49-F238E27FC236}">
-                        <a16:creationId xmlns:a16="http://schemas.microsoft.com/office/drawing/2014/main" id="{E891DE40-C2A9-48B0-8BA5-999FA4374704}"/>
-                      </a:ext>
-                    </a:extLst>
-                  </p:cNvPr>
-                  <p:cNvSpPr/>
-                  <p:nvPr/>
-                </p:nvSpPr>
-                <p:spPr>
-                  <a:xfrm flipV="1">
-                    <a:off x="6945694" y="3315386"/>
-                    <a:ext cx="379029" cy="55950"/>
-                  </a:xfrm>
-                  <a:prstGeom prst="rect">
-                    <a:avLst/>
-                  </a:prstGeom>
-                  <a:solidFill>
-                    <a:schemeClr val="accent6"/>
-                  </a:solidFill>
-                </p:spPr>
-                <p:style>
-                  <a:lnRef idx="2">
-                    <a:schemeClr val="accent1">
-                      <a:shade val="50000"/>
-                    </a:schemeClr>
-                  </a:lnRef>
-                  <a:fillRef idx="1">
-                    <a:schemeClr val="accent1"/>
-                  </a:fillRef>
-                  <a:effectRef idx="0">
-                    <a:schemeClr val="accent1"/>
-                  </a:effectRef>
-                  <a:fontRef idx="minor">
-                    <a:schemeClr val="lt1"/>
-                  </a:fontRef>
-                </p:style>
-                <p:txBody>
-                  <a:bodyPr rtlCol="0" anchor="ctr"/>
-                  <a:lstStyle/>
-                  <a:p>
-                    <a:pPr algn="ctr"/>
-                    <a:endParaRPr lang="en-US" dirty="0"/>
-                  </a:p>
-                </p:txBody>
-              </p:sp>
-              <p:sp>
-                <p:nvSpPr>
-                  <p:cNvPr id="31" name="Rectangle 30">
-                    <a:extLst>
-                      <a:ext uri="{FF2B5EF4-FFF2-40B4-BE49-F238E27FC236}">
-                        <a16:creationId xmlns:a16="http://schemas.microsoft.com/office/drawing/2014/main" id="{4E177251-707C-4636-A1D6-3A0BF969A7E3}"/>
-                      </a:ext>
-                    </a:extLst>
-                  </p:cNvPr>
-                  <p:cNvSpPr/>
-                  <p:nvPr/>
-                </p:nvSpPr>
-                <p:spPr>
-                  <a:xfrm>
-                    <a:off x="7615347" y="3315387"/>
-                    <a:ext cx="185617" cy="55950"/>
-                  </a:xfrm>
-                  <a:prstGeom prst="rect">
-                    <a:avLst/>
-                  </a:prstGeom>
-                  <a:solidFill>
-                    <a:schemeClr val="accent6"/>
-                  </a:solidFill>
-                </p:spPr>
-                <p:style>
-                  <a:lnRef idx="2">
-                    <a:schemeClr val="accent1">
-                      <a:shade val="50000"/>
-                    </a:schemeClr>
-                  </a:lnRef>
-                  <a:fillRef idx="1">
-                    <a:schemeClr val="accent1"/>
-                  </a:fillRef>
-                  <a:effectRef idx="0">
-                    <a:schemeClr val="accent1"/>
-                  </a:effectRef>
-                  <a:fontRef idx="minor">
-                    <a:schemeClr val="lt1"/>
-                  </a:fontRef>
-                </p:style>
-                <p:txBody>
-                  <a:bodyPr rtlCol="0" anchor="ctr"/>
-                  <a:lstStyle/>
-                  <a:p>
-                    <a:pPr algn="ctr"/>
-                    <a:endParaRPr lang="en-US"/>
-                  </a:p>
-                </p:txBody>
-              </p:sp>
-              <p:sp>
-                <p:nvSpPr>
-                  <p:cNvPr id="32" name="Rectangle 31">
-                    <a:extLst>
-                      <a:ext uri="{FF2B5EF4-FFF2-40B4-BE49-F238E27FC236}">
-                        <a16:creationId xmlns:a16="http://schemas.microsoft.com/office/drawing/2014/main" id="{52E1E5BB-CDBB-4263-BDAD-0C686901CD48}"/>
-                      </a:ext>
-                    </a:extLst>
-                  </p:cNvPr>
-                  <p:cNvSpPr/>
-                  <p:nvPr/>
-                </p:nvSpPr>
-                <p:spPr>
-                  <a:xfrm>
-                    <a:off x="7858371" y="3391400"/>
-                    <a:ext cx="125714" cy="57553"/>
-                  </a:xfrm>
-                  <a:prstGeom prst="rect">
-                    <a:avLst/>
-                  </a:prstGeom>
-                  <a:solidFill>
-                    <a:schemeClr val="accent6"/>
-                  </a:solidFill>
-                </p:spPr>
-                <p:style>
-                  <a:lnRef idx="2">
-                    <a:schemeClr val="accent1">
-                      <a:shade val="50000"/>
-                    </a:schemeClr>
-                  </a:lnRef>
-                  <a:fillRef idx="1">
-                    <a:schemeClr val="accent1"/>
-                  </a:fillRef>
-                  <a:effectRef idx="0">
-                    <a:schemeClr val="accent1"/>
-                  </a:effectRef>
-                  <a:fontRef idx="minor">
-                    <a:schemeClr val="lt1"/>
-                  </a:fontRef>
-                </p:style>
-                <p:txBody>
-                  <a:bodyPr rtlCol="0" anchor="ctr"/>
-                  <a:lstStyle/>
-                  <a:p>
-                    <a:pPr algn="ctr"/>
-                    <a:endParaRPr lang="en-US"/>
-                  </a:p>
-                </p:txBody>
-              </p:sp>
-              <p:cxnSp>
-                <p:nvCxnSpPr>
-                  <p:cNvPr id="33" name="Straight Connector 32">
-                    <a:extLst>
-                      <a:ext uri="{FF2B5EF4-FFF2-40B4-BE49-F238E27FC236}">
-                        <a16:creationId xmlns:a16="http://schemas.microsoft.com/office/drawing/2014/main" id="{450A7A70-E1FF-4199-8E2C-0B1C777EF763}"/>
-                      </a:ext>
-                    </a:extLst>
-                  </p:cNvPr>
-                  <p:cNvCxnSpPr>
-                    <a:cxnSpLocks/>
-                  </p:cNvCxnSpPr>
-                  <p:nvPr/>
-                </p:nvCxnSpPr>
-                <p:spPr>
-                  <a:xfrm flipV="1">
-                    <a:off x="4294573" y="3905536"/>
-                    <a:ext cx="4178369" cy="13103"/>
-                  </a:xfrm>
-                  <a:prstGeom prst="line">
-                    <a:avLst/>
-                  </a:prstGeom>
-                  <a:ln w="38100">
-                    <a:solidFill>
-                      <a:schemeClr val="tx1"/>
-                    </a:solidFill>
-                  </a:ln>
-                </p:spPr>
-                <p:style>
-                  <a:lnRef idx="3">
-                    <a:schemeClr val="dk1"/>
-                  </a:lnRef>
-                  <a:fillRef idx="0">
-                    <a:schemeClr val="dk1"/>
-                  </a:fillRef>
-                  <a:effectRef idx="2">
-                    <a:schemeClr val="dk1"/>
-                  </a:effectRef>
-                  <a:fontRef idx="minor">
-                    <a:schemeClr val="tx1"/>
-                  </a:fontRef>
-                </p:style>
-              </p:cxnSp>
-            </p:grpSp>
+                </a:ln>
+              </p:spPr>
+              <p:style>
+                <a:lnRef idx="3">
+                  <a:schemeClr val="dk1"/>
+                </a:lnRef>
+                <a:fillRef idx="0">
+                  <a:schemeClr val="dk1"/>
+                </a:fillRef>
+                <a:effectRef idx="2">
+                  <a:schemeClr val="dk1"/>
+                </a:effectRef>
+                <a:fontRef idx="minor">
+                  <a:schemeClr val="tx1"/>
+                </a:fontRef>
+              </p:style>
+            </p:cxnSp>
             <p:sp>
               <p:nvSpPr>
-                <p:cNvPr id="71" name="Rectangle 70">
+                <p:cNvPr id="9" name="Flowchart: Connector 8">
                   <a:extLst>
                     <a:ext uri="{FF2B5EF4-FFF2-40B4-BE49-F238E27FC236}">
-                      <a16:creationId xmlns:a16="http://schemas.microsoft.com/office/drawing/2014/main" id="{E395EC7B-FB15-4CA2-9563-71DB065F78A0}"/>
+                      <a16:creationId xmlns:a16="http://schemas.microsoft.com/office/drawing/2014/main" id="{3249C7C5-501B-4A2C-9BF2-3098518863E0}"/>
                     </a:ext>
                   </a:extLst>
                 </p:cNvPr>
@@ -10692,8 +11930,949 @@
               </p:nvSpPr>
               <p:spPr>
                 <a:xfrm>
-                  <a:off x="5684560" y="971560"/>
-                  <a:ext cx="1256176" cy="1162590"/>
+                  <a:off x="5370915" y="1272673"/>
+                  <a:ext cx="128244" cy="121154"/>
+                </a:xfrm>
+                <a:prstGeom prst="flowChartConnector">
+                  <a:avLst/>
+                </a:prstGeom>
+                <a:solidFill>
+                  <a:schemeClr val="accent1"/>
+                </a:solidFill>
+              </p:spPr>
+              <p:style>
+                <a:lnRef idx="2">
+                  <a:schemeClr val="accent1">
+                    <a:shade val="50000"/>
+                  </a:schemeClr>
+                </a:lnRef>
+                <a:fillRef idx="1">
+                  <a:schemeClr val="accent1"/>
+                </a:fillRef>
+                <a:effectRef idx="0">
+                  <a:schemeClr val="accent1"/>
+                </a:effectRef>
+                <a:fontRef idx="minor">
+                  <a:schemeClr val="lt1"/>
+                </a:fontRef>
+              </p:style>
+              <p:txBody>
+                <a:bodyPr rtlCol="0" anchor="ctr"/>
+                <a:lstStyle/>
+                <a:p>
+                  <a:pPr algn="ctr"/>
+                  <a:endParaRPr lang="en-US"/>
+                </a:p>
+              </p:txBody>
+            </p:sp>
+            <p:sp>
+              <p:nvSpPr>
+                <p:cNvPr id="10" name="Flowchart: Connector 9">
+                  <a:extLst>
+                    <a:ext uri="{FF2B5EF4-FFF2-40B4-BE49-F238E27FC236}">
+                      <a16:creationId xmlns:a16="http://schemas.microsoft.com/office/drawing/2014/main" id="{7E332C9C-E788-4A21-9F33-29B28D22CDF7}"/>
+                    </a:ext>
+                  </a:extLst>
+                </p:cNvPr>
+                <p:cNvSpPr/>
+                <p:nvPr/>
+              </p:nvSpPr>
+              <p:spPr>
+                <a:xfrm>
+                  <a:off x="7596031" y="1272673"/>
+                  <a:ext cx="128244" cy="121154"/>
+                </a:xfrm>
+                <a:prstGeom prst="flowChartConnector">
+                  <a:avLst/>
+                </a:prstGeom>
+                <a:solidFill>
+                  <a:schemeClr val="accent1"/>
+                </a:solidFill>
+              </p:spPr>
+              <p:style>
+                <a:lnRef idx="2">
+                  <a:schemeClr val="accent1">
+                    <a:shade val="50000"/>
+                  </a:schemeClr>
+                </a:lnRef>
+                <a:fillRef idx="1">
+                  <a:schemeClr val="accent1"/>
+                </a:fillRef>
+                <a:effectRef idx="0">
+                  <a:schemeClr val="accent1"/>
+                </a:effectRef>
+                <a:fontRef idx="minor">
+                  <a:schemeClr val="lt1"/>
+                </a:fontRef>
+              </p:style>
+              <p:txBody>
+                <a:bodyPr rtlCol="0" anchor="ctr"/>
+                <a:lstStyle/>
+                <a:p>
+                  <a:pPr algn="ctr"/>
+                  <a:endParaRPr lang="en-US"/>
+                </a:p>
+              </p:txBody>
+            </p:sp>
+            <p:sp>
+              <p:nvSpPr>
+                <p:cNvPr id="11" name="Flowchart: Connector 10">
+                  <a:extLst>
+                    <a:ext uri="{FF2B5EF4-FFF2-40B4-BE49-F238E27FC236}">
+                      <a16:creationId xmlns:a16="http://schemas.microsoft.com/office/drawing/2014/main" id="{C861C067-B454-468C-9E06-528C5E44CE4C}"/>
+                    </a:ext>
+                  </a:extLst>
+                </p:cNvPr>
+                <p:cNvSpPr/>
+                <p:nvPr/>
+              </p:nvSpPr>
+              <p:spPr>
+                <a:xfrm>
+                  <a:off x="4499510" y="1279154"/>
+                  <a:ext cx="128244" cy="121154"/>
+                </a:xfrm>
+                <a:prstGeom prst="flowChartConnector">
+                  <a:avLst/>
+                </a:prstGeom>
+                <a:solidFill>
+                  <a:schemeClr val="accent1"/>
+                </a:solidFill>
+              </p:spPr>
+              <p:style>
+                <a:lnRef idx="2">
+                  <a:schemeClr val="accent1">
+                    <a:shade val="50000"/>
+                  </a:schemeClr>
+                </a:lnRef>
+                <a:fillRef idx="1">
+                  <a:schemeClr val="accent1"/>
+                </a:fillRef>
+                <a:effectRef idx="0">
+                  <a:schemeClr val="accent1"/>
+                </a:effectRef>
+                <a:fontRef idx="minor">
+                  <a:schemeClr val="lt1"/>
+                </a:fontRef>
+              </p:style>
+              <p:txBody>
+                <a:bodyPr rtlCol="0" anchor="ctr"/>
+                <a:lstStyle/>
+                <a:p>
+                  <a:pPr algn="ctr"/>
+                  <a:endParaRPr lang="en-US"/>
+                </a:p>
+              </p:txBody>
+            </p:sp>
+            <p:cxnSp>
+              <p:nvCxnSpPr>
+                <p:cNvPr id="12" name="Straight Connector 11">
+                  <a:extLst>
+                    <a:ext uri="{FF2B5EF4-FFF2-40B4-BE49-F238E27FC236}">
+                      <a16:creationId xmlns:a16="http://schemas.microsoft.com/office/drawing/2014/main" id="{A714867D-A381-426B-A747-FDFDEC8BC708}"/>
+                    </a:ext>
+                  </a:extLst>
+                </p:cNvPr>
+                <p:cNvCxnSpPr>
+                  <a:cxnSpLocks/>
+                </p:cNvCxnSpPr>
+                <p:nvPr/>
+              </p:nvCxnSpPr>
+              <p:spPr>
+                <a:xfrm>
+                  <a:off x="4362817" y="1078984"/>
+                  <a:ext cx="0" cy="1149923"/>
+                </a:xfrm>
+                <a:prstGeom prst="line">
+                  <a:avLst/>
+                </a:prstGeom>
+                <a:ln w="28575">
+                  <a:prstDash val="sysDash"/>
+                </a:ln>
+              </p:spPr>
+              <p:style>
+                <a:lnRef idx="1">
+                  <a:schemeClr val="accent1"/>
+                </a:lnRef>
+                <a:fillRef idx="0">
+                  <a:schemeClr val="accent1"/>
+                </a:fillRef>
+                <a:effectRef idx="0">
+                  <a:schemeClr val="accent1"/>
+                </a:effectRef>
+                <a:fontRef idx="minor">
+                  <a:schemeClr val="tx1"/>
+                </a:fontRef>
+              </p:style>
+            </p:cxnSp>
+            <p:cxnSp>
+              <p:nvCxnSpPr>
+                <p:cNvPr id="13" name="Straight Connector 12">
+                  <a:extLst>
+                    <a:ext uri="{FF2B5EF4-FFF2-40B4-BE49-F238E27FC236}">
+                      <a16:creationId xmlns:a16="http://schemas.microsoft.com/office/drawing/2014/main" id="{708C5BAB-2AE8-4925-976D-7677B0662AD5}"/>
+                    </a:ext>
+                  </a:extLst>
+                </p:cNvPr>
+                <p:cNvCxnSpPr>
+                  <a:cxnSpLocks/>
+                </p:cNvCxnSpPr>
+                <p:nvPr/>
+              </p:nvCxnSpPr>
+              <p:spPr>
+                <a:xfrm flipH="1">
+                  <a:off x="6541393" y="1078984"/>
+                  <a:ext cx="1" cy="1149923"/>
+                </a:xfrm>
+                <a:prstGeom prst="line">
+                  <a:avLst/>
+                </a:prstGeom>
+                <a:ln w="28575">
+                  <a:prstDash val="sysDash"/>
+                </a:ln>
+              </p:spPr>
+              <p:style>
+                <a:lnRef idx="1">
+                  <a:schemeClr val="accent1"/>
+                </a:lnRef>
+                <a:fillRef idx="0">
+                  <a:schemeClr val="accent1"/>
+                </a:fillRef>
+                <a:effectRef idx="0">
+                  <a:schemeClr val="accent1"/>
+                </a:effectRef>
+                <a:fontRef idx="minor">
+                  <a:schemeClr val="tx1"/>
+                </a:fontRef>
+              </p:style>
+            </p:cxnSp>
+            <p:cxnSp>
+              <p:nvCxnSpPr>
+                <p:cNvPr id="14" name="Straight Connector 13">
+                  <a:extLst>
+                    <a:ext uri="{FF2B5EF4-FFF2-40B4-BE49-F238E27FC236}">
+                      <a16:creationId xmlns:a16="http://schemas.microsoft.com/office/drawing/2014/main" id="{53E7DF51-EFC9-427F-A0D7-35FE4AF8E7DF}"/>
+                    </a:ext>
+                  </a:extLst>
+                </p:cNvPr>
+                <p:cNvCxnSpPr>
+                  <a:cxnSpLocks/>
+                </p:cNvCxnSpPr>
+                <p:nvPr/>
+              </p:nvCxnSpPr>
+              <p:spPr>
+                <a:xfrm>
+                  <a:off x="6977109" y="1078984"/>
+                  <a:ext cx="0" cy="1149923"/>
+                </a:xfrm>
+                <a:prstGeom prst="line">
+                  <a:avLst/>
+                </a:prstGeom>
+                <a:ln w="28575">
+                  <a:prstDash val="sysDash"/>
+                </a:ln>
+              </p:spPr>
+              <p:style>
+                <a:lnRef idx="1">
+                  <a:schemeClr val="accent1"/>
+                </a:lnRef>
+                <a:fillRef idx="0">
+                  <a:schemeClr val="accent1"/>
+                </a:fillRef>
+                <a:effectRef idx="0">
+                  <a:schemeClr val="accent1"/>
+                </a:effectRef>
+                <a:fontRef idx="minor">
+                  <a:schemeClr val="tx1"/>
+                </a:fontRef>
+              </p:style>
+            </p:cxnSp>
+            <p:cxnSp>
+              <p:nvCxnSpPr>
+                <p:cNvPr id="15" name="Straight Connector 14">
+                  <a:extLst>
+                    <a:ext uri="{FF2B5EF4-FFF2-40B4-BE49-F238E27FC236}">
+                      <a16:creationId xmlns:a16="http://schemas.microsoft.com/office/drawing/2014/main" id="{EE417D91-3540-486E-BA65-ADD56ACFF7EE}"/>
+                    </a:ext>
+                  </a:extLst>
+                </p:cNvPr>
+                <p:cNvCxnSpPr>
+                  <a:cxnSpLocks/>
+                </p:cNvCxnSpPr>
+                <p:nvPr/>
+              </p:nvCxnSpPr>
+              <p:spPr>
+                <a:xfrm>
+                  <a:off x="7412824" y="1078984"/>
+                  <a:ext cx="0" cy="1149923"/>
+                </a:xfrm>
+                <a:prstGeom prst="line">
+                  <a:avLst/>
+                </a:prstGeom>
+                <a:ln w="28575">
+                  <a:prstDash val="sysDash"/>
+                </a:ln>
+              </p:spPr>
+              <p:style>
+                <a:lnRef idx="1">
+                  <a:schemeClr val="accent1"/>
+                </a:lnRef>
+                <a:fillRef idx="0">
+                  <a:schemeClr val="accent1"/>
+                </a:fillRef>
+                <a:effectRef idx="0">
+                  <a:schemeClr val="accent1"/>
+                </a:effectRef>
+                <a:fontRef idx="minor">
+                  <a:schemeClr val="tx1"/>
+                </a:fontRef>
+              </p:style>
+            </p:cxnSp>
+            <p:cxnSp>
+              <p:nvCxnSpPr>
+                <p:cNvPr id="16" name="Straight Connector 15">
+                  <a:extLst>
+                    <a:ext uri="{FF2B5EF4-FFF2-40B4-BE49-F238E27FC236}">
+                      <a16:creationId xmlns:a16="http://schemas.microsoft.com/office/drawing/2014/main" id="{45566FFA-BDE7-45AD-8DEC-D129CC6B7C8C}"/>
+                    </a:ext>
+                  </a:extLst>
+                </p:cNvPr>
+                <p:cNvCxnSpPr>
+                  <a:cxnSpLocks/>
+                </p:cNvCxnSpPr>
+                <p:nvPr/>
+              </p:nvCxnSpPr>
+              <p:spPr>
+                <a:xfrm>
+                  <a:off x="7848540" y="1078984"/>
+                  <a:ext cx="0" cy="1136963"/>
+                </a:xfrm>
+                <a:prstGeom prst="line">
+                  <a:avLst/>
+                </a:prstGeom>
+                <a:ln w="28575">
+                  <a:prstDash val="sysDash"/>
+                </a:ln>
+              </p:spPr>
+              <p:style>
+                <a:lnRef idx="1">
+                  <a:schemeClr val="accent1"/>
+                </a:lnRef>
+                <a:fillRef idx="0">
+                  <a:schemeClr val="accent1"/>
+                </a:fillRef>
+                <a:effectRef idx="0">
+                  <a:schemeClr val="accent1"/>
+                </a:effectRef>
+                <a:fontRef idx="minor">
+                  <a:schemeClr val="tx1"/>
+                </a:fontRef>
+              </p:style>
+            </p:cxnSp>
+            <p:cxnSp>
+              <p:nvCxnSpPr>
+                <p:cNvPr id="17" name="Straight Connector 16">
+                  <a:extLst>
+                    <a:ext uri="{FF2B5EF4-FFF2-40B4-BE49-F238E27FC236}">
+                      <a16:creationId xmlns:a16="http://schemas.microsoft.com/office/drawing/2014/main" id="{7A8B0B7D-2C31-4C08-A368-795A265B1794}"/>
+                    </a:ext>
+                  </a:extLst>
+                </p:cNvPr>
+                <p:cNvCxnSpPr>
+                  <a:cxnSpLocks/>
+                </p:cNvCxnSpPr>
+                <p:nvPr/>
+              </p:nvCxnSpPr>
+              <p:spPr>
+                <a:xfrm>
+                  <a:off x="4798532" y="1078984"/>
+                  <a:ext cx="0" cy="1149923"/>
+                </a:xfrm>
+                <a:prstGeom prst="line">
+                  <a:avLst/>
+                </a:prstGeom>
+                <a:ln w="28575">
+                  <a:prstDash val="sysDash"/>
+                </a:ln>
+              </p:spPr>
+              <p:style>
+                <a:lnRef idx="1">
+                  <a:schemeClr val="accent1"/>
+                </a:lnRef>
+                <a:fillRef idx="0">
+                  <a:schemeClr val="accent1"/>
+                </a:fillRef>
+                <a:effectRef idx="0">
+                  <a:schemeClr val="accent1"/>
+                </a:effectRef>
+                <a:fontRef idx="minor">
+                  <a:schemeClr val="tx1"/>
+                </a:fontRef>
+              </p:style>
+            </p:cxnSp>
+            <p:cxnSp>
+              <p:nvCxnSpPr>
+                <p:cNvPr id="18" name="Straight Connector 17">
+                  <a:extLst>
+                    <a:ext uri="{FF2B5EF4-FFF2-40B4-BE49-F238E27FC236}">
+                      <a16:creationId xmlns:a16="http://schemas.microsoft.com/office/drawing/2014/main" id="{8B714F03-5F01-4CAA-BED4-C71DB82F4212}"/>
+                    </a:ext>
+                  </a:extLst>
+                </p:cNvPr>
+                <p:cNvCxnSpPr>
+                  <a:cxnSpLocks/>
+                </p:cNvCxnSpPr>
+                <p:nvPr/>
+              </p:nvCxnSpPr>
+              <p:spPr>
+                <a:xfrm>
+                  <a:off x="5234247" y="1078984"/>
+                  <a:ext cx="0" cy="1149923"/>
+                </a:xfrm>
+                <a:prstGeom prst="line">
+                  <a:avLst/>
+                </a:prstGeom>
+                <a:ln w="28575">
+                  <a:prstDash val="sysDash"/>
+                </a:ln>
+              </p:spPr>
+              <p:style>
+                <a:lnRef idx="1">
+                  <a:schemeClr val="accent1"/>
+                </a:lnRef>
+                <a:fillRef idx="0">
+                  <a:schemeClr val="accent1"/>
+                </a:fillRef>
+                <a:effectRef idx="0">
+                  <a:schemeClr val="accent1"/>
+                </a:effectRef>
+                <a:fontRef idx="minor">
+                  <a:schemeClr val="tx1"/>
+                </a:fontRef>
+              </p:style>
+            </p:cxnSp>
+            <p:cxnSp>
+              <p:nvCxnSpPr>
+                <p:cNvPr id="19" name="Straight Connector 18">
+                  <a:extLst>
+                    <a:ext uri="{FF2B5EF4-FFF2-40B4-BE49-F238E27FC236}">
+                      <a16:creationId xmlns:a16="http://schemas.microsoft.com/office/drawing/2014/main" id="{76426FA0-47F8-4BB5-95A0-1957B7C6248B}"/>
+                    </a:ext>
+                  </a:extLst>
+                </p:cNvPr>
+                <p:cNvCxnSpPr>
+                  <a:cxnSpLocks/>
+                </p:cNvCxnSpPr>
+                <p:nvPr/>
+              </p:nvCxnSpPr>
+              <p:spPr>
+                <a:xfrm>
+                  <a:off x="5669962" y="1078984"/>
+                  <a:ext cx="0" cy="1149923"/>
+                </a:xfrm>
+                <a:prstGeom prst="line">
+                  <a:avLst/>
+                </a:prstGeom>
+                <a:ln w="28575">
+                  <a:prstDash val="sysDash"/>
+                </a:ln>
+              </p:spPr>
+              <p:style>
+                <a:lnRef idx="1">
+                  <a:schemeClr val="accent1"/>
+                </a:lnRef>
+                <a:fillRef idx="0">
+                  <a:schemeClr val="accent1"/>
+                </a:fillRef>
+                <a:effectRef idx="0">
+                  <a:schemeClr val="accent1"/>
+                </a:effectRef>
+                <a:fontRef idx="minor">
+                  <a:schemeClr val="tx1"/>
+                </a:fontRef>
+              </p:style>
+            </p:cxnSp>
+            <p:cxnSp>
+              <p:nvCxnSpPr>
+                <p:cNvPr id="20" name="Straight Connector 19">
+                  <a:extLst>
+                    <a:ext uri="{FF2B5EF4-FFF2-40B4-BE49-F238E27FC236}">
+                      <a16:creationId xmlns:a16="http://schemas.microsoft.com/office/drawing/2014/main" id="{0DE332AD-DF59-49F4-8A1B-AD1915B1C599}"/>
+                    </a:ext>
+                  </a:extLst>
+                </p:cNvPr>
+                <p:cNvCxnSpPr>
+                  <a:cxnSpLocks/>
+                </p:cNvCxnSpPr>
+                <p:nvPr/>
+              </p:nvCxnSpPr>
+              <p:spPr>
+                <a:xfrm flipH="1">
+                  <a:off x="6105677" y="1078984"/>
+                  <a:ext cx="1" cy="1149923"/>
+                </a:xfrm>
+                <a:prstGeom prst="line">
+                  <a:avLst/>
+                </a:prstGeom>
+                <a:ln w="28575">
+                  <a:prstDash val="sysDash"/>
+                </a:ln>
+              </p:spPr>
+              <p:style>
+                <a:lnRef idx="1">
+                  <a:schemeClr val="accent1"/>
+                </a:lnRef>
+                <a:fillRef idx="0">
+                  <a:schemeClr val="accent1"/>
+                </a:fillRef>
+                <a:effectRef idx="0">
+                  <a:schemeClr val="accent1"/>
+                </a:effectRef>
+                <a:fontRef idx="minor">
+                  <a:schemeClr val="tx1"/>
+                </a:fontRef>
+              </p:style>
+            </p:cxnSp>
+            <p:cxnSp>
+              <p:nvCxnSpPr>
+                <p:cNvPr id="21" name="Straight Connector 20">
+                  <a:extLst>
+                    <a:ext uri="{FF2B5EF4-FFF2-40B4-BE49-F238E27FC236}">
+                      <a16:creationId xmlns:a16="http://schemas.microsoft.com/office/drawing/2014/main" id="{3CAC07F9-F714-48EC-894E-EFFE6284A291}"/>
+                    </a:ext>
+                  </a:extLst>
+                </p:cNvPr>
+                <p:cNvCxnSpPr>
+                  <a:cxnSpLocks/>
+                </p:cNvCxnSpPr>
+                <p:nvPr/>
+              </p:nvCxnSpPr>
+              <p:spPr>
+                <a:xfrm flipH="1">
+                  <a:off x="3584231" y="1346212"/>
+                  <a:ext cx="626875" cy="0"/>
+                </a:xfrm>
+                <a:prstGeom prst="line">
+                  <a:avLst/>
+                </a:prstGeom>
+                <a:ln w="38100">
+                  <a:solidFill>
+                    <a:schemeClr val="tx1"/>
+                  </a:solidFill>
+                  <a:prstDash val="sysDot"/>
+                </a:ln>
+              </p:spPr>
+              <p:style>
+                <a:lnRef idx="1">
+                  <a:schemeClr val="accent1"/>
+                </a:lnRef>
+                <a:fillRef idx="0">
+                  <a:schemeClr val="accent1"/>
+                </a:fillRef>
+                <a:effectRef idx="0">
+                  <a:schemeClr val="accent1"/>
+                </a:effectRef>
+                <a:fontRef idx="minor">
+                  <a:schemeClr val="tx1"/>
+                </a:fontRef>
+              </p:style>
+            </p:cxnSp>
+            <p:cxnSp>
+              <p:nvCxnSpPr>
+                <p:cNvPr id="22" name="Straight Connector 21">
+                  <a:extLst>
+                    <a:ext uri="{FF2B5EF4-FFF2-40B4-BE49-F238E27FC236}">
+                      <a16:creationId xmlns:a16="http://schemas.microsoft.com/office/drawing/2014/main" id="{032D34CD-5379-480E-8A28-5211FE81E280}"/>
+                    </a:ext>
+                  </a:extLst>
+                </p:cNvPr>
+                <p:cNvCxnSpPr>
+                  <a:cxnSpLocks/>
+                </p:cNvCxnSpPr>
+                <p:nvPr/>
+              </p:nvCxnSpPr>
+              <p:spPr>
+                <a:xfrm flipH="1">
+                  <a:off x="8180812" y="1333251"/>
+                  <a:ext cx="426956" cy="0"/>
+                </a:xfrm>
+                <a:prstGeom prst="line">
+                  <a:avLst/>
+                </a:prstGeom>
+                <a:ln w="38100">
+                  <a:solidFill>
+                    <a:schemeClr val="tx1"/>
+                  </a:solidFill>
+                  <a:prstDash val="sysDot"/>
+                </a:ln>
+              </p:spPr>
+              <p:style>
+                <a:lnRef idx="1">
+                  <a:schemeClr val="accent1"/>
+                </a:lnRef>
+                <a:fillRef idx="0">
+                  <a:schemeClr val="accent1"/>
+                </a:fillRef>
+                <a:effectRef idx="0">
+                  <a:schemeClr val="accent1"/>
+                </a:effectRef>
+                <a:fontRef idx="minor">
+                  <a:schemeClr val="tx1"/>
+                </a:fontRef>
+              </p:style>
+            </p:cxnSp>
+            <p:sp>
+              <p:nvSpPr>
+                <p:cNvPr id="23" name="Rectangle 22">
+                  <a:extLst>
+                    <a:ext uri="{FF2B5EF4-FFF2-40B4-BE49-F238E27FC236}">
+                      <a16:creationId xmlns:a16="http://schemas.microsoft.com/office/drawing/2014/main" id="{92D701BC-6312-49E2-9910-B3E510E2E808}"/>
+                    </a:ext>
+                  </a:extLst>
+                </p:cNvPr>
+                <p:cNvSpPr/>
+                <p:nvPr/>
+              </p:nvSpPr>
+              <p:spPr>
+                <a:xfrm>
+                  <a:off x="5519839" y="1721498"/>
+                  <a:ext cx="206977" cy="91440"/>
+                </a:xfrm>
+                <a:prstGeom prst="rect">
+                  <a:avLst/>
+                </a:prstGeom>
+                <a:solidFill>
+                  <a:schemeClr val="accent6"/>
+                </a:solidFill>
+              </p:spPr>
+              <p:style>
+                <a:lnRef idx="2">
+                  <a:schemeClr val="accent1">
+                    <a:shade val="50000"/>
+                  </a:schemeClr>
+                </a:lnRef>
+                <a:fillRef idx="1">
+                  <a:schemeClr val="accent1"/>
+                </a:fillRef>
+                <a:effectRef idx="0">
+                  <a:schemeClr val="accent1"/>
+                </a:effectRef>
+                <a:fontRef idx="minor">
+                  <a:schemeClr val="lt1"/>
+                </a:fontRef>
+              </p:style>
+              <p:txBody>
+                <a:bodyPr rtlCol="0" anchor="ctr"/>
+                <a:lstStyle/>
+                <a:p>
+                  <a:pPr algn="ctr"/>
+                  <a:endParaRPr lang="en-US"/>
+                </a:p>
+              </p:txBody>
+            </p:sp>
+            <p:sp>
+              <p:nvSpPr>
+                <p:cNvPr id="24" name="Rectangle 23">
+                  <a:extLst>
+                    <a:ext uri="{FF2B5EF4-FFF2-40B4-BE49-F238E27FC236}">
+                      <a16:creationId xmlns:a16="http://schemas.microsoft.com/office/drawing/2014/main" id="{BA573DD6-299D-4766-8C15-031EDFC9B474}"/>
+                    </a:ext>
+                  </a:extLst>
+                </p:cNvPr>
+                <p:cNvSpPr/>
+                <p:nvPr/>
+              </p:nvSpPr>
+              <p:spPr>
+                <a:xfrm flipV="1">
+                  <a:off x="5905132" y="1822626"/>
+                  <a:ext cx="240730" cy="91440"/>
+                </a:xfrm>
+                <a:prstGeom prst="rect">
+                  <a:avLst/>
+                </a:prstGeom>
+                <a:solidFill>
+                  <a:schemeClr val="accent6"/>
+                </a:solidFill>
+              </p:spPr>
+              <p:style>
+                <a:lnRef idx="2">
+                  <a:schemeClr val="accent1">
+                    <a:shade val="50000"/>
+                  </a:schemeClr>
+                </a:lnRef>
+                <a:fillRef idx="1">
+                  <a:schemeClr val="accent1"/>
+                </a:fillRef>
+                <a:effectRef idx="0">
+                  <a:schemeClr val="accent1"/>
+                </a:effectRef>
+                <a:fontRef idx="minor">
+                  <a:schemeClr val="lt1"/>
+                </a:fontRef>
+              </p:style>
+              <p:txBody>
+                <a:bodyPr rtlCol="0" anchor="ctr"/>
+                <a:lstStyle/>
+                <a:p>
+                  <a:pPr algn="ctr"/>
+                  <a:endParaRPr lang="en-US" dirty="0"/>
+                </a:p>
+              </p:txBody>
+            </p:sp>
+            <p:sp>
+              <p:nvSpPr>
+                <p:cNvPr id="25" name="Rectangle 24">
+                  <a:extLst>
+                    <a:ext uri="{FF2B5EF4-FFF2-40B4-BE49-F238E27FC236}">
+                      <a16:creationId xmlns:a16="http://schemas.microsoft.com/office/drawing/2014/main" id="{A8337D6E-0699-42F2-B581-09BF5AE0B405}"/>
+                    </a:ext>
+                  </a:extLst>
+                </p:cNvPr>
+                <p:cNvSpPr/>
+                <p:nvPr/>
+              </p:nvSpPr>
+              <p:spPr>
+                <a:xfrm flipV="1">
+                  <a:off x="5208327" y="1645922"/>
+                  <a:ext cx="196724" cy="91440"/>
+                </a:xfrm>
+                <a:prstGeom prst="rect">
+                  <a:avLst/>
+                </a:prstGeom>
+                <a:solidFill>
+                  <a:schemeClr val="accent6"/>
+                </a:solidFill>
+              </p:spPr>
+              <p:style>
+                <a:lnRef idx="2">
+                  <a:schemeClr val="accent1">
+                    <a:shade val="50000"/>
+                  </a:schemeClr>
+                </a:lnRef>
+                <a:fillRef idx="1">
+                  <a:schemeClr val="accent1"/>
+                </a:fillRef>
+                <a:effectRef idx="0">
+                  <a:schemeClr val="accent1"/>
+                </a:effectRef>
+                <a:fontRef idx="minor">
+                  <a:schemeClr val="lt1"/>
+                </a:fontRef>
+              </p:style>
+              <p:txBody>
+                <a:bodyPr rtlCol="0" anchor="ctr"/>
+                <a:lstStyle/>
+                <a:p>
+                  <a:pPr algn="ctr"/>
+                  <a:endParaRPr lang="en-US" dirty="0"/>
+                </a:p>
+              </p:txBody>
+            </p:sp>
+            <p:sp>
+              <p:nvSpPr>
+                <p:cNvPr id="26" name="Rectangle 25">
+                  <a:extLst>
+                    <a:ext uri="{FF2B5EF4-FFF2-40B4-BE49-F238E27FC236}">
+                      <a16:creationId xmlns:a16="http://schemas.microsoft.com/office/drawing/2014/main" id="{B299B040-454C-40BE-95F7-8F19AB212ACF}"/>
+                    </a:ext>
+                  </a:extLst>
+                </p:cNvPr>
+                <p:cNvSpPr/>
+                <p:nvPr/>
+              </p:nvSpPr>
+              <p:spPr>
+                <a:xfrm flipV="1">
+                  <a:off x="6741940" y="1648093"/>
+                  <a:ext cx="387929" cy="91440"/>
+                </a:xfrm>
+                <a:prstGeom prst="rect">
+                  <a:avLst/>
+                </a:prstGeom>
+                <a:solidFill>
+                  <a:schemeClr val="accent6"/>
+                </a:solidFill>
+              </p:spPr>
+              <p:style>
+                <a:lnRef idx="2">
+                  <a:schemeClr val="accent1">
+                    <a:shade val="50000"/>
+                  </a:schemeClr>
+                </a:lnRef>
+                <a:fillRef idx="1">
+                  <a:schemeClr val="accent1"/>
+                </a:fillRef>
+                <a:effectRef idx="0">
+                  <a:schemeClr val="accent1"/>
+                </a:effectRef>
+                <a:fontRef idx="minor">
+                  <a:schemeClr val="lt1"/>
+                </a:fontRef>
+              </p:style>
+              <p:txBody>
+                <a:bodyPr rtlCol="0" anchor="ctr"/>
+                <a:lstStyle/>
+                <a:p>
+                  <a:pPr algn="ctr"/>
+                  <a:endParaRPr lang="en-US" dirty="0"/>
+                </a:p>
+              </p:txBody>
+            </p:sp>
+            <p:sp>
+              <p:nvSpPr>
+                <p:cNvPr id="27" name="Rectangle 26">
+                  <a:extLst>
+                    <a:ext uri="{FF2B5EF4-FFF2-40B4-BE49-F238E27FC236}">
+                      <a16:creationId xmlns:a16="http://schemas.microsoft.com/office/drawing/2014/main" id="{69BC8ADF-6EB2-47E4-A540-BEBD5736F4E5}"/>
+                    </a:ext>
+                  </a:extLst>
+                </p:cNvPr>
+                <p:cNvSpPr/>
+                <p:nvPr/>
+              </p:nvSpPr>
+              <p:spPr>
+                <a:xfrm>
+                  <a:off x="7426319" y="1648091"/>
+                  <a:ext cx="216424" cy="91440"/>
+                </a:xfrm>
+                <a:prstGeom prst="rect">
+                  <a:avLst/>
+                </a:prstGeom>
+                <a:solidFill>
+                  <a:schemeClr val="accent6"/>
+                </a:solidFill>
+              </p:spPr>
+              <p:style>
+                <a:lnRef idx="2">
+                  <a:schemeClr val="accent1">
+                    <a:shade val="50000"/>
+                  </a:schemeClr>
+                </a:lnRef>
+                <a:fillRef idx="1">
+                  <a:schemeClr val="accent1"/>
+                </a:fillRef>
+                <a:effectRef idx="0">
+                  <a:schemeClr val="accent1"/>
+                </a:effectRef>
+                <a:fontRef idx="minor">
+                  <a:schemeClr val="lt1"/>
+                </a:fontRef>
+              </p:style>
+              <p:txBody>
+                <a:bodyPr rtlCol="0" anchor="ctr"/>
+                <a:lstStyle/>
+                <a:p>
+                  <a:pPr algn="ctr"/>
+                  <a:endParaRPr lang="en-US"/>
+                </a:p>
+              </p:txBody>
+            </p:sp>
+            <p:sp>
+              <p:nvSpPr>
+                <p:cNvPr id="28" name="Rectangle 27">
+                  <a:extLst>
+                    <a:ext uri="{FF2B5EF4-FFF2-40B4-BE49-F238E27FC236}">
+                      <a16:creationId xmlns:a16="http://schemas.microsoft.com/office/drawing/2014/main" id="{1C8BCC34-2FB8-4449-A888-3F6A2961BE16}"/>
+                    </a:ext>
+                  </a:extLst>
+                </p:cNvPr>
+                <p:cNvSpPr/>
+                <p:nvPr/>
+              </p:nvSpPr>
+              <p:spPr>
+                <a:xfrm>
+                  <a:off x="7683319" y="1716516"/>
+                  <a:ext cx="164141" cy="91440"/>
+                </a:xfrm>
+                <a:prstGeom prst="rect">
+                  <a:avLst/>
+                </a:prstGeom>
+                <a:solidFill>
+                  <a:schemeClr val="accent6"/>
+                </a:solidFill>
+              </p:spPr>
+              <p:style>
+                <a:lnRef idx="2">
+                  <a:schemeClr val="accent1">
+                    <a:shade val="50000"/>
+                  </a:schemeClr>
+                </a:lnRef>
+                <a:fillRef idx="1">
+                  <a:schemeClr val="accent1"/>
+                </a:fillRef>
+                <a:effectRef idx="0">
+                  <a:schemeClr val="accent1"/>
+                </a:effectRef>
+                <a:fontRef idx="minor">
+                  <a:schemeClr val="lt1"/>
+                </a:fontRef>
+              </p:style>
+              <p:txBody>
+                <a:bodyPr rtlCol="0" anchor="ctr"/>
+                <a:lstStyle/>
+                <a:p>
+                  <a:pPr algn="ctr"/>
+                  <a:endParaRPr lang="en-US"/>
+                </a:p>
+              </p:txBody>
+            </p:sp>
+            <p:cxnSp>
+              <p:nvCxnSpPr>
+                <p:cNvPr id="29" name="Straight Connector 28">
+                  <a:extLst>
+                    <a:ext uri="{FF2B5EF4-FFF2-40B4-BE49-F238E27FC236}">
+                      <a16:creationId xmlns:a16="http://schemas.microsoft.com/office/drawing/2014/main" id="{1DA5F813-9B91-4697-A35D-E2BAA55C9AAF}"/>
+                    </a:ext>
+                  </a:extLst>
+                </p:cNvPr>
+                <p:cNvCxnSpPr>
+                  <a:cxnSpLocks/>
+                </p:cNvCxnSpPr>
+                <p:nvPr/>
+              </p:nvCxnSpPr>
+              <p:spPr>
+                <a:xfrm flipV="1">
+                  <a:off x="4037457" y="2215947"/>
+                  <a:ext cx="4262471" cy="12960"/>
+                </a:xfrm>
+                <a:prstGeom prst="line">
+                  <a:avLst/>
+                </a:prstGeom>
+                <a:ln w="38100">
+                  <a:solidFill>
+                    <a:schemeClr val="tx1"/>
+                  </a:solidFill>
+                </a:ln>
+              </p:spPr>
+              <p:style>
+                <a:lnRef idx="3">
+                  <a:schemeClr val="dk1"/>
+                </a:lnRef>
+                <a:fillRef idx="0">
+                  <a:schemeClr val="dk1"/>
+                </a:fillRef>
+                <a:effectRef idx="2">
+                  <a:schemeClr val="dk1"/>
+                </a:effectRef>
+                <a:fontRef idx="minor">
+                  <a:schemeClr val="tx1"/>
+                </a:fontRef>
+              </p:style>
+            </p:cxnSp>
+            <p:sp>
+              <p:nvSpPr>
+                <p:cNvPr id="6" name="Rectangle 5">
+                  <a:extLst>
+                    <a:ext uri="{FF2B5EF4-FFF2-40B4-BE49-F238E27FC236}">
+                      <a16:creationId xmlns:a16="http://schemas.microsoft.com/office/drawing/2014/main" id="{FD1D2935-D86A-4298-93E2-F457505D1680}"/>
+                    </a:ext>
+                  </a:extLst>
+                </p:cNvPr>
+                <p:cNvSpPr/>
+                <p:nvPr/>
+              </p:nvSpPr>
+              <p:spPr>
+                <a:xfrm>
+                  <a:off x="5623328" y="1078984"/>
+                  <a:ext cx="1367278" cy="1118993"/>
                 </a:xfrm>
                 <a:prstGeom prst="rect">
                   <a:avLst/>
@@ -10732,336 +12911,33 @@
               </p:txBody>
             </p:sp>
           </p:grpSp>
-          <p:sp>
-            <p:nvSpPr>
-              <p:cNvPr id="72" name="Arrow: Left-Right-Up 71">
+          <p:cxnSp>
+            <p:nvCxnSpPr>
+              <p:cNvPr id="45" name="Connector: Elbow 44">
                 <a:extLst>
                   <a:ext uri="{FF2B5EF4-FFF2-40B4-BE49-F238E27FC236}">
-                    <a16:creationId xmlns:a16="http://schemas.microsoft.com/office/drawing/2014/main" id="{54008041-20A6-430B-A0DB-E10C2D86F5A3}"/>
+                    <a16:creationId xmlns:a16="http://schemas.microsoft.com/office/drawing/2014/main" id="{D59CBE1D-5E4E-4C23-A63D-4FDAE756A84D}"/>
                   </a:ext>
                 </a:extLst>
               </p:cNvPr>
-              <p:cNvSpPr/>
+              <p:cNvCxnSpPr>
+                <a:cxnSpLocks/>
+              </p:cNvCxnSpPr>
               <p:nvPr/>
-            </p:nvSpPr>
+            </p:nvCxnSpPr>
             <p:spPr>
-              <a:xfrm rot="10800000">
-                <a:off x="3164905" y="1792174"/>
-                <a:ext cx="5426195" cy="748035"/>
+              <a:xfrm>
+                <a:off x="6302052" y="2409567"/>
+                <a:ext cx="3931920" cy="548640"/>
               </a:xfrm>
-              <a:prstGeom prst="leftRightUpArrow">
+              <a:prstGeom prst="bentConnector3">
                 <a:avLst>
-                  <a:gd name="adj1" fmla="val 13256"/>
-                  <a:gd name="adj2" fmla="val 19128"/>
-                  <a:gd name="adj3" fmla="val 26068"/>
+                  <a:gd name="adj1" fmla="val 99947"/>
                 </a:avLst>
               </a:prstGeom>
-            </p:spPr>
-            <p:style>
-              <a:lnRef idx="2">
-                <a:schemeClr val="accent1">
-                  <a:shade val="50000"/>
-                </a:schemeClr>
-              </a:lnRef>
-              <a:fillRef idx="1">
-                <a:schemeClr val="accent1"/>
-              </a:fillRef>
-              <a:effectRef idx="0">
-                <a:schemeClr val="accent1"/>
-              </a:effectRef>
-              <a:fontRef idx="minor">
-                <a:schemeClr val="lt1"/>
-              </a:fontRef>
-            </p:style>
-            <p:txBody>
-              <a:bodyPr rtlCol="0" anchor="ctr"/>
-              <a:lstStyle/>
-              <a:p>
-                <a:pPr algn="ctr"/>
-                <a:endParaRPr lang="en-US"/>
-              </a:p>
-            </p:txBody>
-          </p:sp>
-          <p:pic>
-            <p:nvPicPr>
-              <p:cNvPr id="73" name="Picture 72">
-                <a:extLst>
-                  <a:ext uri="{FF2B5EF4-FFF2-40B4-BE49-F238E27FC236}">
-                    <a16:creationId xmlns:a16="http://schemas.microsoft.com/office/drawing/2014/main" id="{9AE65DB4-00E5-4807-B04C-7446151FE9CC}"/>
-                  </a:ext>
-                </a:extLst>
-              </p:cNvPr>
-              <p:cNvPicPr>
-                <a:picLocks noChangeAspect="1"/>
-              </p:cNvPicPr>
-              <p:nvPr/>
-            </p:nvPicPr>
-            <p:blipFill>
-              <a:blip r:embed="rId3"/>
-              <a:stretch>
-                <a:fillRect/>
-              </a:stretch>
-            </p:blipFill>
-            <p:spPr>
-              <a:xfrm>
-                <a:off x="4678628" y="3057904"/>
-                <a:ext cx="2371337" cy="2179067"/>
-              </a:xfrm>
-              <a:prstGeom prst="rect">
-                <a:avLst/>
-              </a:prstGeom>
-            </p:spPr>
-          </p:pic>
-          <p:pic>
-            <p:nvPicPr>
-              <p:cNvPr id="75" name="Picture 74">
-                <a:extLst>
-                  <a:ext uri="{FF2B5EF4-FFF2-40B4-BE49-F238E27FC236}">
-                    <a16:creationId xmlns:a16="http://schemas.microsoft.com/office/drawing/2014/main" id="{A65AB9C8-7143-438D-A88B-035A904028FD}"/>
-                  </a:ext>
-                </a:extLst>
-              </p:cNvPr>
-              <p:cNvPicPr>
-                <a:picLocks noChangeAspect="1"/>
-              </p:cNvPicPr>
-              <p:nvPr/>
-            </p:nvPicPr>
-            <p:blipFill>
-              <a:blip r:embed="rId3"/>
-              <a:stretch>
-                <a:fillRect/>
-              </a:stretch>
-            </p:blipFill>
-            <p:spPr>
-              <a:xfrm>
-                <a:off x="686660" y="870834"/>
-                <a:ext cx="2371337" cy="2179067"/>
-              </a:xfrm>
-              <a:prstGeom prst="rect">
-                <a:avLst/>
-              </a:prstGeom>
-            </p:spPr>
-          </p:pic>
-          <p:pic>
-            <p:nvPicPr>
-              <p:cNvPr id="76" name="Picture 75">
-                <a:extLst>
-                  <a:ext uri="{FF2B5EF4-FFF2-40B4-BE49-F238E27FC236}">
-                    <a16:creationId xmlns:a16="http://schemas.microsoft.com/office/drawing/2014/main" id="{2EF20AAC-3772-49E0-9D29-C3F36225BB3C}"/>
-                  </a:ext>
-                </a:extLst>
-              </p:cNvPr>
-              <p:cNvPicPr>
-                <a:picLocks noChangeAspect="1"/>
-              </p:cNvPicPr>
-              <p:nvPr/>
-            </p:nvPicPr>
-            <p:blipFill>
-              <a:blip r:embed="rId3"/>
-              <a:stretch>
-                <a:fillRect/>
-              </a:stretch>
-            </p:blipFill>
-            <p:spPr>
-              <a:xfrm>
-                <a:off x="8763152" y="870834"/>
-                <a:ext cx="2371338" cy="2179067"/>
-              </a:xfrm>
-              <a:prstGeom prst="rect">
-                <a:avLst/>
-              </a:prstGeom>
-            </p:spPr>
-          </p:pic>
-          <p:grpSp>
-            <p:nvGrpSpPr>
-              <p:cNvPr id="77" name="Group 76">
-                <a:extLst>
-                  <a:ext uri="{FF2B5EF4-FFF2-40B4-BE49-F238E27FC236}">
-                    <a16:creationId xmlns:a16="http://schemas.microsoft.com/office/drawing/2014/main" id="{A93696AD-93EE-4C94-BEF7-663DA6D1DBD4}"/>
-                  </a:ext>
-                </a:extLst>
-              </p:cNvPr>
-              <p:cNvGrpSpPr/>
-              <p:nvPr/>
-            </p:nvGrpSpPr>
-            <p:grpSpPr>
-              <a:xfrm>
-                <a:off x="8591100" y="3049900"/>
-                <a:ext cx="3174355" cy="1394406"/>
-                <a:chOff x="6391213" y="4181536"/>
-                <a:chExt cx="5698162" cy="1510161"/>
-              </a:xfrm>
-            </p:grpSpPr>
-            <p:sp>
-              <p:nvSpPr>
-                <p:cNvPr id="78" name="Left Bracket 77">
-                  <a:extLst>
-                    <a:ext uri="{FF2B5EF4-FFF2-40B4-BE49-F238E27FC236}">
-                      <a16:creationId xmlns:a16="http://schemas.microsoft.com/office/drawing/2014/main" id="{2D489B81-63FD-470A-BC3A-F1E4442CAA9A}"/>
-                    </a:ext>
-                  </a:extLst>
-                </p:cNvPr>
-                <p:cNvSpPr/>
-                <p:nvPr/>
-              </p:nvSpPr>
-              <p:spPr>
-                <a:xfrm rot="16200000">
-                  <a:off x="10055980" y="3723430"/>
-                  <a:ext cx="136081" cy="1321508"/>
-                </a:xfrm>
-                <a:prstGeom prst="leftBracket">
-                  <a:avLst/>
-                </a:prstGeom>
-              </p:spPr>
-              <p:style>
-                <a:lnRef idx="1">
-                  <a:schemeClr val="accent1"/>
-                </a:lnRef>
-                <a:fillRef idx="0">
-                  <a:schemeClr val="accent1"/>
-                </a:fillRef>
-                <a:effectRef idx="0">
-                  <a:schemeClr val="accent1"/>
-                </a:effectRef>
-                <a:fontRef idx="minor">
-                  <a:schemeClr val="tx1"/>
-                </a:fontRef>
-              </p:style>
-              <p:txBody>
-                <a:bodyPr rtlCol="0" anchor="ctr"/>
-                <a:lstStyle/>
-                <a:p>
-                  <a:pPr algn="ctr"/>
-                  <a:endParaRPr lang="en-US"/>
-                </a:p>
-              </p:txBody>
-            </p:sp>
-            <p:sp>
-              <p:nvSpPr>
-                <p:cNvPr id="79" name="TextBox 78">
-                  <a:extLst>
-                    <a:ext uri="{FF2B5EF4-FFF2-40B4-BE49-F238E27FC236}">
-                      <a16:creationId xmlns:a16="http://schemas.microsoft.com/office/drawing/2014/main" id="{018D5DEF-3015-4478-99C7-01BA75AA8BA0}"/>
-                    </a:ext>
-                  </a:extLst>
-                </p:cNvPr>
-                <p:cNvSpPr txBox="1"/>
-                <p:nvPr/>
-              </p:nvSpPr>
-              <p:spPr>
-                <a:xfrm>
-                  <a:off x="6700058" y="4181536"/>
-                  <a:ext cx="2591228" cy="433324"/>
-                </a:xfrm>
-                <a:prstGeom prst="rect">
-                  <a:avLst/>
-                </a:prstGeom>
-                <a:noFill/>
-              </p:spPr>
-              <p:txBody>
-                <a:bodyPr wrap="square" rtlCol="0">
-                  <a:spAutoFit/>
-                </a:bodyPr>
-                <a:lstStyle/>
-                <a:p>
-                  <a:r>
-                    <a:rPr lang="en-US" sz="2000" dirty="0"/>
-                    <a:t>Total Width</a:t>
-                  </a:r>
-                </a:p>
-              </p:txBody>
-            </p:sp>
-            <p:sp>
-              <p:nvSpPr>
-                <p:cNvPr id="80" name="TextBox 79">
-                  <a:extLst>
-                    <a:ext uri="{FF2B5EF4-FFF2-40B4-BE49-F238E27FC236}">
-                      <a16:creationId xmlns:a16="http://schemas.microsoft.com/office/drawing/2014/main" id="{8C2E9B67-D74E-4B86-AEE6-7FD63DAC67D1}"/>
-                    </a:ext>
-                  </a:extLst>
-                </p:cNvPr>
-                <p:cNvSpPr txBox="1"/>
-                <p:nvPr/>
-              </p:nvSpPr>
-              <p:spPr>
-                <a:xfrm>
-                  <a:off x="6588132" y="4719524"/>
-                  <a:ext cx="3064557" cy="433326"/>
-                </a:xfrm>
-                <a:prstGeom prst="rect">
-                  <a:avLst/>
-                </a:prstGeom>
-                <a:noFill/>
-              </p:spPr>
-              <p:txBody>
-                <a:bodyPr wrap="square" rtlCol="0">
-                  <a:spAutoFit/>
-                </a:bodyPr>
-                <a:lstStyle/>
-                <a:p>
-                  <a:r>
-                    <a:rPr lang="en-US" sz="2000" dirty="0"/>
-                    <a:t>Feature Width</a:t>
-                  </a:r>
-                </a:p>
-              </p:txBody>
-            </p:sp>
-            <p:sp>
-              <p:nvSpPr>
-                <p:cNvPr id="81" name="TextBox 80">
-                  <a:extLst>
-                    <a:ext uri="{FF2B5EF4-FFF2-40B4-BE49-F238E27FC236}">
-                      <a16:creationId xmlns:a16="http://schemas.microsoft.com/office/drawing/2014/main" id="{7D35540A-00E9-4C16-A3F3-1372A2D4B1A8}"/>
-                    </a:ext>
-                  </a:extLst>
-                </p:cNvPr>
-                <p:cNvSpPr txBox="1"/>
-                <p:nvPr/>
-              </p:nvSpPr>
-              <p:spPr>
-                <a:xfrm>
-                  <a:off x="6391213" y="5258373"/>
-                  <a:ext cx="5698162" cy="433324"/>
-                </a:xfrm>
-                <a:prstGeom prst="rect">
-                  <a:avLst/>
-                </a:prstGeom>
-                <a:noFill/>
-              </p:spPr>
-              <p:txBody>
-                <a:bodyPr wrap="square" rtlCol="0">
-                  <a:spAutoFit/>
-                </a:bodyPr>
-                <a:lstStyle/>
-                <a:p>
-                  <a:r>
-                    <a:rPr lang="en-US" sz="2000" dirty="0"/>
-                    <a:t>Feature Width / Total Width  </a:t>
-                  </a:r>
-                </a:p>
-              </p:txBody>
-            </p:sp>
-          </p:grpSp>
-          <p:sp>
-            <p:nvSpPr>
-              <p:cNvPr id="86" name="Left Bracket 85">
-                <a:extLst>
-                  <a:ext uri="{FF2B5EF4-FFF2-40B4-BE49-F238E27FC236}">
-                    <a16:creationId xmlns:a16="http://schemas.microsoft.com/office/drawing/2014/main" id="{7D57778B-F19D-4CD3-8356-D2F884B8293D}"/>
-                  </a:ext>
-                </a:extLst>
-              </p:cNvPr>
-              <p:cNvSpPr/>
-              <p:nvPr/>
-            </p:nvSpPr>
-            <p:spPr>
-              <a:xfrm rot="16200000">
-                <a:off x="10661405" y="3431373"/>
-                <a:ext cx="123889" cy="630667"/>
-              </a:xfrm>
-              <a:prstGeom prst="leftBracket">
-                <a:avLst/>
-              </a:prstGeom>
+              <a:ln w="63500">
+                <a:tailEnd type="triangle"/>
+              </a:ln>
             </p:spPr>
             <p:style>
               <a:lnRef idx="1">
@@ -11077,215 +12953,296 @@
                 <a:schemeClr val="tx1"/>
               </a:fontRef>
             </p:style>
+          </p:cxnSp>
+          <p:cxnSp>
+            <p:nvCxnSpPr>
+              <p:cNvPr id="59" name="Connector: Elbow 58">
+                <a:extLst>
+                  <a:ext uri="{FF2B5EF4-FFF2-40B4-BE49-F238E27FC236}">
+                    <a16:creationId xmlns:a16="http://schemas.microsoft.com/office/drawing/2014/main" id="{E9C38CE8-7F74-4277-B525-0CC44D4FDCFD}"/>
+                  </a:ext>
+                </a:extLst>
+              </p:cNvPr>
+              <p:cNvCxnSpPr>
+                <a:cxnSpLocks/>
+              </p:cNvCxnSpPr>
+              <p:nvPr/>
+            </p:nvCxnSpPr>
+            <p:spPr>
+              <a:xfrm rot="5400000">
+                <a:off x="3970330" y="622222"/>
+                <a:ext cx="731520" cy="3931920"/>
+              </a:xfrm>
+              <a:prstGeom prst="bentConnector3">
+                <a:avLst>
+                  <a:gd name="adj1" fmla="val 24724"/>
+                </a:avLst>
+              </a:prstGeom>
+              <a:ln w="63500">
+                <a:tailEnd type="triangle"/>
+              </a:ln>
+            </p:spPr>
+            <p:style>
+              <a:lnRef idx="1">
+                <a:schemeClr val="accent1"/>
+              </a:lnRef>
+              <a:fillRef idx="0">
+                <a:schemeClr val="accent1"/>
+              </a:fillRef>
+              <a:effectRef idx="0">
+                <a:schemeClr val="accent1"/>
+              </a:effectRef>
+              <a:fontRef idx="minor">
+                <a:schemeClr val="tx1"/>
+              </a:fontRef>
+            </p:style>
+          </p:cxnSp>
+          <p:cxnSp>
+            <p:nvCxnSpPr>
+              <p:cNvPr id="68" name="Straight Arrow Connector 67">
+                <a:extLst>
+                  <a:ext uri="{FF2B5EF4-FFF2-40B4-BE49-F238E27FC236}">
+                    <a16:creationId xmlns:a16="http://schemas.microsoft.com/office/drawing/2014/main" id="{F8483937-2B96-4918-9466-87814960E36B}"/>
+                  </a:ext>
+                </a:extLst>
+              </p:cNvPr>
+              <p:cNvCxnSpPr>
+                <a:stCxn id="6" idx="2"/>
+              </p:cNvCxnSpPr>
+              <p:nvPr/>
+            </p:nvCxnSpPr>
+            <p:spPr>
+              <a:xfrm flipH="1">
+                <a:off x="6302050" y="2043559"/>
+                <a:ext cx="0" cy="914400"/>
+              </a:xfrm>
+              <a:prstGeom prst="straightConnector1">
+                <a:avLst/>
+              </a:prstGeom>
+              <a:ln w="63500">
+                <a:tailEnd type="triangle"/>
+              </a:ln>
+            </p:spPr>
+            <p:style>
+              <a:lnRef idx="1">
+                <a:schemeClr val="accent1"/>
+              </a:lnRef>
+              <a:fillRef idx="0">
+                <a:schemeClr val="accent1"/>
+              </a:fillRef>
+              <a:effectRef idx="0">
+                <a:schemeClr val="accent1"/>
+              </a:effectRef>
+              <a:fontRef idx="minor">
+                <a:schemeClr val="tx1"/>
+              </a:fontRef>
+            </p:style>
+          </p:cxnSp>
+          <p:pic>
+            <p:nvPicPr>
+              <p:cNvPr id="69" name="Picture 68">
+                <a:extLst>
+                  <a:ext uri="{FF2B5EF4-FFF2-40B4-BE49-F238E27FC236}">
+                    <a16:creationId xmlns:a16="http://schemas.microsoft.com/office/drawing/2014/main" id="{55CEB292-7421-42A5-BD80-08EB2DE8ED28}"/>
+                  </a:ext>
+                </a:extLst>
+              </p:cNvPr>
+              <p:cNvPicPr>
+                <a:picLocks noChangeAspect="1"/>
+              </p:cNvPicPr>
+              <p:nvPr/>
+            </p:nvPicPr>
+            <p:blipFill>
+              <a:blip r:embed="rId2"/>
+              <a:stretch>
+                <a:fillRect/>
+              </a:stretch>
+            </p:blipFill>
+            <p:spPr>
+              <a:xfrm>
+                <a:off x="5062201" y="3288769"/>
+                <a:ext cx="2479698" cy="2040585"/>
+              </a:xfrm>
+              <a:prstGeom prst="rect">
+                <a:avLst/>
+              </a:prstGeom>
+            </p:spPr>
+          </p:pic>
+          <p:pic>
+            <p:nvPicPr>
+              <p:cNvPr id="70" name="Picture 69">
+                <a:extLst>
+                  <a:ext uri="{FF2B5EF4-FFF2-40B4-BE49-F238E27FC236}">
+                    <a16:creationId xmlns:a16="http://schemas.microsoft.com/office/drawing/2014/main" id="{21D6A418-455F-416F-A770-3E950D8625AA}"/>
+                  </a:ext>
+                </a:extLst>
+              </p:cNvPr>
+              <p:cNvPicPr>
+                <a:picLocks noChangeAspect="1"/>
+              </p:cNvPicPr>
+              <p:nvPr/>
+            </p:nvPicPr>
+            <p:blipFill>
+              <a:blip r:embed="rId2"/>
+              <a:stretch>
+                <a:fillRect/>
+              </a:stretch>
+            </p:blipFill>
+            <p:spPr>
+              <a:xfrm>
+                <a:off x="8994121" y="3288768"/>
+                <a:ext cx="2479698" cy="2040585"/>
+              </a:xfrm>
+              <a:prstGeom prst="rect">
+                <a:avLst/>
+              </a:prstGeom>
+            </p:spPr>
+          </p:pic>
+          <p:pic>
+            <p:nvPicPr>
+              <p:cNvPr id="71" name="Picture 70">
+                <a:extLst>
+                  <a:ext uri="{FF2B5EF4-FFF2-40B4-BE49-F238E27FC236}">
+                    <a16:creationId xmlns:a16="http://schemas.microsoft.com/office/drawing/2014/main" id="{3B709853-42A2-48D4-BB17-F3F86D9956B0}"/>
+                  </a:ext>
+                </a:extLst>
+              </p:cNvPr>
+              <p:cNvPicPr>
+                <a:picLocks noChangeAspect="1"/>
+              </p:cNvPicPr>
+              <p:nvPr/>
+            </p:nvPicPr>
+            <p:blipFill>
+              <a:blip r:embed="rId2"/>
+              <a:stretch>
+                <a:fillRect/>
+              </a:stretch>
+            </p:blipFill>
+            <p:spPr>
+              <a:xfrm>
+                <a:off x="1130281" y="3331696"/>
+                <a:ext cx="2479698" cy="2040585"/>
+              </a:xfrm>
+              <a:prstGeom prst="rect">
+                <a:avLst/>
+              </a:prstGeom>
+            </p:spPr>
+          </p:pic>
+          <p:sp>
+            <p:nvSpPr>
+              <p:cNvPr id="76" name="TextBox 75">
+                <a:extLst>
+                  <a:ext uri="{FF2B5EF4-FFF2-40B4-BE49-F238E27FC236}">
+                    <a16:creationId xmlns:a16="http://schemas.microsoft.com/office/drawing/2014/main" id="{AC1BBA9C-056D-4265-A28B-CC8F4E9DA3DA}"/>
+                  </a:ext>
+                </a:extLst>
+              </p:cNvPr>
+              <p:cNvSpPr txBox="1"/>
+              <p:nvPr/>
+            </p:nvSpPr>
+            <p:spPr>
+              <a:xfrm>
+                <a:off x="1504690" y="2889831"/>
+                <a:ext cx="1937335" cy="400110"/>
+              </a:xfrm>
+              <a:prstGeom prst="rect">
+                <a:avLst/>
+              </a:prstGeom>
+              <a:noFill/>
+            </p:spPr>
             <p:txBody>
-              <a:bodyPr rtlCol="0" anchor="ctr"/>
+              <a:bodyPr wrap="square" rtlCol="0">
+                <a:spAutoFit/>
+              </a:bodyPr>
               <a:lstStyle/>
               <a:p>
                 <a:pPr algn="ctr"/>
-                <a:endParaRPr lang="en-US"/>
+                <a:r>
+                  <a:rPr lang="en-US" sz="2000" dirty="0"/>
+                  <a:t>Overlap Counts</a:t>
+                </a:r>
               </a:p>
             </p:txBody>
           </p:sp>
-          <p:grpSp>
-            <p:nvGrpSpPr>
-              <p:cNvPr id="94" name="Group 93">
+          <p:sp>
+            <p:nvSpPr>
+              <p:cNvPr id="77" name="TextBox 76">
                 <a:extLst>
                   <a:ext uri="{FF2B5EF4-FFF2-40B4-BE49-F238E27FC236}">
-                    <a16:creationId xmlns:a16="http://schemas.microsoft.com/office/drawing/2014/main" id="{7ED68C55-8A48-4E6E-927F-D84C718949C9}"/>
+                    <a16:creationId xmlns:a16="http://schemas.microsoft.com/office/drawing/2014/main" id="{197521BF-5379-4235-A24F-D51630F299D2}"/>
                   </a:ext>
                 </a:extLst>
               </p:cNvPr>
-              <p:cNvGrpSpPr/>
+              <p:cNvSpPr txBox="1"/>
               <p:nvPr/>
-            </p:nvGrpSpPr>
-            <p:grpSpPr>
+            </p:nvSpPr>
+            <p:spPr>
               <a:xfrm>
-                <a:off x="5662132" y="5330183"/>
-                <a:ext cx="1373107" cy="1373147"/>
-                <a:chOff x="5661357" y="4961371"/>
-                <a:chExt cx="1373107" cy="1373147"/>
+                <a:off x="5439902" y="2893799"/>
+                <a:ext cx="1937327" cy="400110"/>
               </a:xfrm>
-            </p:grpSpPr>
-            <p:cxnSp>
-              <p:nvCxnSpPr>
-                <p:cNvPr id="87" name="Straight Connector 86">
-                  <a:extLst>
-                    <a:ext uri="{FF2B5EF4-FFF2-40B4-BE49-F238E27FC236}">
-                      <a16:creationId xmlns:a16="http://schemas.microsoft.com/office/drawing/2014/main" id="{3B6DFA56-FCFF-473F-B456-E7CFEF05AE23}"/>
-                    </a:ext>
-                  </a:extLst>
-                </p:cNvPr>
-                <p:cNvCxnSpPr>
-                  <a:cxnSpLocks/>
-                </p:cNvCxnSpPr>
-                <p:nvPr/>
-              </p:nvCxnSpPr>
-              <p:spPr>
-                <a:xfrm>
-                  <a:off x="5908478" y="4973961"/>
-                  <a:ext cx="0" cy="285331"/>
-                </a:xfrm>
-                <a:prstGeom prst="line">
-                  <a:avLst/>
-                </a:prstGeom>
-                <a:ln w="28575">
-                  <a:solidFill>
-                    <a:schemeClr val="accent5"/>
-                  </a:solidFill>
-                </a:ln>
-              </p:spPr>
-              <p:style>
-                <a:lnRef idx="1">
-                  <a:schemeClr val="accent1"/>
-                </a:lnRef>
-                <a:fillRef idx="0">
-                  <a:schemeClr val="accent1"/>
-                </a:fillRef>
-                <a:effectRef idx="0">
-                  <a:schemeClr val="accent1"/>
-                </a:effectRef>
-                <a:fontRef idx="minor">
-                  <a:schemeClr val="tx1"/>
-                </a:fontRef>
-              </p:style>
-            </p:cxnSp>
-            <p:cxnSp>
-              <p:nvCxnSpPr>
-                <p:cNvPr id="88" name="Straight Connector 87">
-                  <a:extLst>
-                    <a:ext uri="{FF2B5EF4-FFF2-40B4-BE49-F238E27FC236}">
-                      <a16:creationId xmlns:a16="http://schemas.microsoft.com/office/drawing/2014/main" id="{116DA453-A3B8-4573-8877-ECA344E3BFFD}"/>
-                    </a:ext>
-                  </a:extLst>
-                </p:cNvPr>
-                <p:cNvCxnSpPr>
-                  <a:cxnSpLocks/>
-                </p:cNvCxnSpPr>
-                <p:nvPr/>
-              </p:nvCxnSpPr>
-              <p:spPr>
-                <a:xfrm>
-                  <a:off x="6787344" y="4961371"/>
-                  <a:ext cx="0" cy="285331"/>
-                </a:xfrm>
-                <a:prstGeom prst="line">
-                  <a:avLst/>
-                </a:prstGeom>
-                <a:ln w="28575">
-                  <a:solidFill>
-                    <a:schemeClr val="accent5"/>
-                  </a:solidFill>
-                </a:ln>
-              </p:spPr>
-              <p:style>
-                <a:lnRef idx="1">
-                  <a:schemeClr val="accent1"/>
-                </a:lnRef>
-                <a:fillRef idx="0">
-                  <a:schemeClr val="accent1"/>
-                </a:fillRef>
-                <a:effectRef idx="0">
-                  <a:schemeClr val="accent1"/>
-                </a:effectRef>
-                <a:fontRef idx="minor">
-                  <a:schemeClr val="tx1"/>
-                </a:fontRef>
-              </p:style>
-            </p:cxnSp>
-            <p:sp>
-              <p:nvSpPr>
-                <p:cNvPr id="89" name="Right Brace 88">
-                  <a:extLst>
-                    <a:ext uri="{FF2B5EF4-FFF2-40B4-BE49-F238E27FC236}">
-                      <a16:creationId xmlns:a16="http://schemas.microsoft.com/office/drawing/2014/main" id="{E6232B12-300B-44C9-BA48-B1FE76EE6A97}"/>
-                    </a:ext>
-                  </a:extLst>
-                </p:cNvPr>
-                <p:cNvSpPr/>
-                <p:nvPr/>
-              </p:nvSpPr>
-              <p:spPr>
-                <a:xfrm rot="5400000">
-                  <a:off x="6246814" y="5044006"/>
-                  <a:ext cx="202194" cy="878866"/>
-                </a:xfrm>
-                <a:prstGeom prst="rightBrace">
-                  <a:avLst/>
-                </a:prstGeom>
-              </p:spPr>
-              <p:style>
-                <a:lnRef idx="1">
-                  <a:schemeClr val="accent1"/>
-                </a:lnRef>
-                <a:fillRef idx="0">
-                  <a:schemeClr val="accent1"/>
-                </a:fillRef>
-                <a:effectRef idx="0">
-                  <a:schemeClr val="accent1"/>
-                </a:effectRef>
-                <a:fontRef idx="minor">
-                  <a:schemeClr val="tx1"/>
-                </a:fontRef>
-              </p:style>
-              <p:txBody>
-                <a:bodyPr rtlCol="0" anchor="ctr"/>
-                <a:lstStyle/>
-                <a:p>
-                  <a:pPr algn="ctr"/>
-                  <a:endParaRPr lang="en-US" dirty="0"/>
-                </a:p>
-              </p:txBody>
-            </p:sp>
-            <p:sp>
-              <p:nvSpPr>
-                <p:cNvPr id="90" name="TextBox 89">
-                  <a:extLst>
-                    <a:ext uri="{FF2B5EF4-FFF2-40B4-BE49-F238E27FC236}">
-                      <a16:creationId xmlns:a16="http://schemas.microsoft.com/office/drawing/2014/main" id="{5BAC6772-C540-40A8-A25B-4EB9E169DD1C}"/>
-                    </a:ext>
-                  </a:extLst>
-                </p:cNvPr>
-                <p:cNvSpPr txBox="1"/>
-                <p:nvPr/>
-              </p:nvSpPr>
-              <p:spPr>
-                <a:xfrm>
-                  <a:off x="5661357" y="5626632"/>
-                  <a:ext cx="1373107" cy="707886"/>
-                </a:xfrm>
-                <a:prstGeom prst="rect">
-                  <a:avLst/>
-                </a:prstGeom>
-                <a:noFill/>
-              </p:spPr>
-              <p:txBody>
-                <a:bodyPr wrap="square" rtlCol="0">
-                  <a:spAutoFit/>
-                </a:bodyPr>
-                <a:lstStyle/>
-                <a:p>
-                  <a:pPr algn="ctr"/>
-                  <a:r>
-                    <a:rPr lang="en-US" sz="2000" dirty="0"/>
-                    <a:t>X </a:t>
-                  </a:r>
-                </a:p>
-                <a:p>
-                  <a:pPr algn="ctr"/>
-                  <a:r>
-                    <a:rPr lang="en-US" sz="2000" dirty="0"/>
-                    <a:t>base pairs</a:t>
-                  </a:r>
-                </a:p>
-              </p:txBody>
-            </p:sp>
-          </p:grpSp>
+              <a:prstGeom prst="rect">
+                <a:avLst/>
+              </a:prstGeom>
+              <a:noFill/>
+            </p:spPr>
+            <p:txBody>
+              <a:bodyPr wrap="square" rtlCol="0">
+                <a:spAutoFit/>
+              </a:bodyPr>
+              <a:lstStyle/>
+              <a:p>
+                <a:pPr algn="ctr"/>
+                <a:r>
+                  <a:rPr lang="en-US" sz="2000" dirty="0"/>
+                  <a:t>Overlap Percent</a:t>
+                </a:r>
+              </a:p>
+            </p:txBody>
+          </p:sp>
           <p:sp>
             <p:nvSpPr>
-              <p:cNvPr id="91" name="Right Brace 90">
+              <p:cNvPr id="78" name="TextBox 77">
                 <a:extLst>
                   <a:ext uri="{FF2B5EF4-FFF2-40B4-BE49-F238E27FC236}">
-                    <a16:creationId xmlns:a16="http://schemas.microsoft.com/office/drawing/2014/main" id="{18074E52-54B9-4430-8F26-71AE5FF2EC3D}"/>
+                    <a16:creationId xmlns:a16="http://schemas.microsoft.com/office/drawing/2014/main" id="{5255C26C-4CA7-4A87-A39B-CA2C2F0AB21D}"/>
+                  </a:ext>
+                </a:extLst>
+              </p:cNvPr>
+              <p:cNvSpPr txBox="1"/>
+              <p:nvPr/>
+            </p:nvSpPr>
+            <p:spPr>
+              <a:xfrm>
+                <a:off x="9368532" y="2893175"/>
+                <a:ext cx="1730876" cy="400110"/>
+              </a:xfrm>
+              <a:prstGeom prst="rect">
+                <a:avLst/>
+              </a:prstGeom>
+              <a:noFill/>
+            </p:spPr>
+            <p:txBody>
+              <a:bodyPr wrap="square" rtlCol="0">
+                <a:spAutoFit/>
+              </a:bodyPr>
+              <a:lstStyle/>
+              <a:p>
+                <a:pPr algn="ctr"/>
+                <a:r>
+                  <a:rPr lang="en-US" sz="2000" dirty="0"/>
+                  <a:t>Distance</a:t>
+                </a:r>
+                <a:endParaRPr lang="en-US" dirty="0"/>
+              </a:p>
+            </p:txBody>
+          </p:sp>
+          <p:sp>
+            <p:nvSpPr>
+              <p:cNvPr id="79" name="Right Brace 78">
+                <a:extLst>
+                  <a:ext uri="{FF2B5EF4-FFF2-40B4-BE49-F238E27FC236}">
+                    <a16:creationId xmlns:a16="http://schemas.microsoft.com/office/drawing/2014/main" id="{949D383E-423F-4D82-ADC8-B7B33A620CDA}"/>
                   </a:ext>
                 </a:extLst>
               </p:cNvPr>
@@ -11294,8 +13251,8 @@
             </p:nvSpPr>
             <p:spPr>
               <a:xfrm rot="5400000">
-                <a:off x="1024416" y="2890182"/>
-                <a:ext cx="231171" cy="703828"/>
+                <a:off x="1543780" y="5203418"/>
+                <a:ext cx="164174" cy="721895"/>
               </a:xfrm>
               <a:prstGeom prst="rightBrace">
                 <a:avLst/>
@@ -11326,10 +13283,10 @@
           </p:sp>
           <p:sp>
             <p:nvSpPr>
-              <p:cNvPr id="92" name="TextBox 91">
+              <p:cNvPr id="80" name="TextBox 79">
                 <a:extLst>
                   <a:ext uri="{FF2B5EF4-FFF2-40B4-BE49-F238E27FC236}">
-                    <a16:creationId xmlns:a16="http://schemas.microsoft.com/office/drawing/2014/main" id="{D9B77F90-0E81-4148-9F1D-45E3CD6F3CEE}"/>
+                    <a16:creationId xmlns:a16="http://schemas.microsoft.com/office/drawing/2014/main" id="{7E36D344-1A08-4CDD-A8F0-D87527712ACB}"/>
                   </a:ext>
                 </a:extLst>
               </p:cNvPr>
@@ -11338,7 +13295,7 @@
             </p:nvSpPr>
             <p:spPr>
               <a:xfrm>
-                <a:off x="897851" y="1902011"/>
+                <a:off x="1264920" y="4114622"/>
                 <a:ext cx="319318" cy="307777"/>
               </a:xfrm>
               <a:prstGeom prst="rect">
@@ -11361,10 +13318,10 @@
           </p:sp>
           <p:sp>
             <p:nvSpPr>
-              <p:cNvPr id="93" name="TextBox 92">
+              <p:cNvPr id="81" name="TextBox 80">
                 <a:extLst>
                   <a:ext uri="{FF2B5EF4-FFF2-40B4-BE49-F238E27FC236}">
-                    <a16:creationId xmlns:a16="http://schemas.microsoft.com/office/drawing/2014/main" id="{DBE964B2-760C-4354-9E01-92C870E5C596}"/>
+                    <a16:creationId xmlns:a16="http://schemas.microsoft.com/office/drawing/2014/main" id="{0E5EF937-9315-4AA0-B83E-F4F993BEA52A}"/>
                   </a:ext>
                 </a:extLst>
               </p:cNvPr>
@@ -11373,8 +13330,131 @@
             </p:nvSpPr>
             <p:spPr>
               <a:xfrm>
-                <a:off x="993659" y="3428420"/>
-                <a:ext cx="319318" cy="400110"/>
+                <a:off x="1718877" y="4351988"/>
+                <a:ext cx="319318" cy="307777"/>
+              </a:xfrm>
+              <a:prstGeom prst="rect">
+                <a:avLst/>
+              </a:prstGeom>
+              <a:noFill/>
+            </p:spPr>
+            <p:txBody>
+              <a:bodyPr wrap="square" rtlCol="0">
+                <a:spAutoFit/>
+              </a:bodyPr>
+              <a:lstStyle/>
+              <a:p>
+                <a:r>
+                  <a:rPr lang="en-US" sz="1400" dirty="0"/>
+                  <a:t>2</a:t>
+                </a:r>
+              </a:p>
+            </p:txBody>
+          </p:sp>
+          <p:sp>
+            <p:nvSpPr>
+              <p:cNvPr id="83" name="Right Brace 82">
+                <a:extLst>
+                  <a:ext uri="{FF2B5EF4-FFF2-40B4-BE49-F238E27FC236}">
+                    <a16:creationId xmlns:a16="http://schemas.microsoft.com/office/drawing/2014/main" id="{DB03597B-094B-4822-A5A3-EC4EDEE20006}"/>
+                  </a:ext>
+                </a:extLst>
+              </p:cNvPr>
+              <p:cNvSpPr/>
+              <p:nvPr/>
+            </p:nvSpPr>
+            <p:spPr>
+              <a:xfrm rot="5400000">
+                <a:off x="7095081" y="5272566"/>
+                <a:ext cx="164176" cy="400120"/>
+              </a:xfrm>
+              <a:prstGeom prst="rightBrace">
+                <a:avLst/>
+              </a:prstGeom>
+            </p:spPr>
+            <p:style>
+              <a:lnRef idx="1">
+                <a:schemeClr val="accent1"/>
+              </a:lnRef>
+              <a:fillRef idx="0">
+                <a:schemeClr val="accent1"/>
+              </a:fillRef>
+              <a:effectRef idx="0">
+                <a:schemeClr val="accent1"/>
+              </a:effectRef>
+              <a:fontRef idx="minor">
+                <a:schemeClr val="tx1"/>
+              </a:fontRef>
+            </p:style>
+            <p:txBody>
+              <a:bodyPr rtlCol="0" anchor="ctr"/>
+              <a:lstStyle/>
+              <a:p>
+                <a:pPr algn="ctr"/>
+                <a:endParaRPr lang="en-US"/>
+              </a:p>
+            </p:txBody>
+          </p:sp>
+          <p:sp>
+            <p:nvSpPr>
+              <p:cNvPr id="84" name="Right Brace 83">
+                <a:extLst>
+                  <a:ext uri="{FF2B5EF4-FFF2-40B4-BE49-F238E27FC236}">
+                    <a16:creationId xmlns:a16="http://schemas.microsoft.com/office/drawing/2014/main" id="{00ECFBBE-2C8A-4F0C-9752-37BA476F5588}"/>
+                  </a:ext>
+                </a:extLst>
+              </p:cNvPr>
+              <p:cNvSpPr/>
+              <p:nvPr/>
+            </p:nvSpPr>
+            <p:spPr>
+              <a:xfrm rot="5400000">
+                <a:off x="6983284" y="5799140"/>
+                <a:ext cx="164174" cy="721895"/>
+              </a:xfrm>
+              <a:prstGeom prst="rightBrace">
+                <a:avLst/>
+              </a:prstGeom>
+            </p:spPr>
+            <p:style>
+              <a:lnRef idx="1">
+                <a:schemeClr val="accent1"/>
+              </a:lnRef>
+              <a:fillRef idx="0">
+                <a:schemeClr val="accent1"/>
+              </a:fillRef>
+              <a:effectRef idx="0">
+                <a:schemeClr val="accent1"/>
+              </a:effectRef>
+              <a:fontRef idx="minor">
+                <a:schemeClr val="tx1"/>
+              </a:fontRef>
+            </p:style>
+            <p:txBody>
+              <a:bodyPr rtlCol="0" anchor="ctr"/>
+              <a:lstStyle/>
+              <a:p>
+                <a:pPr algn="ctr"/>
+                <a:endParaRPr lang="en-US"/>
+              </a:p>
+            </p:txBody>
+          </p:sp>
+          <p:sp>
+            <p:nvSpPr>
+              <p:cNvPr id="89" name="TextBox 88">
+                <a:extLst>
+                  <a:ext uri="{FF2B5EF4-FFF2-40B4-BE49-F238E27FC236}">
+                    <a16:creationId xmlns:a16="http://schemas.microsoft.com/office/drawing/2014/main" id="{01FB3C87-7E05-46AF-A844-3F102561B56A}"/>
+                  </a:ext>
+                </a:extLst>
+              </p:cNvPr>
+              <p:cNvSpPr txBox="1"/>
+              <p:nvPr/>
+            </p:nvSpPr>
+            <p:spPr>
+              <a:xfrm>
+                <a:off x="1467056" y="5727078"/>
+                <a:ext cx="400120" cy="400110"/>
               </a:xfrm>
               <a:prstGeom prst="rect">
                 <a:avLst/>
@@ -11389,18 +13469,17 @@
               <a:p>
                 <a:r>
                   <a:rPr lang="en-US" sz="2000" dirty="0"/>
-                  <a:t>1</a:t>
+                  <a:t>2</a:t>
                 </a:r>
-                <a:endParaRPr lang="en-US" sz="1400" dirty="0"/>
               </a:p>
             </p:txBody>
           </p:sp>
           <p:sp>
             <p:nvSpPr>
-              <p:cNvPr id="95" name="TextBox 94">
+              <p:cNvPr id="91" name="TextBox 90">
                 <a:extLst>
                   <a:ext uri="{FF2B5EF4-FFF2-40B4-BE49-F238E27FC236}">
-                    <a16:creationId xmlns:a16="http://schemas.microsoft.com/office/drawing/2014/main" id="{77F5E1F6-7801-4D61-9217-34B64B705089}"/>
+                    <a16:creationId xmlns:a16="http://schemas.microsoft.com/office/drawing/2014/main" id="{61886B9B-B0DF-412C-977E-F6B0DFB28EB7}"/>
                   </a:ext>
                 </a:extLst>
               </p:cNvPr>
@@ -11409,8 +13488,8 @@
             </p:nvSpPr>
             <p:spPr>
               <a:xfrm>
-                <a:off x="962959" y="439946"/>
-                <a:ext cx="319318" cy="461665"/>
+                <a:off x="6620655" y="5554780"/>
+                <a:ext cx="1188553" cy="523220"/>
               </a:xfrm>
               <a:prstGeom prst="rect">
                 <a:avLst/>
@@ -11423,20 +13502,20 @@
               </a:bodyPr>
               <a:lstStyle/>
               <a:p>
+                <a:pPr algn="ctr"/>
                 <a:r>
-                  <a:rPr lang="en-US" sz="2400" b="1" dirty="0"/>
-                  <a:t>I</a:t>
+                  <a:rPr lang="en-US" sz="1400" dirty="0"/>
+                  <a:t>Feature width</a:t>
                 </a:r>
-                <a:endParaRPr lang="en-US" sz="1400" b="1" dirty="0"/>
               </a:p>
             </p:txBody>
           </p:sp>
           <p:sp>
             <p:nvSpPr>
-              <p:cNvPr id="96" name="TextBox 95">
+              <p:cNvPr id="92" name="TextBox 91">
                 <a:extLst>
                   <a:ext uri="{FF2B5EF4-FFF2-40B4-BE49-F238E27FC236}">
-                    <a16:creationId xmlns:a16="http://schemas.microsoft.com/office/drawing/2014/main" id="{B0BD1DE3-2528-417C-B94B-B0A92CB410FE}"/>
+                    <a16:creationId xmlns:a16="http://schemas.microsoft.com/office/drawing/2014/main" id="{706251A1-D822-419B-B35B-E0AE16B077DE}"/>
                   </a:ext>
                 </a:extLst>
               </p:cNvPr>
@@ -11445,8 +13524,8 @@
             </p:nvSpPr>
             <p:spPr>
               <a:xfrm>
-                <a:off x="5704637" y="2602911"/>
-                <a:ext cx="568754" cy="461665"/>
+                <a:off x="6523290" y="6303426"/>
+                <a:ext cx="1188553" cy="307777"/>
               </a:xfrm>
               <a:prstGeom prst="rect">
                 <a:avLst/>
@@ -11459,20 +13538,150 @@
               </a:bodyPr>
               <a:lstStyle/>
               <a:p>
+                <a:pPr algn="ctr"/>
                 <a:r>
-                  <a:rPr lang="en-US" sz="2400" b="1" dirty="0"/>
-                  <a:t>II</a:t>
+                  <a:rPr lang="en-US" sz="1400" dirty="0"/>
+                  <a:t>Bin width</a:t>
                 </a:r>
-                <a:endParaRPr lang="en-US" sz="1600" b="1" dirty="0"/>
+              </a:p>
+            </p:txBody>
+          </p:sp>
+          <p:cxnSp>
+            <p:nvCxnSpPr>
+              <p:cNvPr id="93" name="Straight Connector 92">
+                <a:extLst>
+                  <a:ext uri="{FF2B5EF4-FFF2-40B4-BE49-F238E27FC236}">
+                    <a16:creationId xmlns:a16="http://schemas.microsoft.com/office/drawing/2014/main" id="{620B474E-C9E3-49D1-80B2-876939209485}"/>
+                  </a:ext>
+                </a:extLst>
+              </p:cNvPr>
+              <p:cNvCxnSpPr>
+                <a:cxnSpLocks/>
+              </p:cNvCxnSpPr>
+              <p:nvPr/>
+            </p:nvCxnSpPr>
+            <p:spPr>
+              <a:xfrm>
+                <a:off x="9745115" y="5467425"/>
+                <a:ext cx="0" cy="285331"/>
+              </a:xfrm>
+              <a:prstGeom prst="line">
+                <a:avLst/>
+              </a:prstGeom>
+              <a:ln w="28575">
+                <a:solidFill>
+                  <a:schemeClr val="accent5"/>
+                </a:solidFill>
+              </a:ln>
+            </p:spPr>
+            <p:style>
+              <a:lnRef idx="1">
+                <a:schemeClr val="accent1"/>
+              </a:lnRef>
+              <a:fillRef idx="0">
+                <a:schemeClr val="accent1"/>
+              </a:fillRef>
+              <a:effectRef idx="0">
+                <a:schemeClr val="accent1"/>
+              </a:effectRef>
+              <a:fontRef idx="minor">
+                <a:schemeClr val="tx1"/>
+              </a:fontRef>
+            </p:style>
+          </p:cxnSp>
+          <p:cxnSp>
+            <p:nvCxnSpPr>
+              <p:cNvPr id="94" name="Straight Connector 93">
+                <a:extLst>
+                  <a:ext uri="{FF2B5EF4-FFF2-40B4-BE49-F238E27FC236}">
+                    <a16:creationId xmlns:a16="http://schemas.microsoft.com/office/drawing/2014/main" id="{02A12E7C-9D62-4D98-868A-B625825F944F}"/>
+                  </a:ext>
+                </a:extLst>
+              </p:cNvPr>
+              <p:cNvCxnSpPr>
+                <a:cxnSpLocks/>
+              </p:cNvCxnSpPr>
+              <p:nvPr/>
+            </p:nvCxnSpPr>
+            <p:spPr>
+              <a:xfrm>
+                <a:off x="10232794" y="5467425"/>
+                <a:ext cx="0" cy="285331"/>
+              </a:xfrm>
+              <a:prstGeom prst="line">
+                <a:avLst/>
+              </a:prstGeom>
+              <a:ln w="28575">
+                <a:solidFill>
+                  <a:schemeClr val="accent5"/>
+                </a:solidFill>
+              </a:ln>
+            </p:spPr>
+            <p:style>
+              <a:lnRef idx="1">
+                <a:schemeClr val="accent1"/>
+              </a:lnRef>
+              <a:fillRef idx="0">
+                <a:schemeClr val="accent1"/>
+              </a:fillRef>
+              <a:effectRef idx="0">
+                <a:schemeClr val="accent1"/>
+              </a:effectRef>
+              <a:fontRef idx="minor">
+                <a:schemeClr val="tx1"/>
+              </a:fontRef>
+            </p:style>
+          </p:cxnSp>
+          <p:sp>
+            <p:nvSpPr>
+              <p:cNvPr id="95" name="Right Brace 94">
+                <a:extLst>
+                  <a:ext uri="{FF2B5EF4-FFF2-40B4-BE49-F238E27FC236}">
+                    <a16:creationId xmlns:a16="http://schemas.microsoft.com/office/drawing/2014/main" id="{B87953E7-E5FD-4FAE-BA30-65150B65E3B5}"/>
+                  </a:ext>
+                </a:extLst>
+              </p:cNvPr>
+              <p:cNvSpPr/>
+              <p:nvPr/>
+            </p:nvSpPr>
+            <p:spPr>
+              <a:xfrm rot="5400000">
+                <a:off x="9870774" y="5765170"/>
+                <a:ext cx="236360" cy="487679"/>
+              </a:xfrm>
+              <a:prstGeom prst="rightBrace">
+                <a:avLst/>
+              </a:prstGeom>
+            </p:spPr>
+            <p:style>
+              <a:lnRef idx="1">
+                <a:schemeClr val="accent1"/>
+              </a:lnRef>
+              <a:fillRef idx="0">
+                <a:schemeClr val="accent1"/>
+              </a:fillRef>
+              <a:effectRef idx="0">
+                <a:schemeClr val="accent1"/>
+              </a:effectRef>
+              <a:fontRef idx="minor">
+                <a:schemeClr val="tx1"/>
+              </a:fontRef>
+            </p:style>
+            <p:txBody>
+              <a:bodyPr rtlCol="0" anchor="ctr"/>
+              <a:lstStyle/>
+              <a:p>
+                <a:pPr algn="ctr"/>
+                <a:endParaRPr lang="en-US" dirty="0"/>
               </a:p>
             </p:txBody>
           </p:sp>
           <p:sp>
             <p:nvSpPr>
-              <p:cNvPr id="97" name="TextBox 96">
+              <p:cNvPr id="99" name="TextBox 98">
                 <a:extLst>
                   <a:ext uri="{FF2B5EF4-FFF2-40B4-BE49-F238E27FC236}">
-                    <a16:creationId xmlns:a16="http://schemas.microsoft.com/office/drawing/2014/main" id="{DDD7E8E3-4E74-4430-9AEA-3AC49E8CC720}"/>
+                    <a16:creationId xmlns:a16="http://schemas.microsoft.com/office/drawing/2014/main" id="{6DAAD74B-0C87-495E-9204-8896825FAE24}"/>
                   </a:ext>
                 </a:extLst>
               </p:cNvPr>
@@ -11481,8 +13690,8 @@
             </p:nvSpPr>
             <p:spPr>
               <a:xfrm>
-                <a:off x="10498967" y="439945"/>
-                <a:ext cx="539716" cy="461665"/>
+                <a:off x="9302400" y="6162794"/>
+                <a:ext cx="1373107" cy="523220"/>
               </a:xfrm>
               <a:prstGeom prst="rect">
                 <a:avLst/>
@@ -11495,128 +13704,20 @@
               </a:bodyPr>
               <a:lstStyle/>
               <a:p>
+                <a:pPr algn="ctr"/>
                 <a:r>
-                  <a:rPr lang="en-US" sz="2400" b="1" dirty="0"/>
-                  <a:t>III</a:t>
+                  <a:rPr lang="en-US" sz="1400" dirty="0"/>
+                  <a:t>Distance in base pairs </a:t>
                 </a:r>
-                <a:endParaRPr lang="en-US" sz="1400" b="1" dirty="0"/>
               </a:p>
             </p:txBody>
           </p:sp>
         </p:grpSp>
-        <p:sp>
-          <p:nvSpPr>
-            <p:cNvPr id="99" name="TextBox 98">
-              <a:extLst>
-                <a:ext uri="{FF2B5EF4-FFF2-40B4-BE49-F238E27FC236}">
-                  <a16:creationId xmlns:a16="http://schemas.microsoft.com/office/drawing/2014/main" id="{77BCA748-E5EF-4DD1-AAD3-705B43E0DD87}"/>
-                </a:ext>
-              </a:extLst>
-            </p:cNvPr>
-            <p:cNvSpPr txBox="1"/>
-            <p:nvPr/>
-          </p:nvSpPr>
-          <p:spPr>
-            <a:xfrm>
-              <a:off x="171957" y="1849911"/>
-              <a:ext cx="591132" cy="461665"/>
-            </a:xfrm>
-            <a:prstGeom prst="rect">
-              <a:avLst/>
-            </a:prstGeom>
-            <a:noFill/>
-          </p:spPr>
-          <p:txBody>
-            <a:bodyPr wrap="square" rtlCol="0">
-              <a:spAutoFit/>
-            </a:bodyPr>
-            <a:lstStyle/>
-            <a:p>
-              <a:r>
-                <a:rPr lang="en-US" sz="2400" b="1" dirty="0"/>
-                <a:t>(A)</a:t>
-              </a:r>
-              <a:endParaRPr lang="en-US" sz="1400" b="1" dirty="0"/>
-            </a:p>
-          </p:txBody>
-        </p:sp>
-        <p:sp>
-          <p:nvSpPr>
-            <p:cNvPr id="100" name="TextBox 99">
-              <a:extLst>
-                <a:ext uri="{FF2B5EF4-FFF2-40B4-BE49-F238E27FC236}">
-                  <a16:creationId xmlns:a16="http://schemas.microsoft.com/office/drawing/2014/main" id="{19496914-E127-4E63-8076-82BBF44A1EBC}"/>
-                </a:ext>
-              </a:extLst>
-            </p:cNvPr>
-            <p:cNvSpPr txBox="1"/>
-            <p:nvPr/>
-          </p:nvSpPr>
-          <p:spPr>
-            <a:xfrm>
-              <a:off x="4113364" y="4095337"/>
-              <a:ext cx="591132" cy="461665"/>
-            </a:xfrm>
-            <a:prstGeom prst="rect">
-              <a:avLst/>
-            </a:prstGeom>
-            <a:noFill/>
-          </p:spPr>
-          <p:txBody>
-            <a:bodyPr wrap="square" rtlCol="0">
-              <a:spAutoFit/>
-            </a:bodyPr>
-            <a:lstStyle/>
-            <a:p>
-              <a:r>
-                <a:rPr lang="en-US" sz="2400" b="1" dirty="0"/>
-                <a:t>(C)</a:t>
-              </a:r>
-              <a:endParaRPr lang="en-US" sz="1400" b="1" dirty="0"/>
-            </a:p>
-          </p:txBody>
-        </p:sp>
-        <p:sp>
-          <p:nvSpPr>
-            <p:cNvPr id="101" name="TextBox 100">
-              <a:extLst>
-                <a:ext uri="{FF2B5EF4-FFF2-40B4-BE49-F238E27FC236}">
-                  <a16:creationId xmlns:a16="http://schemas.microsoft.com/office/drawing/2014/main" id="{1EDC992A-EBD1-4255-8A3B-2E8DBE49CC80}"/>
-                </a:ext>
-              </a:extLst>
-            </p:cNvPr>
-            <p:cNvSpPr txBox="1"/>
-            <p:nvPr/>
-          </p:nvSpPr>
-          <p:spPr>
-            <a:xfrm>
-              <a:off x="11428911" y="1853145"/>
-              <a:ext cx="591132" cy="461665"/>
-            </a:xfrm>
-            <a:prstGeom prst="rect">
-              <a:avLst/>
-            </a:prstGeom>
-            <a:noFill/>
-          </p:spPr>
-          <p:txBody>
-            <a:bodyPr wrap="square" rtlCol="0">
-              <a:spAutoFit/>
-            </a:bodyPr>
-            <a:lstStyle/>
-            <a:p>
-              <a:r>
-                <a:rPr lang="en-US" sz="2400" b="1" dirty="0"/>
-                <a:t>(B)</a:t>
-              </a:r>
-              <a:endParaRPr lang="en-US" sz="1400" b="1" dirty="0"/>
-            </a:p>
-          </p:txBody>
-        </p:sp>
       </p:grpSp>
     </p:spTree>
     <p:extLst>
       <p:ext uri="{BB962C8B-B14F-4D97-AF65-F5344CB8AC3E}">
-        <p14:creationId xmlns:p14="http://schemas.microsoft.com/office/powerpoint/2010/main" val="3302630088"/>
+        <p14:creationId xmlns:p14="http://schemas.microsoft.com/office/powerpoint/2010/main" val="3468333343"/>
       </p:ext>
     </p:extLst>
   </p:cSld>
@@ -11626,7 +13727,7 @@
 </p:sld>
 </file>
 
-<file path=ppt/slides/slide4.xml><?xml version="1.0" encoding="utf-8"?>
+<file path=ppt/slides/slide5.xml><?xml version="1.0" encoding="utf-8"?>
 <p:sld xmlns:a="http://schemas.openxmlformats.org/drawingml/2006/main" xmlns:r="http://schemas.openxmlformats.org/officeDocument/2006/relationships" xmlns:p="http://schemas.openxmlformats.org/presentationml/2006/main">
   <p:cSld>
     <p:spTree>

--- a/Manuscript/Figures/figures.pptx
+++ b/Manuscript/Figures/figures.pptx
@@ -5,7 +5,7 @@
     <p:sldMasterId id="2147483648" r:id="rId1"/>
   </p:sldMasterIdLst>
   <p:notesMasterIdLst>
-    <p:notesMasterId r:id="rId7"/>
+    <p:notesMasterId r:id="rId15"/>
   </p:notesMasterIdLst>
   <p:sldIdLst>
     <p:sldId id="257" r:id="rId2"/>
@@ -13,6 +13,14 @@
     <p:sldId id="263" r:id="rId4"/>
     <p:sldId id="264" r:id="rId5"/>
     <p:sldId id="258" r:id="rId6"/>
+    <p:sldId id="265" r:id="rId7"/>
+    <p:sldId id="266" r:id="rId8"/>
+    <p:sldId id="267" r:id="rId9"/>
+    <p:sldId id="268" r:id="rId10"/>
+    <p:sldId id="269" r:id="rId11"/>
+    <p:sldId id="270" r:id="rId12"/>
+    <p:sldId id="271" r:id="rId13"/>
+    <p:sldId id="272" r:id="rId14"/>
   </p:sldIdLst>
   <p:sldSz cx="12192000" cy="6858000"/>
   <p:notesSz cx="6858000" cy="9144000"/>
@@ -5991,6 +5999,302 @@
     <p:extLst>
       <p:ext uri="{BB962C8B-B14F-4D97-AF65-F5344CB8AC3E}">
         <p14:creationId xmlns:p14="http://schemas.microsoft.com/office/powerpoint/2010/main" val="1954562164"/>
+      </p:ext>
+    </p:extLst>
+  </p:cSld>
+  <p:clrMapOvr>
+    <a:masterClrMapping/>
+  </p:clrMapOvr>
+</p:sld>
+</file>
+
+<file path=ppt/slides/slide10.xml><?xml version="1.0" encoding="utf-8"?>
+<p:sld xmlns:a="http://schemas.openxmlformats.org/drawingml/2006/main" xmlns:r="http://schemas.openxmlformats.org/officeDocument/2006/relationships" xmlns:p="http://schemas.openxmlformats.org/presentationml/2006/main">
+  <p:cSld>
+    <p:bg>
+      <p:bgPr>
+        <a:solidFill>
+          <a:schemeClr val="bg1"/>
+        </a:solidFill>
+        <a:effectLst/>
+      </p:bgPr>
+    </p:bg>
+    <p:spTree>
+      <p:nvGrpSpPr>
+        <p:cNvPr id="1" name=""/>
+        <p:cNvGrpSpPr/>
+        <p:nvPr/>
+      </p:nvGrpSpPr>
+      <p:grpSpPr>
+        <a:xfrm>
+          <a:off x="0" y="0"/>
+          <a:ext cx="0" cy="0"/>
+          <a:chOff x="0" y="0"/>
+          <a:chExt cx="0" cy="0"/>
+        </a:xfrm>
+      </p:grpSpPr>
+      <p:pic>
+        <p:nvPicPr>
+          <p:cNvPr id="5" name="Picture 4">
+            <a:extLst>
+              <a:ext uri="{FF2B5EF4-FFF2-40B4-BE49-F238E27FC236}">
+                <a16:creationId xmlns:a16="http://schemas.microsoft.com/office/drawing/2014/main" id="{408412BE-E916-45DC-A328-3700EB1D6F7F}"/>
+              </a:ext>
+            </a:extLst>
+          </p:cNvPr>
+          <p:cNvPicPr>
+            <a:picLocks noChangeAspect="1"/>
+          </p:cNvPicPr>
+          <p:nvPr/>
+        </p:nvPicPr>
+        <p:blipFill>
+          <a:blip r:embed="rId2">
+            <a:extLst>
+              <a:ext uri="{28A0092B-C50C-407E-A947-70E740481C1C}">
+                <a14:useLocalDpi xmlns:a14="http://schemas.microsoft.com/office/drawing/2010/main" val="0"/>
+              </a:ext>
+            </a:extLst>
+          </a:blip>
+          <a:stretch>
+            <a:fillRect/>
+          </a:stretch>
+        </p:blipFill>
+        <p:spPr>
+          <a:xfrm>
+            <a:off x="3310466" y="643466"/>
+            <a:ext cx="5571067" cy="5571067"/>
+          </a:xfrm>
+          <a:prstGeom prst="rect">
+            <a:avLst/>
+          </a:prstGeom>
+        </p:spPr>
+      </p:pic>
+    </p:spTree>
+    <p:extLst>
+      <p:ext uri="{BB962C8B-B14F-4D97-AF65-F5344CB8AC3E}">
+        <p14:creationId xmlns:p14="http://schemas.microsoft.com/office/powerpoint/2010/main" val="863564969"/>
+      </p:ext>
+    </p:extLst>
+  </p:cSld>
+  <p:clrMapOvr>
+    <a:masterClrMapping/>
+  </p:clrMapOvr>
+</p:sld>
+</file>
+
+<file path=ppt/slides/slide11.xml><?xml version="1.0" encoding="utf-8"?>
+<p:sld xmlns:a="http://schemas.openxmlformats.org/drawingml/2006/main" xmlns:r="http://schemas.openxmlformats.org/officeDocument/2006/relationships" xmlns:p="http://schemas.openxmlformats.org/presentationml/2006/main">
+  <p:cSld>
+    <p:bg>
+      <p:bgPr>
+        <a:solidFill>
+          <a:schemeClr val="bg1"/>
+        </a:solidFill>
+        <a:effectLst/>
+      </p:bgPr>
+    </p:bg>
+    <p:spTree>
+      <p:nvGrpSpPr>
+        <p:cNvPr id="1" name=""/>
+        <p:cNvGrpSpPr/>
+        <p:nvPr/>
+      </p:nvGrpSpPr>
+      <p:grpSpPr>
+        <a:xfrm>
+          <a:off x="0" y="0"/>
+          <a:ext cx="0" cy="0"/>
+          <a:chOff x="0" y="0"/>
+          <a:chExt cx="0" cy="0"/>
+        </a:xfrm>
+      </p:grpSpPr>
+      <p:pic>
+        <p:nvPicPr>
+          <p:cNvPr id="5" name="Picture 4" descr="A close up of a map&#10;&#10;Description automatically generated">
+            <a:extLst>
+              <a:ext uri="{FF2B5EF4-FFF2-40B4-BE49-F238E27FC236}">
+                <a16:creationId xmlns:a16="http://schemas.microsoft.com/office/drawing/2014/main" id="{A48CEA9D-91C0-4BF2-915E-3A67EE4CF2B4}"/>
+              </a:ext>
+            </a:extLst>
+          </p:cNvPr>
+          <p:cNvPicPr>
+            <a:picLocks noChangeAspect="1"/>
+          </p:cNvPicPr>
+          <p:nvPr/>
+        </p:nvPicPr>
+        <p:blipFill>
+          <a:blip r:embed="rId2">
+            <a:extLst>
+              <a:ext uri="{28A0092B-C50C-407E-A947-70E740481C1C}">
+                <a14:useLocalDpi xmlns:a14="http://schemas.microsoft.com/office/drawing/2010/main" val="0"/>
+              </a:ext>
+            </a:extLst>
+          </a:blip>
+          <a:stretch>
+            <a:fillRect/>
+          </a:stretch>
+        </p:blipFill>
+        <p:spPr>
+          <a:xfrm>
+            <a:off x="3310466" y="643466"/>
+            <a:ext cx="5571067" cy="5571067"/>
+          </a:xfrm>
+          <a:prstGeom prst="rect">
+            <a:avLst/>
+          </a:prstGeom>
+        </p:spPr>
+      </p:pic>
+    </p:spTree>
+    <p:extLst>
+      <p:ext uri="{BB962C8B-B14F-4D97-AF65-F5344CB8AC3E}">
+        <p14:creationId xmlns:p14="http://schemas.microsoft.com/office/powerpoint/2010/main" val="1294506607"/>
+      </p:ext>
+    </p:extLst>
+  </p:cSld>
+  <p:clrMapOvr>
+    <a:masterClrMapping/>
+  </p:clrMapOvr>
+</p:sld>
+</file>
+
+<file path=ppt/slides/slide12.xml><?xml version="1.0" encoding="utf-8"?>
+<p:sld xmlns:a="http://schemas.openxmlformats.org/drawingml/2006/main" xmlns:r="http://schemas.openxmlformats.org/officeDocument/2006/relationships" xmlns:p="http://schemas.openxmlformats.org/presentationml/2006/main">
+  <p:cSld>
+    <p:bg>
+      <p:bgPr>
+        <a:solidFill>
+          <a:schemeClr val="bg1"/>
+        </a:solidFill>
+        <a:effectLst/>
+      </p:bgPr>
+    </p:bg>
+    <p:spTree>
+      <p:nvGrpSpPr>
+        <p:cNvPr id="1" name=""/>
+        <p:cNvGrpSpPr/>
+        <p:nvPr/>
+      </p:nvGrpSpPr>
+      <p:grpSpPr>
+        <a:xfrm>
+          <a:off x="0" y="0"/>
+          <a:ext cx="0" cy="0"/>
+          <a:chOff x="0" y="0"/>
+          <a:chExt cx="0" cy="0"/>
+        </a:xfrm>
+      </p:grpSpPr>
+      <p:pic>
+        <p:nvPicPr>
+          <p:cNvPr id="5" name="Picture 4" descr="A screenshot of a cell phone&#10;&#10;Description automatically generated">
+            <a:extLst>
+              <a:ext uri="{FF2B5EF4-FFF2-40B4-BE49-F238E27FC236}">
+                <a16:creationId xmlns:a16="http://schemas.microsoft.com/office/drawing/2014/main" id="{F6A43B01-6E38-4896-BF22-E2A37102D8AD}"/>
+              </a:ext>
+            </a:extLst>
+          </p:cNvPr>
+          <p:cNvPicPr>
+            <a:picLocks noChangeAspect="1"/>
+          </p:cNvPicPr>
+          <p:nvPr/>
+        </p:nvPicPr>
+        <p:blipFill>
+          <a:blip r:embed="rId2">
+            <a:extLst>
+              <a:ext uri="{28A0092B-C50C-407E-A947-70E740481C1C}">
+                <a14:useLocalDpi xmlns:a14="http://schemas.microsoft.com/office/drawing/2010/main" val="0"/>
+              </a:ext>
+            </a:extLst>
+          </a:blip>
+          <a:stretch>
+            <a:fillRect/>
+          </a:stretch>
+        </p:blipFill>
+        <p:spPr>
+          <a:xfrm>
+            <a:off x="3310466" y="643466"/>
+            <a:ext cx="5571067" cy="5571067"/>
+          </a:xfrm>
+          <a:prstGeom prst="rect">
+            <a:avLst/>
+          </a:prstGeom>
+        </p:spPr>
+      </p:pic>
+    </p:spTree>
+    <p:extLst>
+      <p:ext uri="{BB962C8B-B14F-4D97-AF65-F5344CB8AC3E}">
+        <p14:creationId xmlns:p14="http://schemas.microsoft.com/office/powerpoint/2010/main" val="1162362693"/>
+      </p:ext>
+    </p:extLst>
+  </p:cSld>
+  <p:clrMapOvr>
+    <a:masterClrMapping/>
+  </p:clrMapOvr>
+</p:sld>
+</file>
+
+<file path=ppt/slides/slide13.xml><?xml version="1.0" encoding="utf-8"?>
+<p:sld xmlns:a="http://schemas.openxmlformats.org/drawingml/2006/main" xmlns:r="http://schemas.openxmlformats.org/officeDocument/2006/relationships" xmlns:p="http://schemas.openxmlformats.org/presentationml/2006/main">
+  <p:cSld>
+    <p:bg>
+      <p:bgPr>
+        <a:solidFill>
+          <a:schemeClr val="bg1"/>
+        </a:solidFill>
+        <a:effectLst/>
+      </p:bgPr>
+    </p:bg>
+    <p:spTree>
+      <p:nvGrpSpPr>
+        <p:cNvPr id="1" name=""/>
+        <p:cNvGrpSpPr/>
+        <p:nvPr/>
+      </p:nvGrpSpPr>
+      <p:grpSpPr>
+        <a:xfrm>
+          <a:off x="0" y="0"/>
+          <a:ext cx="0" cy="0"/>
+          <a:chOff x="0" y="0"/>
+          <a:chExt cx="0" cy="0"/>
+        </a:xfrm>
+      </p:grpSpPr>
+      <p:pic>
+        <p:nvPicPr>
+          <p:cNvPr id="5" name="Picture 4" descr="A close up of a map&#10;&#10;Description automatically generated">
+            <a:extLst>
+              <a:ext uri="{FF2B5EF4-FFF2-40B4-BE49-F238E27FC236}">
+                <a16:creationId xmlns:a16="http://schemas.microsoft.com/office/drawing/2014/main" id="{7FA65007-6648-417D-B059-56FD5268AFDB}"/>
+              </a:ext>
+            </a:extLst>
+          </p:cNvPr>
+          <p:cNvPicPr>
+            <a:picLocks noChangeAspect="1"/>
+          </p:cNvPicPr>
+          <p:nvPr/>
+        </p:nvPicPr>
+        <p:blipFill>
+          <a:blip r:embed="rId2">
+            <a:extLst>
+              <a:ext uri="{28A0092B-C50C-407E-A947-70E740481C1C}">
+                <a14:useLocalDpi xmlns:a14="http://schemas.microsoft.com/office/drawing/2010/main" val="0"/>
+              </a:ext>
+            </a:extLst>
+          </a:blip>
+          <a:stretch>
+            <a:fillRect/>
+          </a:stretch>
+        </p:blipFill>
+        <p:spPr>
+          <a:xfrm>
+            <a:off x="3310466" y="643466"/>
+            <a:ext cx="5571067" cy="5571067"/>
+          </a:xfrm>
+          <a:prstGeom prst="rect">
+            <a:avLst/>
+          </a:prstGeom>
+        </p:spPr>
+      </p:pic>
+    </p:spTree>
+    <p:extLst>
+      <p:ext uri="{BB962C8B-B14F-4D97-AF65-F5344CB8AC3E}">
+        <p14:creationId xmlns:p14="http://schemas.microsoft.com/office/powerpoint/2010/main" val="4248803408"/>
       </p:ext>
     </p:extLst>
   </p:cSld>
@@ -13793,6 +14097,302 @@
 </p:sld>
 </file>
 
+<file path=ppt/slides/slide6.xml><?xml version="1.0" encoding="utf-8"?>
+<p:sld xmlns:a="http://schemas.openxmlformats.org/drawingml/2006/main" xmlns:r="http://schemas.openxmlformats.org/officeDocument/2006/relationships" xmlns:p="http://schemas.openxmlformats.org/presentationml/2006/main">
+  <p:cSld>
+    <p:bg>
+      <p:bgPr>
+        <a:solidFill>
+          <a:schemeClr val="bg1"/>
+        </a:solidFill>
+        <a:effectLst/>
+      </p:bgPr>
+    </p:bg>
+    <p:spTree>
+      <p:nvGrpSpPr>
+        <p:cNvPr id="1" name=""/>
+        <p:cNvGrpSpPr/>
+        <p:nvPr/>
+      </p:nvGrpSpPr>
+      <p:grpSpPr>
+        <a:xfrm>
+          <a:off x="0" y="0"/>
+          <a:ext cx="0" cy="0"/>
+          <a:chOff x="0" y="0"/>
+          <a:chExt cx="0" cy="0"/>
+        </a:xfrm>
+      </p:grpSpPr>
+      <p:pic>
+        <p:nvPicPr>
+          <p:cNvPr id="6" name="Picture 5" descr="A close up of a map&#10;&#10;Description automatically generated">
+            <a:extLst>
+              <a:ext uri="{FF2B5EF4-FFF2-40B4-BE49-F238E27FC236}">
+                <a16:creationId xmlns:a16="http://schemas.microsoft.com/office/drawing/2014/main" id="{EA8DCDB7-26BC-4EA0-86F1-5BFDA03A80B3}"/>
+              </a:ext>
+            </a:extLst>
+          </p:cNvPr>
+          <p:cNvPicPr>
+            <a:picLocks noChangeAspect="1"/>
+          </p:cNvPicPr>
+          <p:nvPr/>
+        </p:nvPicPr>
+        <p:blipFill>
+          <a:blip r:embed="rId2">
+            <a:extLst>
+              <a:ext uri="{28A0092B-C50C-407E-A947-70E740481C1C}">
+                <a14:useLocalDpi xmlns:a14="http://schemas.microsoft.com/office/drawing/2010/main" val="0"/>
+              </a:ext>
+            </a:extLst>
+          </a:blip>
+          <a:stretch>
+            <a:fillRect/>
+          </a:stretch>
+        </p:blipFill>
+        <p:spPr>
+          <a:xfrm>
+            <a:off x="3310466" y="643466"/>
+            <a:ext cx="5571067" cy="5571067"/>
+          </a:xfrm>
+          <a:prstGeom prst="rect">
+            <a:avLst/>
+          </a:prstGeom>
+        </p:spPr>
+      </p:pic>
+    </p:spTree>
+    <p:extLst>
+      <p:ext uri="{BB962C8B-B14F-4D97-AF65-F5344CB8AC3E}">
+        <p14:creationId xmlns:p14="http://schemas.microsoft.com/office/powerpoint/2010/main" val="1726181939"/>
+      </p:ext>
+    </p:extLst>
+  </p:cSld>
+  <p:clrMapOvr>
+    <a:masterClrMapping/>
+  </p:clrMapOvr>
+</p:sld>
+</file>
+
+<file path=ppt/slides/slide7.xml><?xml version="1.0" encoding="utf-8"?>
+<p:sld xmlns:a="http://schemas.openxmlformats.org/drawingml/2006/main" xmlns:r="http://schemas.openxmlformats.org/officeDocument/2006/relationships" xmlns:p="http://schemas.openxmlformats.org/presentationml/2006/main">
+  <p:cSld>
+    <p:bg>
+      <p:bgPr>
+        <a:solidFill>
+          <a:schemeClr val="bg1"/>
+        </a:solidFill>
+        <a:effectLst/>
+      </p:bgPr>
+    </p:bg>
+    <p:spTree>
+      <p:nvGrpSpPr>
+        <p:cNvPr id="1" name=""/>
+        <p:cNvGrpSpPr/>
+        <p:nvPr/>
+      </p:nvGrpSpPr>
+      <p:grpSpPr>
+        <a:xfrm>
+          <a:off x="0" y="0"/>
+          <a:ext cx="0" cy="0"/>
+          <a:chOff x="0" y="0"/>
+          <a:chExt cx="0" cy="0"/>
+        </a:xfrm>
+      </p:grpSpPr>
+      <p:pic>
+        <p:nvPicPr>
+          <p:cNvPr id="6" name="Picture 5">
+            <a:extLst>
+              <a:ext uri="{FF2B5EF4-FFF2-40B4-BE49-F238E27FC236}">
+                <a16:creationId xmlns:a16="http://schemas.microsoft.com/office/drawing/2014/main" id="{BE0E8F34-5BA6-4433-88D3-DC68C6A9D999}"/>
+              </a:ext>
+            </a:extLst>
+          </p:cNvPr>
+          <p:cNvPicPr>
+            <a:picLocks noChangeAspect="1"/>
+          </p:cNvPicPr>
+          <p:nvPr/>
+        </p:nvPicPr>
+        <p:blipFill>
+          <a:blip r:embed="rId2">
+            <a:extLst>
+              <a:ext uri="{28A0092B-C50C-407E-A947-70E740481C1C}">
+                <a14:useLocalDpi xmlns:a14="http://schemas.microsoft.com/office/drawing/2010/main" val="0"/>
+              </a:ext>
+            </a:extLst>
+          </a:blip>
+          <a:stretch>
+            <a:fillRect/>
+          </a:stretch>
+        </p:blipFill>
+        <p:spPr>
+          <a:xfrm>
+            <a:off x="3310466" y="643466"/>
+            <a:ext cx="5571067" cy="5571067"/>
+          </a:xfrm>
+          <a:prstGeom prst="rect">
+            <a:avLst/>
+          </a:prstGeom>
+        </p:spPr>
+      </p:pic>
+    </p:spTree>
+    <p:extLst>
+      <p:ext uri="{BB962C8B-B14F-4D97-AF65-F5344CB8AC3E}">
+        <p14:creationId xmlns:p14="http://schemas.microsoft.com/office/powerpoint/2010/main" val="74530182"/>
+      </p:ext>
+    </p:extLst>
+  </p:cSld>
+  <p:clrMapOvr>
+    <a:masterClrMapping/>
+  </p:clrMapOvr>
+</p:sld>
+</file>
+
+<file path=ppt/slides/slide8.xml><?xml version="1.0" encoding="utf-8"?>
+<p:sld xmlns:a="http://schemas.openxmlformats.org/drawingml/2006/main" xmlns:r="http://schemas.openxmlformats.org/officeDocument/2006/relationships" xmlns:p="http://schemas.openxmlformats.org/presentationml/2006/main">
+  <p:cSld>
+    <p:bg>
+      <p:bgPr>
+        <a:solidFill>
+          <a:schemeClr val="bg1"/>
+        </a:solidFill>
+        <a:effectLst/>
+      </p:bgPr>
+    </p:bg>
+    <p:spTree>
+      <p:nvGrpSpPr>
+        <p:cNvPr id="1" name=""/>
+        <p:cNvGrpSpPr/>
+        <p:nvPr/>
+      </p:nvGrpSpPr>
+      <p:grpSpPr>
+        <a:xfrm>
+          <a:off x="0" y="0"/>
+          <a:ext cx="0" cy="0"/>
+          <a:chOff x="0" y="0"/>
+          <a:chExt cx="0" cy="0"/>
+        </a:xfrm>
+      </p:grpSpPr>
+      <p:pic>
+        <p:nvPicPr>
+          <p:cNvPr id="6" name="Picture 5">
+            <a:extLst>
+              <a:ext uri="{FF2B5EF4-FFF2-40B4-BE49-F238E27FC236}">
+                <a16:creationId xmlns:a16="http://schemas.microsoft.com/office/drawing/2014/main" id="{04EC9B21-7E3A-4542-A8FB-A55BFFDCFD42}"/>
+              </a:ext>
+            </a:extLst>
+          </p:cNvPr>
+          <p:cNvPicPr>
+            <a:picLocks noChangeAspect="1"/>
+          </p:cNvPicPr>
+          <p:nvPr/>
+        </p:nvPicPr>
+        <p:blipFill>
+          <a:blip r:embed="rId2">
+            <a:extLst>
+              <a:ext uri="{28A0092B-C50C-407E-A947-70E740481C1C}">
+                <a14:useLocalDpi xmlns:a14="http://schemas.microsoft.com/office/drawing/2010/main" val="0"/>
+              </a:ext>
+            </a:extLst>
+          </a:blip>
+          <a:stretch>
+            <a:fillRect/>
+          </a:stretch>
+        </p:blipFill>
+        <p:spPr>
+          <a:xfrm>
+            <a:off x="3310466" y="643466"/>
+            <a:ext cx="5571067" cy="5571067"/>
+          </a:xfrm>
+          <a:prstGeom prst="rect">
+            <a:avLst/>
+          </a:prstGeom>
+        </p:spPr>
+      </p:pic>
+    </p:spTree>
+    <p:extLst>
+      <p:ext uri="{BB962C8B-B14F-4D97-AF65-F5344CB8AC3E}">
+        <p14:creationId xmlns:p14="http://schemas.microsoft.com/office/powerpoint/2010/main" val="2454714706"/>
+      </p:ext>
+    </p:extLst>
+  </p:cSld>
+  <p:clrMapOvr>
+    <a:masterClrMapping/>
+  </p:clrMapOvr>
+</p:sld>
+</file>
+
+<file path=ppt/slides/slide9.xml><?xml version="1.0" encoding="utf-8"?>
+<p:sld xmlns:a="http://schemas.openxmlformats.org/drawingml/2006/main" xmlns:r="http://schemas.openxmlformats.org/officeDocument/2006/relationships" xmlns:p="http://schemas.openxmlformats.org/presentationml/2006/main">
+  <p:cSld>
+    <p:bg>
+      <p:bgPr>
+        <a:solidFill>
+          <a:schemeClr val="bg1"/>
+        </a:solidFill>
+        <a:effectLst/>
+      </p:bgPr>
+    </p:bg>
+    <p:spTree>
+      <p:nvGrpSpPr>
+        <p:cNvPr id="1" name=""/>
+        <p:cNvGrpSpPr/>
+        <p:nvPr/>
+      </p:nvGrpSpPr>
+      <p:grpSpPr>
+        <a:xfrm>
+          <a:off x="0" y="0"/>
+          <a:ext cx="0" cy="0"/>
+          <a:chOff x="0" y="0"/>
+          <a:chExt cx="0" cy="0"/>
+        </a:xfrm>
+      </p:grpSpPr>
+      <p:pic>
+        <p:nvPicPr>
+          <p:cNvPr id="7" name="Picture 6">
+            <a:extLst>
+              <a:ext uri="{FF2B5EF4-FFF2-40B4-BE49-F238E27FC236}">
+                <a16:creationId xmlns:a16="http://schemas.microsoft.com/office/drawing/2014/main" id="{AB999822-7660-4001-A9C4-D493F784EA4E}"/>
+              </a:ext>
+            </a:extLst>
+          </p:cNvPr>
+          <p:cNvPicPr>
+            <a:picLocks noChangeAspect="1"/>
+          </p:cNvPicPr>
+          <p:nvPr/>
+        </p:nvPicPr>
+        <p:blipFill>
+          <a:blip r:embed="rId2">
+            <a:extLst>
+              <a:ext uri="{28A0092B-C50C-407E-A947-70E740481C1C}">
+                <a14:useLocalDpi xmlns:a14="http://schemas.microsoft.com/office/drawing/2010/main" val="0"/>
+              </a:ext>
+            </a:extLst>
+          </a:blip>
+          <a:stretch>
+            <a:fillRect/>
+          </a:stretch>
+        </p:blipFill>
+        <p:spPr>
+          <a:xfrm>
+            <a:off x="3310466" y="643466"/>
+            <a:ext cx="5571067" cy="5571067"/>
+          </a:xfrm>
+          <a:prstGeom prst="rect">
+            <a:avLst/>
+          </a:prstGeom>
+        </p:spPr>
+      </p:pic>
+    </p:spTree>
+    <p:extLst>
+      <p:ext uri="{BB962C8B-B14F-4D97-AF65-F5344CB8AC3E}">
+        <p14:creationId xmlns:p14="http://schemas.microsoft.com/office/powerpoint/2010/main" val="2126503530"/>
+      </p:ext>
+    </p:extLst>
+  </p:cSld>
+  <p:clrMapOvr>
+    <a:masterClrMapping/>
+  </p:clrMapOvr>
+</p:sld>
+</file>
+
 <file path=ppt/theme/theme1.xml><?xml version="1.0" encoding="utf-8"?>
 <a:theme xmlns:a="http://schemas.openxmlformats.org/drawingml/2006/main" name="Office Theme">
   <a:themeElements>
